--- a/Teaching/Chemistry/Lecture Slides/FCC Chem 3A Chap 13 Content.pptx
+++ b/Teaching/Chemistry/Lecture Slides/FCC Chem 3A Chap 13 Content.pptx
@@ -5,11 +5,17 @@
     <p:sldMasterId id="2147483803" r:id="rId1"/>
   </p:sldMasterIdLst>
   <p:notesMasterIdLst>
-    <p:notesMasterId r:id="rId4"/>
+    <p:notesMasterId r:id="rId10"/>
   </p:notesMasterIdLst>
   <p:sldIdLst>
     <p:sldId id="608" r:id="rId2"/>
     <p:sldId id="830" r:id="rId3"/>
+    <p:sldId id="831" r:id="rId4"/>
+    <p:sldId id="832" r:id="rId5"/>
+    <p:sldId id="833" r:id="rId6"/>
+    <p:sldId id="834" r:id="rId7"/>
+    <p:sldId id="835" r:id="rId8"/>
+    <p:sldId id="836" r:id="rId9"/>
   </p:sldIdLst>
   <p:sldSz cx="9144000" cy="6858000" type="screen4x3"/>
   <p:notesSz cx="7315200" cy="9601200"/>
@@ -10054,6 +10060,701 @@
     <p:extLst>
       <p:ext uri="{BB962C8B-B14F-4D97-AF65-F5344CB8AC3E}">
         <p14:creationId xmlns:p14="http://schemas.microsoft.com/office/powerpoint/2010/main" val="4269390694"/>
+      </p:ext>
+    </p:extLst>
+  </p:cSld>
+  <p:clrMapOvr>
+    <a:masterClrMapping/>
+  </p:clrMapOvr>
+</p:sld>
+</file>
+
+<file path=ppt/slides/slide3.xml><?xml version="1.0" encoding="utf-8"?>
+<p:sld xmlns:a="http://schemas.openxmlformats.org/drawingml/2006/main" xmlns:r="http://schemas.openxmlformats.org/officeDocument/2006/relationships" xmlns:p="http://schemas.openxmlformats.org/presentationml/2006/main">
+  <p:cSld>
+    <p:spTree>
+      <p:nvGrpSpPr>
+        <p:cNvPr id="1" name="">
+          <a:extLst>
+            <a:ext uri="{FF2B5EF4-FFF2-40B4-BE49-F238E27FC236}">
+              <a16:creationId xmlns:a16="http://schemas.microsoft.com/office/drawing/2014/main" id="{B354CED1-1CF7-4F0E-879A-956C58EDD3D6}"/>
+            </a:ext>
+          </a:extLst>
+        </p:cNvPr>
+        <p:cNvGrpSpPr/>
+        <p:nvPr/>
+      </p:nvGrpSpPr>
+      <p:grpSpPr>
+        <a:xfrm>
+          <a:off x="0" y="0"/>
+          <a:ext cx="0" cy="0"/>
+          <a:chOff x="0" y="0"/>
+          <a:chExt cx="0" cy="0"/>
+        </a:xfrm>
+      </p:grpSpPr>
+      <p:sp>
+        <p:nvSpPr>
+          <p:cNvPr id="4" name="Title 3">
+            <a:extLst>
+              <a:ext uri="{FF2B5EF4-FFF2-40B4-BE49-F238E27FC236}">
+                <a16:creationId xmlns:a16="http://schemas.microsoft.com/office/drawing/2014/main" id="{CAB6B920-E637-A599-060A-72F75BD13B4D}"/>
+              </a:ext>
+            </a:extLst>
+          </p:cNvPr>
+          <p:cNvSpPr>
+            <a:spLocks noGrp="1"/>
+          </p:cNvSpPr>
+          <p:nvPr>
+            <p:ph type="title"/>
+          </p:nvPr>
+        </p:nvSpPr>
+        <p:spPr>
+          <a:xfrm>
+            <a:off x="364067" y="306073"/>
+            <a:ext cx="8421512" cy="707886"/>
+          </a:xfrm>
+        </p:spPr>
+        <p:txBody>
+          <a:bodyPr/>
+          <a:lstStyle/>
+          <a:p>
+            <a:r>
+              <a:rPr lang="en-US" sz="4000" dirty="0"/>
+              <a:t>Collision Theory</a:t>
+            </a:r>
+          </a:p>
+        </p:txBody>
+      </p:sp>
+      <p:sp>
+        <p:nvSpPr>
+          <p:cNvPr id="5" name="Content Placeholder 4">
+            <a:extLst>
+              <a:ext uri="{FF2B5EF4-FFF2-40B4-BE49-F238E27FC236}">
+                <a16:creationId xmlns:a16="http://schemas.microsoft.com/office/drawing/2014/main" id="{0F5AC574-450E-5A76-E50D-047D2F27C736}"/>
+              </a:ext>
+            </a:extLst>
+          </p:cNvPr>
+          <p:cNvSpPr>
+            <a:spLocks noGrp="1"/>
+          </p:cNvSpPr>
+          <p:nvPr>
+            <p:ph idx="1"/>
+          </p:nvPr>
+        </p:nvSpPr>
+        <p:spPr/>
+        <p:txBody>
+          <a:bodyPr/>
+          <a:lstStyle/>
+          <a:p>
+            <a:pPr marL="0" indent="0">
+              <a:buNone/>
+            </a:pPr>
+            <a:r>
+              <a:rPr lang="en-US" sz="2800" dirty="0"/>
+              <a:t>Chemical Equilibrium</a:t>
+            </a:r>
+          </a:p>
+        </p:txBody>
+      </p:sp>
+    </p:spTree>
+    <p:extLst>
+      <p:ext uri="{BB962C8B-B14F-4D97-AF65-F5344CB8AC3E}">
+        <p14:creationId xmlns:p14="http://schemas.microsoft.com/office/powerpoint/2010/main" val="2181787359"/>
+      </p:ext>
+    </p:extLst>
+  </p:cSld>
+  <p:clrMapOvr>
+    <a:masterClrMapping/>
+  </p:clrMapOvr>
+</p:sld>
+</file>
+
+<file path=ppt/slides/slide4.xml><?xml version="1.0" encoding="utf-8"?>
+<p:sld xmlns:a="http://schemas.openxmlformats.org/drawingml/2006/main" xmlns:r="http://schemas.openxmlformats.org/officeDocument/2006/relationships" xmlns:p="http://schemas.openxmlformats.org/presentationml/2006/main">
+  <p:cSld>
+    <p:spTree>
+      <p:nvGrpSpPr>
+        <p:cNvPr id="1" name="">
+          <a:extLst>
+            <a:ext uri="{FF2B5EF4-FFF2-40B4-BE49-F238E27FC236}">
+              <a16:creationId xmlns:a16="http://schemas.microsoft.com/office/drawing/2014/main" id="{53CB9842-CA4C-72DF-2790-831AEFB20D74}"/>
+            </a:ext>
+          </a:extLst>
+        </p:cNvPr>
+        <p:cNvGrpSpPr/>
+        <p:nvPr/>
+      </p:nvGrpSpPr>
+      <p:grpSpPr>
+        <a:xfrm>
+          <a:off x="0" y="0"/>
+          <a:ext cx="0" cy="0"/>
+          <a:chOff x="0" y="0"/>
+          <a:chExt cx="0" cy="0"/>
+        </a:xfrm>
+      </p:grpSpPr>
+      <p:sp>
+        <p:nvSpPr>
+          <p:cNvPr id="4" name="Title 3">
+            <a:extLst>
+              <a:ext uri="{FF2B5EF4-FFF2-40B4-BE49-F238E27FC236}">
+                <a16:creationId xmlns:a16="http://schemas.microsoft.com/office/drawing/2014/main" id="{8E087907-0FC7-F78B-2D15-4512DC866728}"/>
+              </a:ext>
+            </a:extLst>
+          </p:cNvPr>
+          <p:cNvSpPr>
+            <a:spLocks noGrp="1"/>
+          </p:cNvSpPr>
+          <p:nvPr>
+            <p:ph type="title"/>
+          </p:nvPr>
+        </p:nvSpPr>
+        <p:spPr>
+          <a:xfrm>
+            <a:off x="364067" y="306073"/>
+            <a:ext cx="8421512" cy="707886"/>
+          </a:xfrm>
+        </p:spPr>
+        <p:txBody>
+          <a:bodyPr/>
+          <a:lstStyle/>
+          <a:p>
+            <a:r>
+              <a:rPr lang="en-US" sz="4000" dirty="0"/>
+              <a:t>Reaction Rates Factors</a:t>
+            </a:r>
+          </a:p>
+        </p:txBody>
+      </p:sp>
+      <p:sp>
+        <p:nvSpPr>
+          <p:cNvPr id="5" name="Content Placeholder 4">
+            <a:extLst>
+              <a:ext uri="{FF2B5EF4-FFF2-40B4-BE49-F238E27FC236}">
+                <a16:creationId xmlns:a16="http://schemas.microsoft.com/office/drawing/2014/main" id="{BB52F8CB-77FD-C4CF-A21A-E0580622DE5A}"/>
+              </a:ext>
+            </a:extLst>
+          </p:cNvPr>
+          <p:cNvSpPr>
+            <a:spLocks noGrp="1"/>
+          </p:cNvSpPr>
+          <p:nvPr>
+            <p:ph idx="1"/>
+          </p:nvPr>
+        </p:nvSpPr>
+        <p:spPr/>
+        <p:txBody>
+          <a:bodyPr/>
+          <a:lstStyle/>
+          <a:p>
+            <a:pPr marL="0" indent="0">
+              <a:buNone/>
+            </a:pPr>
+            <a:r>
+              <a:rPr lang="en-US" sz="2800" dirty="0"/>
+              <a:t>Temperature</a:t>
+            </a:r>
+          </a:p>
+          <a:p>
+            <a:pPr marL="0" indent="0">
+              <a:buNone/>
+            </a:pPr>
+            <a:r>
+              <a:rPr lang="en-US" sz="2800" dirty="0"/>
+              <a:t>Concentration</a:t>
+            </a:r>
+          </a:p>
+          <a:p>
+            <a:pPr marL="0" indent="0">
+              <a:buNone/>
+            </a:pPr>
+            <a:r>
+              <a:rPr lang="en-US" sz="2800" dirty="0"/>
+              <a:t>Catalysts</a:t>
+            </a:r>
+          </a:p>
+        </p:txBody>
+      </p:sp>
+    </p:spTree>
+    <p:extLst>
+      <p:ext uri="{BB962C8B-B14F-4D97-AF65-F5344CB8AC3E}">
+        <p14:creationId xmlns:p14="http://schemas.microsoft.com/office/powerpoint/2010/main" val="4089306857"/>
+      </p:ext>
+    </p:extLst>
+  </p:cSld>
+  <p:clrMapOvr>
+    <a:masterClrMapping/>
+  </p:clrMapOvr>
+</p:sld>
+</file>
+
+<file path=ppt/slides/slide5.xml><?xml version="1.0" encoding="utf-8"?>
+<p:sld xmlns:a="http://schemas.openxmlformats.org/drawingml/2006/main" xmlns:r="http://schemas.openxmlformats.org/officeDocument/2006/relationships" xmlns:p="http://schemas.openxmlformats.org/presentationml/2006/main">
+  <p:cSld>
+    <p:spTree>
+      <p:nvGrpSpPr>
+        <p:cNvPr id="1" name="">
+          <a:extLst>
+            <a:ext uri="{FF2B5EF4-FFF2-40B4-BE49-F238E27FC236}">
+              <a16:creationId xmlns:a16="http://schemas.microsoft.com/office/drawing/2014/main" id="{B37C87DC-DD36-4B88-0717-3070AAA22002}"/>
+            </a:ext>
+          </a:extLst>
+        </p:cNvPr>
+        <p:cNvGrpSpPr/>
+        <p:nvPr/>
+      </p:nvGrpSpPr>
+      <p:grpSpPr>
+        <a:xfrm>
+          <a:off x="0" y="0"/>
+          <a:ext cx="0" cy="0"/>
+          <a:chOff x="0" y="0"/>
+          <a:chExt cx="0" cy="0"/>
+        </a:xfrm>
+      </p:grpSpPr>
+      <p:sp>
+        <p:nvSpPr>
+          <p:cNvPr id="4" name="Title 3">
+            <a:extLst>
+              <a:ext uri="{FF2B5EF4-FFF2-40B4-BE49-F238E27FC236}">
+                <a16:creationId xmlns:a16="http://schemas.microsoft.com/office/drawing/2014/main" id="{A82DBCFC-D394-3715-1F88-5C2A42FB59C8}"/>
+              </a:ext>
+            </a:extLst>
+          </p:cNvPr>
+          <p:cNvSpPr>
+            <a:spLocks noGrp="1"/>
+          </p:cNvSpPr>
+          <p:nvPr>
+            <p:ph type="title"/>
+          </p:nvPr>
+        </p:nvSpPr>
+        <p:spPr>
+          <a:xfrm>
+            <a:off x="364067" y="306073"/>
+            <a:ext cx="8421512" cy="707886"/>
+          </a:xfrm>
+        </p:spPr>
+        <p:txBody>
+          <a:bodyPr/>
+          <a:lstStyle/>
+          <a:p>
+            <a:r>
+              <a:rPr lang="en-US" sz="4000" dirty="0"/>
+              <a:t>Dynamic Equilibrium</a:t>
+            </a:r>
+          </a:p>
+        </p:txBody>
+      </p:sp>
+      <p:sp>
+        <p:nvSpPr>
+          <p:cNvPr id="5" name="Content Placeholder 4">
+            <a:extLst>
+              <a:ext uri="{FF2B5EF4-FFF2-40B4-BE49-F238E27FC236}">
+                <a16:creationId xmlns:a16="http://schemas.microsoft.com/office/drawing/2014/main" id="{36F1D10E-5D25-EF1E-2F04-1F273824D8EE}"/>
+              </a:ext>
+            </a:extLst>
+          </p:cNvPr>
+          <p:cNvSpPr>
+            <a:spLocks noGrp="1"/>
+          </p:cNvSpPr>
+          <p:nvPr>
+            <p:ph idx="1"/>
+          </p:nvPr>
+        </p:nvSpPr>
+        <p:spPr/>
+        <p:txBody>
+          <a:bodyPr/>
+          <a:lstStyle/>
+          <a:p>
+            <a:pPr marL="0" indent="0">
+              <a:buNone/>
+            </a:pPr>
+            <a:r>
+              <a:rPr lang="en-US" sz="2800" dirty="0"/>
+              <a:t>Temperature</a:t>
+            </a:r>
+          </a:p>
+          <a:p>
+            <a:pPr marL="0" indent="0">
+              <a:buNone/>
+            </a:pPr>
+            <a:r>
+              <a:rPr lang="en-US" sz="2800" dirty="0"/>
+              <a:t>Concentration</a:t>
+            </a:r>
+          </a:p>
+          <a:p>
+            <a:pPr marL="0" indent="0">
+              <a:buNone/>
+            </a:pPr>
+            <a:r>
+              <a:rPr lang="en-US" sz="2800" dirty="0"/>
+              <a:t>Catalysts</a:t>
+            </a:r>
+          </a:p>
+        </p:txBody>
+      </p:sp>
+    </p:spTree>
+    <p:extLst>
+      <p:ext uri="{BB962C8B-B14F-4D97-AF65-F5344CB8AC3E}">
+        <p14:creationId xmlns:p14="http://schemas.microsoft.com/office/powerpoint/2010/main" val="3195226364"/>
+      </p:ext>
+    </p:extLst>
+  </p:cSld>
+  <p:clrMapOvr>
+    <a:masterClrMapping/>
+  </p:clrMapOvr>
+</p:sld>
+</file>
+
+<file path=ppt/slides/slide6.xml><?xml version="1.0" encoding="utf-8"?>
+<p:sld xmlns:a="http://schemas.openxmlformats.org/drawingml/2006/main" xmlns:r="http://schemas.openxmlformats.org/officeDocument/2006/relationships" xmlns:p="http://schemas.openxmlformats.org/presentationml/2006/main">
+  <p:cSld>
+    <p:spTree>
+      <p:nvGrpSpPr>
+        <p:cNvPr id="1" name="">
+          <a:extLst>
+            <a:ext uri="{FF2B5EF4-FFF2-40B4-BE49-F238E27FC236}">
+              <a16:creationId xmlns:a16="http://schemas.microsoft.com/office/drawing/2014/main" id="{7C9AD619-4AF1-FE65-BE04-5CB3ECF43D73}"/>
+            </a:ext>
+          </a:extLst>
+        </p:cNvPr>
+        <p:cNvGrpSpPr/>
+        <p:nvPr/>
+      </p:nvGrpSpPr>
+      <p:grpSpPr>
+        <a:xfrm>
+          <a:off x="0" y="0"/>
+          <a:ext cx="0" cy="0"/>
+          <a:chOff x="0" y="0"/>
+          <a:chExt cx="0" cy="0"/>
+        </a:xfrm>
+      </p:grpSpPr>
+      <p:sp>
+        <p:nvSpPr>
+          <p:cNvPr id="4" name="Title 3">
+            <a:extLst>
+              <a:ext uri="{FF2B5EF4-FFF2-40B4-BE49-F238E27FC236}">
+                <a16:creationId xmlns:a16="http://schemas.microsoft.com/office/drawing/2014/main" id="{6D7D4027-0C77-D7AE-F013-52B19697551F}"/>
+              </a:ext>
+            </a:extLst>
+          </p:cNvPr>
+          <p:cNvSpPr>
+            <a:spLocks noGrp="1"/>
+          </p:cNvSpPr>
+          <p:nvPr>
+            <p:ph type="title"/>
+          </p:nvPr>
+        </p:nvSpPr>
+        <p:spPr>
+          <a:xfrm>
+            <a:off x="364067" y="306073"/>
+            <a:ext cx="8421512" cy="707886"/>
+          </a:xfrm>
+        </p:spPr>
+        <p:txBody>
+          <a:bodyPr/>
+          <a:lstStyle/>
+          <a:p>
+            <a:r>
+              <a:rPr lang="en-US" sz="4000" dirty="0"/>
+              <a:t>Equilibrium Constant Expression</a:t>
+            </a:r>
+          </a:p>
+        </p:txBody>
+      </p:sp>
+      <p:sp>
+        <p:nvSpPr>
+          <p:cNvPr id="5" name="Content Placeholder 4">
+            <a:extLst>
+              <a:ext uri="{FF2B5EF4-FFF2-40B4-BE49-F238E27FC236}">
+                <a16:creationId xmlns:a16="http://schemas.microsoft.com/office/drawing/2014/main" id="{4F5BFD8A-92E3-A5B7-AE8F-127EA2EDF427}"/>
+              </a:ext>
+            </a:extLst>
+          </p:cNvPr>
+          <p:cNvSpPr>
+            <a:spLocks noGrp="1"/>
+          </p:cNvSpPr>
+          <p:nvPr>
+            <p:ph idx="1"/>
+          </p:nvPr>
+        </p:nvSpPr>
+        <p:spPr/>
+        <p:txBody>
+          <a:bodyPr/>
+          <a:lstStyle/>
+          <a:p>
+            <a:pPr marL="0" indent="0">
+              <a:buNone/>
+            </a:pPr>
+            <a:r>
+              <a:rPr lang="en-US" sz="2800" dirty="0"/>
+              <a:t>Temperature</a:t>
+            </a:r>
+          </a:p>
+          <a:p>
+            <a:pPr marL="0" indent="0">
+              <a:buNone/>
+            </a:pPr>
+            <a:r>
+              <a:rPr lang="en-US" sz="2800" dirty="0"/>
+              <a:t>Concentration</a:t>
+            </a:r>
+          </a:p>
+          <a:p>
+            <a:pPr marL="0" indent="0">
+              <a:buNone/>
+            </a:pPr>
+            <a:r>
+              <a:rPr lang="en-US" sz="2800" dirty="0"/>
+              <a:t>Catalysts</a:t>
+            </a:r>
+          </a:p>
+        </p:txBody>
+      </p:sp>
+    </p:spTree>
+    <p:extLst>
+      <p:ext uri="{BB962C8B-B14F-4D97-AF65-F5344CB8AC3E}">
+        <p14:creationId xmlns:p14="http://schemas.microsoft.com/office/powerpoint/2010/main" val="2261181748"/>
+      </p:ext>
+    </p:extLst>
+  </p:cSld>
+  <p:clrMapOvr>
+    <a:masterClrMapping/>
+  </p:clrMapOvr>
+</p:sld>
+</file>
+
+<file path=ppt/slides/slide7.xml><?xml version="1.0" encoding="utf-8"?>
+<p:sld xmlns:a="http://schemas.openxmlformats.org/drawingml/2006/main" xmlns:r="http://schemas.openxmlformats.org/officeDocument/2006/relationships" xmlns:p="http://schemas.openxmlformats.org/presentationml/2006/main">
+  <p:cSld>
+    <p:spTree>
+      <p:nvGrpSpPr>
+        <p:cNvPr id="1" name="">
+          <a:extLst>
+            <a:ext uri="{FF2B5EF4-FFF2-40B4-BE49-F238E27FC236}">
+              <a16:creationId xmlns:a16="http://schemas.microsoft.com/office/drawing/2014/main" id="{E03317A3-1F61-86C0-FB05-72F95F12F9F8}"/>
+            </a:ext>
+          </a:extLst>
+        </p:cNvPr>
+        <p:cNvGrpSpPr/>
+        <p:nvPr/>
+      </p:nvGrpSpPr>
+      <p:grpSpPr>
+        <a:xfrm>
+          <a:off x="0" y="0"/>
+          <a:ext cx="0" cy="0"/>
+          <a:chOff x="0" y="0"/>
+          <a:chExt cx="0" cy="0"/>
+        </a:xfrm>
+      </p:grpSpPr>
+      <p:sp>
+        <p:nvSpPr>
+          <p:cNvPr id="4" name="Title 3">
+            <a:extLst>
+              <a:ext uri="{FF2B5EF4-FFF2-40B4-BE49-F238E27FC236}">
+                <a16:creationId xmlns:a16="http://schemas.microsoft.com/office/drawing/2014/main" id="{F86BC485-D5BA-4879-6B9C-B1E30B4B04D1}"/>
+              </a:ext>
+            </a:extLst>
+          </p:cNvPr>
+          <p:cNvSpPr>
+            <a:spLocks noGrp="1"/>
+          </p:cNvSpPr>
+          <p:nvPr>
+            <p:ph type="title"/>
+          </p:nvPr>
+        </p:nvSpPr>
+        <p:spPr>
+          <a:xfrm>
+            <a:off x="364067" y="306073"/>
+            <a:ext cx="8421512" cy="707886"/>
+          </a:xfrm>
+        </p:spPr>
+        <p:txBody>
+          <a:bodyPr/>
+          <a:lstStyle/>
+          <a:p>
+            <a:r>
+              <a:rPr lang="en-US" sz="4000" dirty="0"/>
+              <a:t>Le Chatelier’s Principle</a:t>
+            </a:r>
+          </a:p>
+        </p:txBody>
+      </p:sp>
+      <p:sp>
+        <p:nvSpPr>
+          <p:cNvPr id="5" name="Content Placeholder 4">
+            <a:extLst>
+              <a:ext uri="{FF2B5EF4-FFF2-40B4-BE49-F238E27FC236}">
+                <a16:creationId xmlns:a16="http://schemas.microsoft.com/office/drawing/2014/main" id="{1336AF9B-6EBF-EACE-C6B3-6563D68160CF}"/>
+              </a:ext>
+            </a:extLst>
+          </p:cNvPr>
+          <p:cNvSpPr>
+            <a:spLocks noGrp="1"/>
+          </p:cNvSpPr>
+          <p:nvPr>
+            <p:ph idx="1"/>
+          </p:nvPr>
+        </p:nvSpPr>
+        <p:spPr/>
+        <p:txBody>
+          <a:bodyPr/>
+          <a:lstStyle/>
+          <a:p>
+            <a:pPr marL="0" indent="0">
+              <a:buNone/>
+            </a:pPr>
+            <a:r>
+              <a:rPr lang="en-US" sz="2800" dirty="0"/>
+              <a:t>Temperature</a:t>
+            </a:r>
+          </a:p>
+          <a:p>
+            <a:pPr marL="0" indent="0">
+              <a:buNone/>
+            </a:pPr>
+            <a:r>
+              <a:rPr lang="en-US" sz="2800" dirty="0"/>
+              <a:t>Concentration</a:t>
+            </a:r>
+          </a:p>
+          <a:p>
+            <a:pPr marL="0" indent="0">
+              <a:buNone/>
+            </a:pPr>
+            <a:r>
+              <a:rPr lang="en-US" sz="2800" dirty="0"/>
+              <a:t>Catalysts</a:t>
+            </a:r>
+          </a:p>
+        </p:txBody>
+      </p:sp>
+    </p:spTree>
+    <p:extLst>
+      <p:ext uri="{BB962C8B-B14F-4D97-AF65-F5344CB8AC3E}">
+        <p14:creationId xmlns:p14="http://schemas.microsoft.com/office/powerpoint/2010/main" val="1853418567"/>
+      </p:ext>
+    </p:extLst>
+  </p:cSld>
+  <p:clrMapOvr>
+    <a:masterClrMapping/>
+  </p:clrMapOvr>
+</p:sld>
+</file>
+
+<file path=ppt/slides/slide8.xml><?xml version="1.0" encoding="utf-8"?>
+<p:sld xmlns:a="http://schemas.openxmlformats.org/drawingml/2006/main" xmlns:r="http://schemas.openxmlformats.org/officeDocument/2006/relationships" xmlns:p="http://schemas.openxmlformats.org/presentationml/2006/main">
+  <p:cSld>
+    <p:spTree>
+      <p:nvGrpSpPr>
+        <p:cNvPr id="1" name="">
+          <a:extLst>
+            <a:ext uri="{FF2B5EF4-FFF2-40B4-BE49-F238E27FC236}">
+              <a16:creationId xmlns:a16="http://schemas.microsoft.com/office/drawing/2014/main" id="{BB68ED0D-ACB9-EF1D-41DB-C84446AFA340}"/>
+            </a:ext>
+          </a:extLst>
+        </p:cNvPr>
+        <p:cNvGrpSpPr/>
+        <p:nvPr/>
+      </p:nvGrpSpPr>
+      <p:grpSpPr>
+        <a:xfrm>
+          <a:off x="0" y="0"/>
+          <a:ext cx="0" cy="0"/>
+          <a:chOff x="0" y="0"/>
+          <a:chExt cx="0" cy="0"/>
+        </a:xfrm>
+      </p:grpSpPr>
+      <p:sp>
+        <p:nvSpPr>
+          <p:cNvPr id="4" name="Title 3">
+            <a:extLst>
+              <a:ext uri="{FF2B5EF4-FFF2-40B4-BE49-F238E27FC236}">
+                <a16:creationId xmlns:a16="http://schemas.microsoft.com/office/drawing/2014/main" id="{EBFE1A26-6448-D71C-52C0-1FAE5818B8F9}"/>
+              </a:ext>
+            </a:extLst>
+          </p:cNvPr>
+          <p:cNvSpPr>
+            <a:spLocks noGrp="1"/>
+          </p:cNvSpPr>
+          <p:nvPr>
+            <p:ph type="title"/>
+          </p:nvPr>
+        </p:nvSpPr>
+        <p:spPr>
+          <a:xfrm>
+            <a:off x="364067" y="306073"/>
+            <a:ext cx="8421512" cy="707886"/>
+          </a:xfrm>
+        </p:spPr>
+        <p:txBody>
+          <a:bodyPr/>
+          <a:lstStyle/>
+          <a:p>
+            <a:r>
+              <a:rPr lang="en-US" sz="4000" dirty="0"/>
+              <a:t>Special Types </a:t>
+            </a:r>
+            <a:r>
+              <a:rPr lang="en-US" sz="4000"/>
+              <a:t>of Equilibria</a:t>
+            </a:r>
+            <a:endParaRPr lang="en-US" sz="4000" dirty="0"/>
+          </a:p>
+        </p:txBody>
+      </p:sp>
+      <p:sp>
+        <p:nvSpPr>
+          <p:cNvPr id="5" name="Content Placeholder 4">
+            <a:extLst>
+              <a:ext uri="{FF2B5EF4-FFF2-40B4-BE49-F238E27FC236}">
+                <a16:creationId xmlns:a16="http://schemas.microsoft.com/office/drawing/2014/main" id="{F155C940-02C5-9C65-9D7A-23E2762DF80C}"/>
+              </a:ext>
+            </a:extLst>
+          </p:cNvPr>
+          <p:cNvSpPr>
+            <a:spLocks noGrp="1"/>
+          </p:cNvSpPr>
+          <p:nvPr>
+            <p:ph idx="1"/>
+          </p:nvPr>
+        </p:nvSpPr>
+        <p:spPr/>
+        <p:txBody>
+          <a:bodyPr/>
+          <a:lstStyle/>
+          <a:p>
+            <a:pPr marL="0" indent="0">
+              <a:buNone/>
+            </a:pPr>
+            <a:r>
+              <a:rPr lang="en-US" sz="2800" dirty="0"/>
+              <a:t>Temperature</a:t>
+            </a:r>
+          </a:p>
+          <a:p>
+            <a:pPr marL="0" indent="0">
+              <a:buNone/>
+            </a:pPr>
+            <a:r>
+              <a:rPr lang="en-US" sz="2800" dirty="0"/>
+              <a:t>Concentration</a:t>
+            </a:r>
+          </a:p>
+          <a:p>
+            <a:pPr marL="0" indent="0">
+              <a:buNone/>
+            </a:pPr>
+            <a:r>
+              <a:rPr lang="en-US" sz="2800" dirty="0"/>
+              <a:t>Catalysts</a:t>
+            </a:r>
+          </a:p>
+        </p:txBody>
+      </p:sp>
+    </p:spTree>
+    <p:extLst>
+      <p:ext uri="{BB962C8B-B14F-4D97-AF65-F5344CB8AC3E}">
+        <p14:creationId xmlns:p14="http://schemas.microsoft.com/office/powerpoint/2010/main" val="1644431252"/>
       </p:ext>
     </p:extLst>
   </p:cSld>

--- a/Teaching/Chemistry/Lecture Slides/FCC Chem 3A Chap 13 Content.pptx
+++ b/Teaching/Chemistry/Lecture Slides/FCC Chem 3A Chap 13 Content.pptx
@@ -5,17 +5,29 @@
     <p:sldMasterId id="2147483803" r:id="rId1"/>
   </p:sldMasterIdLst>
   <p:notesMasterIdLst>
-    <p:notesMasterId r:id="rId10"/>
+    <p:notesMasterId r:id="rId22"/>
   </p:notesMasterIdLst>
   <p:sldIdLst>
     <p:sldId id="608" r:id="rId2"/>
     <p:sldId id="830" r:id="rId3"/>
     <p:sldId id="831" r:id="rId4"/>
-    <p:sldId id="832" r:id="rId5"/>
-    <p:sldId id="833" r:id="rId6"/>
-    <p:sldId id="834" r:id="rId7"/>
-    <p:sldId id="835" r:id="rId8"/>
-    <p:sldId id="836" r:id="rId9"/>
+    <p:sldId id="837" r:id="rId5"/>
+    <p:sldId id="838" r:id="rId6"/>
+    <p:sldId id="839" r:id="rId7"/>
+    <p:sldId id="832" r:id="rId8"/>
+    <p:sldId id="840" r:id="rId9"/>
+    <p:sldId id="833" r:id="rId10"/>
+    <p:sldId id="841" r:id="rId11"/>
+    <p:sldId id="842" r:id="rId12"/>
+    <p:sldId id="834" r:id="rId13"/>
+    <p:sldId id="843" r:id="rId14"/>
+    <p:sldId id="835" r:id="rId15"/>
+    <p:sldId id="844" r:id="rId16"/>
+    <p:sldId id="845" r:id="rId17"/>
+    <p:sldId id="846" r:id="rId18"/>
+    <p:sldId id="847" r:id="rId19"/>
+    <p:sldId id="836" r:id="rId20"/>
+    <p:sldId id="848" r:id="rId21"/>
   </p:sldIdLst>
   <p:sldSz cx="9144000" cy="6858000" type="screen4x3"/>
   <p:notesSz cx="7315200" cy="9601200"/>
@@ -9913,6 +9925,1491 @@
 </p:sld>
 </file>
 
+<file path=ppt/slides/slide10.xml><?xml version="1.0" encoding="utf-8"?>
+<p:sld xmlns:a="http://schemas.openxmlformats.org/drawingml/2006/main" xmlns:r="http://schemas.openxmlformats.org/officeDocument/2006/relationships" xmlns:p="http://schemas.openxmlformats.org/presentationml/2006/main">
+  <p:cSld>
+    <p:spTree>
+      <p:nvGrpSpPr>
+        <p:cNvPr id="1" name="">
+          <a:extLst>
+            <a:ext uri="{FF2B5EF4-FFF2-40B4-BE49-F238E27FC236}">
+              <a16:creationId xmlns:a16="http://schemas.microsoft.com/office/drawing/2014/main" id="{24DC9BF6-4876-9D19-E9CB-F858D72504A7}"/>
+            </a:ext>
+          </a:extLst>
+        </p:cNvPr>
+        <p:cNvGrpSpPr/>
+        <p:nvPr/>
+      </p:nvGrpSpPr>
+      <p:grpSpPr>
+        <a:xfrm>
+          <a:off x="0" y="0"/>
+          <a:ext cx="0" cy="0"/>
+          <a:chOff x="0" y="0"/>
+          <a:chExt cx="0" cy="0"/>
+        </a:xfrm>
+      </p:grpSpPr>
+      <p:sp>
+        <p:nvSpPr>
+          <p:cNvPr id="4" name="Title 3">
+            <a:extLst>
+              <a:ext uri="{FF2B5EF4-FFF2-40B4-BE49-F238E27FC236}">
+                <a16:creationId xmlns:a16="http://schemas.microsoft.com/office/drawing/2014/main" id="{FCAA6641-3BBC-8597-EC6F-653F22784C44}"/>
+              </a:ext>
+            </a:extLst>
+          </p:cNvPr>
+          <p:cNvSpPr>
+            <a:spLocks noGrp="1"/>
+          </p:cNvSpPr>
+          <p:nvPr>
+            <p:ph type="title"/>
+          </p:nvPr>
+        </p:nvSpPr>
+        <p:spPr>
+          <a:xfrm>
+            <a:off x="364067" y="306073"/>
+            <a:ext cx="8421512" cy="707886"/>
+          </a:xfrm>
+        </p:spPr>
+        <p:txBody>
+          <a:bodyPr/>
+          <a:lstStyle/>
+          <a:p>
+            <a:r>
+              <a:rPr lang="en-US" sz="4000" dirty="0"/>
+              <a:t>Dynamic Equilibrium</a:t>
+            </a:r>
+          </a:p>
+        </p:txBody>
+      </p:sp>
+      <p:sp>
+        <p:nvSpPr>
+          <p:cNvPr id="5" name="Content Placeholder 4">
+            <a:extLst>
+              <a:ext uri="{FF2B5EF4-FFF2-40B4-BE49-F238E27FC236}">
+                <a16:creationId xmlns:a16="http://schemas.microsoft.com/office/drawing/2014/main" id="{C6796A22-F409-C483-527B-C4DBC3A7FE07}"/>
+              </a:ext>
+            </a:extLst>
+          </p:cNvPr>
+          <p:cNvSpPr>
+            <a:spLocks noGrp="1"/>
+          </p:cNvSpPr>
+          <p:nvPr>
+            <p:ph idx="1"/>
+          </p:nvPr>
+        </p:nvSpPr>
+        <p:spPr/>
+        <p:txBody>
+          <a:bodyPr/>
+          <a:lstStyle/>
+          <a:p>
+            <a:pPr marL="0" indent="0">
+              <a:buNone/>
+            </a:pPr>
+            <a:r>
+              <a:rPr lang="en-US" sz="2800" dirty="0"/>
+              <a:t>Temperature</a:t>
+            </a:r>
+          </a:p>
+          <a:p>
+            <a:pPr marL="0" indent="0">
+              <a:buNone/>
+            </a:pPr>
+            <a:r>
+              <a:rPr lang="en-US" sz="2800" dirty="0"/>
+              <a:t>Concentration</a:t>
+            </a:r>
+          </a:p>
+          <a:p>
+            <a:pPr marL="0" indent="0">
+              <a:buNone/>
+            </a:pPr>
+            <a:r>
+              <a:rPr lang="en-US" sz="2800" dirty="0"/>
+              <a:t>Catalysts</a:t>
+            </a:r>
+          </a:p>
+        </p:txBody>
+      </p:sp>
+      <p:pic>
+        <p:nvPicPr>
+          <p:cNvPr id="6" name="Picture 5">
+            <a:extLst>
+              <a:ext uri="{FF2B5EF4-FFF2-40B4-BE49-F238E27FC236}">
+                <a16:creationId xmlns:a16="http://schemas.microsoft.com/office/drawing/2014/main" id="{3E55C200-4286-015A-0835-D666E572EB73}"/>
+              </a:ext>
+            </a:extLst>
+          </p:cNvPr>
+          <p:cNvPicPr>
+            <a:picLocks noChangeAspect="1"/>
+          </p:cNvPicPr>
+          <p:nvPr/>
+        </p:nvPicPr>
+        <p:blipFill>
+          <a:blip r:embed="rId2"/>
+          <a:stretch>
+            <a:fillRect/>
+          </a:stretch>
+        </p:blipFill>
+        <p:spPr>
+          <a:xfrm>
+            <a:off x="1261600" y="590154"/>
+            <a:ext cx="6620799" cy="5677692"/>
+          </a:xfrm>
+          <a:prstGeom prst="rect">
+            <a:avLst/>
+          </a:prstGeom>
+        </p:spPr>
+      </p:pic>
+    </p:spTree>
+    <p:extLst>
+      <p:ext uri="{BB962C8B-B14F-4D97-AF65-F5344CB8AC3E}">
+        <p14:creationId xmlns:p14="http://schemas.microsoft.com/office/powerpoint/2010/main" val="735192120"/>
+      </p:ext>
+    </p:extLst>
+  </p:cSld>
+  <p:clrMapOvr>
+    <a:masterClrMapping/>
+  </p:clrMapOvr>
+</p:sld>
+</file>
+
+<file path=ppt/slides/slide11.xml><?xml version="1.0" encoding="utf-8"?>
+<p:sld xmlns:a="http://schemas.openxmlformats.org/drawingml/2006/main" xmlns:r="http://schemas.openxmlformats.org/officeDocument/2006/relationships" xmlns:p="http://schemas.openxmlformats.org/presentationml/2006/main">
+  <p:cSld>
+    <p:spTree>
+      <p:nvGrpSpPr>
+        <p:cNvPr id="1" name="">
+          <a:extLst>
+            <a:ext uri="{FF2B5EF4-FFF2-40B4-BE49-F238E27FC236}">
+              <a16:creationId xmlns:a16="http://schemas.microsoft.com/office/drawing/2014/main" id="{D3DE188C-BAB6-B247-DACA-9A6FBD3AEF60}"/>
+            </a:ext>
+          </a:extLst>
+        </p:cNvPr>
+        <p:cNvGrpSpPr/>
+        <p:nvPr/>
+      </p:nvGrpSpPr>
+      <p:grpSpPr>
+        <a:xfrm>
+          <a:off x="0" y="0"/>
+          <a:ext cx="0" cy="0"/>
+          <a:chOff x="0" y="0"/>
+          <a:chExt cx="0" cy="0"/>
+        </a:xfrm>
+      </p:grpSpPr>
+      <p:sp>
+        <p:nvSpPr>
+          <p:cNvPr id="4" name="Title 3">
+            <a:extLst>
+              <a:ext uri="{FF2B5EF4-FFF2-40B4-BE49-F238E27FC236}">
+                <a16:creationId xmlns:a16="http://schemas.microsoft.com/office/drawing/2014/main" id="{7B84F6A9-3324-0266-3DF8-3CFE6A0A1896}"/>
+              </a:ext>
+            </a:extLst>
+          </p:cNvPr>
+          <p:cNvSpPr>
+            <a:spLocks noGrp="1"/>
+          </p:cNvSpPr>
+          <p:nvPr>
+            <p:ph type="title"/>
+          </p:nvPr>
+        </p:nvSpPr>
+        <p:spPr>
+          <a:xfrm>
+            <a:off x="364067" y="306073"/>
+            <a:ext cx="8421512" cy="707886"/>
+          </a:xfrm>
+        </p:spPr>
+        <p:txBody>
+          <a:bodyPr/>
+          <a:lstStyle/>
+          <a:p>
+            <a:r>
+              <a:rPr lang="en-US" sz="4000" dirty="0"/>
+              <a:t>Dynamic Equilibrium</a:t>
+            </a:r>
+          </a:p>
+        </p:txBody>
+      </p:sp>
+      <p:sp>
+        <p:nvSpPr>
+          <p:cNvPr id="5" name="Content Placeholder 4">
+            <a:extLst>
+              <a:ext uri="{FF2B5EF4-FFF2-40B4-BE49-F238E27FC236}">
+                <a16:creationId xmlns:a16="http://schemas.microsoft.com/office/drawing/2014/main" id="{9A4C813E-E03D-1EA5-6EFF-5D3C2060B546}"/>
+              </a:ext>
+            </a:extLst>
+          </p:cNvPr>
+          <p:cNvSpPr>
+            <a:spLocks noGrp="1"/>
+          </p:cNvSpPr>
+          <p:nvPr>
+            <p:ph idx="1"/>
+          </p:nvPr>
+        </p:nvSpPr>
+        <p:spPr/>
+        <p:txBody>
+          <a:bodyPr/>
+          <a:lstStyle/>
+          <a:p>
+            <a:pPr marL="0" indent="0">
+              <a:buNone/>
+            </a:pPr>
+            <a:r>
+              <a:rPr lang="en-US" sz="2800" dirty="0"/>
+              <a:t>Temperature</a:t>
+            </a:r>
+          </a:p>
+          <a:p>
+            <a:pPr marL="0" indent="0">
+              <a:buNone/>
+            </a:pPr>
+            <a:r>
+              <a:rPr lang="en-US" sz="2800" dirty="0"/>
+              <a:t>Concentration</a:t>
+            </a:r>
+          </a:p>
+          <a:p>
+            <a:pPr marL="0" indent="0">
+              <a:buNone/>
+            </a:pPr>
+            <a:r>
+              <a:rPr lang="en-US" sz="2800" dirty="0"/>
+              <a:t>Catalysts</a:t>
+            </a:r>
+          </a:p>
+        </p:txBody>
+      </p:sp>
+      <p:pic>
+        <p:nvPicPr>
+          <p:cNvPr id="3" name="Picture 2">
+            <a:extLst>
+              <a:ext uri="{FF2B5EF4-FFF2-40B4-BE49-F238E27FC236}">
+                <a16:creationId xmlns:a16="http://schemas.microsoft.com/office/drawing/2014/main" id="{EF2D1275-E8E2-55A2-EE45-3FAE0B523242}"/>
+              </a:ext>
+            </a:extLst>
+          </p:cNvPr>
+          <p:cNvPicPr>
+            <a:picLocks noChangeAspect="1"/>
+          </p:cNvPicPr>
+          <p:nvPr/>
+        </p:nvPicPr>
+        <p:blipFill>
+          <a:blip r:embed="rId2"/>
+          <a:stretch>
+            <a:fillRect/>
+          </a:stretch>
+        </p:blipFill>
+        <p:spPr>
+          <a:xfrm>
+            <a:off x="1418785" y="566338"/>
+            <a:ext cx="6306430" cy="5725324"/>
+          </a:xfrm>
+          <a:prstGeom prst="rect">
+            <a:avLst/>
+          </a:prstGeom>
+        </p:spPr>
+      </p:pic>
+    </p:spTree>
+    <p:extLst>
+      <p:ext uri="{BB962C8B-B14F-4D97-AF65-F5344CB8AC3E}">
+        <p14:creationId xmlns:p14="http://schemas.microsoft.com/office/powerpoint/2010/main" val="804099195"/>
+      </p:ext>
+    </p:extLst>
+  </p:cSld>
+  <p:clrMapOvr>
+    <a:masterClrMapping/>
+  </p:clrMapOvr>
+</p:sld>
+</file>
+
+<file path=ppt/slides/slide12.xml><?xml version="1.0" encoding="utf-8"?>
+<p:sld xmlns:a="http://schemas.openxmlformats.org/drawingml/2006/main" xmlns:r="http://schemas.openxmlformats.org/officeDocument/2006/relationships" xmlns:p="http://schemas.openxmlformats.org/presentationml/2006/main">
+  <p:cSld>
+    <p:spTree>
+      <p:nvGrpSpPr>
+        <p:cNvPr id="1" name="">
+          <a:extLst>
+            <a:ext uri="{FF2B5EF4-FFF2-40B4-BE49-F238E27FC236}">
+              <a16:creationId xmlns:a16="http://schemas.microsoft.com/office/drawing/2014/main" id="{7C9AD619-4AF1-FE65-BE04-5CB3ECF43D73}"/>
+            </a:ext>
+          </a:extLst>
+        </p:cNvPr>
+        <p:cNvGrpSpPr/>
+        <p:nvPr/>
+      </p:nvGrpSpPr>
+      <p:grpSpPr>
+        <a:xfrm>
+          <a:off x="0" y="0"/>
+          <a:ext cx="0" cy="0"/>
+          <a:chOff x="0" y="0"/>
+          <a:chExt cx="0" cy="0"/>
+        </a:xfrm>
+      </p:grpSpPr>
+      <p:sp>
+        <p:nvSpPr>
+          <p:cNvPr id="4" name="Title 3">
+            <a:extLst>
+              <a:ext uri="{FF2B5EF4-FFF2-40B4-BE49-F238E27FC236}">
+                <a16:creationId xmlns:a16="http://schemas.microsoft.com/office/drawing/2014/main" id="{6D7D4027-0C77-D7AE-F013-52B19697551F}"/>
+              </a:ext>
+            </a:extLst>
+          </p:cNvPr>
+          <p:cNvSpPr>
+            <a:spLocks noGrp="1"/>
+          </p:cNvSpPr>
+          <p:nvPr>
+            <p:ph type="title"/>
+          </p:nvPr>
+        </p:nvSpPr>
+        <p:spPr>
+          <a:xfrm>
+            <a:off x="364067" y="306073"/>
+            <a:ext cx="8421512" cy="707886"/>
+          </a:xfrm>
+        </p:spPr>
+        <p:txBody>
+          <a:bodyPr/>
+          <a:lstStyle/>
+          <a:p>
+            <a:r>
+              <a:rPr lang="en-US" sz="4000" dirty="0"/>
+              <a:t>Equilibrium Constant Expression</a:t>
+            </a:r>
+          </a:p>
+        </p:txBody>
+      </p:sp>
+      <p:sp>
+        <p:nvSpPr>
+          <p:cNvPr id="5" name="Content Placeholder 4">
+            <a:extLst>
+              <a:ext uri="{FF2B5EF4-FFF2-40B4-BE49-F238E27FC236}">
+                <a16:creationId xmlns:a16="http://schemas.microsoft.com/office/drawing/2014/main" id="{4F5BFD8A-92E3-A5B7-AE8F-127EA2EDF427}"/>
+              </a:ext>
+            </a:extLst>
+          </p:cNvPr>
+          <p:cNvSpPr>
+            <a:spLocks noGrp="1"/>
+          </p:cNvSpPr>
+          <p:nvPr>
+            <p:ph idx="1"/>
+          </p:nvPr>
+        </p:nvSpPr>
+        <p:spPr/>
+        <p:txBody>
+          <a:bodyPr/>
+          <a:lstStyle/>
+          <a:p>
+            <a:pPr marL="0" indent="0">
+              <a:buNone/>
+            </a:pPr>
+            <a:r>
+              <a:rPr lang="en-US" sz="2800" dirty="0"/>
+              <a:t>Temperature</a:t>
+            </a:r>
+          </a:p>
+          <a:p>
+            <a:pPr marL="0" indent="0">
+              <a:buNone/>
+            </a:pPr>
+            <a:r>
+              <a:rPr lang="en-US" sz="2800" dirty="0"/>
+              <a:t>Concentration</a:t>
+            </a:r>
+          </a:p>
+          <a:p>
+            <a:pPr marL="0" indent="0">
+              <a:buNone/>
+            </a:pPr>
+            <a:r>
+              <a:rPr lang="en-US" sz="2800" dirty="0"/>
+              <a:t>Catalysts</a:t>
+            </a:r>
+          </a:p>
+        </p:txBody>
+      </p:sp>
+      <p:pic>
+        <p:nvPicPr>
+          <p:cNvPr id="3" name="Picture 2">
+            <a:extLst>
+              <a:ext uri="{FF2B5EF4-FFF2-40B4-BE49-F238E27FC236}">
+                <a16:creationId xmlns:a16="http://schemas.microsoft.com/office/drawing/2014/main" id="{9ABC7AD2-9EA0-7892-3E17-12A0C17D7EDA}"/>
+              </a:ext>
+            </a:extLst>
+          </p:cNvPr>
+          <p:cNvPicPr>
+            <a:picLocks noChangeAspect="1"/>
+          </p:cNvPicPr>
+          <p:nvPr/>
+        </p:nvPicPr>
+        <p:blipFill>
+          <a:blip r:embed="rId2"/>
+          <a:stretch>
+            <a:fillRect/>
+          </a:stretch>
+        </p:blipFill>
+        <p:spPr>
+          <a:xfrm>
+            <a:off x="932942" y="652075"/>
+            <a:ext cx="7278116" cy="5553850"/>
+          </a:xfrm>
+          <a:prstGeom prst="rect">
+            <a:avLst/>
+          </a:prstGeom>
+        </p:spPr>
+      </p:pic>
+    </p:spTree>
+    <p:extLst>
+      <p:ext uri="{BB962C8B-B14F-4D97-AF65-F5344CB8AC3E}">
+        <p14:creationId xmlns:p14="http://schemas.microsoft.com/office/powerpoint/2010/main" val="2261181748"/>
+      </p:ext>
+    </p:extLst>
+  </p:cSld>
+  <p:clrMapOvr>
+    <a:masterClrMapping/>
+  </p:clrMapOvr>
+</p:sld>
+</file>
+
+<file path=ppt/slides/slide13.xml><?xml version="1.0" encoding="utf-8"?>
+<p:sld xmlns:a="http://schemas.openxmlformats.org/drawingml/2006/main" xmlns:r="http://schemas.openxmlformats.org/officeDocument/2006/relationships" xmlns:p="http://schemas.openxmlformats.org/presentationml/2006/main">
+  <p:cSld>
+    <p:spTree>
+      <p:nvGrpSpPr>
+        <p:cNvPr id="1" name="">
+          <a:extLst>
+            <a:ext uri="{FF2B5EF4-FFF2-40B4-BE49-F238E27FC236}">
+              <a16:creationId xmlns:a16="http://schemas.microsoft.com/office/drawing/2014/main" id="{D35D8FAA-339F-07AD-34A9-BFFB63081571}"/>
+            </a:ext>
+          </a:extLst>
+        </p:cNvPr>
+        <p:cNvGrpSpPr/>
+        <p:nvPr/>
+      </p:nvGrpSpPr>
+      <p:grpSpPr>
+        <a:xfrm>
+          <a:off x="0" y="0"/>
+          <a:ext cx="0" cy="0"/>
+          <a:chOff x="0" y="0"/>
+          <a:chExt cx="0" cy="0"/>
+        </a:xfrm>
+      </p:grpSpPr>
+      <p:sp>
+        <p:nvSpPr>
+          <p:cNvPr id="4" name="Title 3">
+            <a:extLst>
+              <a:ext uri="{FF2B5EF4-FFF2-40B4-BE49-F238E27FC236}">
+                <a16:creationId xmlns:a16="http://schemas.microsoft.com/office/drawing/2014/main" id="{A1391733-499B-0443-5833-2D3B7CDC9201}"/>
+              </a:ext>
+            </a:extLst>
+          </p:cNvPr>
+          <p:cNvSpPr>
+            <a:spLocks noGrp="1"/>
+          </p:cNvSpPr>
+          <p:nvPr>
+            <p:ph type="title"/>
+          </p:nvPr>
+        </p:nvSpPr>
+        <p:spPr>
+          <a:xfrm>
+            <a:off x="364067" y="306073"/>
+            <a:ext cx="8421512" cy="707886"/>
+          </a:xfrm>
+        </p:spPr>
+        <p:txBody>
+          <a:bodyPr/>
+          <a:lstStyle/>
+          <a:p>
+            <a:r>
+              <a:rPr lang="en-US" sz="4000" dirty="0"/>
+              <a:t>Equilibrium Constant Expression</a:t>
+            </a:r>
+          </a:p>
+        </p:txBody>
+      </p:sp>
+      <p:sp>
+        <p:nvSpPr>
+          <p:cNvPr id="5" name="Content Placeholder 4">
+            <a:extLst>
+              <a:ext uri="{FF2B5EF4-FFF2-40B4-BE49-F238E27FC236}">
+                <a16:creationId xmlns:a16="http://schemas.microsoft.com/office/drawing/2014/main" id="{DC93FDB1-FA69-E37F-DE13-8F9CBE8E95F8}"/>
+              </a:ext>
+            </a:extLst>
+          </p:cNvPr>
+          <p:cNvSpPr>
+            <a:spLocks noGrp="1"/>
+          </p:cNvSpPr>
+          <p:nvPr>
+            <p:ph idx="1"/>
+          </p:nvPr>
+        </p:nvSpPr>
+        <p:spPr/>
+        <p:txBody>
+          <a:bodyPr/>
+          <a:lstStyle/>
+          <a:p>
+            <a:pPr marL="0" indent="0">
+              <a:buNone/>
+            </a:pPr>
+            <a:r>
+              <a:rPr lang="en-US" sz="2800" dirty="0"/>
+              <a:t>Temperature</a:t>
+            </a:r>
+          </a:p>
+          <a:p>
+            <a:pPr marL="0" indent="0">
+              <a:buNone/>
+            </a:pPr>
+            <a:r>
+              <a:rPr lang="en-US" sz="2800" dirty="0"/>
+              <a:t>Concentration</a:t>
+            </a:r>
+          </a:p>
+          <a:p>
+            <a:pPr marL="0" indent="0">
+              <a:buNone/>
+            </a:pPr>
+            <a:r>
+              <a:rPr lang="en-US" sz="2800" dirty="0"/>
+              <a:t>Catalysts</a:t>
+            </a:r>
+          </a:p>
+        </p:txBody>
+      </p:sp>
+      <p:pic>
+        <p:nvPicPr>
+          <p:cNvPr id="6" name="Picture 5">
+            <a:extLst>
+              <a:ext uri="{FF2B5EF4-FFF2-40B4-BE49-F238E27FC236}">
+                <a16:creationId xmlns:a16="http://schemas.microsoft.com/office/drawing/2014/main" id="{5E9A8C93-1E04-65F4-EAFF-320AF81C1F48}"/>
+              </a:ext>
+            </a:extLst>
+          </p:cNvPr>
+          <p:cNvPicPr>
+            <a:picLocks noChangeAspect="1"/>
+          </p:cNvPicPr>
+          <p:nvPr/>
+        </p:nvPicPr>
+        <p:blipFill>
+          <a:blip r:embed="rId2"/>
+          <a:stretch>
+            <a:fillRect/>
+          </a:stretch>
+        </p:blipFill>
+        <p:spPr>
+          <a:xfrm>
+            <a:off x="1194916" y="1428471"/>
+            <a:ext cx="6754168" cy="4001058"/>
+          </a:xfrm>
+          <a:prstGeom prst="rect">
+            <a:avLst/>
+          </a:prstGeom>
+        </p:spPr>
+      </p:pic>
+    </p:spTree>
+    <p:extLst>
+      <p:ext uri="{BB962C8B-B14F-4D97-AF65-F5344CB8AC3E}">
+        <p14:creationId xmlns:p14="http://schemas.microsoft.com/office/powerpoint/2010/main" val="2995347531"/>
+      </p:ext>
+    </p:extLst>
+  </p:cSld>
+  <p:clrMapOvr>
+    <a:masterClrMapping/>
+  </p:clrMapOvr>
+</p:sld>
+</file>
+
+<file path=ppt/slides/slide14.xml><?xml version="1.0" encoding="utf-8"?>
+<p:sld xmlns:a="http://schemas.openxmlformats.org/drawingml/2006/main" xmlns:r="http://schemas.openxmlformats.org/officeDocument/2006/relationships" xmlns:p="http://schemas.openxmlformats.org/presentationml/2006/main">
+  <p:cSld>
+    <p:spTree>
+      <p:nvGrpSpPr>
+        <p:cNvPr id="1" name="">
+          <a:extLst>
+            <a:ext uri="{FF2B5EF4-FFF2-40B4-BE49-F238E27FC236}">
+              <a16:creationId xmlns:a16="http://schemas.microsoft.com/office/drawing/2014/main" id="{E03317A3-1F61-86C0-FB05-72F95F12F9F8}"/>
+            </a:ext>
+          </a:extLst>
+        </p:cNvPr>
+        <p:cNvGrpSpPr/>
+        <p:nvPr/>
+      </p:nvGrpSpPr>
+      <p:grpSpPr>
+        <a:xfrm>
+          <a:off x="0" y="0"/>
+          <a:ext cx="0" cy="0"/>
+          <a:chOff x="0" y="0"/>
+          <a:chExt cx="0" cy="0"/>
+        </a:xfrm>
+      </p:grpSpPr>
+      <p:sp>
+        <p:nvSpPr>
+          <p:cNvPr id="4" name="Title 3">
+            <a:extLst>
+              <a:ext uri="{FF2B5EF4-FFF2-40B4-BE49-F238E27FC236}">
+                <a16:creationId xmlns:a16="http://schemas.microsoft.com/office/drawing/2014/main" id="{F86BC485-D5BA-4879-6B9C-B1E30B4B04D1}"/>
+              </a:ext>
+            </a:extLst>
+          </p:cNvPr>
+          <p:cNvSpPr>
+            <a:spLocks noGrp="1"/>
+          </p:cNvSpPr>
+          <p:nvPr>
+            <p:ph type="title"/>
+          </p:nvPr>
+        </p:nvSpPr>
+        <p:spPr>
+          <a:xfrm>
+            <a:off x="364067" y="306073"/>
+            <a:ext cx="8421512" cy="707886"/>
+          </a:xfrm>
+        </p:spPr>
+        <p:txBody>
+          <a:bodyPr/>
+          <a:lstStyle/>
+          <a:p>
+            <a:r>
+              <a:rPr lang="en-US" sz="4000" dirty="0"/>
+              <a:t>Le Chatelier’s Principle</a:t>
+            </a:r>
+          </a:p>
+        </p:txBody>
+      </p:sp>
+      <p:sp>
+        <p:nvSpPr>
+          <p:cNvPr id="5" name="Content Placeholder 4">
+            <a:extLst>
+              <a:ext uri="{FF2B5EF4-FFF2-40B4-BE49-F238E27FC236}">
+                <a16:creationId xmlns:a16="http://schemas.microsoft.com/office/drawing/2014/main" id="{1336AF9B-6EBF-EACE-C6B3-6563D68160CF}"/>
+              </a:ext>
+            </a:extLst>
+          </p:cNvPr>
+          <p:cNvSpPr>
+            <a:spLocks noGrp="1"/>
+          </p:cNvSpPr>
+          <p:nvPr>
+            <p:ph idx="1"/>
+          </p:nvPr>
+        </p:nvSpPr>
+        <p:spPr/>
+        <p:txBody>
+          <a:bodyPr/>
+          <a:lstStyle/>
+          <a:p>
+            <a:pPr marL="0" indent="0">
+              <a:buNone/>
+            </a:pPr>
+            <a:r>
+              <a:rPr lang="en-US" sz="2800" dirty="0"/>
+              <a:t>Temperature</a:t>
+            </a:r>
+          </a:p>
+          <a:p>
+            <a:pPr marL="0" indent="0">
+              <a:buNone/>
+            </a:pPr>
+            <a:r>
+              <a:rPr lang="en-US" sz="2800" dirty="0"/>
+              <a:t>Concentration</a:t>
+            </a:r>
+          </a:p>
+          <a:p>
+            <a:pPr marL="0" indent="0">
+              <a:buNone/>
+            </a:pPr>
+            <a:r>
+              <a:rPr lang="en-US" sz="2800" dirty="0"/>
+              <a:t>Catalysts</a:t>
+            </a:r>
+          </a:p>
+        </p:txBody>
+      </p:sp>
+      <p:pic>
+        <p:nvPicPr>
+          <p:cNvPr id="3" name="Picture 2">
+            <a:extLst>
+              <a:ext uri="{FF2B5EF4-FFF2-40B4-BE49-F238E27FC236}">
+                <a16:creationId xmlns:a16="http://schemas.microsoft.com/office/drawing/2014/main" id="{83A5406D-8CDF-A01F-60B9-EC06B49ACFA1}"/>
+              </a:ext>
+            </a:extLst>
+          </p:cNvPr>
+          <p:cNvPicPr>
+            <a:picLocks noChangeAspect="1"/>
+          </p:cNvPicPr>
+          <p:nvPr/>
+        </p:nvPicPr>
+        <p:blipFill>
+          <a:blip r:embed="rId2"/>
+          <a:stretch>
+            <a:fillRect/>
+          </a:stretch>
+        </p:blipFill>
+        <p:spPr>
+          <a:xfrm>
+            <a:off x="2304733" y="1075996"/>
+            <a:ext cx="4534533" cy="4706007"/>
+          </a:xfrm>
+          <a:prstGeom prst="rect">
+            <a:avLst/>
+          </a:prstGeom>
+        </p:spPr>
+      </p:pic>
+    </p:spTree>
+    <p:extLst>
+      <p:ext uri="{BB962C8B-B14F-4D97-AF65-F5344CB8AC3E}">
+        <p14:creationId xmlns:p14="http://schemas.microsoft.com/office/powerpoint/2010/main" val="1853418567"/>
+      </p:ext>
+    </p:extLst>
+  </p:cSld>
+  <p:clrMapOvr>
+    <a:masterClrMapping/>
+  </p:clrMapOvr>
+</p:sld>
+</file>
+
+<file path=ppt/slides/slide15.xml><?xml version="1.0" encoding="utf-8"?>
+<p:sld xmlns:a="http://schemas.openxmlformats.org/drawingml/2006/main" xmlns:r="http://schemas.openxmlformats.org/officeDocument/2006/relationships" xmlns:p="http://schemas.openxmlformats.org/presentationml/2006/main">
+  <p:cSld>
+    <p:spTree>
+      <p:nvGrpSpPr>
+        <p:cNvPr id="1" name="">
+          <a:extLst>
+            <a:ext uri="{FF2B5EF4-FFF2-40B4-BE49-F238E27FC236}">
+              <a16:creationId xmlns:a16="http://schemas.microsoft.com/office/drawing/2014/main" id="{DC049750-E71A-8C4B-721C-114E20C52860}"/>
+            </a:ext>
+          </a:extLst>
+        </p:cNvPr>
+        <p:cNvGrpSpPr/>
+        <p:nvPr/>
+      </p:nvGrpSpPr>
+      <p:grpSpPr>
+        <a:xfrm>
+          <a:off x="0" y="0"/>
+          <a:ext cx="0" cy="0"/>
+          <a:chOff x="0" y="0"/>
+          <a:chExt cx="0" cy="0"/>
+        </a:xfrm>
+      </p:grpSpPr>
+      <p:sp>
+        <p:nvSpPr>
+          <p:cNvPr id="4" name="Title 3">
+            <a:extLst>
+              <a:ext uri="{FF2B5EF4-FFF2-40B4-BE49-F238E27FC236}">
+                <a16:creationId xmlns:a16="http://schemas.microsoft.com/office/drawing/2014/main" id="{CD2B1180-841C-F8B8-A154-A21684158CD0}"/>
+              </a:ext>
+            </a:extLst>
+          </p:cNvPr>
+          <p:cNvSpPr>
+            <a:spLocks noGrp="1"/>
+          </p:cNvSpPr>
+          <p:nvPr>
+            <p:ph type="title"/>
+          </p:nvPr>
+        </p:nvSpPr>
+        <p:spPr>
+          <a:xfrm>
+            <a:off x="364067" y="306073"/>
+            <a:ext cx="8421512" cy="707886"/>
+          </a:xfrm>
+        </p:spPr>
+        <p:txBody>
+          <a:bodyPr/>
+          <a:lstStyle/>
+          <a:p>
+            <a:r>
+              <a:rPr lang="en-US" sz="4000" dirty="0"/>
+              <a:t>Le Chatelier’s Principle</a:t>
+            </a:r>
+          </a:p>
+        </p:txBody>
+      </p:sp>
+      <p:sp>
+        <p:nvSpPr>
+          <p:cNvPr id="5" name="Content Placeholder 4">
+            <a:extLst>
+              <a:ext uri="{FF2B5EF4-FFF2-40B4-BE49-F238E27FC236}">
+                <a16:creationId xmlns:a16="http://schemas.microsoft.com/office/drawing/2014/main" id="{03026967-6BFF-F672-8F04-3DB1FD510630}"/>
+              </a:ext>
+            </a:extLst>
+          </p:cNvPr>
+          <p:cNvSpPr>
+            <a:spLocks noGrp="1"/>
+          </p:cNvSpPr>
+          <p:nvPr>
+            <p:ph idx="1"/>
+          </p:nvPr>
+        </p:nvSpPr>
+        <p:spPr/>
+        <p:txBody>
+          <a:bodyPr/>
+          <a:lstStyle/>
+          <a:p>
+            <a:pPr marL="0" indent="0">
+              <a:buNone/>
+            </a:pPr>
+            <a:r>
+              <a:rPr lang="en-US" sz="2800" dirty="0"/>
+              <a:t>Temperature</a:t>
+            </a:r>
+          </a:p>
+          <a:p>
+            <a:pPr marL="0" indent="0">
+              <a:buNone/>
+            </a:pPr>
+            <a:r>
+              <a:rPr lang="en-US" sz="2800" dirty="0"/>
+              <a:t>Concentration</a:t>
+            </a:r>
+          </a:p>
+          <a:p>
+            <a:pPr marL="0" indent="0">
+              <a:buNone/>
+            </a:pPr>
+            <a:r>
+              <a:rPr lang="en-US" sz="2800" dirty="0"/>
+              <a:t>Catalysts</a:t>
+            </a:r>
+          </a:p>
+        </p:txBody>
+      </p:sp>
+      <p:pic>
+        <p:nvPicPr>
+          <p:cNvPr id="6" name="Picture 5">
+            <a:extLst>
+              <a:ext uri="{FF2B5EF4-FFF2-40B4-BE49-F238E27FC236}">
+                <a16:creationId xmlns:a16="http://schemas.microsoft.com/office/drawing/2014/main" id="{575ADAE2-A36F-C97F-7A79-0623C345A491}"/>
+              </a:ext>
+            </a:extLst>
+          </p:cNvPr>
+          <p:cNvPicPr>
+            <a:picLocks noChangeAspect="1"/>
+          </p:cNvPicPr>
+          <p:nvPr/>
+        </p:nvPicPr>
+        <p:blipFill>
+          <a:blip r:embed="rId2"/>
+          <a:stretch>
+            <a:fillRect/>
+          </a:stretch>
+        </p:blipFill>
+        <p:spPr>
+          <a:xfrm>
+            <a:off x="1509285" y="1276049"/>
+            <a:ext cx="6125430" cy="4305901"/>
+          </a:xfrm>
+          <a:prstGeom prst="rect">
+            <a:avLst/>
+          </a:prstGeom>
+        </p:spPr>
+      </p:pic>
+    </p:spTree>
+    <p:extLst>
+      <p:ext uri="{BB962C8B-B14F-4D97-AF65-F5344CB8AC3E}">
+        <p14:creationId xmlns:p14="http://schemas.microsoft.com/office/powerpoint/2010/main" val="2686334856"/>
+      </p:ext>
+    </p:extLst>
+  </p:cSld>
+  <p:clrMapOvr>
+    <a:masterClrMapping/>
+  </p:clrMapOvr>
+</p:sld>
+</file>
+
+<file path=ppt/slides/slide16.xml><?xml version="1.0" encoding="utf-8"?>
+<p:sld xmlns:a="http://schemas.openxmlformats.org/drawingml/2006/main" xmlns:r="http://schemas.openxmlformats.org/officeDocument/2006/relationships" xmlns:p="http://schemas.openxmlformats.org/presentationml/2006/main">
+  <p:cSld>
+    <p:spTree>
+      <p:nvGrpSpPr>
+        <p:cNvPr id="1" name="">
+          <a:extLst>
+            <a:ext uri="{FF2B5EF4-FFF2-40B4-BE49-F238E27FC236}">
+              <a16:creationId xmlns:a16="http://schemas.microsoft.com/office/drawing/2014/main" id="{EC1FDDFD-14A7-EEF6-BCA2-A5EDF08790C7}"/>
+            </a:ext>
+          </a:extLst>
+        </p:cNvPr>
+        <p:cNvGrpSpPr/>
+        <p:nvPr/>
+      </p:nvGrpSpPr>
+      <p:grpSpPr>
+        <a:xfrm>
+          <a:off x="0" y="0"/>
+          <a:ext cx="0" cy="0"/>
+          <a:chOff x="0" y="0"/>
+          <a:chExt cx="0" cy="0"/>
+        </a:xfrm>
+      </p:grpSpPr>
+      <p:sp>
+        <p:nvSpPr>
+          <p:cNvPr id="4" name="Title 3">
+            <a:extLst>
+              <a:ext uri="{FF2B5EF4-FFF2-40B4-BE49-F238E27FC236}">
+                <a16:creationId xmlns:a16="http://schemas.microsoft.com/office/drawing/2014/main" id="{CF3B325A-5B33-1BCF-1392-ED8C2F4E3B96}"/>
+              </a:ext>
+            </a:extLst>
+          </p:cNvPr>
+          <p:cNvSpPr>
+            <a:spLocks noGrp="1"/>
+          </p:cNvSpPr>
+          <p:nvPr>
+            <p:ph type="title"/>
+          </p:nvPr>
+        </p:nvSpPr>
+        <p:spPr>
+          <a:xfrm>
+            <a:off x="364067" y="306073"/>
+            <a:ext cx="8421512" cy="707886"/>
+          </a:xfrm>
+        </p:spPr>
+        <p:txBody>
+          <a:bodyPr/>
+          <a:lstStyle/>
+          <a:p>
+            <a:r>
+              <a:rPr lang="en-US" sz="4000" dirty="0"/>
+              <a:t>Le Chatelier’s Principle</a:t>
+            </a:r>
+          </a:p>
+        </p:txBody>
+      </p:sp>
+      <p:sp>
+        <p:nvSpPr>
+          <p:cNvPr id="5" name="Content Placeholder 4">
+            <a:extLst>
+              <a:ext uri="{FF2B5EF4-FFF2-40B4-BE49-F238E27FC236}">
+                <a16:creationId xmlns:a16="http://schemas.microsoft.com/office/drawing/2014/main" id="{396E2A67-748B-FC2D-11E2-6A7529F5EB80}"/>
+              </a:ext>
+            </a:extLst>
+          </p:cNvPr>
+          <p:cNvSpPr>
+            <a:spLocks noGrp="1"/>
+          </p:cNvSpPr>
+          <p:nvPr>
+            <p:ph idx="1"/>
+          </p:nvPr>
+        </p:nvSpPr>
+        <p:spPr/>
+        <p:txBody>
+          <a:bodyPr/>
+          <a:lstStyle/>
+          <a:p>
+            <a:pPr marL="0" indent="0">
+              <a:buNone/>
+            </a:pPr>
+            <a:r>
+              <a:rPr lang="en-US" sz="2800" dirty="0"/>
+              <a:t>Temperature</a:t>
+            </a:r>
+          </a:p>
+          <a:p>
+            <a:pPr marL="0" indent="0">
+              <a:buNone/>
+            </a:pPr>
+            <a:r>
+              <a:rPr lang="en-US" sz="2800" dirty="0"/>
+              <a:t>Concentration</a:t>
+            </a:r>
+          </a:p>
+          <a:p>
+            <a:pPr marL="0" indent="0">
+              <a:buNone/>
+            </a:pPr>
+            <a:r>
+              <a:rPr lang="en-US" sz="2800" dirty="0"/>
+              <a:t>Catalysts</a:t>
+            </a:r>
+          </a:p>
+        </p:txBody>
+      </p:sp>
+      <p:pic>
+        <p:nvPicPr>
+          <p:cNvPr id="3" name="Picture 2">
+            <a:extLst>
+              <a:ext uri="{FF2B5EF4-FFF2-40B4-BE49-F238E27FC236}">
+                <a16:creationId xmlns:a16="http://schemas.microsoft.com/office/drawing/2014/main" id="{393A3E75-F508-1E54-15DC-69D001E63B4C}"/>
+              </a:ext>
+            </a:extLst>
+          </p:cNvPr>
+          <p:cNvPicPr>
+            <a:picLocks noChangeAspect="1"/>
+          </p:cNvPicPr>
+          <p:nvPr/>
+        </p:nvPicPr>
+        <p:blipFill>
+          <a:blip r:embed="rId2"/>
+          <a:stretch>
+            <a:fillRect/>
+          </a:stretch>
+        </p:blipFill>
+        <p:spPr>
+          <a:xfrm>
+            <a:off x="1075837" y="2323946"/>
+            <a:ext cx="6992326" cy="2210108"/>
+          </a:xfrm>
+          <a:prstGeom prst="rect">
+            <a:avLst/>
+          </a:prstGeom>
+        </p:spPr>
+      </p:pic>
+    </p:spTree>
+    <p:extLst>
+      <p:ext uri="{BB962C8B-B14F-4D97-AF65-F5344CB8AC3E}">
+        <p14:creationId xmlns:p14="http://schemas.microsoft.com/office/powerpoint/2010/main" val="729206709"/>
+      </p:ext>
+    </p:extLst>
+  </p:cSld>
+  <p:clrMapOvr>
+    <a:masterClrMapping/>
+  </p:clrMapOvr>
+</p:sld>
+</file>
+
+<file path=ppt/slides/slide17.xml><?xml version="1.0" encoding="utf-8"?>
+<p:sld xmlns:a="http://schemas.openxmlformats.org/drawingml/2006/main" xmlns:r="http://schemas.openxmlformats.org/officeDocument/2006/relationships" xmlns:p="http://schemas.openxmlformats.org/presentationml/2006/main">
+  <p:cSld>
+    <p:spTree>
+      <p:nvGrpSpPr>
+        <p:cNvPr id="1" name="">
+          <a:extLst>
+            <a:ext uri="{FF2B5EF4-FFF2-40B4-BE49-F238E27FC236}">
+              <a16:creationId xmlns:a16="http://schemas.microsoft.com/office/drawing/2014/main" id="{C73D2DA4-6CCE-E15E-8158-BEAE2BBE6A9E}"/>
+            </a:ext>
+          </a:extLst>
+        </p:cNvPr>
+        <p:cNvGrpSpPr/>
+        <p:nvPr/>
+      </p:nvGrpSpPr>
+      <p:grpSpPr>
+        <a:xfrm>
+          <a:off x="0" y="0"/>
+          <a:ext cx="0" cy="0"/>
+          <a:chOff x="0" y="0"/>
+          <a:chExt cx="0" cy="0"/>
+        </a:xfrm>
+      </p:grpSpPr>
+      <p:sp>
+        <p:nvSpPr>
+          <p:cNvPr id="4" name="Title 3">
+            <a:extLst>
+              <a:ext uri="{FF2B5EF4-FFF2-40B4-BE49-F238E27FC236}">
+                <a16:creationId xmlns:a16="http://schemas.microsoft.com/office/drawing/2014/main" id="{55F9A8F0-CC2F-65DF-B03F-E7B0CFA1EEF3}"/>
+              </a:ext>
+            </a:extLst>
+          </p:cNvPr>
+          <p:cNvSpPr>
+            <a:spLocks noGrp="1"/>
+          </p:cNvSpPr>
+          <p:nvPr>
+            <p:ph type="title"/>
+          </p:nvPr>
+        </p:nvSpPr>
+        <p:spPr>
+          <a:xfrm>
+            <a:off x="364067" y="306073"/>
+            <a:ext cx="8421512" cy="707886"/>
+          </a:xfrm>
+        </p:spPr>
+        <p:txBody>
+          <a:bodyPr/>
+          <a:lstStyle/>
+          <a:p>
+            <a:r>
+              <a:rPr lang="en-US" sz="4000" dirty="0"/>
+              <a:t>Le Chatelier’s Principle</a:t>
+            </a:r>
+          </a:p>
+        </p:txBody>
+      </p:sp>
+      <p:sp>
+        <p:nvSpPr>
+          <p:cNvPr id="5" name="Content Placeholder 4">
+            <a:extLst>
+              <a:ext uri="{FF2B5EF4-FFF2-40B4-BE49-F238E27FC236}">
+                <a16:creationId xmlns:a16="http://schemas.microsoft.com/office/drawing/2014/main" id="{DCC37F21-C4FF-2116-B244-2F97B63A82D2}"/>
+              </a:ext>
+            </a:extLst>
+          </p:cNvPr>
+          <p:cNvSpPr>
+            <a:spLocks noGrp="1"/>
+          </p:cNvSpPr>
+          <p:nvPr>
+            <p:ph idx="1"/>
+          </p:nvPr>
+        </p:nvSpPr>
+        <p:spPr/>
+        <p:txBody>
+          <a:bodyPr/>
+          <a:lstStyle/>
+          <a:p>
+            <a:pPr marL="0" indent="0">
+              <a:buNone/>
+            </a:pPr>
+            <a:r>
+              <a:rPr lang="en-US" sz="2800" dirty="0"/>
+              <a:t>Temperature</a:t>
+            </a:r>
+          </a:p>
+          <a:p>
+            <a:pPr marL="0" indent="0">
+              <a:buNone/>
+            </a:pPr>
+            <a:r>
+              <a:rPr lang="en-US" sz="2800" dirty="0"/>
+              <a:t>Concentration</a:t>
+            </a:r>
+          </a:p>
+          <a:p>
+            <a:pPr marL="0" indent="0">
+              <a:buNone/>
+            </a:pPr>
+            <a:r>
+              <a:rPr lang="en-US" sz="2800" dirty="0"/>
+              <a:t>Catalysts</a:t>
+            </a:r>
+          </a:p>
+        </p:txBody>
+      </p:sp>
+      <p:pic>
+        <p:nvPicPr>
+          <p:cNvPr id="6" name="Picture 5">
+            <a:extLst>
+              <a:ext uri="{FF2B5EF4-FFF2-40B4-BE49-F238E27FC236}">
+                <a16:creationId xmlns:a16="http://schemas.microsoft.com/office/drawing/2014/main" id="{469B3689-88B7-5F05-3558-9726822FC5C8}"/>
+              </a:ext>
+            </a:extLst>
+          </p:cNvPr>
+          <p:cNvPicPr>
+            <a:picLocks noChangeAspect="1"/>
+          </p:cNvPicPr>
+          <p:nvPr/>
+        </p:nvPicPr>
+        <p:blipFill>
+          <a:blip r:embed="rId2"/>
+          <a:stretch>
+            <a:fillRect/>
+          </a:stretch>
+        </p:blipFill>
+        <p:spPr>
+          <a:xfrm>
+            <a:off x="1290179" y="1090286"/>
+            <a:ext cx="6563641" cy="4677428"/>
+          </a:xfrm>
+          <a:prstGeom prst="rect">
+            <a:avLst/>
+          </a:prstGeom>
+        </p:spPr>
+      </p:pic>
+    </p:spTree>
+    <p:extLst>
+      <p:ext uri="{BB962C8B-B14F-4D97-AF65-F5344CB8AC3E}">
+        <p14:creationId xmlns:p14="http://schemas.microsoft.com/office/powerpoint/2010/main" val="2393318476"/>
+      </p:ext>
+    </p:extLst>
+  </p:cSld>
+  <p:clrMapOvr>
+    <a:masterClrMapping/>
+  </p:clrMapOvr>
+</p:sld>
+</file>
+
+<file path=ppt/slides/slide18.xml><?xml version="1.0" encoding="utf-8"?>
+<p:sld xmlns:a="http://schemas.openxmlformats.org/drawingml/2006/main" xmlns:r="http://schemas.openxmlformats.org/officeDocument/2006/relationships" xmlns:p="http://schemas.openxmlformats.org/presentationml/2006/main">
+  <p:cSld>
+    <p:spTree>
+      <p:nvGrpSpPr>
+        <p:cNvPr id="1" name="">
+          <a:extLst>
+            <a:ext uri="{FF2B5EF4-FFF2-40B4-BE49-F238E27FC236}">
+              <a16:creationId xmlns:a16="http://schemas.microsoft.com/office/drawing/2014/main" id="{2B9F129E-FC1F-5AC5-7712-B78A51D5EE54}"/>
+            </a:ext>
+          </a:extLst>
+        </p:cNvPr>
+        <p:cNvGrpSpPr/>
+        <p:nvPr/>
+      </p:nvGrpSpPr>
+      <p:grpSpPr>
+        <a:xfrm>
+          <a:off x="0" y="0"/>
+          <a:ext cx="0" cy="0"/>
+          <a:chOff x="0" y="0"/>
+          <a:chExt cx="0" cy="0"/>
+        </a:xfrm>
+      </p:grpSpPr>
+      <p:sp>
+        <p:nvSpPr>
+          <p:cNvPr id="4" name="Title 3">
+            <a:extLst>
+              <a:ext uri="{FF2B5EF4-FFF2-40B4-BE49-F238E27FC236}">
+                <a16:creationId xmlns:a16="http://schemas.microsoft.com/office/drawing/2014/main" id="{B4282A62-6F7B-FAE2-BC6B-F5E1676112B8}"/>
+              </a:ext>
+            </a:extLst>
+          </p:cNvPr>
+          <p:cNvSpPr>
+            <a:spLocks noGrp="1"/>
+          </p:cNvSpPr>
+          <p:nvPr>
+            <p:ph type="title"/>
+          </p:nvPr>
+        </p:nvSpPr>
+        <p:spPr>
+          <a:xfrm>
+            <a:off x="364067" y="306073"/>
+            <a:ext cx="8421512" cy="707886"/>
+          </a:xfrm>
+        </p:spPr>
+        <p:txBody>
+          <a:bodyPr/>
+          <a:lstStyle/>
+          <a:p>
+            <a:r>
+              <a:rPr lang="en-US" sz="4000" dirty="0"/>
+              <a:t>Le Chatelier’s Principle</a:t>
+            </a:r>
+          </a:p>
+        </p:txBody>
+      </p:sp>
+      <p:sp>
+        <p:nvSpPr>
+          <p:cNvPr id="5" name="Content Placeholder 4">
+            <a:extLst>
+              <a:ext uri="{FF2B5EF4-FFF2-40B4-BE49-F238E27FC236}">
+                <a16:creationId xmlns:a16="http://schemas.microsoft.com/office/drawing/2014/main" id="{E6A44E0B-22C7-2648-13A8-782457C89915}"/>
+              </a:ext>
+            </a:extLst>
+          </p:cNvPr>
+          <p:cNvSpPr>
+            <a:spLocks noGrp="1"/>
+          </p:cNvSpPr>
+          <p:nvPr>
+            <p:ph idx="1"/>
+          </p:nvPr>
+        </p:nvSpPr>
+        <p:spPr/>
+        <p:txBody>
+          <a:bodyPr/>
+          <a:lstStyle/>
+          <a:p>
+            <a:pPr marL="0" indent="0">
+              <a:buNone/>
+            </a:pPr>
+            <a:r>
+              <a:rPr lang="en-US" sz="2800" dirty="0"/>
+              <a:t>Temperature</a:t>
+            </a:r>
+          </a:p>
+          <a:p>
+            <a:pPr marL="0" indent="0">
+              <a:buNone/>
+            </a:pPr>
+            <a:r>
+              <a:rPr lang="en-US" sz="2800" dirty="0"/>
+              <a:t>Concentration</a:t>
+            </a:r>
+          </a:p>
+          <a:p>
+            <a:pPr marL="0" indent="0">
+              <a:buNone/>
+            </a:pPr>
+            <a:r>
+              <a:rPr lang="en-US" sz="2800" dirty="0"/>
+              <a:t>Catalysts</a:t>
+            </a:r>
+          </a:p>
+        </p:txBody>
+      </p:sp>
+      <p:pic>
+        <p:nvPicPr>
+          <p:cNvPr id="3" name="Picture 2">
+            <a:extLst>
+              <a:ext uri="{FF2B5EF4-FFF2-40B4-BE49-F238E27FC236}">
+                <a16:creationId xmlns:a16="http://schemas.microsoft.com/office/drawing/2014/main" id="{5B043277-CD4B-D317-80C2-F31D21773A90}"/>
+              </a:ext>
+            </a:extLst>
+          </p:cNvPr>
+          <p:cNvPicPr>
+            <a:picLocks noChangeAspect="1"/>
+          </p:cNvPicPr>
+          <p:nvPr/>
+        </p:nvPicPr>
+        <p:blipFill>
+          <a:blip r:embed="rId2"/>
+          <a:stretch>
+            <a:fillRect/>
+          </a:stretch>
+        </p:blipFill>
+        <p:spPr>
+          <a:xfrm>
+            <a:off x="1123468" y="2676420"/>
+            <a:ext cx="6897063" cy="1505160"/>
+          </a:xfrm>
+          <a:prstGeom prst="rect">
+            <a:avLst/>
+          </a:prstGeom>
+        </p:spPr>
+      </p:pic>
+    </p:spTree>
+    <p:extLst>
+      <p:ext uri="{BB962C8B-B14F-4D97-AF65-F5344CB8AC3E}">
+        <p14:creationId xmlns:p14="http://schemas.microsoft.com/office/powerpoint/2010/main" val="3433016588"/>
+      </p:ext>
+    </p:extLst>
+  </p:cSld>
+  <p:clrMapOvr>
+    <a:masterClrMapping/>
+  </p:clrMapOvr>
+</p:sld>
+</file>
+
+<file path=ppt/slides/slide19.xml><?xml version="1.0" encoding="utf-8"?>
+<p:sld xmlns:a="http://schemas.openxmlformats.org/drawingml/2006/main" xmlns:r="http://schemas.openxmlformats.org/officeDocument/2006/relationships" xmlns:p="http://schemas.openxmlformats.org/presentationml/2006/main">
+  <p:cSld>
+    <p:spTree>
+      <p:nvGrpSpPr>
+        <p:cNvPr id="1" name="">
+          <a:extLst>
+            <a:ext uri="{FF2B5EF4-FFF2-40B4-BE49-F238E27FC236}">
+              <a16:creationId xmlns:a16="http://schemas.microsoft.com/office/drawing/2014/main" id="{BB68ED0D-ACB9-EF1D-41DB-C84446AFA340}"/>
+            </a:ext>
+          </a:extLst>
+        </p:cNvPr>
+        <p:cNvGrpSpPr/>
+        <p:nvPr/>
+      </p:nvGrpSpPr>
+      <p:grpSpPr>
+        <a:xfrm>
+          <a:off x="0" y="0"/>
+          <a:ext cx="0" cy="0"/>
+          <a:chOff x="0" y="0"/>
+          <a:chExt cx="0" cy="0"/>
+        </a:xfrm>
+      </p:grpSpPr>
+      <p:sp>
+        <p:nvSpPr>
+          <p:cNvPr id="4" name="Title 3">
+            <a:extLst>
+              <a:ext uri="{FF2B5EF4-FFF2-40B4-BE49-F238E27FC236}">
+                <a16:creationId xmlns:a16="http://schemas.microsoft.com/office/drawing/2014/main" id="{EBFE1A26-6448-D71C-52C0-1FAE5818B8F9}"/>
+              </a:ext>
+            </a:extLst>
+          </p:cNvPr>
+          <p:cNvSpPr>
+            <a:spLocks noGrp="1"/>
+          </p:cNvSpPr>
+          <p:nvPr>
+            <p:ph type="title"/>
+          </p:nvPr>
+        </p:nvSpPr>
+        <p:spPr>
+          <a:xfrm>
+            <a:off x="364067" y="306073"/>
+            <a:ext cx="8421512" cy="707886"/>
+          </a:xfrm>
+        </p:spPr>
+        <p:txBody>
+          <a:bodyPr/>
+          <a:lstStyle/>
+          <a:p>
+            <a:r>
+              <a:rPr lang="en-US" sz="4000" dirty="0"/>
+              <a:t>Special Types </a:t>
+            </a:r>
+            <a:r>
+              <a:rPr lang="en-US" sz="4000"/>
+              <a:t>of Equilibria</a:t>
+            </a:r>
+            <a:endParaRPr lang="en-US" sz="4000" dirty="0"/>
+          </a:p>
+        </p:txBody>
+      </p:sp>
+      <p:sp>
+        <p:nvSpPr>
+          <p:cNvPr id="5" name="Content Placeholder 4">
+            <a:extLst>
+              <a:ext uri="{FF2B5EF4-FFF2-40B4-BE49-F238E27FC236}">
+                <a16:creationId xmlns:a16="http://schemas.microsoft.com/office/drawing/2014/main" id="{F155C940-02C5-9C65-9D7A-23E2762DF80C}"/>
+              </a:ext>
+            </a:extLst>
+          </p:cNvPr>
+          <p:cNvSpPr>
+            <a:spLocks noGrp="1"/>
+          </p:cNvSpPr>
+          <p:nvPr>
+            <p:ph idx="1"/>
+          </p:nvPr>
+        </p:nvSpPr>
+        <p:spPr/>
+        <p:txBody>
+          <a:bodyPr/>
+          <a:lstStyle/>
+          <a:p>
+            <a:pPr marL="0" indent="0">
+              <a:buNone/>
+            </a:pPr>
+            <a:r>
+              <a:rPr lang="en-US" sz="2800" dirty="0"/>
+              <a:t>Temperature</a:t>
+            </a:r>
+          </a:p>
+          <a:p>
+            <a:pPr marL="0" indent="0">
+              <a:buNone/>
+            </a:pPr>
+            <a:r>
+              <a:rPr lang="en-US" sz="2800" dirty="0"/>
+              <a:t>Concentration</a:t>
+            </a:r>
+          </a:p>
+          <a:p>
+            <a:pPr marL="0" indent="0">
+              <a:buNone/>
+            </a:pPr>
+            <a:r>
+              <a:rPr lang="en-US" sz="2800" dirty="0"/>
+              <a:t>Catalysts</a:t>
+            </a:r>
+          </a:p>
+        </p:txBody>
+      </p:sp>
+      <p:pic>
+        <p:nvPicPr>
+          <p:cNvPr id="3" name="Picture 2">
+            <a:extLst>
+              <a:ext uri="{FF2B5EF4-FFF2-40B4-BE49-F238E27FC236}">
+                <a16:creationId xmlns:a16="http://schemas.microsoft.com/office/drawing/2014/main" id="{299C131F-A334-DEEB-0611-B64CC8FD402A}"/>
+              </a:ext>
+            </a:extLst>
+          </p:cNvPr>
+          <p:cNvPicPr>
+            <a:picLocks noChangeAspect="1"/>
+          </p:cNvPicPr>
+          <p:nvPr/>
+        </p:nvPicPr>
+        <p:blipFill>
+          <a:blip r:embed="rId2"/>
+          <a:stretch>
+            <a:fillRect/>
+          </a:stretch>
+        </p:blipFill>
+        <p:spPr>
+          <a:xfrm>
+            <a:off x="1118705" y="1928603"/>
+            <a:ext cx="6906589" cy="3000794"/>
+          </a:xfrm>
+          <a:prstGeom prst="rect">
+            <a:avLst/>
+          </a:prstGeom>
+        </p:spPr>
+      </p:pic>
+    </p:spTree>
+    <p:extLst>
+      <p:ext uri="{BB962C8B-B14F-4D97-AF65-F5344CB8AC3E}">
+        <p14:creationId xmlns:p14="http://schemas.microsoft.com/office/powerpoint/2010/main" val="1644431252"/>
+      </p:ext>
+    </p:extLst>
+  </p:cSld>
+  <p:clrMapOvr>
+    <a:masterClrMapping/>
+  </p:clrMapOvr>
+</p:sld>
+</file>
+
 <file path=ppt/slides/slide2.xml><?xml version="1.0" encoding="utf-8"?>
 <p:sld xmlns:a="http://schemas.openxmlformats.org/drawingml/2006/main" xmlns:r="http://schemas.openxmlformats.org/officeDocument/2006/relationships" xmlns:p="http://schemas.openxmlformats.org/presentationml/2006/main">
   <p:cSld>
@@ -10060,6 +11557,159 @@
     <p:extLst>
       <p:ext uri="{BB962C8B-B14F-4D97-AF65-F5344CB8AC3E}">
         <p14:creationId xmlns:p14="http://schemas.microsoft.com/office/powerpoint/2010/main" val="4269390694"/>
+      </p:ext>
+    </p:extLst>
+  </p:cSld>
+  <p:clrMapOvr>
+    <a:masterClrMapping/>
+  </p:clrMapOvr>
+</p:sld>
+</file>
+
+<file path=ppt/slides/slide20.xml><?xml version="1.0" encoding="utf-8"?>
+<p:sld xmlns:a="http://schemas.openxmlformats.org/drawingml/2006/main" xmlns:r="http://schemas.openxmlformats.org/officeDocument/2006/relationships" xmlns:p="http://schemas.openxmlformats.org/presentationml/2006/main">
+  <p:cSld>
+    <p:spTree>
+      <p:nvGrpSpPr>
+        <p:cNvPr id="1" name="">
+          <a:extLst>
+            <a:ext uri="{FF2B5EF4-FFF2-40B4-BE49-F238E27FC236}">
+              <a16:creationId xmlns:a16="http://schemas.microsoft.com/office/drawing/2014/main" id="{AB37E6CF-D1B1-A345-B433-425AD845F635}"/>
+            </a:ext>
+          </a:extLst>
+        </p:cNvPr>
+        <p:cNvGrpSpPr/>
+        <p:nvPr/>
+      </p:nvGrpSpPr>
+      <p:grpSpPr>
+        <a:xfrm>
+          <a:off x="0" y="0"/>
+          <a:ext cx="0" cy="0"/>
+          <a:chOff x="0" y="0"/>
+          <a:chExt cx="0" cy="0"/>
+        </a:xfrm>
+      </p:grpSpPr>
+      <p:sp>
+        <p:nvSpPr>
+          <p:cNvPr id="4" name="Title 3">
+            <a:extLst>
+              <a:ext uri="{FF2B5EF4-FFF2-40B4-BE49-F238E27FC236}">
+                <a16:creationId xmlns:a16="http://schemas.microsoft.com/office/drawing/2014/main" id="{955B9866-6D23-BBFA-3CF6-D3089DBA3A52}"/>
+              </a:ext>
+            </a:extLst>
+          </p:cNvPr>
+          <p:cNvSpPr>
+            <a:spLocks noGrp="1"/>
+          </p:cNvSpPr>
+          <p:nvPr>
+            <p:ph type="title"/>
+          </p:nvPr>
+        </p:nvSpPr>
+        <p:spPr>
+          <a:xfrm>
+            <a:off x="364067" y="306073"/>
+            <a:ext cx="8421512" cy="707886"/>
+          </a:xfrm>
+        </p:spPr>
+        <p:txBody>
+          <a:bodyPr/>
+          <a:lstStyle/>
+          <a:p>
+            <a:r>
+              <a:rPr lang="en-US" sz="4000" dirty="0"/>
+              <a:t>Special Types </a:t>
+            </a:r>
+            <a:r>
+              <a:rPr lang="en-US" sz="4000"/>
+              <a:t>of Equilibria</a:t>
+            </a:r>
+            <a:endParaRPr lang="en-US" sz="4000" dirty="0"/>
+          </a:p>
+        </p:txBody>
+      </p:sp>
+      <p:sp>
+        <p:nvSpPr>
+          <p:cNvPr id="5" name="Content Placeholder 4">
+            <a:extLst>
+              <a:ext uri="{FF2B5EF4-FFF2-40B4-BE49-F238E27FC236}">
+                <a16:creationId xmlns:a16="http://schemas.microsoft.com/office/drawing/2014/main" id="{48403710-F56E-99E7-9067-E4543A116870}"/>
+              </a:ext>
+            </a:extLst>
+          </p:cNvPr>
+          <p:cNvSpPr>
+            <a:spLocks noGrp="1"/>
+          </p:cNvSpPr>
+          <p:nvPr>
+            <p:ph idx="1"/>
+          </p:nvPr>
+        </p:nvSpPr>
+        <p:spPr/>
+        <p:txBody>
+          <a:bodyPr/>
+          <a:lstStyle/>
+          <a:p>
+            <a:pPr marL="0" indent="0">
+              <a:buNone/>
+            </a:pPr>
+            <a:r>
+              <a:rPr lang="en-US" sz="2800" dirty="0"/>
+              <a:t>Temperature</a:t>
+            </a:r>
+          </a:p>
+          <a:p>
+            <a:pPr marL="0" indent="0">
+              <a:buNone/>
+            </a:pPr>
+            <a:r>
+              <a:rPr lang="en-US" sz="2800" dirty="0"/>
+              <a:t>Concentration</a:t>
+            </a:r>
+          </a:p>
+          <a:p>
+            <a:pPr marL="0" indent="0">
+              <a:buNone/>
+            </a:pPr>
+            <a:r>
+              <a:rPr lang="en-US" sz="2800" dirty="0"/>
+              <a:t>Catalysts</a:t>
+            </a:r>
+          </a:p>
+        </p:txBody>
+      </p:sp>
+      <p:pic>
+        <p:nvPicPr>
+          <p:cNvPr id="6" name="Picture 5">
+            <a:extLst>
+              <a:ext uri="{FF2B5EF4-FFF2-40B4-BE49-F238E27FC236}">
+                <a16:creationId xmlns:a16="http://schemas.microsoft.com/office/drawing/2014/main" id="{D2D7F758-70B2-B4BD-C9A5-4701E906F826}"/>
+              </a:ext>
+            </a:extLst>
+          </p:cNvPr>
+          <p:cNvPicPr>
+            <a:picLocks noChangeAspect="1"/>
+          </p:cNvPicPr>
+          <p:nvPr/>
+        </p:nvPicPr>
+        <p:blipFill>
+          <a:blip r:embed="rId2"/>
+          <a:stretch>
+            <a:fillRect/>
+          </a:stretch>
+        </p:blipFill>
+        <p:spPr>
+          <a:xfrm>
+            <a:off x="1104416" y="1714260"/>
+            <a:ext cx="6935168" cy="3429479"/>
+          </a:xfrm>
+          <a:prstGeom prst="rect">
+            <a:avLst/>
+          </a:prstGeom>
+        </p:spPr>
+      </p:pic>
+    </p:spTree>
+    <p:extLst>
+      <p:ext uri="{BB962C8B-B14F-4D97-AF65-F5344CB8AC3E}">
+        <p14:creationId xmlns:p14="http://schemas.microsoft.com/office/powerpoint/2010/main" val="2387547999"/>
       </p:ext>
     </p:extLst>
   </p:cSld>
@@ -10110,8 +11760,8 @@
         </p:nvSpPr>
         <p:spPr>
           <a:xfrm>
-            <a:off x="364067" y="306073"/>
-            <a:ext cx="8421512" cy="707886"/>
+            <a:off x="364067" y="244518"/>
+            <a:ext cx="8421512" cy="830997"/>
           </a:xfrm>
         </p:spPr>
         <p:txBody>
@@ -10119,7 +11769,7 @@
           <a:lstStyle/>
           <a:p>
             <a:r>
-              <a:rPr lang="en-US" sz="4000" dirty="0"/>
+              <a:rPr lang="en-US" dirty="0"/>
               <a:t>Collision Theory</a:t>
             </a:r>
           </a:p>
@@ -10141,7 +11791,12 @@
             <p:ph idx="1"/>
           </p:nvPr>
         </p:nvSpPr>
-        <p:spPr/>
+        <p:spPr>
+          <a:xfrm>
+            <a:off x="372533" y="1075516"/>
+            <a:ext cx="8387645" cy="5472040"/>
+          </a:xfrm>
+        </p:spPr>
         <p:txBody>
           <a:bodyPr/>
           <a:lstStyle/>
@@ -10150,12 +11805,62 @@
               <a:buNone/>
             </a:pPr>
             <a:r>
-              <a:rPr lang="en-US" sz="2800" dirty="0"/>
-              <a:t>Chemical Equilibrium</a:t>
+              <a:rPr lang="en-US" dirty="0"/>
+              <a:t>Collision Theory: proposes that reactant particles colliding with each other form products but under two condition</a:t>
+            </a:r>
+          </a:p>
+          <a:p>
+            <a:pPr marL="514350" indent="-514350">
+              <a:buFont typeface="+mj-lt"/>
+              <a:buAutoNum type="romanLcPeriod"/>
+            </a:pPr>
+            <a:r>
+              <a:rPr lang="en-US" dirty="0"/>
+              <a:t>That there is enough kinetic energy to cause a reaction</a:t>
+            </a:r>
+          </a:p>
+          <a:p>
+            <a:pPr marL="514350" indent="-514350">
+              <a:buFont typeface="+mj-lt"/>
+              <a:buAutoNum type="romanLcPeriod"/>
+            </a:pPr>
+            <a:r>
+              <a:rPr lang="en-US" dirty="0"/>
+              <a:t>That particles are in a proper orientation for a reaction to occur</a:t>
             </a:r>
           </a:p>
         </p:txBody>
       </p:sp>
+      <p:pic>
+        <p:nvPicPr>
+          <p:cNvPr id="3" name="Picture 2">
+            <a:extLst>
+              <a:ext uri="{FF2B5EF4-FFF2-40B4-BE49-F238E27FC236}">
+                <a16:creationId xmlns:a16="http://schemas.microsoft.com/office/drawing/2014/main" id="{5F4104A0-844F-89A6-DE44-DD6F51B9992A}"/>
+              </a:ext>
+            </a:extLst>
+          </p:cNvPr>
+          <p:cNvPicPr>
+            <a:picLocks noChangeAspect="1"/>
+          </p:cNvPicPr>
+          <p:nvPr/>
+        </p:nvPicPr>
+        <p:blipFill>
+          <a:blip r:embed="rId2"/>
+          <a:stretch>
+            <a:fillRect/>
+          </a:stretch>
+        </p:blipFill>
+        <p:spPr>
+          <a:xfrm>
+            <a:off x="2105940" y="4031456"/>
+            <a:ext cx="4920829" cy="2726926"/>
+          </a:xfrm>
+          <a:prstGeom prst="rect">
+            <a:avLst/>
+          </a:prstGeom>
+        </p:spPr>
+      </p:pic>
     </p:spTree>
     <p:extLst>
       <p:ext uri="{BB962C8B-B14F-4D97-AF65-F5344CB8AC3E}">
@@ -10170,6 +11875,456 @@
 </file>
 
 <file path=ppt/slides/slide4.xml><?xml version="1.0" encoding="utf-8"?>
+<p:sld xmlns:a="http://schemas.openxmlformats.org/drawingml/2006/main" xmlns:r="http://schemas.openxmlformats.org/officeDocument/2006/relationships" xmlns:p="http://schemas.openxmlformats.org/presentationml/2006/main">
+  <p:cSld>
+    <p:spTree>
+      <p:nvGrpSpPr>
+        <p:cNvPr id="1" name="">
+          <a:extLst>
+            <a:ext uri="{FF2B5EF4-FFF2-40B4-BE49-F238E27FC236}">
+              <a16:creationId xmlns:a16="http://schemas.microsoft.com/office/drawing/2014/main" id="{5E4B3041-C214-3907-E9BB-BAE04087300F}"/>
+            </a:ext>
+          </a:extLst>
+        </p:cNvPr>
+        <p:cNvGrpSpPr/>
+        <p:nvPr/>
+      </p:nvGrpSpPr>
+      <p:grpSpPr>
+        <a:xfrm>
+          <a:off x="0" y="0"/>
+          <a:ext cx="0" cy="0"/>
+          <a:chOff x="0" y="0"/>
+          <a:chExt cx="0" cy="0"/>
+        </a:xfrm>
+      </p:grpSpPr>
+      <p:sp>
+        <p:nvSpPr>
+          <p:cNvPr id="4" name="Title 3">
+            <a:extLst>
+              <a:ext uri="{FF2B5EF4-FFF2-40B4-BE49-F238E27FC236}">
+                <a16:creationId xmlns:a16="http://schemas.microsoft.com/office/drawing/2014/main" id="{2D26CF96-7052-8C91-7D42-F981DF22A94A}"/>
+              </a:ext>
+            </a:extLst>
+          </p:cNvPr>
+          <p:cNvSpPr>
+            <a:spLocks noGrp="1"/>
+          </p:cNvSpPr>
+          <p:nvPr>
+            <p:ph type="title"/>
+          </p:nvPr>
+        </p:nvSpPr>
+        <p:spPr>
+          <a:xfrm>
+            <a:off x="364067" y="244518"/>
+            <a:ext cx="8421512" cy="830997"/>
+          </a:xfrm>
+        </p:spPr>
+        <p:txBody>
+          <a:bodyPr/>
+          <a:lstStyle/>
+          <a:p>
+            <a:r>
+              <a:rPr lang="en-US" dirty="0"/>
+              <a:t>Potential Energy Diagrams </a:t>
+            </a:r>
+          </a:p>
+        </p:txBody>
+      </p:sp>
+      <p:sp>
+        <p:nvSpPr>
+          <p:cNvPr id="5" name="Content Placeholder 4">
+            <a:extLst>
+              <a:ext uri="{FF2B5EF4-FFF2-40B4-BE49-F238E27FC236}">
+                <a16:creationId xmlns:a16="http://schemas.microsoft.com/office/drawing/2014/main" id="{F89EAA17-8C63-4E4D-0DA4-F65256F33D87}"/>
+              </a:ext>
+            </a:extLst>
+          </p:cNvPr>
+          <p:cNvSpPr>
+            <a:spLocks noGrp="1"/>
+          </p:cNvSpPr>
+          <p:nvPr>
+            <p:ph idx="1"/>
+          </p:nvPr>
+        </p:nvSpPr>
+        <p:spPr>
+          <a:xfrm>
+            <a:off x="372533" y="1075516"/>
+            <a:ext cx="8387645" cy="5472040"/>
+          </a:xfrm>
+        </p:spPr>
+        <p:txBody>
+          <a:bodyPr/>
+          <a:lstStyle/>
+          <a:p>
+            <a:r>
+              <a:rPr lang="en-US" sz="2000" dirty="0"/>
+              <a:t>Also called reaction progress curve</a:t>
+            </a:r>
+          </a:p>
+          <a:p>
+            <a:r>
+              <a:rPr lang="en-US" sz="2000" dirty="0"/>
+              <a:t>Potential energy diagrams show change in potential energy of a system as the reactants become products</a:t>
+            </a:r>
+          </a:p>
+          <a:p>
+            <a:r>
+              <a:rPr lang="en-US" sz="2000" dirty="0"/>
+              <a:t>The energy change is shown by change in enthalpy DH</a:t>
+            </a:r>
+          </a:p>
+          <a:p>
+            <a:r>
+              <a:rPr lang="en-US" sz="2000" dirty="0"/>
+              <a:t>If DH &gt; 0 (products higher than reactants), the reaction is endothermic. If DH &lt; 0, the reaction is exothermic</a:t>
+            </a:r>
+          </a:p>
+        </p:txBody>
+      </p:sp>
+      <p:pic>
+        <p:nvPicPr>
+          <p:cNvPr id="6" name="Picture 5">
+            <a:extLst>
+              <a:ext uri="{FF2B5EF4-FFF2-40B4-BE49-F238E27FC236}">
+                <a16:creationId xmlns:a16="http://schemas.microsoft.com/office/drawing/2014/main" id="{448B6222-C349-BF09-1961-C25A63957219}"/>
+              </a:ext>
+            </a:extLst>
+          </p:cNvPr>
+          <p:cNvPicPr>
+            <a:picLocks noChangeAspect="1"/>
+          </p:cNvPicPr>
+          <p:nvPr/>
+        </p:nvPicPr>
+        <p:blipFill>
+          <a:blip r:embed="rId2"/>
+          <a:stretch>
+            <a:fillRect/>
+          </a:stretch>
+        </p:blipFill>
+        <p:spPr>
+          <a:xfrm>
+            <a:off x="1535837" y="3262064"/>
+            <a:ext cx="6461643" cy="3449072"/>
+          </a:xfrm>
+          <a:prstGeom prst="rect">
+            <a:avLst/>
+          </a:prstGeom>
+        </p:spPr>
+      </p:pic>
+    </p:spTree>
+    <p:extLst>
+      <p:ext uri="{BB962C8B-B14F-4D97-AF65-F5344CB8AC3E}">
+        <p14:creationId xmlns:p14="http://schemas.microsoft.com/office/powerpoint/2010/main" val="1254808117"/>
+      </p:ext>
+    </p:extLst>
+  </p:cSld>
+  <p:clrMapOvr>
+    <a:masterClrMapping/>
+  </p:clrMapOvr>
+</p:sld>
+</file>
+
+<file path=ppt/slides/slide5.xml><?xml version="1.0" encoding="utf-8"?>
+<p:sld xmlns:a="http://schemas.openxmlformats.org/drawingml/2006/main" xmlns:r="http://schemas.openxmlformats.org/officeDocument/2006/relationships" xmlns:p="http://schemas.openxmlformats.org/presentationml/2006/main">
+  <p:cSld>
+    <p:spTree>
+      <p:nvGrpSpPr>
+        <p:cNvPr id="1" name="">
+          <a:extLst>
+            <a:ext uri="{FF2B5EF4-FFF2-40B4-BE49-F238E27FC236}">
+              <a16:creationId xmlns:a16="http://schemas.microsoft.com/office/drawing/2014/main" id="{7B0C8BC5-E8D8-E610-2BBE-D1CF26ECD6C5}"/>
+            </a:ext>
+          </a:extLst>
+        </p:cNvPr>
+        <p:cNvGrpSpPr/>
+        <p:nvPr/>
+      </p:nvGrpSpPr>
+      <p:grpSpPr>
+        <a:xfrm>
+          <a:off x="0" y="0"/>
+          <a:ext cx="0" cy="0"/>
+          <a:chOff x="0" y="0"/>
+          <a:chExt cx="0" cy="0"/>
+        </a:xfrm>
+      </p:grpSpPr>
+      <p:sp>
+        <p:nvSpPr>
+          <p:cNvPr id="4" name="Title 3">
+            <a:extLst>
+              <a:ext uri="{FF2B5EF4-FFF2-40B4-BE49-F238E27FC236}">
+                <a16:creationId xmlns:a16="http://schemas.microsoft.com/office/drawing/2014/main" id="{3C573907-09E9-6D22-B27F-1B4F6E2AE3EF}"/>
+              </a:ext>
+            </a:extLst>
+          </p:cNvPr>
+          <p:cNvSpPr>
+            <a:spLocks noGrp="1"/>
+          </p:cNvSpPr>
+          <p:nvPr>
+            <p:ph type="title"/>
+          </p:nvPr>
+        </p:nvSpPr>
+        <p:spPr>
+          <a:xfrm>
+            <a:off x="364067" y="244518"/>
+            <a:ext cx="8421512" cy="830997"/>
+          </a:xfrm>
+        </p:spPr>
+        <p:txBody>
+          <a:bodyPr/>
+          <a:lstStyle/>
+          <a:p>
+            <a:r>
+              <a:rPr lang="en-US" dirty="0"/>
+              <a:t>Activation Complex</a:t>
+            </a:r>
+          </a:p>
+        </p:txBody>
+      </p:sp>
+      <p:sp>
+        <p:nvSpPr>
+          <p:cNvPr id="5" name="Content Placeholder 4">
+            <a:extLst>
+              <a:ext uri="{FF2B5EF4-FFF2-40B4-BE49-F238E27FC236}">
+                <a16:creationId xmlns:a16="http://schemas.microsoft.com/office/drawing/2014/main" id="{506588EE-FAEB-CA61-D4B2-230CB3597DF7}"/>
+              </a:ext>
+            </a:extLst>
+          </p:cNvPr>
+          <p:cNvSpPr>
+            <a:spLocks noGrp="1"/>
+          </p:cNvSpPr>
+          <p:nvPr>
+            <p:ph idx="1"/>
+          </p:nvPr>
+        </p:nvSpPr>
+        <p:spPr>
+          <a:xfrm>
+            <a:off x="372533" y="1075516"/>
+            <a:ext cx="8387645" cy="5472040"/>
+          </a:xfrm>
+        </p:spPr>
+        <p:txBody>
+          <a:bodyPr/>
+          <a:lstStyle/>
+          <a:p>
+            <a:r>
+              <a:rPr lang="en-US" sz="2000" dirty="0"/>
+              <a:t>Also called reaction progress curve</a:t>
+            </a:r>
+          </a:p>
+          <a:p>
+            <a:r>
+              <a:rPr lang="en-US" sz="2000" dirty="0"/>
+              <a:t>Potential energy diagrams show change in potential energy of a system as the reactants become products</a:t>
+            </a:r>
+          </a:p>
+          <a:p>
+            <a:r>
+              <a:rPr lang="en-US" sz="2000" dirty="0"/>
+              <a:t>The energy change is shown by change in enthalpy DH</a:t>
+            </a:r>
+          </a:p>
+          <a:p>
+            <a:r>
+              <a:rPr lang="en-US" sz="2000" dirty="0"/>
+              <a:t>If DH &gt; 0 (products higher than reactants), the reaction is endothermic. If DH &lt; 0, the reaction is exothermic</a:t>
+            </a:r>
+          </a:p>
+        </p:txBody>
+      </p:sp>
+      <p:pic>
+        <p:nvPicPr>
+          <p:cNvPr id="3" name="Picture 2">
+            <a:extLst>
+              <a:ext uri="{FF2B5EF4-FFF2-40B4-BE49-F238E27FC236}">
+                <a16:creationId xmlns:a16="http://schemas.microsoft.com/office/drawing/2014/main" id="{FDDCF948-5891-3385-9D7A-2B1C79A3CCBD}"/>
+              </a:ext>
+            </a:extLst>
+          </p:cNvPr>
+          <p:cNvPicPr>
+            <a:picLocks noChangeAspect="1"/>
+          </p:cNvPicPr>
+          <p:nvPr/>
+        </p:nvPicPr>
+        <p:blipFill>
+          <a:blip r:embed="rId2"/>
+          <a:stretch>
+            <a:fillRect/>
+          </a:stretch>
+        </p:blipFill>
+        <p:spPr>
+          <a:xfrm>
+            <a:off x="1005840" y="2600960"/>
+            <a:ext cx="6682395" cy="4067862"/>
+          </a:xfrm>
+          <a:prstGeom prst="rect">
+            <a:avLst/>
+          </a:prstGeom>
+        </p:spPr>
+      </p:pic>
+    </p:spTree>
+    <p:extLst>
+      <p:ext uri="{BB962C8B-B14F-4D97-AF65-F5344CB8AC3E}">
+        <p14:creationId xmlns:p14="http://schemas.microsoft.com/office/powerpoint/2010/main" val="4251033906"/>
+      </p:ext>
+    </p:extLst>
+  </p:cSld>
+  <p:clrMapOvr>
+    <a:masterClrMapping/>
+  </p:clrMapOvr>
+</p:sld>
+</file>
+
+<file path=ppt/slides/slide6.xml><?xml version="1.0" encoding="utf-8"?>
+<p:sld xmlns:a="http://schemas.openxmlformats.org/drawingml/2006/main" xmlns:r="http://schemas.openxmlformats.org/officeDocument/2006/relationships" xmlns:p="http://schemas.openxmlformats.org/presentationml/2006/main">
+  <p:cSld>
+    <p:spTree>
+      <p:nvGrpSpPr>
+        <p:cNvPr id="1" name="">
+          <a:extLst>
+            <a:ext uri="{FF2B5EF4-FFF2-40B4-BE49-F238E27FC236}">
+              <a16:creationId xmlns:a16="http://schemas.microsoft.com/office/drawing/2014/main" id="{61EF9FF2-2C95-6EF4-429D-53FE87CB84F4}"/>
+            </a:ext>
+          </a:extLst>
+        </p:cNvPr>
+        <p:cNvGrpSpPr/>
+        <p:nvPr/>
+      </p:nvGrpSpPr>
+      <p:grpSpPr>
+        <a:xfrm>
+          <a:off x="0" y="0"/>
+          <a:ext cx="0" cy="0"/>
+          <a:chOff x="0" y="0"/>
+          <a:chExt cx="0" cy="0"/>
+        </a:xfrm>
+      </p:grpSpPr>
+      <p:sp>
+        <p:nvSpPr>
+          <p:cNvPr id="4" name="Title 3">
+            <a:extLst>
+              <a:ext uri="{FF2B5EF4-FFF2-40B4-BE49-F238E27FC236}">
+                <a16:creationId xmlns:a16="http://schemas.microsoft.com/office/drawing/2014/main" id="{2C0D0A2F-D87C-184D-C74E-023B853EF482}"/>
+              </a:ext>
+            </a:extLst>
+          </p:cNvPr>
+          <p:cNvSpPr>
+            <a:spLocks noGrp="1"/>
+          </p:cNvSpPr>
+          <p:nvPr>
+            <p:ph type="title"/>
+          </p:nvPr>
+        </p:nvSpPr>
+        <p:spPr>
+          <a:xfrm>
+            <a:off x="364067" y="244518"/>
+            <a:ext cx="8421512" cy="830997"/>
+          </a:xfrm>
+        </p:spPr>
+        <p:txBody>
+          <a:bodyPr/>
+          <a:lstStyle/>
+          <a:p>
+            <a:r>
+              <a:rPr lang="en-US" dirty="0"/>
+              <a:t>Activation Complex</a:t>
+            </a:r>
+          </a:p>
+        </p:txBody>
+      </p:sp>
+      <p:sp>
+        <p:nvSpPr>
+          <p:cNvPr id="5" name="Content Placeholder 4">
+            <a:extLst>
+              <a:ext uri="{FF2B5EF4-FFF2-40B4-BE49-F238E27FC236}">
+                <a16:creationId xmlns:a16="http://schemas.microsoft.com/office/drawing/2014/main" id="{53ED4345-DCF4-59F6-890A-6C9BB18BC384}"/>
+              </a:ext>
+            </a:extLst>
+          </p:cNvPr>
+          <p:cNvSpPr>
+            <a:spLocks noGrp="1"/>
+          </p:cNvSpPr>
+          <p:nvPr>
+            <p:ph idx="1"/>
+          </p:nvPr>
+        </p:nvSpPr>
+        <p:spPr>
+          <a:xfrm>
+            <a:off x="372533" y="1075516"/>
+            <a:ext cx="8387645" cy="5472040"/>
+          </a:xfrm>
+        </p:spPr>
+        <p:txBody>
+          <a:bodyPr/>
+          <a:lstStyle/>
+          <a:p>
+            <a:r>
+              <a:rPr lang="en-US" sz="2000" dirty="0"/>
+              <a:t>Also called reaction progress curve</a:t>
+            </a:r>
+          </a:p>
+          <a:p>
+            <a:r>
+              <a:rPr lang="en-US" sz="2000" dirty="0"/>
+              <a:t>Potential energy diagrams show change in potential energy of a system as the reactants become products</a:t>
+            </a:r>
+          </a:p>
+          <a:p>
+            <a:r>
+              <a:rPr lang="en-US" sz="2000" dirty="0"/>
+              <a:t>The energy change is shown by change in enthalpy DH</a:t>
+            </a:r>
+          </a:p>
+          <a:p>
+            <a:r>
+              <a:rPr lang="en-US" sz="2000" dirty="0"/>
+              <a:t>If DH &gt; 0 (products higher than reactants), the reaction is endothermic. If DH &lt; 0, the reaction is exothermic</a:t>
+            </a:r>
+          </a:p>
+        </p:txBody>
+      </p:sp>
+      <p:pic>
+        <p:nvPicPr>
+          <p:cNvPr id="6" name="Picture 5">
+            <a:extLst>
+              <a:ext uri="{FF2B5EF4-FFF2-40B4-BE49-F238E27FC236}">
+                <a16:creationId xmlns:a16="http://schemas.microsoft.com/office/drawing/2014/main" id="{A7C2383B-E452-4A09-117C-1BB4AF630D6F}"/>
+              </a:ext>
+            </a:extLst>
+          </p:cNvPr>
+          <p:cNvPicPr>
+            <a:picLocks noChangeAspect="1"/>
+          </p:cNvPicPr>
+          <p:nvPr/>
+        </p:nvPicPr>
+        <p:blipFill>
+          <a:blip r:embed="rId2"/>
+          <a:stretch>
+            <a:fillRect/>
+          </a:stretch>
+        </p:blipFill>
+        <p:spPr>
+          <a:xfrm>
+            <a:off x="231875" y="2843921"/>
+            <a:ext cx="8668960" cy="3486637"/>
+          </a:xfrm>
+          <a:prstGeom prst="rect">
+            <a:avLst/>
+          </a:prstGeom>
+        </p:spPr>
+      </p:pic>
+    </p:spTree>
+    <p:extLst>
+      <p:ext uri="{BB962C8B-B14F-4D97-AF65-F5344CB8AC3E}">
+        <p14:creationId xmlns:p14="http://schemas.microsoft.com/office/powerpoint/2010/main" val="2027961856"/>
+      </p:ext>
+    </p:extLst>
+  </p:cSld>
+  <p:clrMapOvr>
+    <a:masterClrMapping/>
+  </p:clrMapOvr>
+</p:sld>
+</file>
+
+<file path=ppt/slides/slide7.xml><?xml version="1.0" encoding="utf-8"?>
 <p:sld xmlns:a="http://schemas.openxmlformats.org/drawingml/2006/main" xmlns:r="http://schemas.openxmlformats.org/officeDocument/2006/relationships" xmlns:p="http://schemas.openxmlformats.org/presentationml/2006/main">
   <p:cSld>
     <p:spTree>
@@ -10274,6 +12429,36 @@
           </a:p>
         </p:txBody>
       </p:sp>
+      <p:pic>
+        <p:nvPicPr>
+          <p:cNvPr id="3" name="Picture 2">
+            <a:extLst>
+              <a:ext uri="{FF2B5EF4-FFF2-40B4-BE49-F238E27FC236}">
+                <a16:creationId xmlns:a16="http://schemas.microsoft.com/office/drawing/2014/main" id="{52000097-0E3F-4AB3-5541-0C2B80C5F840}"/>
+              </a:ext>
+            </a:extLst>
+          </p:cNvPr>
+          <p:cNvPicPr>
+            <a:picLocks noChangeAspect="1"/>
+          </p:cNvPicPr>
+          <p:nvPr/>
+        </p:nvPicPr>
+        <p:blipFill>
+          <a:blip r:embed="rId2"/>
+          <a:stretch>
+            <a:fillRect/>
+          </a:stretch>
+        </p:blipFill>
+        <p:spPr>
+          <a:xfrm>
+            <a:off x="1677875" y="2216187"/>
+            <a:ext cx="6154009" cy="4010585"/>
+          </a:xfrm>
+          <a:prstGeom prst="rect">
+            <a:avLst/>
+          </a:prstGeom>
+        </p:spPr>
+      </p:pic>
     </p:spTree>
     <p:extLst>
       <p:ext uri="{BB962C8B-B14F-4D97-AF65-F5344CB8AC3E}">
@@ -10287,7 +12472,155 @@
 </p:sld>
 </file>
 
-<file path=ppt/slides/slide5.xml><?xml version="1.0" encoding="utf-8"?>
+<file path=ppt/slides/slide8.xml><?xml version="1.0" encoding="utf-8"?>
+<p:sld xmlns:a="http://schemas.openxmlformats.org/drawingml/2006/main" xmlns:r="http://schemas.openxmlformats.org/officeDocument/2006/relationships" xmlns:p="http://schemas.openxmlformats.org/presentationml/2006/main">
+  <p:cSld>
+    <p:spTree>
+      <p:nvGrpSpPr>
+        <p:cNvPr id="1" name="">
+          <a:extLst>
+            <a:ext uri="{FF2B5EF4-FFF2-40B4-BE49-F238E27FC236}">
+              <a16:creationId xmlns:a16="http://schemas.microsoft.com/office/drawing/2014/main" id="{20F894AA-624B-EBF9-3221-B4D6E4477B0A}"/>
+            </a:ext>
+          </a:extLst>
+        </p:cNvPr>
+        <p:cNvGrpSpPr/>
+        <p:nvPr/>
+      </p:nvGrpSpPr>
+      <p:grpSpPr>
+        <a:xfrm>
+          <a:off x="0" y="0"/>
+          <a:ext cx="0" cy="0"/>
+          <a:chOff x="0" y="0"/>
+          <a:chExt cx="0" cy="0"/>
+        </a:xfrm>
+      </p:grpSpPr>
+      <p:sp>
+        <p:nvSpPr>
+          <p:cNvPr id="4" name="Title 3">
+            <a:extLst>
+              <a:ext uri="{FF2B5EF4-FFF2-40B4-BE49-F238E27FC236}">
+                <a16:creationId xmlns:a16="http://schemas.microsoft.com/office/drawing/2014/main" id="{B71F2F67-83D9-D2F3-57FF-D09023E4BE49}"/>
+              </a:ext>
+            </a:extLst>
+          </p:cNvPr>
+          <p:cNvSpPr>
+            <a:spLocks noGrp="1"/>
+          </p:cNvSpPr>
+          <p:nvPr>
+            <p:ph type="title"/>
+          </p:nvPr>
+        </p:nvSpPr>
+        <p:spPr>
+          <a:xfrm>
+            <a:off x="364067" y="306073"/>
+            <a:ext cx="8421512" cy="707886"/>
+          </a:xfrm>
+        </p:spPr>
+        <p:txBody>
+          <a:bodyPr/>
+          <a:lstStyle/>
+          <a:p>
+            <a:r>
+              <a:rPr lang="en-US" sz="4000" dirty="0"/>
+              <a:t>Reaction Rates Factors</a:t>
+            </a:r>
+          </a:p>
+        </p:txBody>
+      </p:sp>
+      <p:sp>
+        <p:nvSpPr>
+          <p:cNvPr id="5" name="Content Placeholder 4">
+            <a:extLst>
+              <a:ext uri="{FF2B5EF4-FFF2-40B4-BE49-F238E27FC236}">
+                <a16:creationId xmlns:a16="http://schemas.microsoft.com/office/drawing/2014/main" id="{6FBC38B7-E72E-EE0A-D1FF-846602722E31}"/>
+              </a:ext>
+            </a:extLst>
+          </p:cNvPr>
+          <p:cNvSpPr>
+            <a:spLocks noGrp="1"/>
+          </p:cNvSpPr>
+          <p:nvPr>
+            <p:ph idx="1"/>
+          </p:nvPr>
+        </p:nvSpPr>
+        <p:spPr/>
+        <p:txBody>
+          <a:bodyPr/>
+          <a:lstStyle/>
+          <a:p>
+            <a:pPr marL="0" indent="0">
+              <a:buNone/>
+            </a:pPr>
+            <a:r>
+              <a:rPr lang="en-US" sz="2800" dirty="0"/>
+              <a:t>Temperature</a:t>
+            </a:r>
+          </a:p>
+          <a:p>
+            <a:pPr marL="0" indent="0">
+              <a:buNone/>
+            </a:pPr>
+            <a:r>
+              <a:rPr lang="en-US" sz="2800" dirty="0"/>
+              <a:t>Concentration</a:t>
+            </a:r>
+          </a:p>
+          <a:p>
+            <a:pPr marL="0" indent="0">
+              <a:buNone/>
+            </a:pPr>
+            <a:r>
+              <a:rPr lang="en-US" sz="2800" dirty="0"/>
+              <a:t>Catalysts</a:t>
+            </a:r>
+          </a:p>
+        </p:txBody>
+      </p:sp>
+      <p:pic>
+        <p:nvPicPr>
+          <p:cNvPr id="6" name="Picture 5">
+            <a:extLst>
+              <a:ext uri="{FF2B5EF4-FFF2-40B4-BE49-F238E27FC236}">
+                <a16:creationId xmlns:a16="http://schemas.microsoft.com/office/drawing/2014/main" id="{B7DECAC9-A88F-C686-8079-E8A71947D345}"/>
+              </a:ext>
+            </a:extLst>
+          </p:cNvPr>
+          <p:cNvPicPr>
+            <a:picLocks noChangeAspect="1"/>
+          </p:cNvPicPr>
+          <p:nvPr/>
+        </p:nvPicPr>
+        <p:blipFill>
+          <a:blip r:embed="rId2"/>
+          <a:stretch>
+            <a:fillRect/>
+          </a:stretch>
+        </p:blipFill>
+        <p:spPr>
+          <a:xfrm>
+            <a:off x="1202502" y="2790550"/>
+            <a:ext cx="6744641" cy="3943900"/>
+          </a:xfrm>
+          <a:prstGeom prst="rect">
+            <a:avLst/>
+          </a:prstGeom>
+        </p:spPr>
+      </p:pic>
+    </p:spTree>
+    <p:extLst>
+      <p:ext uri="{BB962C8B-B14F-4D97-AF65-F5344CB8AC3E}">
+        <p14:creationId xmlns:p14="http://schemas.microsoft.com/office/powerpoint/2010/main" val="4237323244"/>
+      </p:ext>
+    </p:extLst>
+  </p:cSld>
+  <p:clrMapOvr>
+    <a:masterClrMapping/>
+  </p:clrMapOvr>
+</p:sld>
+</file>
+
+<file path=ppt/slides/slide9.xml><?xml version="1.0" encoding="utf-8"?>
 <p:sld xmlns:a="http://schemas.openxmlformats.org/drawingml/2006/main" xmlns:r="http://schemas.openxmlformats.org/officeDocument/2006/relationships" xmlns:p="http://schemas.openxmlformats.org/presentationml/2006/main">
   <p:cSld>
     <p:spTree>
@@ -10392,369 +12725,40 @@
           </a:p>
         </p:txBody>
       </p:sp>
+      <p:pic>
+        <p:nvPicPr>
+          <p:cNvPr id="3" name="Picture 2">
+            <a:extLst>
+              <a:ext uri="{FF2B5EF4-FFF2-40B4-BE49-F238E27FC236}">
+                <a16:creationId xmlns:a16="http://schemas.microsoft.com/office/drawing/2014/main" id="{52A1C985-9058-0EE8-D2D2-8B1261C51D5A}"/>
+              </a:ext>
+            </a:extLst>
+          </p:cNvPr>
+          <p:cNvPicPr>
+            <a:picLocks noChangeAspect="1"/>
+          </p:cNvPicPr>
+          <p:nvPr/>
+        </p:nvPicPr>
+        <p:blipFill>
+          <a:blip r:embed="rId2"/>
+          <a:stretch>
+            <a:fillRect/>
+          </a:stretch>
+        </p:blipFill>
+        <p:spPr>
+          <a:xfrm>
+            <a:off x="1442590" y="1013959"/>
+            <a:ext cx="6411220" cy="5572903"/>
+          </a:xfrm>
+          <a:prstGeom prst="rect">
+            <a:avLst/>
+          </a:prstGeom>
+        </p:spPr>
+      </p:pic>
     </p:spTree>
     <p:extLst>
       <p:ext uri="{BB962C8B-B14F-4D97-AF65-F5344CB8AC3E}">
         <p14:creationId xmlns:p14="http://schemas.microsoft.com/office/powerpoint/2010/main" val="3195226364"/>
-      </p:ext>
-    </p:extLst>
-  </p:cSld>
-  <p:clrMapOvr>
-    <a:masterClrMapping/>
-  </p:clrMapOvr>
-</p:sld>
-</file>
-
-<file path=ppt/slides/slide6.xml><?xml version="1.0" encoding="utf-8"?>
-<p:sld xmlns:a="http://schemas.openxmlformats.org/drawingml/2006/main" xmlns:r="http://schemas.openxmlformats.org/officeDocument/2006/relationships" xmlns:p="http://schemas.openxmlformats.org/presentationml/2006/main">
-  <p:cSld>
-    <p:spTree>
-      <p:nvGrpSpPr>
-        <p:cNvPr id="1" name="">
-          <a:extLst>
-            <a:ext uri="{FF2B5EF4-FFF2-40B4-BE49-F238E27FC236}">
-              <a16:creationId xmlns:a16="http://schemas.microsoft.com/office/drawing/2014/main" id="{7C9AD619-4AF1-FE65-BE04-5CB3ECF43D73}"/>
-            </a:ext>
-          </a:extLst>
-        </p:cNvPr>
-        <p:cNvGrpSpPr/>
-        <p:nvPr/>
-      </p:nvGrpSpPr>
-      <p:grpSpPr>
-        <a:xfrm>
-          <a:off x="0" y="0"/>
-          <a:ext cx="0" cy="0"/>
-          <a:chOff x="0" y="0"/>
-          <a:chExt cx="0" cy="0"/>
-        </a:xfrm>
-      </p:grpSpPr>
-      <p:sp>
-        <p:nvSpPr>
-          <p:cNvPr id="4" name="Title 3">
-            <a:extLst>
-              <a:ext uri="{FF2B5EF4-FFF2-40B4-BE49-F238E27FC236}">
-                <a16:creationId xmlns:a16="http://schemas.microsoft.com/office/drawing/2014/main" id="{6D7D4027-0C77-D7AE-F013-52B19697551F}"/>
-              </a:ext>
-            </a:extLst>
-          </p:cNvPr>
-          <p:cNvSpPr>
-            <a:spLocks noGrp="1"/>
-          </p:cNvSpPr>
-          <p:nvPr>
-            <p:ph type="title"/>
-          </p:nvPr>
-        </p:nvSpPr>
-        <p:spPr>
-          <a:xfrm>
-            <a:off x="364067" y="306073"/>
-            <a:ext cx="8421512" cy="707886"/>
-          </a:xfrm>
-        </p:spPr>
-        <p:txBody>
-          <a:bodyPr/>
-          <a:lstStyle/>
-          <a:p>
-            <a:r>
-              <a:rPr lang="en-US" sz="4000" dirty="0"/>
-              <a:t>Equilibrium Constant Expression</a:t>
-            </a:r>
-          </a:p>
-        </p:txBody>
-      </p:sp>
-      <p:sp>
-        <p:nvSpPr>
-          <p:cNvPr id="5" name="Content Placeholder 4">
-            <a:extLst>
-              <a:ext uri="{FF2B5EF4-FFF2-40B4-BE49-F238E27FC236}">
-                <a16:creationId xmlns:a16="http://schemas.microsoft.com/office/drawing/2014/main" id="{4F5BFD8A-92E3-A5B7-AE8F-127EA2EDF427}"/>
-              </a:ext>
-            </a:extLst>
-          </p:cNvPr>
-          <p:cNvSpPr>
-            <a:spLocks noGrp="1"/>
-          </p:cNvSpPr>
-          <p:nvPr>
-            <p:ph idx="1"/>
-          </p:nvPr>
-        </p:nvSpPr>
-        <p:spPr/>
-        <p:txBody>
-          <a:bodyPr/>
-          <a:lstStyle/>
-          <a:p>
-            <a:pPr marL="0" indent="0">
-              <a:buNone/>
-            </a:pPr>
-            <a:r>
-              <a:rPr lang="en-US" sz="2800" dirty="0"/>
-              <a:t>Temperature</a:t>
-            </a:r>
-          </a:p>
-          <a:p>
-            <a:pPr marL="0" indent="0">
-              <a:buNone/>
-            </a:pPr>
-            <a:r>
-              <a:rPr lang="en-US" sz="2800" dirty="0"/>
-              <a:t>Concentration</a:t>
-            </a:r>
-          </a:p>
-          <a:p>
-            <a:pPr marL="0" indent="0">
-              <a:buNone/>
-            </a:pPr>
-            <a:r>
-              <a:rPr lang="en-US" sz="2800" dirty="0"/>
-              <a:t>Catalysts</a:t>
-            </a:r>
-          </a:p>
-        </p:txBody>
-      </p:sp>
-    </p:spTree>
-    <p:extLst>
-      <p:ext uri="{BB962C8B-B14F-4D97-AF65-F5344CB8AC3E}">
-        <p14:creationId xmlns:p14="http://schemas.microsoft.com/office/powerpoint/2010/main" val="2261181748"/>
-      </p:ext>
-    </p:extLst>
-  </p:cSld>
-  <p:clrMapOvr>
-    <a:masterClrMapping/>
-  </p:clrMapOvr>
-</p:sld>
-</file>
-
-<file path=ppt/slides/slide7.xml><?xml version="1.0" encoding="utf-8"?>
-<p:sld xmlns:a="http://schemas.openxmlformats.org/drawingml/2006/main" xmlns:r="http://schemas.openxmlformats.org/officeDocument/2006/relationships" xmlns:p="http://schemas.openxmlformats.org/presentationml/2006/main">
-  <p:cSld>
-    <p:spTree>
-      <p:nvGrpSpPr>
-        <p:cNvPr id="1" name="">
-          <a:extLst>
-            <a:ext uri="{FF2B5EF4-FFF2-40B4-BE49-F238E27FC236}">
-              <a16:creationId xmlns:a16="http://schemas.microsoft.com/office/drawing/2014/main" id="{E03317A3-1F61-86C0-FB05-72F95F12F9F8}"/>
-            </a:ext>
-          </a:extLst>
-        </p:cNvPr>
-        <p:cNvGrpSpPr/>
-        <p:nvPr/>
-      </p:nvGrpSpPr>
-      <p:grpSpPr>
-        <a:xfrm>
-          <a:off x="0" y="0"/>
-          <a:ext cx="0" cy="0"/>
-          <a:chOff x="0" y="0"/>
-          <a:chExt cx="0" cy="0"/>
-        </a:xfrm>
-      </p:grpSpPr>
-      <p:sp>
-        <p:nvSpPr>
-          <p:cNvPr id="4" name="Title 3">
-            <a:extLst>
-              <a:ext uri="{FF2B5EF4-FFF2-40B4-BE49-F238E27FC236}">
-                <a16:creationId xmlns:a16="http://schemas.microsoft.com/office/drawing/2014/main" id="{F86BC485-D5BA-4879-6B9C-B1E30B4B04D1}"/>
-              </a:ext>
-            </a:extLst>
-          </p:cNvPr>
-          <p:cNvSpPr>
-            <a:spLocks noGrp="1"/>
-          </p:cNvSpPr>
-          <p:nvPr>
-            <p:ph type="title"/>
-          </p:nvPr>
-        </p:nvSpPr>
-        <p:spPr>
-          <a:xfrm>
-            <a:off x="364067" y="306073"/>
-            <a:ext cx="8421512" cy="707886"/>
-          </a:xfrm>
-        </p:spPr>
-        <p:txBody>
-          <a:bodyPr/>
-          <a:lstStyle/>
-          <a:p>
-            <a:r>
-              <a:rPr lang="en-US" sz="4000" dirty="0"/>
-              <a:t>Le Chatelier’s Principle</a:t>
-            </a:r>
-          </a:p>
-        </p:txBody>
-      </p:sp>
-      <p:sp>
-        <p:nvSpPr>
-          <p:cNvPr id="5" name="Content Placeholder 4">
-            <a:extLst>
-              <a:ext uri="{FF2B5EF4-FFF2-40B4-BE49-F238E27FC236}">
-                <a16:creationId xmlns:a16="http://schemas.microsoft.com/office/drawing/2014/main" id="{1336AF9B-6EBF-EACE-C6B3-6563D68160CF}"/>
-              </a:ext>
-            </a:extLst>
-          </p:cNvPr>
-          <p:cNvSpPr>
-            <a:spLocks noGrp="1"/>
-          </p:cNvSpPr>
-          <p:nvPr>
-            <p:ph idx="1"/>
-          </p:nvPr>
-        </p:nvSpPr>
-        <p:spPr/>
-        <p:txBody>
-          <a:bodyPr/>
-          <a:lstStyle/>
-          <a:p>
-            <a:pPr marL="0" indent="0">
-              <a:buNone/>
-            </a:pPr>
-            <a:r>
-              <a:rPr lang="en-US" sz="2800" dirty="0"/>
-              <a:t>Temperature</a:t>
-            </a:r>
-          </a:p>
-          <a:p>
-            <a:pPr marL="0" indent="0">
-              <a:buNone/>
-            </a:pPr>
-            <a:r>
-              <a:rPr lang="en-US" sz="2800" dirty="0"/>
-              <a:t>Concentration</a:t>
-            </a:r>
-          </a:p>
-          <a:p>
-            <a:pPr marL="0" indent="0">
-              <a:buNone/>
-            </a:pPr>
-            <a:r>
-              <a:rPr lang="en-US" sz="2800" dirty="0"/>
-              <a:t>Catalysts</a:t>
-            </a:r>
-          </a:p>
-        </p:txBody>
-      </p:sp>
-    </p:spTree>
-    <p:extLst>
-      <p:ext uri="{BB962C8B-B14F-4D97-AF65-F5344CB8AC3E}">
-        <p14:creationId xmlns:p14="http://schemas.microsoft.com/office/powerpoint/2010/main" val="1853418567"/>
-      </p:ext>
-    </p:extLst>
-  </p:cSld>
-  <p:clrMapOvr>
-    <a:masterClrMapping/>
-  </p:clrMapOvr>
-</p:sld>
-</file>
-
-<file path=ppt/slides/slide8.xml><?xml version="1.0" encoding="utf-8"?>
-<p:sld xmlns:a="http://schemas.openxmlformats.org/drawingml/2006/main" xmlns:r="http://schemas.openxmlformats.org/officeDocument/2006/relationships" xmlns:p="http://schemas.openxmlformats.org/presentationml/2006/main">
-  <p:cSld>
-    <p:spTree>
-      <p:nvGrpSpPr>
-        <p:cNvPr id="1" name="">
-          <a:extLst>
-            <a:ext uri="{FF2B5EF4-FFF2-40B4-BE49-F238E27FC236}">
-              <a16:creationId xmlns:a16="http://schemas.microsoft.com/office/drawing/2014/main" id="{BB68ED0D-ACB9-EF1D-41DB-C84446AFA340}"/>
-            </a:ext>
-          </a:extLst>
-        </p:cNvPr>
-        <p:cNvGrpSpPr/>
-        <p:nvPr/>
-      </p:nvGrpSpPr>
-      <p:grpSpPr>
-        <a:xfrm>
-          <a:off x="0" y="0"/>
-          <a:ext cx="0" cy="0"/>
-          <a:chOff x="0" y="0"/>
-          <a:chExt cx="0" cy="0"/>
-        </a:xfrm>
-      </p:grpSpPr>
-      <p:sp>
-        <p:nvSpPr>
-          <p:cNvPr id="4" name="Title 3">
-            <a:extLst>
-              <a:ext uri="{FF2B5EF4-FFF2-40B4-BE49-F238E27FC236}">
-                <a16:creationId xmlns:a16="http://schemas.microsoft.com/office/drawing/2014/main" id="{EBFE1A26-6448-D71C-52C0-1FAE5818B8F9}"/>
-              </a:ext>
-            </a:extLst>
-          </p:cNvPr>
-          <p:cNvSpPr>
-            <a:spLocks noGrp="1"/>
-          </p:cNvSpPr>
-          <p:nvPr>
-            <p:ph type="title"/>
-          </p:nvPr>
-        </p:nvSpPr>
-        <p:spPr>
-          <a:xfrm>
-            <a:off x="364067" y="306073"/>
-            <a:ext cx="8421512" cy="707886"/>
-          </a:xfrm>
-        </p:spPr>
-        <p:txBody>
-          <a:bodyPr/>
-          <a:lstStyle/>
-          <a:p>
-            <a:r>
-              <a:rPr lang="en-US" sz="4000" dirty="0"/>
-              <a:t>Special Types </a:t>
-            </a:r>
-            <a:r>
-              <a:rPr lang="en-US" sz="4000"/>
-              <a:t>of Equilibria</a:t>
-            </a:r>
-            <a:endParaRPr lang="en-US" sz="4000" dirty="0"/>
-          </a:p>
-        </p:txBody>
-      </p:sp>
-      <p:sp>
-        <p:nvSpPr>
-          <p:cNvPr id="5" name="Content Placeholder 4">
-            <a:extLst>
-              <a:ext uri="{FF2B5EF4-FFF2-40B4-BE49-F238E27FC236}">
-                <a16:creationId xmlns:a16="http://schemas.microsoft.com/office/drawing/2014/main" id="{F155C940-02C5-9C65-9D7A-23E2762DF80C}"/>
-              </a:ext>
-            </a:extLst>
-          </p:cNvPr>
-          <p:cNvSpPr>
-            <a:spLocks noGrp="1"/>
-          </p:cNvSpPr>
-          <p:nvPr>
-            <p:ph idx="1"/>
-          </p:nvPr>
-        </p:nvSpPr>
-        <p:spPr/>
-        <p:txBody>
-          <a:bodyPr/>
-          <a:lstStyle/>
-          <a:p>
-            <a:pPr marL="0" indent="0">
-              <a:buNone/>
-            </a:pPr>
-            <a:r>
-              <a:rPr lang="en-US" sz="2800" dirty="0"/>
-              <a:t>Temperature</a:t>
-            </a:r>
-          </a:p>
-          <a:p>
-            <a:pPr marL="0" indent="0">
-              <a:buNone/>
-            </a:pPr>
-            <a:r>
-              <a:rPr lang="en-US" sz="2800" dirty="0"/>
-              <a:t>Concentration</a:t>
-            </a:r>
-          </a:p>
-          <a:p>
-            <a:pPr marL="0" indent="0">
-              <a:buNone/>
-            </a:pPr>
-            <a:r>
-              <a:rPr lang="en-US" sz="2800" dirty="0"/>
-              <a:t>Catalysts</a:t>
-            </a:r>
-          </a:p>
-        </p:txBody>
-      </p:sp>
-    </p:spTree>
-    <p:extLst>
-      <p:ext uri="{BB962C8B-B14F-4D97-AF65-F5344CB8AC3E}">
-        <p14:creationId xmlns:p14="http://schemas.microsoft.com/office/powerpoint/2010/main" val="1644431252"/>
       </p:ext>
     </p:extLst>
   </p:cSld>

--- a/Teaching/Chemistry/Lecture Slides/FCC Chem 3A Chap 13 Content.pptx
+++ b/Teaching/Chemistry/Lecture Slides/FCC Chem 3A Chap 13 Content.pptx
@@ -1,11 +1,11 @@
 
 <file path=ppt/presentation.xml><?xml version="1.0" encoding="utf-8"?>
-<p:presentation xmlns:a="http://schemas.openxmlformats.org/drawingml/2006/main" xmlns:r="http://schemas.openxmlformats.org/officeDocument/2006/relationships" xmlns:p="http://schemas.openxmlformats.org/presentationml/2006/main" saveSubsetFonts="1">
+<p:presentation xmlns:a="http://schemas.openxmlformats.org/drawingml/2006/main" xmlns:r="http://schemas.openxmlformats.org/officeDocument/2006/relationships" xmlns:p="http://schemas.openxmlformats.org/presentationml/2006/main" showSpecialPlsOnTitleSld="0" saveSubsetFonts="1">
   <p:sldMasterIdLst>
     <p:sldMasterId id="2147483803" r:id="rId1"/>
   </p:sldMasterIdLst>
   <p:notesMasterIdLst>
-    <p:notesMasterId r:id="rId22"/>
+    <p:notesMasterId r:id="rId32"/>
   </p:notesMasterIdLst>
   <p:sldIdLst>
     <p:sldId id="608" r:id="rId2"/>
@@ -13,21 +13,31 @@
     <p:sldId id="831" r:id="rId4"/>
     <p:sldId id="837" r:id="rId5"/>
     <p:sldId id="838" r:id="rId6"/>
-    <p:sldId id="839" r:id="rId7"/>
-    <p:sldId id="832" r:id="rId8"/>
-    <p:sldId id="840" r:id="rId9"/>
-    <p:sldId id="833" r:id="rId10"/>
-    <p:sldId id="841" r:id="rId11"/>
-    <p:sldId id="842" r:id="rId12"/>
-    <p:sldId id="834" r:id="rId13"/>
-    <p:sldId id="843" r:id="rId14"/>
-    <p:sldId id="835" r:id="rId15"/>
-    <p:sldId id="844" r:id="rId16"/>
-    <p:sldId id="845" r:id="rId17"/>
-    <p:sldId id="846" r:id="rId18"/>
-    <p:sldId id="847" r:id="rId19"/>
-    <p:sldId id="836" r:id="rId20"/>
-    <p:sldId id="848" r:id="rId21"/>
+    <p:sldId id="849" r:id="rId7"/>
+    <p:sldId id="850" r:id="rId8"/>
+    <p:sldId id="839" r:id="rId9"/>
+    <p:sldId id="851" r:id="rId10"/>
+    <p:sldId id="832" r:id="rId11"/>
+    <p:sldId id="840" r:id="rId12"/>
+    <p:sldId id="852" r:id="rId13"/>
+    <p:sldId id="833" r:id="rId14"/>
+    <p:sldId id="854" r:id="rId15"/>
+    <p:sldId id="853" r:id="rId16"/>
+    <p:sldId id="841" r:id="rId17"/>
+    <p:sldId id="842" r:id="rId18"/>
+    <p:sldId id="855" r:id="rId19"/>
+    <p:sldId id="856" r:id="rId20"/>
+    <p:sldId id="857" r:id="rId21"/>
+    <p:sldId id="834" r:id="rId22"/>
+    <p:sldId id="858" r:id="rId23"/>
+    <p:sldId id="843" r:id="rId24"/>
+    <p:sldId id="835" r:id="rId25"/>
+    <p:sldId id="844" r:id="rId26"/>
+    <p:sldId id="845" r:id="rId27"/>
+    <p:sldId id="846" r:id="rId28"/>
+    <p:sldId id="847" r:id="rId29"/>
+    <p:sldId id="836" r:id="rId30"/>
+    <p:sldId id="848" r:id="rId31"/>
   </p:sldIdLst>
   <p:sldSz cx="9144000" cy="6858000" type="screen4x3"/>
   <p:notesSz cx="7315200" cy="9601200"/>
@@ -1951,6 +1961,36 @@
           </a:p>
         </p:txBody>
       </p:sp>
+      <p:sp>
+        <p:nvSpPr>
+          <p:cNvPr id="4" name="Slide Number Placeholder 3">
+            <a:extLst>
+              <a:ext uri="{FF2B5EF4-FFF2-40B4-BE49-F238E27FC236}">
+                <a16:creationId xmlns:a16="http://schemas.microsoft.com/office/drawing/2014/main" id="{A0860FB8-6836-F5F6-C7BB-6469ECF258BA}"/>
+              </a:ext>
+            </a:extLst>
+          </p:cNvPr>
+          <p:cNvSpPr>
+            <a:spLocks noGrp="1"/>
+          </p:cNvSpPr>
+          <p:nvPr>
+            <p:ph type="sldNum" sz="quarter" idx="10"/>
+          </p:nvPr>
+        </p:nvSpPr>
+        <p:spPr/>
+        <p:txBody>
+          <a:bodyPr/>
+          <a:lstStyle/>
+          <a:p>
+            <a:fld id="{DE0D52F3-54CA-4E42-BFA9-4F0301781925}" type="slidenum">
+              <a:rPr lang="en-US" smtClean="0"/>
+              <a:pPr/>
+              <a:t>‹#›</a:t>
+            </a:fld>
+            <a:endParaRPr lang="en-US" sz="1400" dirty="0"/>
+          </a:p>
+        </p:txBody>
+      </p:sp>
     </p:spTree>
     <p:extLst>
       <p:ext uri="{BB962C8B-B14F-4D97-AF65-F5344CB8AC3E}">
@@ -3247,38 +3287,83 @@
           <a:p>
             <a:pPr lvl="0"/>
             <a:r>
-              <a:rPr lang="en-US"/>
+              <a:rPr lang="en-US" dirty="0"/>
               <a:t>Click to edit Master text styles</a:t>
             </a:r>
           </a:p>
           <a:p>
             <a:pPr lvl="1"/>
             <a:r>
-              <a:rPr lang="en-US"/>
+              <a:rPr lang="en-US" dirty="0"/>
               <a:t>Second level</a:t>
             </a:r>
           </a:p>
           <a:p>
             <a:pPr lvl="2"/>
             <a:r>
-              <a:rPr lang="en-US"/>
+              <a:rPr lang="en-US" dirty="0"/>
               <a:t>Third level</a:t>
             </a:r>
           </a:p>
           <a:p>
             <a:pPr lvl="3"/>
             <a:r>
-              <a:rPr lang="en-US"/>
+              <a:rPr lang="en-US" dirty="0"/>
               <a:t>Fourth level</a:t>
             </a:r>
           </a:p>
           <a:p>
             <a:pPr lvl="4"/>
             <a:r>
-              <a:rPr lang="en-US"/>
+              <a:rPr lang="en-US" dirty="0"/>
               <a:t>Fifth level</a:t>
             </a:r>
-            <a:endParaRPr lang="en-US" dirty="0"/>
+          </a:p>
+        </p:txBody>
+      </p:sp>
+      <p:sp>
+        <p:nvSpPr>
+          <p:cNvPr id="2" name="Slide Number Placeholder 1">
+            <a:extLst>
+              <a:ext uri="{FF2B5EF4-FFF2-40B4-BE49-F238E27FC236}">
+                <a16:creationId xmlns:a16="http://schemas.microsoft.com/office/drawing/2014/main" id="{0FABAA30-0CF1-8634-C519-C554DC7C2B58}"/>
+              </a:ext>
+            </a:extLst>
+          </p:cNvPr>
+          <p:cNvSpPr>
+            <a:spLocks noGrp="1"/>
+          </p:cNvSpPr>
+          <p:nvPr>
+            <p:ph type="sldNum" sz="quarter" idx="4"/>
+          </p:nvPr>
+        </p:nvSpPr>
+        <p:spPr>
+          <a:xfrm>
+            <a:off x="7024727" y="6364992"/>
+            <a:ext cx="2057400" cy="365125"/>
+          </a:xfrm>
+          <a:prstGeom prst="rect">
+            <a:avLst/>
+          </a:prstGeom>
+        </p:spPr>
+        <p:txBody>
+          <a:bodyPr vert="horz" lIns="91440" tIns="45720" rIns="91440" bIns="45720" rtlCol="0" anchor="ctr"/>
+          <a:lstStyle>
+            <a:lvl1pPr algn="r">
+              <a:defRPr sz="1400" b="1" i="0" baseline="0">
+                <a:solidFill>
+                  <a:schemeClr val="bg1"/>
+                </a:solidFill>
+              </a:defRPr>
+            </a:lvl1pPr>
+          </a:lstStyle>
+          <a:p>
+            <a:fld id="{DE0D52F3-54CA-4E42-BFA9-4F0301781925}" type="slidenum">
+              <a:rPr lang="en-US" smtClean="0"/>
+              <a:pPr/>
+              <a:t>‹#›</a:t>
+            </a:fld>
+            <a:endParaRPr lang="en-US" sz="1400" dirty="0"/>
           </a:p>
         </p:txBody>
       </p:sp>
@@ -3308,7 +3393,7 @@
     <p:sldLayoutId id="2147483818" r:id="rId15"/>
     <p:sldLayoutId id="2147483802" r:id="rId16"/>
   </p:sldLayoutIdLst>
-  <p:hf sldNum="0" hdr="0" ftr="0" dt="0"/>
+  <p:hf hdr="0" ftr="0" dt="0"/>
   <p:txStyles>
     <p:titleStyle>
       <a:lvl1pPr algn="l" rtl="0" eaLnBrk="1" fontAlgn="base" hangingPunct="1">
@@ -9933,6 +10018,2632 @@
         <p:cNvPr id="1" name="">
           <a:extLst>
             <a:ext uri="{FF2B5EF4-FFF2-40B4-BE49-F238E27FC236}">
+              <a16:creationId xmlns:a16="http://schemas.microsoft.com/office/drawing/2014/main" id="{53CB9842-CA4C-72DF-2790-831AEFB20D74}"/>
+            </a:ext>
+          </a:extLst>
+        </p:cNvPr>
+        <p:cNvGrpSpPr/>
+        <p:nvPr/>
+      </p:nvGrpSpPr>
+      <p:grpSpPr>
+        <a:xfrm>
+          <a:off x="0" y="0"/>
+          <a:ext cx="0" cy="0"/>
+          <a:chOff x="0" y="0"/>
+          <a:chExt cx="0" cy="0"/>
+        </a:xfrm>
+      </p:grpSpPr>
+      <p:sp>
+        <p:nvSpPr>
+          <p:cNvPr id="4" name="Title 3">
+            <a:extLst>
+              <a:ext uri="{FF2B5EF4-FFF2-40B4-BE49-F238E27FC236}">
+                <a16:creationId xmlns:a16="http://schemas.microsoft.com/office/drawing/2014/main" id="{8E087907-0FC7-F78B-2D15-4512DC866728}"/>
+              </a:ext>
+            </a:extLst>
+          </p:cNvPr>
+          <p:cNvSpPr>
+            <a:spLocks noGrp="1"/>
+          </p:cNvSpPr>
+          <p:nvPr>
+            <p:ph type="title"/>
+          </p:nvPr>
+        </p:nvSpPr>
+        <p:spPr>
+          <a:xfrm>
+            <a:off x="361244" y="161391"/>
+            <a:ext cx="8421512" cy="830997"/>
+          </a:xfrm>
+        </p:spPr>
+        <p:txBody>
+          <a:bodyPr/>
+          <a:lstStyle/>
+          <a:p>
+            <a:r>
+              <a:rPr lang="en-US" dirty="0"/>
+              <a:t>Concentration as a Factor</a:t>
+            </a:r>
+          </a:p>
+        </p:txBody>
+      </p:sp>
+      <p:sp>
+        <p:nvSpPr>
+          <p:cNvPr id="5" name="Content Placeholder 4">
+            <a:extLst>
+              <a:ext uri="{FF2B5EF4-FFF2-40B4-BE49-F238E27FC236}">
+                <a16:creationId xmlns:a16="http://schemas.microsoft.com/office/drawing/2014/main" id="{BB52F8CB-77FD-C4CF-A21A-E0580622DE5A}"/>
+              </a:ext>
+            </a:extLst>
+          </p:cNvPr>
+          <p:cNvSpPr>
+            <a:spLocks noGrp="1"/>
+          </p:cNvSpPr>
+          <p:nvPr>
+            <p:ph idx="1"/>
+          </p:nvPr>
+        </p:nvSpPr>
+        <p:spPr>
+          <a:xfrm>
+            <a:off x="372533" y="1013960"/>
+            <a:ext cx="8387645" cy="5533596"/>
+          </a:xfrm>
+        </p:spPr>
+        <p:txBody>
+          <a:bodyPr/>
+          <a:lstStyle/>
+          <a:p>
+            <a:r>
+              <a:rPr lang="en-US" dirty="0"/>
+              <a:t>Reactions are also affected by </a:t>
+            </a:r>
+            <a:r>
+              <a:rPr lang="en-US" dirty="0">
+                <a:solidFill>
+                  <a:srgbClr val="00FF00"/>
+                </a:solidFill>
+              </a:rPr>
+              <a:t>concentration</a:t>
+            </a:r>
+          </a:p>
+          <a:p>
+            <a:r>
+              <a:rPr lang="en-US" dirty="0">
+                <a:solidFill>
+                  <a:schemeClr val="accent1">
+                    <a:lumMod val="60000"/>
+                    <a:lumOff val="40000"/>
+                  </a:schemeClr>
+                </a:solidFill>
+              </a:rPr>
+              <a:t>Higher</a:t>
+            </a:r>
+            <a:r>
+              <a:rPr lang="en-US" dirty="0"/>
+              <a:t> </a:t>
+            </a:r>
+            <a:r>
+              <a:rPr lang="en-US" dirty="0">
+                <a:solidFill>
+                  <a:schemeClr val="accent1">
+                    <a:lumMod val="60000"/>
+                    <a:lumOff val="40000"/>
+                  </a:schemeClr>
+                </a:solidFill>
+              </a:rPr>
+              <a:t>concentrations</a:t>
+            </a:r>
+            <a:r>
+              <a:rPr lang="en-US" dirty="0"/>
+              <a:t> imply particles (molecules, </a:t>
+            </a:r>
+            <a:r>
+              <a:rPr lang="en-US" dirty="0" err="1"/>
+              <a:t>etc</a:t>
+            </a:r>
+            <a:r>
+              <a:rPr lang="en-US" dirty="0"/>
+              <a:t>) are closer together, more densely arranged, with a </a:t>
+            </a:r>
+            <a:r>
+              <a:rPr lang="en-US" dirty="0">
+                <a:solidFill>
+                  <a:srgbClr val="FFFF00"/>
+                </a:solidFill>
+              </a:rPr>
+              <a:t>higher probability </a:t>
+            </a:r>
+            <a:r>
+              <a:rPr lang="en-US" dirty="0"/>
+              <a:t>of </a:t>
+            </a:r>
+            <a:r>
+              <a:rPr lang="en-US" dirty="0">
+                <a:solidFill>
+                  <a:srgbClr val="FFFF00"/>
+                </a:solidFill>
+              </a:rPr>
+              <a:t>collisions</a:t>
+            </a:r>
+          </a:p>
+          <a:p>
+            <a:r>
+              <a:rPr lang="en-US" dirty="0"/>
+              <a:t>If a </a:t>
+            </a:r>
+            <a:r>
+              <a:rPr lang="en-US" dirty="0">
+                <a:solidFill>
+                  <a:schemeClr val="accent1">
+                    <a:lumMod val="60000"/>
+                    <a:lumOff val="40000"/>
+                  </a:schemeClr>
+                </a:solidFill>
+              </a:rPr>
+              <a:t>concentration</a:t>
+            </a:r>
+            <a:r>
+              <a:rPr lang="en-US" dirty="0"/>
+              <a:t> </a:t>
+            </a:r>
+            <a:r>
+              <a:rPr lang="en-US" dirty="0">
+                <a:solidFill>
+                  <a:srgbClr val="FFFF00"/>
+                </a:solidFill>
+              </a:rPr>
+              <a:t>doubles</a:t>
+            </a:r>
+            <a:r>
+              <a:rPr lang="en-US" dirty="0"/>
+              <a:t>, so would the </a:t>
+            </a:r>
+            <a:r>
+              <a:rPr lang="en-US" dirty="0">
+                <a:solidFill>
+                  <a:schemeClr val="accent1">
+                    <a:lumMod val="60000"/>
+                    <a:lumOff val="40000"/>
+                  </a:schemeClr>
+                </a:solidFill>
+              </a:rPr>
+              <a:t>reaction rate</a:t>
+            </a:r>
+            <a:r>
+              <a:rPr lang="en-US" dirty="0"/>
+              <a:t> also </a:t>
+            </a:r>
+            <a:r>
+              <a:rPr lang="en-US" dirty="0">
+                <a:solidFill>
+                  <a:srgbClr val="FFFF00"/>
+                </a:solidFill>
+              </a:rPr>
+              <a:t>double</a:t>
+            </a:r>
+          </a:p>
+          <a:p>
+            <a:r>
+              <a:rPr lang="en-US" sz="1800" dirty="0"/>
+              <a:t>Combustion involves a flammable</a:t>
+            </a:r>
+            <a:br>
+              <a:rPr lang="en-US" sz="1800" dirty="0"/>
+            </a:br>
+            <a:r>
+              <a:rPr lang="en-US" sz="1800" dirty="0"/>
+              <a:t>substance and oxygen. If splint</a:t>
+            </a:r>
+            <a:br>
+              <a:rPr lang="en-US" sz="1800" dirty="0"/>
+            </a:br>
+            <a:r>
+              <a:rPr lang="en-US" sz="1800" dirty="0"/>
+              <a:t>of wood set on fire and fire blown</a:t>
+            </a:r>
+            <a:br>
+              <a:rPr lang="en-US" sz="1800" dirty="0"/>
+            </a:br>
+            <a:r>
+              <a:rPr lang="en-US" sz="1800" dirty="0"/>
+              <a:t>out, the splint continues to glow.</a:t>
+            </a:r>
+            <a:br>
+              <a:rPr lang="en-US" sz="1800" dirty="0"/>
+            </a:br>
+            <a:r>
+              <a:rPr lang="en-US" sz="1800" dirty="0"/>
+              <a:t>If splint put in chamber with no</a:t>
+            </a:r>
+            <a:br>
+              <a:rPr lang="en-US" sz="1800" dirty="0"/>
+            </a:br>
+            <a:r>
+              <a:rPr lang="en-US" sz="1800" dirty="0"/>
+              <a:t>O</a:t>
+            </a:r>
+            <a:r>
+              <a:rPr lang="en-US" sz="1800" baseline="-25000" dirty="0"/>
+              <a:t>2</a:t>
+            </a:r>
+            <a:r>
+              <a:rPr lang="en-US" sz="1800" dirty="0"/>
+              <a:t>, the wood stops burning </a:t>
+            </a:r>
+            <a:br>
+              <a:rPr lang="en-US" sz="1800" dirty="0"/>
+            </a:br>
+            <a:r>
+              <a:rPr lang="en-US" sz="1800" dirty="0"/>
+              <a:t>(glows dissipates). But if put</a:t>
+            </a:r>
+            <a:br>
+              <a:rPr lang="en-US" sz="1800" dirty="0"/>
+            </a:br>
+            <a:r>
+              <a:rPr lang="en-US" sz="1800" dirty="0"/>
+              <a:t>in 100% O</a:t>
+            </a:r>
+            <a:r>
+              <a:rPr lang="en-US" sz="1800" baseline="-25000" dirty="0"/>
+              <a:t>2</a:t>
+            </a:r>
+            <a:r>
+              <a:rPr lang="en-US" sz="1800" dirty="0"/>
+              <a:t> chamber, it burns</a:t>
+            </a:r>
+            <a:br>
+              <a:rPr lang="en-US" sz="1800" dirty="0"/>
+            </a:br>
+            <a:r>
+              <a:rPr lang="en-US" sz="1800" dirty="0"/>
+              <a:t>brighter and hotter. This affects</a:t>
+            </a:r>
+            <a:br>
+              <a:rPr lang="en-US" sz="1800" dirty="0"/>
+            </a:br>
+            <a:r>
+              <a:rPr lang="en-US" sz="1800" dirty="0"/>
+              <a:t>shows concentration or reactants.</a:t>
+            </a:r>
+          </a:p>
+        </p:txBody>
+      </p:sp>
+      <p:pic>
+        <p:nvPicPr>
+          <p:cNvPr id="3" name="Picture 2">
+            <a:extLst>
+              <a:ext uri="{FF2B5EF4-FFF2-40B4-BE49-F238E27FC236}">
+                <a16:creationId xmlns:a16="http://schemas.microsoft.com/office/drawing/2014/main" id="{52000097-0E3F-4AB3-5541-0C2B80C5F840}"/>
+              </a:ext>
+            </a:extLst>
+          </p:cNvPr>
+          <p:cNvPicPr>
+            <a:picLocks noChangeAspect="1"/>
+          </p:cNvPicPr>
+          <p:nvPr/>
+        </p:nvPicPr>
+        <p:blipFill>
+          <a:blip r:embed="rId2"/>
+          <a:stretch>
+            <a:fillRect/>
+          </a:stretch>
+        </p:blipFill>
+        <p:spPr>
+          <a:xfrm>
+            <a:off x="4695409" y="3325090"/>
+            <a:ext cx="4225744" cy="2753929"/>
+          </a:xfrm>
+          <a:prstGeom prst="rect">
+            <a:avLst/>
+          </a:prstGeom>
+        </p:spPr>
+      </p:pic>
+      <p:sp>
+        <p:nvSpPr>
+          <p:cNvPr id="2" name="Slide Number Placeholder 1">
+            <a:extLst>
+              <a:ext uri="{FF2B5EF4-FFF2-40B4-BE49-F238E27FC236}">
+                <a16:creationId xmlns:a16="http://schemas.microsoft.com/office/drawing/2014/main" id="{19D1CF97-8CD5-F2F7-D050-1FB857BC47BC}"/>
+              </a:ext>
+            </a:extLst>
+          </p:cNvPr>
+          <p:cNvSpPr>
+            <a:spLocks noGrp="1"/>
+          </p:cNvSpPr>
+          <p:nvPr>
+            <p:ph type="sldNum" sz="quarter" idx="10"/>
+          </p:nvPr>
+        </p:nvSpPr>
+        <p:spPr/>
+        <p:txBody>
+          <a:bodyPr/>
+          <a:lstStyle/>
+          <a:p>
+            <a:fld id="{DE0D52F3-54CA-4E42-BFA9-4F0301781925}" type="slidenum">
+              <a:rPr lang="en-US" smtClean="0"/>
+              <a:pPr/>
+              <a:t>10</a:t>
+            </a:fld>
+            <a:endParaRPr lang="en-US" sz="1400" dirty="0"/>
+          </a:p>
+        </p:txBody>
+      </p:sp>
+    </p:spTree>
+    <p:extLst>
+      <p:ext uri="{BB962C8B-B14F-4D97-AF65-F5344CB8AC3E}">
+        <p14:creationId xmlns:p14="http://schemas.microsoft.com/office/powerpoint/2010/main" val="4089306857"/>
+      </p:ext>
+    </p:extLst>
+  </p:cSld>
+  <p:clrMapOvr>
+    <a:masterClrMapping/>
+  </p:clrMapOvr>
+</p:sld>
+</file>
+
+<file path=ppt/slides/slide11.xml><?xml version="1.0" encoding="utf-8"?>
+<p:sld xmlns:a="http://schemas.openxmlformats.org/drawingml/2006/main" xmlns:r="http://schemas.openxmlformats.org/officeDocument/2006/relationships" xmlns:p="http://schemas.openxmlformats.org/presentationml/2006/main">
+  <p:cSld>
+    <p:spTree>
+      <p:nvGrpSpPr>
+        <p:cNvPr id="1" name="">
+          <a:extLst>
+            <a:ext uri="{FF2B5EF4-FFF2-40B4-BE49-F238E27FC236}">
+              <a16:creationId xmlns:a16="http://schemas.microsoft.com/office/drawing/2014/main" id="{20F894AA-624B-EBF9-3221-B4D6E4477B0A}"/>
+            </a:ext>
+          </a:extLst>
+        </p:cNvPr>
+        <p:cNvGrpSpPr/>
+        <p:nvPr/>
+      </p:nvGrpSpPr>
+      <p:grpSpPr>
+        <a:xfrm>
+          <a:off x="0" y="0"/>
+          <a:ext cx="0" cy="0"/>
+          <a:chOff x="0" y="0"/>
+          <a:chExt cx="0" cy="0"/>
+        </a:xfrm>
+      </p:grpSpPr>
+      <p:sp>
+        <p:nvSpPr>
+          <p:cNvPr id="4" name="Title 3">
+            <a:extLst>
+              <a:ext uri="{FF2B5EF4-FFF2-40B4-BE49-F238E27FC236}">
+                <a16:creationId xmlns:a16="http://schemas.microsoft.com/office/drawing/2014/main" id="{B71F2F67-83D9-D2F3-57FF-D09023E4BE49}"/>
+              </a:ext>
+            </a:extLst>
+          </p:cNvPr>
+          <p:cNvSpPr>
+            <a:spLocks noGrp="1"/>
+          </p:cNvSpPr>
+          <p:nvPr>
+            <p:ph type="title"/>
+          </p:nvPr>
+        </p:nvSpPr>
+        <p:spPr>
+          <a:xfrm>
+            <a:off x="372533" y="103087"/>
+            <a:ext cx="8421512" cy="830997"/>
+          </a:xfrm>
+        </p:spPr>
+        <p:txBody>
+          <a:bodyPr/>
+          <a:lstStyle/>
+          <a:p>
+            <a:r>
+              <a:rPr lang="en-US" dirty="0"/>
+              <a:t>Catalysis and Catalysts</a:t>
+            </a:r>
+          </a:p>
+        </p:txBody>
+      </p:sp>
+      <p:sp>
+        <p:nvSpPr>
+          <p:cNvPr id="5" name="Content Placeholder 4">
+            <a:extLst>
+              <a:ext uri="{FF2B5EF4-FFF2-40B4-BE49-F238E27FC236}">
+                <a16:creationId xmlns:a16="http://schemas.microsoft.com/office/drawing/2014/main" id="{6FBC38B7-E72E-EE0A-D1FF-846602722E31}"/>
+              </a:ext>
+            </a:extLst>
+          </p:cNvPr>
+          <p:cNvSpPr>
+            <a:spLocks noGrp="1"/>
+          </p:cNvSpPr>
+          <p:nvPr>
+            <p:ph idx="1"/>
+          </p:nvPr>
+        </p:nvSpPr>
+        <p:spPr>
+          <a:xfrm>
+            <a:off x="372533" y="959662"/>
+            <a:ext cx="8387645" cy="5587894"/>
+          </a:xfrm>
+        </p:spPr>
+        <p:txBody>
+          <a:bodyPr/>
+          <a:lstStyle/>
+          <a:p>
+            <a:r>
+              <a:rPr lang="en-US" sz="2000" b="1" dirty="0">
+                <a:solidFill>
+                  <a:srgbClr val="00FF00"/>
+                </a:solidFill>
+              </a:rPr>
+              <a:t>Catalysis</a:t>
+            </a:r>
+            <a:r>
+              <a:rPr lang="en-US" sz="2000" dirty="0"/>
+              <a:t> is the process by which rate of chemical reaction is changed (usually increased) through the action of a </a:t>
+            </a:r>
+            <a:r>
+              <a:rPr lang="en-US" sz="2000" dirty="0">
+                <a:solidFill>
+                  <a:schemeClr val="accent1">
+                    <a:lumMod val="60000"/>
+                    <a:lumOff val="40000"/>
+                  </a:schemeClr>
+                </a:solidFill>
+              </a:rPr>
+              <a:t>catalyst</a:t>
+            </a:r>
+          </a:p>
+          <a:p>
+            <a:r>
+              <a:rPr lang="en-US" sz="2000" dirty="0"/>
+              <a:t>A </a:t>
+            </a:r>
+            <a:r>
+              <a:rPr lang="en-US" sz="2000" b="1" dirty="0">
+                <a:solidFill>
+                  <a:srgbClr val="00FF00"/>
+                </a:solidFill>
+              </a:rPr>
+              <a:t>catalyst</a:t>
+            </a:r>
+            <a:r>
+              <a:rPr lang="en-US" sz="2000" dirty="0"/>
+              <a:t> is a substance that increases rate of a chemical reaction without being consumed or permanently altered in the overall reaction</a:t>
+            </a:r>
+          </a:p>
+          <a:p>
+            <a:r>
+              <a:rPr lang="en-US" sz="2000" dirty="0"/>
+              <a:t>The effect of catalysis is seen in the reaction progress curve as a lowering of the activation energy </a:t>
+            </a:r>
+            <a:r>
+              <a:rPr lang="en-US" sz="2000" dirty="0" err="1"/>
+              <a:t>Ea</a:t>
+            </a:r>
+            <a:r>
+              <a:rPr lang="en-US" sz="2000" dirty="0"/>
+              <a:t>, which enables reactants to get over</a:t>
+            </a:r>
+            <a:br>
+              <a:rPr lang="en-US" sz="2000" dirty="0"/>
+            </a:br>
+            <a:r>
+              <a:rPr lang="en-US" sz="2000" dirty="0"/>
+              <a:t>the energy barrier in</a:t>
+            </a:r>
+            <a:br>
+              <a:rPr lang="en-US" sz="2000" dirty="0"/>
+            </a:br>
+            <a:r>
+              <a:rPr lang="en-US" sz="2000" dirty="0"/>
+              <a:t>the reaction</a:t>
+            </a:r>
+          </a:p>
+        </p:txBody>
+      </p:sp>
+      <p:pic>
+        <p:nvPicPr>
+          <p:cNvPr id="6" name="Picture 5">
+            <a:extLst>
+              <a:ext uri="{FF2B5EF4-FFF2-40B4-BE49-F238E27FC236}">
+                <a16:creationId xmlns:a16="http://schemas.microsoft.com/office/drawing/2014/main" id="{B7DECAC9-A88F-C686-8079-E8A71947D345}"/>
+              </a:ext>
+            </a:extLst>
+          </p:cNvPr>
+          <p:cNvPicPr>
+            <a:picLocks noChangeAspect="1"/>
+          </p:cNvPicPr>
+          <p:nvPr/>
+        </p:nvPicPr>
+        <p:blipFill>
+          <a:blip r:embed="rId2"/>
+          <a:stretch>
+            <a:fillRect/>
+          </a:stretch>
+        </p:blipFill>
+        <p:spPr>
+          <a:xfrm>
+            <a:off x="3710500" y="3527242"/>
+            <a:ext cx="4977232" cy="2910415"/>
+          </a:xfrm>
+          <a:prstGeom prst="rect">
+            <a:avLst/>
+          </a:prstGeom>
+        </p:spPr>
+      </p:pic>
+      <p:sp>
+        <p:nvSpPr>
+          <p:cNvPr id="2" name="Slide Number Placeholder 1">
+            <a:extLst>
+              <a:ext uri="{FF2B5EF4-FFF2-40B4-BE49-F238E27FC236}">
+                <a16:creationId xmlns:a16="http://schemas.microsoft.com/office/drawing/2014/main" id="{8FD27A01-03BD-32B0-C7FB-C500CD4F4134}"/>
+              </a:ext>
+            </a:extLst>
+          </p:cNvPr>
+          <p:cNvSpPr>
+            <a:spLocks noGrp="1"/>
+          </p:cNvSpPr>
+          <p:nvPr>
+            <p:ph type="sldNum" sz="quarter" idx="10"/>
+          </p:nvPr>
+        </p:nvSpPr>
+        <p:spPr/>
+        <p:txBody>
+          <a:bodyPr/>
+          <a:lstStyle/>
+          <a:p>
+            <a:fld id="{DE0D52F3-54CA-4E42-BFA9-4F0301781925}" type="slidenum">
+              <a:rPr lang="en-US" smtClean="0"/>
+              <a:pPr/>
+              <a:t>11</a:t>
+            </a:fld>
+            <a:endParaRPr lang="en-US" sz="1400" dirty="0"/>
+          </a:p>
+        </p:txBody>
+      </p:sp>
+    </p:spTree>
+    <p:extLst>
+      <p:ext uri="{BB962C8B-B14F-4D97-AF65-F5344CB8AC3E}">
+        <p14:creationId xmlns:p14="http://schemas.microsoft.com/office/powerpoint/2010/main" val="4237323244"/>
+      </p:ext>
+    </p:extLst>
+  </p:cSld>
+  <p:clrMapOvr>
+    <a:masterClrMapping/>
+  </p:clrMapOvr>
+</p:sld>
+</file>
+
+<file path=ppt/slides/slide12.xml><?xml version="1.0" encoding="utf-8"?>
+<p:sld xmlns:a="http://schemas.openxmlformats.org/drawingml/2006/main" xmlns:r="http://schemas.openxmlformats.org/officeDocument/2006/relationships" xmlns:p="http://schemas.openxmlformats.org/presentationml/2006/main">
+  <p:cSld>
+    <p:spTree>
+      <p:nvGrpSpPr>
+        <p:cNvPr id="1" name="">
+          <a:extLst>
+            <a:ext uri="{FF2B5EF4-FFF2-40B4-BE49-F238E27FC236}">
+              <a16:creationId xmlns:a16="http://schemas.microsoft.com/office/drawing/2014/main" id="{AD5FCA72-7026-7515-997E-E3EF444046EB}"/>
+            </a:ext>
+          </a:extLst>
+        </p:cNvPr>
+        <p:cNvGrpSpPr/>
+        <p:nvPr/>
+      </p:nvGrpSpPr>
+      <p:grpSpPr>
+        <a:xfrm>
+          <a:off x="0" y="0"/>
+          <a:ext cx="0" cy="0"/>
+          <a:chOff x="0" y="0"/>
+          <a:chExt cx="0" cy="0"/>
+        </a:xfrm>
+      </p:grpSpPr>
+      <p:sp>
+        <p:nvSpPr>
+          <p:cNvPr id="4" name="Title 3">
+            <a:extLst>
+              <a:ext uri="{FF2B5EF4-FFF2-40B4-BE49-F238E27FC236}">
+                <a16:creationId xmlns:a16="http://schemas.microsoft.com/office/drawing/2014/main" id="{9AC7373B-560D-0EAB-721F-8AD66C4E0BC0}"/>
+              </a:ext>
+            </a:extLst>
+          </p:cNvPr>
+          <p:cNvSpPr>
+            <a:spLocks noGrp="1"/>
+          </p:cNvSpPr>
+          <p:nvPr>
+            <p:ph type="title"/>
+          </p:nvPr>
+        </p:nvSpPr>
+        <p:spPr>
+          <a:xfrm>
+            <a:off x="372533" y="103087"/>
+            <a:ext cx="8421512" cy="830997"/>
+          </a:xfrm>
+        </p:spPr>
+        <p:txBody>
+          <a:bodyPr/>
+          <a:lstStyle/>
+          <a:p>
+            <a:r>
+              <a:rPr lang="en-US" dirty="0"/>
+              <a:t>Catalysis Example</a:t>
+            </a:r>
+          </a:p>
+        </p:txBody>
+      </p:sp>
+      <p:sp>
+        <p:nvSpPr>
+          <p:cNvPr id="5" name="Content Placeholder 4">
+            <a:extLst>
+              <a:ext uri="{FF2B5EF4-FFF2-40B4-BE49-F238E27FC236}">
+                <a16:creationId xmlns:a16="http://schemas.microsoft.com/office/drawing/2014/main" id="{9B288798-FFEB-59E5-838B-90778B674E70}"/>
+              </a:ext>
+            </a:extLst>
+          </p:cNvPr>
+          <p:cNvSpPr>
+            <a:spLocks noGrp="1"/>
+          </p:cNvSpPr>
+          <p:nvPr>
+            <p:ph idx="1"/>
+          </p:nvPr>
+        </p:nvSpPr>
+        <p:spPr>
+          <a:xfrm>
+            <a:off x="372533" y="959662"/>
+            <a:ext cx="8387645" cy="5587894"/>
+          </a:xfrm>
+        </p:spPr>
+        <p:txBody>
+          <a:bodyPr/>
+          <a:lstStyle/>
+          <a:p>
+            <a:r>
+              <a:rPr lang="en-US" dirty="0">
+                <a:solidFill>
+                  <a:schemeClr val="accent1">
+                    <a:lumMod val="60000"/>
+                    <a:lumOff val="40000"/>
+                  </a:schemeClr>
+                </a:solidFill>
+              </a:rPr>
+              <a:t>Hydrogen peroxide </a:t>
+            </a:r>
+            <a:r>
+              <a:rPr lang="en-US" dirty="0"/>
+              <a:t>(</a:t>
+            </a:r>
+            <a:r>
+              <a:rPr lang="en-US" b="1" dirty="0">
+                <a:solidFill>
+                  <a:srgbClr val="FFC000"/>
+                </a:solidFill>
+              </a:rPr>
+              <a:t>H</a:t>
+            </a:r>
+            <a:r>
+              <a:rPr lang="en-US" b="1" baseline="-25000" dirty="0">
+                <a:solidFill>
+                  <a:srgbClr val="FFC000"/>
+                </a:solidFill>
+              </a:rPr>
+              <a:t>2</a:t>
+            </a:r>
+            <a:r>
+              <a:rPr lang="en-US" b="1" dirty="0">
+                <a:solidFill>
+                  <a:srgbClr val="FFC000"/>
+                </a:solidFill>
+              </a:rPr>
+              <a:t>O</a:t>
+            </a:r>
+            <a:r>
+              <a:rPr lang="en-US" b="1" baseline="-25000" dirty="0">
+                <a:solidFill>
+                  <a:srgbClr val="FFC000"/>
+                </a:solidFill>
+              </a:rPr>
+              <a:t>2</a:t>
+            </a:r>
+            <a:r>
+              <a:rPr lang="en-US" dirty="0"/>
+              <a:t>) is a well-known effective disinfectant. A 3% solution stores well for a few years, but it eventually degrades to water and oxygen products</a:t>
+            </a:r>
+          </a:p>
+          <a:p>
+            <a:r>
+              <a:rPr lang="en-US" dirty="0"/>
+              <a:t>Just a small amount of </a:t>
+            </a:r>
+            <a:r>
+              <a:rPr lang="en-US" dirty="0">
+                <a:solidFill>
+                  <a:schemeClr val="accent1">
+                    <a:lumMod val="60000"/>
+                    <a:lumOff val="40000"/>
+                  </a:schemeClr>
+                </a:solidFill>
+              </a:rPr>
+              <a:t>manganese(IV) oxide </a:t>
+            </a:r>
+            <a:r>
+              <a:rPr lang="en-US" dirty="0"/>
+              <a:t>(</a:t>
+            </a:r>
+            <a:r>
+              <a:rPr lang="en-US" b="1" dirty="0">
+                <a:solidFill>
+                  <a:srgbClr val="FFC000"/>
+                </a:solidFill>
+              </a:rPr>
+              <a:t>MnO</a:t>
+            </a:r>
+            <a:r>
+              <a:rPr lang="en-US" b="1" baseline="-25000" dirty="0">
+                <a:solidFill>
+                  <a:srgbClr val="FFC000"/>
+                </a:solidFill>
+              </a:rPr>
+              <a:t>2</a:t>
+            </a:r>
+            <a:r>
+              <a:rPr lang="en-US" dirty="0"/>
+              <a:t>) will accelerate the reaction to where it degrades within minutes</a:t>
+            </a:r>
+          </a:p>
+          <a:p>
+            <a:endParaRPr lang="en-US" dirty="0"/>
+          </a:p>
+        </p:txBody>
+      </p:sp>
+      <p:sp>
+        <p:nvSpPr>
+          <p:cNvPr id="2" name="Slide Number Placeholder 1">
+            <a:extLst>
+              <a:ext uri="{FF2B5EF4-FFF2-40B4-BE49-F238E27FC236}">
+                <a16:creationId xmlns:a16="http://schemas.microsoft.com/office/drawing/2014/main" id="{F943DE7A-80FD-F77B-C021-4033F84FBD55}"/>
+              </a:ext>
+            </a:extLst>
+          </p:cNvPr>
+          <p:cNvSpPr>
+            <a:spLocks noGrp="1"/>
+          </p:cNvSpPr>
+          <p:nvPr>
+            <p:ph type="sldNum" sz="quarter" idx="10"/>
+          </p:nvPr>
+        </p:nvSpPr>
+        <p:spPr/>
+        <p:txBody>
+          <a:bodyPr/>
+          <a:lstStyle/>
+          <a:p>
+            <a:fld id="{DE0D52F3-54CA-4E42-BFA9-4F0301781925}" type="slidenum">
+              <a:rPr lang="en-US" smtClean="0"/>
+              <a:pPr/>
+              <a:t>12</a:t>
+            </a:fld>
+            <a:endParaRPr lang="en-US" sz="1400" dirty="0"/>
+          </a:p>
+        </p:txBody>
+      </p:sp>
+      <p:pic>
+        <p:nvPicPr>
+          <p:cNvPr id="11" name="Picture 10">
+            <a:extLst>
+              <a:ext uri="{FF2B5EF4-FFF2-40B4-BE49-F238E27FC236}">
+                <a16:creationId xmlns:a16="http://schemas.microsoft.com/office/drawing/2014/main" id="{FB5FC902-6D4C-2D6F-856A-AA436A5877EE}"/>
+              </a:ext>
+            </a:extLst>
+          </p:cNvPr>
+          <p:cNvPicPr>
+            <a:picLocks noChangeAspect="1"/>
+          </p:cNvPicPr>
+          <p:nvPr/>
+        </p:nvPicPr>
+        <p:blipFill>
+          <a:blip r:embed="rId2"/>
+          <a:stretch>
+            <a:fillRect/>
+          </a:stretch>
+        </p:blipFill>
+        <p:spPr>
+          <a:xfrm>
+            <a:off x="1277507" y="3912410"/>
+            <a:ext cx="6368469" cy="2038827"/>
+          </a:xfrm>
+          <a:prstGeom prst="rect">
+            <a:avLst/>
+          </a:prstGeom>
+        </p:spPr>
+      </p:pic>
+    </p:spTree>
+    <p:extLst>
+      <p:ext uri="{BB962C8B-B14F-4D97-AF65-F5344CB8AC3E}">
+        <p14:creationId xmlns:p14="http://schemas.microsoft.com/office/powerpoint/2010/main" val="2727349024"/>
+      </p:ext>
+    </p:extLst>
+  </p:cSld>
+  <p:clrMapOvr>
+    <a:masterClrMapping/>
+  </p:clrMapOvr>
+</p:sld>
+</file>
+
+<file path=ppt/slides/slide13.xml><?xml version="1.0" encoding="utf-8"?>
+<p:sld xmlns:a="http://schemas.openxmlformats.org/drawingml/2006/main" xmlns:r="http://schemas.openxmlformats.org/officeDocument/2006/relationships" xmlns:p="http://schemas.openxmlformats.org/presentationml/2006/main">
+  <p:cSld>
+    <p:spTree>
+      <p:nvGrpSpPr>
+        <p:cNvPr id="1" name="">
+          <a:extLst>
+            <a:ext uri="{FF2B5EF4-FFF2-40B4-BE49-F238E27FC236}">
+              <a16:creationId xmlns:a16="http://schemas.microsoft.com/office/drawing/2014/main" id="{B37C87DC-DD36-4B88-0717-3070AAA22002}"/>
+            </a:ext>
+          </a:extLst>
+        </p:cNvPr>
+        <p:cNvGrpSpPr/>
+        <p:nvPr/>
+      </p:nvGrpSpPr>
+      <p:grpSpPr>
+        <a:xfrm>
+          <a:off x="0" y="0"/>
+          <a:ext cx="0" cy="0"/>
+          <a:chOff x="0" y="0"/>
+          <a:chExt cx="0" cy="0"/>
+        </a:xfrm>
+      </p:grpSpPr>
+      <p:sp>
+        <p:nvSpPr>
+          <p:cNvPr id="4" name="Title 3">
+            <a:extLst>
+              <a:ext uri="{FF2B5EF4-FFF2-40B4-BE49-F238E27FC236}">
+                <a16:creationId xmlns:a16="http://schemas.microsoft.com/office/drawing/2014/main" id="{A82DBCFC-D394-3715-1F88-5C2A42FB59C8}"/>
+              </a:ext>
+            </a:extLst>
+          </p:cNvPr>
+          <p:cNvSpPr>
+            <a:spLocks noGrp="1"/>
+          </p:cNvSpPr>
+          <p:nvPr>
+            <p:ph type="title"/>
+          </p:nvPr>
+        </p:nvSpPr>
+        <p:spPr>
+          <a:xfrm>
+            <a:off x="364067" y="306073"/>
+            <a:ext cx="8421512" cy="707886"/>
+          </a:xfrm>
+        </p:spPr>
+        <p:txBody>
+          <a:bodyPr/>
+          <a:lstStyle/>
+          <a:p>
+            <a:r>
+              <a:rPr lang="en-US" sz="4000" dirty="0"/>
+              <a:t>Chemical Equilibrium</a:t>
+            </a:r>
+          </a:p>
+        </p:txBody>
+      </p:sp>
+      <p:sp>
+        <p:nvSpPr>
+          <p:cNvPr id="5" name="Content Placeholder 4">
+            <a:extLst>
+              <a:ext uri="{FF2B5EF4-FFF2-40B4-BE49-F238E27FC236}">
+                <a16:creationId xmlns:a16="http://schemas.microsoft.com/office/drawing/2014/main" id="{36F1D10E-5D25-EF1E-2F04-1F273824D8EE}"/>
+              </a:ext>
+            </a:extLst>
+          </p:cNvPr>
+          <p:cNvSpPr>
+            <a:spLocks noGrp="1"/>
+          </p:cNvSpPr>
+          <p:nvPr>
+            <p:ph idx="1"/>
+          </p:nvPr>
+        </p:nvSpPr>
+        <p:spPr>
+          <a:xfrm>
+            <a:off x="372533" y="1095770"/>
+            <a:ext cx="8387645" cy="5451786"/>
+          </a:xfrm>
+        </p:spPr>
+        <p:txBody>
+          <a:bodyPr/>
+          <a:lstStyle/>
+          <a:p>
+            <a:r>
+              <a:rPr lang="en-US" dirty="0"/>
+              <a:t>Chemical reaction rates (kinetics) were addressed in the previous slides</a:t>
+            </a:r>
+          </a:p>
+          <a:p>
+            <a:r>
+              <a:rPr lang="en-US" dirty="0"/>
+              <a:t>This addresses the concept of chemical equilibrium, of reactants in initial conditions with no products, and of reactions showing products now becoming reactants in a reverse of the direction of the reaction</a:t>
+            </a:r>
+          </a:p>
+          <a:p>
+            <a:endParaRPr lang="en-US" dirty="0"/>
+          </a:p>
+        </p:txBody>
+      </p:sp>
+      <p:sp>
+        <p:nvSpPr>
+          <p:cNvPr id="2" name="Slide Number Placeholder 1">
+            <a:extLst>
+              <a:ext uri="{FF2B5EF4-FFF2-40B4-BE49-F238E27FC236}">
+                <a16:creationId xmlns:a16="http://schemas.microsoft.com/office/drawing/2014/main" id="{8B9C3469-7903-A746-7F96-E2B62BE896DA}"/>
+              </a:ext>
+            </a:extLst>
+          </p:cNvPr>
+          <p:cNvSpPr>
+            <a:spLocks noGrp="1"/>
+          </p:cNvSpPr>
+          <p:nvPr>
+            <p:ph type="sldNum" sz="quarter" idx="10"/>
+          </p:nvPr>
+        </p:nvSpPr>
+        <p:spPr/>
+        <p:txBody>
+          <a:bodyPr/>
+          <a:lstStyle/>
+          <a:p>
+            <a:fld id="{DE0D52F3-54CA-4E42-BFA9-4F0301781925}" type="slidenum">
+              <a:rPr lang="en-US" smtClean="0"/>
+              <a:pPr/>
+              <a:t>13</a:t>
+            </a:fld>
+            <a:endParaRPr lang="en-US" sz="1400" dirty="0"/>
+          </a:p>
+        </p:txBody>
+      </p:sp>
+      <p:pic>
+        <p:nvPicPr>
+          <p:cNvPr id="6" name="Online Media 5" title="Unit 12 Segment 3: Equilibrium Demonstration">
+            <a:hlinkClick r:id="" action="ppaction://media"/>
+            <a:extLst>
+              <a:ext uri="{FF2B5EF4-FFF2-40B4-BE49-F238E27FC236}">
+                <a16:creationId xmlns:a16="http://schemas.microsoft.com/office/drawing/2014/main" id="{81D4A348-57F8-710D-77F9-F14866BA3401}"/>
+              </a:ext>
+            </a:extLst>
+          </p:cNvPr>
+          <p:cNvPicPr>
+            <a:picLocks noRot="1" noChangeAspect="1"/>
+          </p:cNvPicPr>
+          <p:nvPr>
+            <a:videoFile r:link="rId1"/>
+          </p:nvPr>
+        </p:nvPicPr>
+        <p:blipFill>
+          <a:blip r:embed="rId3"/>
+          <a:stretch>
+            <a:fillRect/>
+          </a:stretch>
+        </p:blipFill>
+        <p:spPr>
+          <a:xfrm>
+            <a:off x="2503287" y="3848112"/>
+            <a:ext cx="3599259" cy="2699444"/>
+          </a:xfrm>
+          <a:prstGeom prst="rect">
+            <a:avLst/>
+          </a:prstGeom>
+        </p:spPr>
+      </p:pic>
+    </p:spTree>
+    <p:extLst>
+      <p:ext uri="{BB962C8B-B14F-4D97-AF65-F5344CB8AC3E}">
+        <p14:creationId xmlns:p14="http://schemas.microsoft.com/office/powerpoint/2010/main" val="3195226364"/>
+      </p:ext>
+    </p:extLst>
+  </p:cSld>
+  <p:clrMapOvr>
+    <a:masterClrMapping/>
+  </p:clrMapOvr>
+  <p:timing>
+    <p:tnLst>
+      <p:par>
+        <p:cTn id="1" dur="indefinite" restart="never" nodeType="tmRoot">
+          <p:childTnLst>
+            <p:seq concurrent="1" nextAc="seek">
+              <p:cTn id="2" dur="indefinite" nodeType="mainSeq">
+                <p:childTnLst>
+                  <p:par>
+                    <p:cTn id="3" fill="hold">
+                      <p:stCondLst>
+                        <p:cond delay="indefinite"/>
+                      </p:stCondLst>
+                      <p:childTnLst>
+                        <p:par>
+                          <p:cTn id="4" fill="hold">
+                            <p:stCondLst>
+                              <p:cond delay="0"/>
+                            </p:stCondLst>
+                            <p:childTnLst>
+                              <p:par>
+                                <p:cTn id="5" presetID="1" presetClass="mediacall" presetSubtype="0" fill="hold" nodeType="clickEffect">
+                                  <p:stCondLst>
+                                    <p:cond delay="0"/>
+                                  </p:stCondLst>
+                                  <p:childTnLst>
+                                    <p:cmd type="call" cmd="playFrom(0.0)">
+                                      <p:cBhvr>
+                                        <p:cTn id="6" dur="1" fill="hold"/>
+                                        <p:tgtEl>
+                                          <p:spTgt spid="6"/>
+                                        </p:tgtEl>
+                                      </p:cBhvr>
+                                    </p:cmd>
+                                  </p:childTnLst>
+                                </p:cTn>
+                              </p:par>
+                            </p:childTnLst>
+                          </p:cTn>
+                        </p:par>
+                      </p:childTnLst>
+                    </p:cTn>
+                  </p:par>
+                </p:childTnLst>
+              </p:cTn>
+              <p:prevCondLst>
+                <p:cond evt="onPrev" delay="0">
+                  <p:tgtEl>
+                    <p:sldTgt/>
+                  </p:tgtEl>
+                </p:cond>
+              </p:prevCondLst>
+              <p:nextCondLst>
+                <p:cond evt="onNext" delay="0">
+                  <p:tgtEl>
+                    <p:sldTgt/>
+                  </p:tgtEl>
+                </p:cond>
+              </p:nextCondLst>
+            </p:seq>
+            <p:video>
+              <p:cMediaNode vol="80000">
+                <p:cTn id="7" fill="hold" display="0">
+                  <p:stCondLst>
+                    <p:cond delay="indefinite"/>
+                  </p:stCondLst>
+                </p:cTn>
+                <p:tgtEl>
+                  <p:spTgt spid="6"/>
+                </p:tgtEl>
+              </p:cMediaNode>
+            </p:video>
+            <p:seq concurrent="1" nextAc="seek">
+              <p:cTn id="8" restart="whenNotActive" fill="hold" evtFilter="cancelBubble" nodeType="interactiveSeq">
+                <p:stCondLst>
+                  <p:cond evt="onClick" delay="0">
+                    <p:tgtEl>
+                      <p:spTgt spid="6"/>
+                    </p:tgtEl>
+                  </p:cond>
+                </p:stCondLst>
+                <p:endSync evt="end" delay="0">
+                  <p:rtn val="all"/>
+                </p:endSync>
+                <p:childTnLst>
+                  <p:par>
+                    <p:cTn id="9" fill="hold">
+                      <p:stCondLst>
+                        <p:cond delay="0"/>
+                      </p:stCondLst>
+                      <p:childTnLst>
+                        <p:par>
+                          <p:cTn id="10" fill="hold">
+                            <p:stCondLst>
+                              <p:cond delay="0"/>
+                            </p:stCondLst>
+                            <p:childTnLst>
+                              <p:par>
+                                <p:cTn id="11" presetID="2" presetClass="mediacall" presetSubtype="0" fill="hold" nodeType="clickEffect">
+                                  <p:stCondLst>
+                                    <p:cond delay="0"/>
+                                  </p:stCondLst>
+                                  <p:childTnLst>
+                                    <p:cmd type="call" cmd="togglePause">
+                                      <p:cBhvr>
+                                        <p:cTn id="12" dur="1" fill="hold"/>
+                                        <p:tgtEl>
+                                          <p:spTgt spid="6"/>
+                                        </p:tgtEl>
+                                      </p:cBhvr>
+                                    </p:cmd>
+                                  </p:childTnLst>
+                                </p:cTn>
+                              </p:par>
+                            </p:childTnLst>
+                          </p:cTn>
+                        </p:par>
+                      </p:childTnLst>
+                    </p:cTn>
+                  </p:par>
+                </p:childTnLst>
+              </p:cTn>
+              <p:nextCondLst>
+                <p:cond evt="onClick" delay="0">
+                  <p:tgtEl>
+                    <p:spTgt spid="6"/>
+                  </p:tgtEl>
+                </p:cond>
+              </p:nextCondLst>
+            </p:seq>
+          </p:childTnLst>
+        </p:cTn>
+      </p:par>
+    </p:tnLst>
+  </p:timing>
+</p:sld>
+</file>
+
+<file path=ppt/slides/slide14.xml><?xml version="1.0" encoding="utf-8"?>
+<p:sld xmlns:a="http://schemas.openxmlformats.org/drawingml/2006/main" xmlns:r="http://schemas.openxmlformats.org/officeDocument/2006/relationships" xmlns:p="http://schemas.openxmlformats.org/presentationml/2006/main">
+  <p:cSld>
+    <p:spTree>
+      <p:nvGrpSpPr>
+        <p:cNvPr id="1" name="">
+          <a:extLst>
+            <a:ext uri="{FF2B5EF4-FFF2-40B4-BE49-F238E27FC236}">
+              <a16:creationId xmlns:a16="http://schemas.microsoft.com/office/drawing/2014/main" id="{B37C87DC-DD36-4B88-0717-3070AAA22002}"/>
+            </a:ext>
+          </a:extLst>
+        </p:cNvPr>
+        <p:cNvGrpSpPr/>
+        <p:nvPr/>
+      </p:nvGrpSpPr>
+      <p:grpSpPr>
+        <a:xfrm>
+          <a:off x="0" y="0"/>
+          <a:ext cx="0" cy="0"/>
+          <a:chOff x="0" y="0"/>
+          <a:chExt cx="0" cy="0"/>
+        </a:xfrm>
+      </p:grpSpPr>
+      <p:sp>
+        <p:nvSpPr>
+          <p:cNvPr id="4" name="Title 3">
+            <a:extLst>
+              <a:ext uri="{FF2B5EF4-FFF2-40B4-BE49-F238E27FC236}">
+                <a16:creationId xmlns:a16="http://schemas.microsoft.com/office/drawing/2014/main" id="{A82DBCFC-D394-3715-1F88-5C2A42FB59C8}"/>
+              </a:ext>
+            </a:extLst>
+          </p:cNvPr>
+          <p:cNvSpPr>
+            <a:spLocks noGrp="1"/>
+          </p:cNvSpPr>
+          <p:nvPr>
+            <p:ph type="title"/>
+          </p:nvPr>
+        </p:nvSpPr>
+        <p:spPr>
+          <a:xfrm>
+            <a:off x="364067" y="306073"/>
+            <a:ext cx="8421512" cy="707886"/>
+          </a:xfrm>
+        </p:spPr>
+        <p:txBody>
+          <a:bodyPr/>
+          <a:lstStyle/>
+          <a:p>
+            <a:r>
+              <a:rPr lang="en-US" sz="4000" dirty="0"/>
+              <a:t>Reversible Reactions</a:t>
+            </a:r>
+          </a:p>
+        </p:txBody>
+      </p:sp>
+      <mc:AlternateContent xmlns:mc="http://schemas.openxmlformats.org/markup-compatibility/2006" xmlns:a14="http://schemas.microsoft.com/office/drawing/2010/main">
+        <mc:Choice Requires="a14">
+          <p:sp>
+            <p:nvSpPr>
+              <p:cNvPr id="5" name="Content Placeholder 4">
+                <a:extLst>
+                  <a:ext uri="{FF2B5EF4-FFF2-40B4-BE49-F238E27FC236}">
+                    <a16:creationId xmlns:a16="http://schemas.microsoft.com/office/drawing/2014/main" id="{36F1D10E-5D25-EF1E-2F04-1F273824D8EE}"/>
+                  </a:ext>
+                </a:extLst>
+              </p:cNvPr>
+              <p:cNvSpPr>
+                <a:spLocks noGrp="1"/>
+              </p:cNvSpPr>
+              <p:nvPr>
+                <p:ph idx="1"/>
+              </p:nvPr>
+            </p:nvSpPr>
+            <p:spPr>
+              <a:xfrm>
+                <a:off x="372533" y="1110884"/>
+                <a:ext cx="8387645" cy="5451786"/>
+              </a:xfrm>
+            </p:spPr>
+            <p:txBody>
+              <a:bodyPr/>
+              <a:lstStyle/>
+              <a:p>
+                <a:r>
+                  <a:rPr lang="en-US" dirty="0"/>
+                  <a:t>The </a:t>
+                </a:r>
+                <a14:m>
+                  <m:oMath xmlns:m="http://schemas.openxmlformats.org/officeDocument/2006/math">
+                    <m:r>
+                      <a:rPr lang="en-US" i="1">
+                        <a:latin typeface="Cambria Math" panose="02040503050406030204" pitchFamily="18" charset="0"/>
+                        <a:ea typeface="Cambria Math" panose="02040503050406030204" pitchFamily="18" charset="0"/>
+                        <a:sym typeface="Wingdings" panose="05000000000000000000" pitchFamily="2" charset="2"/>
+                      </a:rPr>
+                      <m:t>⇌</m:t>
+                    </m:r>
+                  </m:oMath>
+                </a14:m>
+                <a:r>
+                  <a:rPr lang="en-US" dirty="0"/>
+                  <a:t> symbol/character was previously to indicate the state of </a:t>
+                </a:r>
+                <a:r>
+                  <a:rPr lang="en-US" dirty="0">
+                    <a:solidFill>
+                      <a:schemeClr val="accent1">
+                        <a:lumMod val="60000"/>
+                        <a:lumOff val="40000"/>
+                      </a:schemeClr>
+                    </a:solidFill>
+                  </a:rPr>
+                  <a:t>equilibrium</a:t>
+                </a:r>
+                <a:r>
+                  <a:rPr lang="en-US" dirty="0"/>
+                  <a:t>, the concept that </a:t>
+                </a:r>
+                <a:r>
+                  <a:rPr lang="en-US" dirty="0">
+                    <a:solidFill>
+                      <a:srgbClr val="FFFF00"/>
+                    </a:solidFill>
+                  </a:rPr>
+                  <a:t>chemical reactions </a:t>
+                </a:r>
+                <a:r>
+                  <a:rPr lang="en-US" dirty="0"/>
+                  <a:t>often have a </a:t>
+                </a:r>
+                <a:r>
+                  <a:rPr lang="en-US" dirty="0">
+                    <a:solidFill>
+                      <a:schemeClr val="accent1">
+                        <a:lumMod val="60000"/>
+                        <a:lumOff val="40000"/>
+                      </a:schemeClr>
+                    </a:solidFill>
+                  </a:rPr>
+                  <a:t>forward</a:t>
+                </a:r>
+                <a:r>
+                  <a:rPr lang="en-US" dirty="0"/>
+                  <a:t> and </a:t>
+                </a:r>
+                <a:r>
+                  <a:rPr lang="en-US" dirty="0">
+                    <a:solidFill>
+                      <a:schemeClr val="accent1">
+                        <a:lumMod val="60000"/>
+                        <a:lumOff val="40000"/>
+                      </a:schemeClr>
+                    </a:solidFill>
+                  </a:rPr>
+                  <a:t>reverse</a:t>
+                </a:r>
+                <a:r>
+                  <a:rPr lang="en-US" dirty="0"/>
+                  <a:t> of the reaction</a:t>
+                </a:r>
+              </a:p>
+              <a:p>
+                <a:r>
+                  <a:rPr lang="en-US" dirty="0"/>
+                  <a:t>The formation and decomposition of hydroiodic acid (hydrogen iodide) [HI] is an example of the reaction going both ways</a:t>
+                </a:r>
+              </a:p>
+              <a:p>
+                <a:endParaRPr lang="en-US" dirty="0"/>
+              </a:p>
+              <a:p>
+                <a:pPr marL="0" indent="0">
+                  <a:buNone/>
+                </a:pPr>
+                <a14:m>
+                  <m:oMathPara xmlns:m="http://schemas.openxmlformats.org/officeDocument/2006/math">
+                    <m:oMathParaPr>
+                      <m:jc m:val="centerGroup"/>
+                    </m:oMathParaPr>
+                    <m:oMath xmlns:m="http://schemas.openxmlformats.org/officeDocument/2006/math">
+                      <m:r>
+                        <m:rPr>
+                          <m:sty m:val="p"/>
+                        </m:rPr>
+                        <a:rPr lang="en-US" sz="2800" b="0" i="0" smtClean="0">
+                          <a:solidFill>
+                            <a:srgbClr val="FFC000"/>
+                          </a:solidFill>
+                          <a:latin typeface="Cambria Math" panose="02040503050406030204" pitchFamily="18" charset="0"/>
+                        </a:rPr>
+                        <m:t>H</m:t>
+                      </m:r>
+                      <m:r>
+                        <a:rPr lang="en-US" sz="2800" b="0" i="0" baseline="-25000" smtClean="0">
+                          <a:solidFill>
+                            <a:srgbClr val="FFC000"/>
+                          </a:solidFill>
+                          <a:latin typeface="Cambria Math" panose="02040503050406030204" pitchFamily="18" charset="0"/>
+                        </a:rPr>
+                        <m:t>2</m:t>
+                      </m:r>
+                      <m:r>
+                        <a:rPr lang="en-US" sz="2800" b="0" i="0" smtClean="0">
+                          <a:solidFill>
+                            <a:srgbClr val="FFC000"/>
+                          </a:solidFill>
+                          <a:latin typeface="Cambria Math" panose="02040503050406030204" pitchFamily="18" charset="0"/>
+                        </a:rPr>
+                        <m:t>+</m:t>
+                      </m:r>
+                      <m:r>
+                        <m:rPr>
+                          <m:sty m:val="p"/>
+                        </m:rPr>
+                        <a:rPr lang="en-US" sz="2800" b="0" i="0" smtClean="0">
+                          <a:solidFill>
+                            <a:srgbClr val="FFC000"/>
+                          </a:solidFill>
+                          <a:latin typeface="Cambria Math" panose="02040503050406030204" pitchFamily="18" charset="0"/>
+                        </a:rPr>
+                        <m:t>I</m:t>
+                      </m:r>
+                      <m:r>
+                        <a:rPr lang="en-US" sz="2800" b="0" i="0" baseline="-25000" smtClean="0">
+                          <a:solidFill>
+                            <a:srgbClr val="FFC000"/>
+                          </a:solidFill>
+                          <a:latin typeface="Cambria Math" panose="02040503050406030204" pitchFamily="18" charset="0"/>
+                        </a:rPr>
+                        <m:t>2</m:t>
+                      </m:r>
+                      <m:r>
+                        <a:rPr lang="en-US" sz="2800" i="1" smtClean="0">
+                          <a:solidFill>
+                            <a:srgbClr val="FFC000"/>
+                          </a:solidFill>
+                          <a:latin typeface="Cambria Math" panose="02040503050406030204" pitchFamily="18" charset="0"/>
+                          <a:ea typeface="Cambria Math" panose="02040503050406030204" pitchFamily="18" charset="0"/>
+                          <a:sym typeface="Wingdings" panose="05000000000000000000" pitchFamily="2" charset="2"/>
+                        </a:rPr>
+                        <m:t>→</m:t>
+                      </m:r>
+                      <m:r>
+                        <a:rPr lang="en-US" sz="2800" b="0" i="0" smtClean="0">
+                          <a:solidFill>
+                            <a:srgbClr val="FFC000"/>
+                          </a:solidFill>
+                          <a:latin typeface="Cambria Math" panose="02040503050406030204" pitchFamily="18" charset="0"/>
+                          <a:ea typeface="Cambria Math" panose="02040503050406030204" pitchFamily="18" charset="0"/>
+                          <a:sym typeface="Wingdings" panose="05000000000000000000" pitchFamily="2" charset="2"/>
+                        </a:rPr>
+                        <m:t>2 </m:t>
+                      </m:r>
+                      <m:r>
+                        <m:rPr>
+                          <m:sty m:val="p"/>
+                        </m:rPr>
+                        <a:rPr lang="en-US" sz="2800" b="0" i="0" smtClean="0">
+                          <a:solidFill>
+                            <a:srgbClr val="FFC000"/>
+                          </a:solidFill>
+                          <a:latin typeface="Cambria Math" panose="02040503050406030204" pitchFamily="18" charset="0"/>
+                          <a:ea typeface="Cambria Math" panose="02040503050406030204" pitchFamily="18" charset="0"/>
+                          <a:sym typeface="Wingdings" panose="05000000000000000000" pitchFamily="2" charset="2"/>
+                        </a:rPr>
+                        <m:t>HI</m:t>
+                      </m:r>
+                      <m:r>
+                        <a:rPr lang="en-US" sz="2800" b="0" i="0" smtClean="0">
+                          <a:solidFill>
+                            <a:srgbClr val="FFC000"/>
+                          </a:solidFill>
+                          <a:latin typeface="Cambria Math" panose="02040503050406030204" pitchFamily="18" charset="0"/>
+                          <a:ea typeface="Cambria Math" panose="02040503050406030204" pitchFamily="18" charset="0"/>
+                          <a:sym typeface="Wingdings" panose="05000000000000000000" pitchFamily="2" charset="2"/>
+                        </a:rPr>
+                        <m:t>   (</m:t>
+                      </m:r>
+                      <m:r>
+                        <a:rPr lang="en-US" sz="2800" b="0" i="1" smtClean="0">
+                          <a:latin typeface="Cambria Math" panose="02040503050406030204" pitchFamily="18" charset="0"/>
+                          <a:ea typeface="Cambria Math" panose="02040503050406030204" pitchFamily="18" charset="0"/>
+                          <a:sym typeface="Wingdings" panose="05000000000000000000" pitchFamily="2" charset="2"/>
+                        </a:rPr>
+                        <m:t>𝑓𝑜𝑟𝑤𝑎𝑟𝑑</m:t>
+                      </m:r>
+                      <m:r>
+                        <a:rPr lang="en-US" sz="2800" b="0" i="0" smtClean="0">
+                          <a:latin typeface="Cambria Math" panose="02040503050406030204" pitchFamily="18" charset="0"/>
+                          <a:ea typeface="Cambria Math" panose="02040503050406030204" pitchFamily="18" charset="0"/>
+                          <a:sym typeface="Wingdings" panose="05000000000000000000" pitchFamily="2" charset="2"/>
+                        </a:rPr>
+                        <m:t>)</m:t>
+                      </m:r>
+                    </m:oMath>
+                    <m:oMath xmlns:m="http://schemas.openxmlformats.org/officeDocument/2006/math">
+                      <m:r>
+                        <a:rPr lang="en-US" sz="2800" smtClean="0">
+                          <a:solidFill>
+                            <a:srgbClr val="FFC000"/>
+                          </a:solidFill>
+                          <a:latin typeface="Cambria Math" panose="02040503050406030204" pitchFamily="18" charset="0"/>
+                          <a:ea typeface="Cambria Math" panose="02040503050406030204" pitchFamily="18" charset="0"/>
+                          <a:sym typeface="Wingdings" panose="05000000000000000000" pitchFamily="2" charset="2"/>
+                        </a:rPr>
+                        <m:t>2 </m:t>
+                      </m:r>
+                      <m:r>
+                        <m:rPr>
+                          <m:sty m:val="p"/>
+                        </m:rPr>
+                        <a:rPr lang="en-US" sz="2800" smtClean="0">
+                          <a:solidFill>
+                            <a:srgbClr val="FFC000"/>
+                          </a:solidFill>
+                          <a:latin typeface="Cambria Math" panose="02040503050406030204" pitchFamily="18" charset="0"/>
+                          <a:ea typeface="Cambria Math" panose="02040503050406030204" pitchFamily="18" charset="0"/>
+                          <a:sym typeface="Wingdings" panose="05000000000000000000" pitchFamily="2" charset="2"/>
+                        </a:rPr>
+                        <m:t>HI</m:t>
+                      </m:r>
+                      <m:r>
+                        <a:rPr lang="en-US" sz="2800" i="1" smtClean="0">
+                          <a:solidFill>
+                            <a:srgbClr val="FFC000"/>
+                          </a:solidFill>
+                          <a:latin typeface="Cambria Math" panose="02040503050406030204" pitchFamily="18" charset="0"/>
+                          <a:ea typeface="Cambria Math" panose="02040503050406030204" pitchFamily="18" charset="0"/>
+                          <a:sym typeface="Wingdings" panose="05000000000000000000" pitchFamily="2" charset="2"/>
+                        </a:rPr>
+                        <m:t>→</m:t>
+                      </m:r>
+                      <m:r>
+                        <m:rPr>
+                          <m:sty m:val="p"/>
+                        </m:rPr>
+                        <a:rPr lang="en-US" sz="2800">
+                          <a:solidFill>
+                            <a:srgbClr val="FFC000"/>
+                          </a:solidFill>
+                          <a:latin typeface="Cambria Math" panose="02040503050406030204" pitchFamily="18" charset="0"/>
+                        </a:rPr>
+                        <m:t>H</m:t>
+                      </m:r>
+                      <m:r>
+                        <a:rPr lang="en-US" sz="2800" baseline="-25000">
+                          <a:solidFill>
+                            <a:srgbClr val="FFC000"/>
+                          </a:solidFill>
+                          <a:latin typeface="Cambria Math" panose="02040503050406030204" pitchFamily="18" charset="0"/>
+                        </a:rPr>
+                        <m:t>2</m:t>
+                      </m:r>
+                      <m:r>
+                        <a:rPr lang="en-US" sz="2800">
+                          <a:solidFill>
+                            <a:srgbClr val="FFC000"/>
+                          </a:solidFill>
+                          <a:latin typeface="Cambria Math" panose="02040503050406030204" pitchFamily="18" charset="0"/>
+                        </a:rPr>
+                        <m:t>+</m:t>
+                      </m:r>
+                      <m:r>
+                        <m:rPr>
+                          <m:sty m:val="p"/>
+                        </m:rPr>
+                        <a:rPr lang="en-US" sz="2800">
+                          <a:solidFill>
+                            <a:srgbClr val="FFC000"/>
+                          </a:solidFill>
+                          <a:latin typeface="Cambria Math" panose="02040503050406030204" pitchFamily="18" charset="0"/>
+                        </a:rPr>
+                        <m:t>I</m:t>
+                      </m:r>
+                      <m:r>
+                        <a:rPr lang="en-US" sz="2800" baseline="-25000">
+                          <a:solidFill>
+                            <a:srgbClr val="FFC000"/>
+                          </a:solidFill>
+                          <a:latin typeface="Cambria Math" panose="02040503050406030204" pitchFamily="18" charset="0"/>
+                        </a:rPr>
+                        <m:t>2</m:t>
+                      </m:r>
+                      <m:r>
+                        <a:rPr lang="en-US" sz="2800" b="0" i="0" baseline="-25000" smtClean="0">
+                          <a:solidFill>
+                            <a:srgbClr val="FFC000"/>
+                          </a:solidFill>
+                          <a:latin typeface="Cambria Math" panose="02040503050406030204" pitchFamily="18" charset="0"/>
+                        </a:rPr>
+                        <m:t>      </m:t>
+                      </m:r>
+                      <m:r>
+                        <a:rPr lang="en-US" sz="2800" b="0" i="0" smtClean="0">
+                          <a:latin typeface="Cambria Math" panose="02040503050406030204" pitchFamily="18" charset="0"/>
+                        </a:rPr>
+                        <m:t>(</m:t>
+                      </m:r>
+                      <m:r>
+                        <a:rPr lang="en-US" sz="2800" b="0" i="1" smtClean="0">
+                          <a:latin typeface="Cambria Math" panose="02040503050406030204" pitchFamily="18" charset="0"/>
+                        </a:rPr>
+                        <m:t>𝑟𝑒𝑣𝑒𝑟𝑠𝑒</m:t>
+                      </m:r>
+                      <m:r>
+                        <a:rPr lang="en-US" sz="2800" b="0" i="0" smtClean="0">
+                          <a:latin typeface="Cambria Math" panose="02040503050406030204" pitchFamily="18" charset="0"/>
+                        </a:rPr>
+                        <m:t>)</m:t>
+                      </m:r>
+                    </m:oMath>
+                  </m:oMathPara>
+                </a14:m>
+                <a:br>
+                  <a:rPr lang="en-US" baseline="-25000" dirty="0"/>
+                </a:br>
+                <a:br>
+                  <a:rPr lang="en-US" dirty="0">
+                    <a:ea typeface="Cambria Math" panose="02040503050406030204" pitchFamily="18" charset="0"/>
+                    <a:sym typeface="Wingdings" panose="05000000000000000000" pitchFamily="2" charset="2"/>
+                  </a:rPr>
+                </a:br>
+                <a14:m>
+                  <m:oMathPara xmlns:m="http://schemas.openxmlformats.org/officeDocument/2006/math">
+                    <m:oMathParaPr>
+                      <m:jc m:val="centerGroup"/>
+                    </m:oMathParaPr>
+                    <m:oMath xmlns:m="http://schemas.openxmlformats.org/officeDocument/2006/math">
+                      <m:r>
+                        <m:rPr>
+                          <m:sty m:val="p"/>
+                        </m:rPr>
+                        <a:rPr lang="en-US" sz="2800" smtClean="0">
+                          <a:solidFill>
+                            <a:srgbClr val="FFC000"/>
+                          </a:solidFill>
+                          <a:latin typeface="Cambria Math" panose="02040503050406030204" pitchFamily="18" charset="0"/>
+                        </a:rPr>
+                        <m:t>H</m:t>
+                      </m:r>
+                      <m:r>
+                        <a:rPr lang="en-US" sz="2800" baseline="-25000">
+                          <a:solidFill>
+                            <a:srgbClr val="FFC000"/>
+                          </a:solidFill>
+                          <a:latin typeface="Cambria Math" panose="02040503050406030204" pitchFamily="18" charset="0"/>
+                        </a:rPr>
+                        <m:t>2</m:t>
+                      </m:r>
+                      <m:r>
+                        <a:rPr lang="en-US" sz="2800">
+                          <a:solidFill>
+                            <a:srgbClr val="FFC000"/>
+                          </a:solidFill>
+                          <a:latin typeface="Cambria Math" panose="02040503050406030204" pitchFamily="18" charset="0"/>
+                        </a:rPr>
+                        <m:t>+</m:t>
+                      </m:r>
+                      <m:r>
+                        <m:rPr>
+                          <m:sty m:val="p"/>
+                        </m:rPr>
+                        <a:rPr lang="en-US" sz="2800">
+                          <a:solidFill>
+                            <a:srgbClr val="FFC000"/>
+                          </a:solidFill>
+                          <a:latin typeface="Cambria Math" panose="02040503050406030204" pitchFamily="18" charset="0"/>
+                        </a:rPr>
+                        <m:t>I</m:t>
+                      </m:r>
+                      <m:r>
+                        <a:rPr lang="en-US" sz="2800" baseline="-25000">
+                          <a:solidFill>
+                            <a:srgbClr val="FFC000"/>
+                          </a:solidFill>
+                          <a:latin typeface="Cambria Math" panose="02040503050406030204" pitchFamily="18" charset="0"/>
+                        </a:rPr>
+                        <m:t>2</m:t>
+                      </m:r>
+                      <m:r>
+                        <a:rPr lang="en-US" sz="2800">
+                          <a:solidFill>
+                            <a:srgbClr val="FFC000"/>
+                          </a:solidFill>
+                          <a:latin typeface="Cambria Math" panose="02040503050406030204" pitchFamily="18" charset="0"/>
+                          <a:ea typeface="Cambria Math" panose="02040503050406030204" pitchFamily="18" charset="0"/>
+                          <a:sym typeface="Wingdings" panose="05000000000000000000" pitchFamily="2" charset="2"/>
+                        </a:rPr>
+                        <m:t>⇌2 </m:t>
+                      </m:r>
+                      <m:r>
+                        <m:rPr>
+                          <m:sty m:val="p"/>
+                        </m:rPr>
+                        <a:rPr lang="en-US" sz="2800">
+                          <a:solidFill>
+                            <a:srgbClr val="FFC000"/>
+                          </a:solidFill>
+                          <a:latin typeface="Cambria Math" panose="02040503050406030204" pitchFamily="18" charset="0"/>
+                          <a:ea typeface="Cambria Math" panose="02040503050406030204" pitchFamily="18" charset="0"/>
+                          <a:sym typeface="Wingdings" panose="05000000000000000000" pitchFamily="2" charset="2"/>
+                        </a:rPr>
+                        <m:t>HI</m:t>
+                      </m:r>
+                    </m:oMath>
+                  </m:oMathPara>
+                </a14:m>
+                <a:br>
+                  <a:rPr lang="en-US" dirty="0">
+                    <a:ea typeface="Cambria Math" panose="02040503050406030204" pitchFamily="18" charset="0"/>
+                    <a:sym typeface="Wingdings" panose="05000000000000000000" pitchFamily="2" charset="2"/>
+                  </a:rPr>
+                </a:br>
+                <a:endParaRPr lang="en-US" dirty="0"/>
+              </a:p>
+              <a:p>
+                <a:pPr marL="0" indent="0">
+                  <a:buNone/>
+                </a:pPr>
+                <a:br>
+                  <a:rPr lang="en-US" b="0" dirty="0">
+                    <a:ea typeface="Cambria Math" panose="02040503050406030204" pitchFamily="18" charset="0"/>
+                    <a:sym typeface="Wingdings" panose="05000000000000000000" pitchFamily="2" charset="2"/>
+                  </a:rPr>
+                </a:br>
+                <a:endParaRPr lang="en-US" dirty="0"/>
+              </a:p>
+            </p:txBody>
+          </p:sp>
+        </mc:Choice>
+        <mc:Fallback xmlns="">
+          <p:sp>
+            <p:nvSpPr>
+              <p:cNvPr id="5" name="Content Placeholder 4">
+                <a:extLst>
+                  <a:ext uri="{FF2B5EF4-FFF2-40B4-BE49-F238E27FC236}">
+                    <a16:creationId xmlns:a16="http://schemas.microsoft.com/office/drawing/2014/main" id="{36F1D10E-5D25-EF1E-2F04-1F273824D8EE}"/>
+                  </a:ext>
+                </a:extLst>
+              </p:cNvPr>
+              <p:cNvSpPr>
+                <a:spLocks noGrp="1" noRot="1" noChangeAspect="1" noMove="1" noResize="1" noEditPoints="1" noAdjustHandles="1" noChangeArrowheads="1" noChangeShapeType="1" noTextEdit="1"/>
+              </p:cNvSpPr>
+              <p:nvPr>
+                <p:ph idx="1"/>
+              </p:nvPr>
+            </p:nvSpPr>
+            <p:spPr>
+              <a:xfrm>
+                <a:off x="372533" y="1110884"/>
+                <a:ext cx="8387645" cy="5451786"/>
+              </a:xfrm>
+              <a:blipFill>
+                <a:blip r:embed="rId2"/>
+                <a:stretch>
+                  <a:fillRect l="-1090" t="-1006" r="-945"/>
+                </a:stretch>
+              </a:blipFill>
+            </p:spPr>
+            <p:txBody>
+              <a:bodyPr/>
+              <a:lstStyle/>
+              <a:p>
+                <a:r>
+                  <a:rPr lang="en-US">
+                    <a:noFill/>
+                  </a:rPr>
+                  <a:t> </a:t>
+                </a:r>
+              </a:p>
+            </p:txBody>
+          </p:sp>
+        </mc:Fallback>
+      </mc:AlternateContent>
+      <p:sp>
+        <p:nvSpPr>
+          <p:cNvPr id="2" name="Slide Number Placeholder 1">
+            <a:extLst>
+              <a:ext uri="{FF2B5EF4-FFF2-40B4-BE49-F238E27FC236}">
+                <a16:creationId xmlns:a16="http://schemas.microsoft.com/office/drawing/2014/main" id="{8B9C3469-7903-A746-7F96-E2B62BE896DA}"/>
+              </a:ext>
+            </a:extLst>
+          </p:cNvPr>
+          <p:cNvSpPr>
+            <a:spLocks noGrp="1"/>
+          </p:cNvSpPr>
+          <p:nvPr>
+            <p:ph type="sldNum" sz="quarter" idx="10"/>
+          </p:nvPr>
+        </p:nvSpPr>
+        <p:spPr/>
+        <p:txBody>
+          <a:bodyPr/>
+          <a:lstStyle/>
+          <a:p>
+            <a:fld id="{DE0D52F3-54CA-4E42-BFA9-4F0301781925}" type="slidenum">
+              <a:rPr lang="en-US" smtClean="0"/>
+              <a:pPr/>
+              <a:t>14</a:t>
+            </a:fld>
+            <a:endParaRPr lang="en-US" sz="1400" dirty="0"/>
+          </a:p>
+        </p:txBody>
+      </p:sp>
+    </p:spTree>
+    <p:extLst>
+      <p:ext uri="{BB962C8B-B14F-4D97-AF65-F5344CB8AC3E}">
+        <p14:creationId xmlns:p14="http://schemas.microsoft.com/office/powerpoint/2010/main" val="108889960"/>
+      </p:ext>
+    </p:extLst>
+  </p:cSld>
+  <p:clrMapOvr>
+    <a:masterClrMapping/>
+  </p:clrMapOvr>
+</p:sld>
+</file>
+
+<file path=ppt/slides/slide15.xml><?xml version="1.0" encoding="utf-8"?>
+<p:sld xmlns:a="http://schemas.openxmlformats.org/drawingml/2006/main" xmlns:r="http://schemas.openxmlformats.org/officeDocument/2006/relationships" xmlns:p="http://schemas.openxmlformats.org/presentationml/2006/main">
+  <p:cSld>
+    <p:spTree>
+      <p:nvGrpSpPr>
+        <p:cNvPr id="1" name="">
+          <a:extLst>
+            <a:ext uri="{FF2B5EF4-FFF2-40B4-BE49-F238E27FC236}">
+              <a16:creationId xmlns:a16="http://schemas.microsoft.com/office/drawing/2014/main" id="{1ADA949B-B80E-3F34-1A02-E147398009E7}"/>
+            </a:ext>
+          </a:extLst>
+        </p:cNvPr>
+        <p:cNvGrpSpPr/>
+        <p:nvPr/>
+      </p:nvGrpSpPr>
+      <p:grpSpPr>
+        <a:xfrm>
+          <a:off x="0" y="0"/>
+          <a:ext cx="0" cy="0"/>
+          <a:chOff x="0" y="0"/>
+          <a:chExt cx="0" cy="0"/>
+        </a:xfrm>
+      </p:grpSpPr>
+      <p:sp>
+        <p:nvSpPr>
+          <p:cNvPr id="4" name="Title 3">
+            <a:extLst>
+              <a:ext uri="{FF2B5EF4-FFF2-40B4-BE49-F238E27FC236}">
+                <a16:creationId xmlns:a16="http://schemas.microsoft.com/office/drawing/2014/main" id="{5283C4C9-11A3-DD2E-6D8B-BE59EDFF6827}"/>
+              </a:ext>
+            </a:extLst>
+          </p:cNvPr>
+          <p:cNvSpPr>
+            <a:spLocks noGrp="1"/>
+          </p:cNvSpPr>
+          <p:nvPr>
+            <p:ph type="title"/>
+          </p:nvPr>
+        </p:nvSpPr>
+        <p:spPr>
+          <a:xfrm>
+            <a:off x="372533" y="248889"/>
+            <a:ext cx="8421512" cy="830997"/>
+          </a:xfrm>
+        </p:spPr>
+        <p:txBody>
+          <a:bodyPr/>
+          <a:lstStyle/>
+          <a:p>
+            <a:r>
+              <a:rPr lang="en-US" dirty="0"/>
+              <a:t>Dynamic Equilibrium</a:t>
+            </a:r>
+          </a:p>
+        </p:txBody>
+      </p:sp>
+      <mc:AlternateContent xmlns:mc="http://schemas.openxmlformats.org/markup-compatibility/2006" xmlns:a14="http://schemas.microsoft.com/office/drawing/2010/main">
+        <mc:Choice Requires="a14">
+          <p:sp>
+            <p:nvSpPr>
+              <p:cNvPr id="5" name="Content Placeholder 4">
+                <a:extLst>
+                  <a:ext uri="{FF2B5EF4-FFF2-40B4-BE49-F238E27FC236}">
+                    <a16:creationId xmlns:a16="http://schemas.microsoft.com/office/drawing/2014/main" id="{BC22BA23-8F23-91EF-B3EA-BC7349CFC017}"/>
+                  </a:ext>
+                </a:extLst>
+              </p:cNvPr>
+              <p:cNvSpPr>
+                <a:spLocks noGrp="1"/>
+              </p:cNvSpPr>
+              <p:nvPr>
+                <p:ph idx="1"/>
+              </p:nvPr>
+            </p:nvSpPr>
+            <p:spPr>
+              <a:xfrm>
+                <a:off x="372533" y="1079888"/>
+                <a:ext cx="8387645" cy="5467668"/>
+              </a:xfrm>
+            </p:spPr>
+            <p:txBody>
+              <a:bodyPr/>
+              <a:lstStyle/>
+              <a:p>
+                <a:pPr marL="0" indent="0">
+                  <a:buNone/>
+                </a:pPr>
+                <a14:m>
+                  <m:oMathPara xmlns:m="http://schemas.openxmlformats.org/officeDocument/2006/math">
+                    <m:oMathParaPr>
+                      <m:jc m:val="centerGroup"/>
+                    </m:oMathParaPr>
+                    <m:oMath xmlns:m="http://schemas.openxmlformats.org/officeDocument/2006/math">
+                      <m:d>
+                        <m:dPr>
+                          <m:begChr m:val="["/>
+                          <m:endChr m:val="]"/>
+                          <m:ctrlPr>
+                            <a:rPr lang="en-US" sz="2800" b="0" i="1" smtClean="0">
+                              <a:solidFill>
+                                <a:schemeClr val="bg1"/>
+                              </a:solidFill>
+                              <a:latin typeface="Cambria Math" panose="02040503050406030204" pitchFamily="18" charset="0"/>
+                            </a:rPr>
+                          </m:ctrlPr>
+                        </m:dPr>
+                        <m:e>
+                          <m:r>
+                            <m:rPr>
+                              <m:sty m:val="p"/>
+                            </m:rPr>
+                            <a:rPr lang="en-US" sz="2800" b="0" i="0" smtClean="0">
+                              <a:solidFill>
+                                <a:schemeClr val="bg1"/>
+                              </a:solidFill>
+                              <a:latin typeface="Cambria Math" panose="02040503050406030204" pitchFamily="18" charset="0"/>
+                            </a:rPr>
+                            <m:t>colorless</m:t>
+                          </m:r>
+                        </m:e>
+                      </m:d>
+                      <m:r>
+                        <a:rPr lang="en-US" sz="2800" b="0" i="0" smtClean="0">
+                          <a:solidFill>
+                            <a:srgbClr val="FFC000"/>
+                          </a:solidFill>
+                          <a:latin typeface="Cambria Math" panose="02040503050406030204" pitchFamily="18" charset="0"/>
+                        </a:rPr>
+                        <m:t>   </m:t>
+                      </m:r>
+                      <m:r>
+                        <m:rPr>
+                          <m:sty m:val="p"/>
+                        </m:rPr>
+                        <a:rPr lang="en-US" sz="2800" b="0" i="0" smtClean="0">
+                          <a:solidFill>
+                            <a:srgbClr val="FFC000"/>
+                          </a:solidFill>
+                          <a:latin typeface="Cambria Math" panose="02040503050406030204" pitchFamily="18" charset="0"/>
+                        </a:rPr>
+                        <m:t>N</m:t>
+                      </m:r>
+                      <m:r>
+                        <a:rPr lang="en-US" sz="2800" b="0" i="0" baseline="-25000" smtClean="0">
+                          <a:solidFill>
+                            <a:srgbClr val="FFC000"/>
+                          </a:solidFill>
+                          <a:latin typeface="Cambria Math" panose="02040503050406030204" pitchFamily="18" charset="0"/>
+                        </a:rPr>
+                        <m:t>2</m:t>
+                      </m:r>
+                      <m:r>
+                        <m:rPr>
+                          <m:sty m:val="p"/>
+                        </m:rPr>
+                        <a:rPr lang="en-US" sz="2800" b="0" i="0" smtClean="0">
+                          <a:solidFill>
+                            <a:srgbClr val="FFC000"/>
+                          </a:solidFill>
+                          <a:latin typeface="Cambria Math" panose="02040503050406030204" pitchFamily="18" charset="0"/>
+                        </a:rPr>
+                        <m:t>O</m:t>
+                      </m:r>
+                      <m:r>
+                        <a:rPr lang="en-US" sz="2800" b="0" i="0" baseline="-25000" smtClean="0">
+                          <a:solidFill>
+                            <a:srgbClr val="FFC000"/>
+                          </a:solidFill>
+                          <a:latin typeface="Cambria Math" panose="02040503050406030204" pitchFamily="18" charset="0"/>
+                        </a:rPr>
+                        <m:t>4</m:t>
+                      </m:r>
+                      <m:r>
+                        <a:rPr lang="en-US" sz="2800" b="0" i="0" smtClean="0">
+                          <a:solidFill>
+                            <a:srgbClr val="FFC000"/>
+                          </a:solidFill>
+                          <a:latin typeface="Cambria Math" panose="02040503050406030204" pitchFamily="18" charset="0"/>
+                        </a:rPr>
+                        <m:t> </m:t>
+                      </m:r>
+                      <m:d>
+                        <m:dPr>
+                          <m:ctrlPr>
+                            <a:rPr lang="en-US" sz="2800" b="0" i="1" smtClean="0">
+                              <a:solidFill>
+                                <a:srgbClr val="FFC000"/>
+                              </a:solidFill>
+                              <a:latin typeface="Cambria Math" panose="02040503050406030204" pitchFamily="18" charset="0"/>
+                            </a:rPr>
+                          </m:ctrlPr>
+                        </m:dPr>
+                        <m:e>
+                          <m:r>
+                            <a:rPr lang="en-US" sz="2800" b="0" i="1" smtClean="0">
+                              <a:solidFill>
+                                <a:srgbClr val="FFC000"/>
+                              </a:solidFill>
+                              <a:latin typeface="Cambria Math" panose="02040503050406030204" pitchFamily="18" charset="0"/>
+                            </a:rPr>
+                            <m:t>𝑔</m:t>
+                          </m:r>
+                        </m:e>
+                      </m:d>
+                      <m:r>
+                        <a:rPr lang="en-US" sz="2800">
+                          <a:solidFill>
+                            <a:srgbClr val="FFC000"/>
+                          </a:solidFill>
+                          <a:latin typeface="Cambria Math" panose="02040503050406030204" pitchFamily="18" charset="0"/>
+                          <a:ea typeface="Cambria Math" panose="02040503050406030204" pitchFamily="18" charset="0"/>
+                          <a:sym typeface="Wingdings" panose="05000000000000000000" pitchFamily="2" charset="2"/>
+                        </a:rPr>
+                        <m:t>⇌</m:t>
+                      </m:r>
+                      <m:r>
+                        <a:rPr lang="en-US" sz="2800" b="0" i="0" smtClean="0">
+                          <a:solidFill>
+                            <a:srgbClr val="FFC000"/>
+                          </a:solidFill>
+                          <a:latin typeface="Cambria Math" panose="02040503050406030204" pitchFamily="18" charset="0"/>
+                          <a:ea typeface="Cambria Math" panose="02040503050406030204" pitchFamily="18" charset="0"/>
+                          <a:sym typeface="Wingdings" panose="05000000000000000000" pitchFamily="2" charset="2"/>
+                        </a:rPr>
+                        <m:t>2  </m:t>
+                      </m:r>
+                      <m:r>
+                        <m:rPr>
+                          <m:sty m:val="p"/>
+                        </m:rPr>
+                        <a:rPr lang="en-US" sz="2800" b="0" i="0" smtClean="0">
+                          <a:solidFill>
+                            <a:srgbClr val="FFC000"/>
+                          </a:solidFill>
+                          <a:latin typeface="Cambria Math" panose="02040503050406030204" pitchFamily="18" charset="0"/>
+                          <a:ea typeface="Cambria Math" panose="02040503050406030204" pitchFamily="18" charset="0"/>
+                          <a:sym typeface="Wingdings" panose="05000000000000000000" pitchFamily="2" charset="2"/>
+                        </a:rPr>
+                        <m:t>NO</m:t>
+                      </m:r>
+                      <m:r>
+                        <a:rPr lang="en-US" sz="2800" b="0" i="0" baseline="-25000" smtClean="0">
+                          <a:solidFill>
+                            <a:srgbClr val="FFC000"/>
+                          </a:solidFill>
+                          <a:latin typeface="Cambria Math" panose="02040503050406030204" pitchFamily="18" charset="0"/>
+                          <a:ea typeface="Cambria Math" panose="02040503050406030204" pitchFamily="18" charset="0"/>
+                          <a:sym typeface="Wingdings" panose="05000000000000000000" pitchFamily="2" charset="2"/>
+                        </a:rPr>
+                        <m:t>2</m:t>
+                      </m:r>
+                      <m:r>
+                        <a:rPr lang="en-US" sz="2800" b="0" i="0" smtClean="0">
+                          <a:solidFill>
+                            <a:srgbClr val="FFC000"/>
+                          </a:solidFill>
+                          <a:latin typeface="Cambria Math" panose="02040503050406030204" pitchFamily="18" charset="0"/>
+                          <a:ea typeface="Cambria Math" panose="02040503050406030204" pitchFamily="18" charset="0"/>
+                          <a:sym typeface="Wingdings" panose="05000000000000000000" pitchFamily="2" charset="2"/>
+                        </a:rPr>
+                        <m:t> </m:t>
+                      </m:r>
+                      <m:d>
+                        <m:dPr>
+                          <m:ctrlPr>
+                            <a:rPr lang="en-US" sz="2800" b="0" i="1" smtClean="0">
+                              <a:solidFill>
+                                <a:srgbClr val="FFC000"/>
+                              </a:solidFill>
+                              <a:latin typeface="Cambria Math" panose="02040503050406030204" pitchFamily="18" charset="0"/>
+                              <a:ea typeface="Cambria Math" panose="02040503050406030204" pitchFamily="18" charset="0"/>
+                              <a:sym typeface="Wingdings" panose="05000000000000000000" pitchFamily="2" charset="2"/>
+                            </a:rPr>
+                          </m:ctrlPr>
+                        </m:dPr>
+                        <m:e>
+                          <m:r>
+                            <a:rPr lang="en-US" sz="2800" b="0" i="1" smtClean="0">
+                              <a:solidFill>
+                                <a:srgbClr val="FFC000"/>
+                              </a:solidFill>
+                              <a:latin typeface="Cambria Math" panose="02040503050406030204" pitchFamily="18" charset="0"/>
+                              <a:ea typeface="Cambria Math" panose="02040503050406030204" pitchFamily="18" charset="0"/>
+                              <a:sym typeface="Wingdings" panose="05000000000000000000" pitchFamily="2" charset="2"/>
+                            </a:rPr>
+                            <m:t>𝑔</m:t>
+                          </m:r>
+                        </m:e>
+                      </m:d>
+                      <m:r>
+                        <m:rPr>
+                          <m:nor/>
+                        </m:rPr>
+                        <a:rPr lang="en-US" sz="2800" b="0" i="0" smtClean="0">
+                          <a:solidFill>
+                            <a:srgbClr val="FFC000"/>
+                          </a:solidFill>
+                          <a:latin typeface="Cambria Math" panose="02040503050406030204" pitchFamily="18" charset="0"/>
+                          <a:ea typeface="Cambria Math" panose="02040503050406030204" pitchFamily="18" charset="0"/>
+                          <a:sym typeface="Wingdings" panose="05000000000000000000" pitchFamily="2" charset="2"/>
+                        </a:rPr>
+                        <m:t>   </m:t>
+                      </m:r>
+                      <m:r>
+                        <m:rPr>
+                          <m:nor/>
+                        </m:rPr>
+                        <a:rPr lang="en-US" sz="2800" b="0" i="0" smtClean="0">
+                          <a:solidFill>
+                            <a:schemeClr val="bg1"/>
+                          </a:solidFill>
+                          <a:latin typeface="Cambria Math" panose="02040503050406030204" pitchFamily="18" charset="0"/>
+                          <a:ea typeface="Cambria Math" panose="02040503050406030204" pitchFamily="18" charset="0"/>
+                          <a:sym typeface="Wingdings" panose="05000000000000000000" pitchFamily="2" charset="2"/>
+                        </a:rPr>
+                        <m:t>[</m:t>
+                      </m:r>
+                      <m:r>
+                        <m:rPr>
+                          <m:nor/>
+                        </m:rPr>
+                        <a:rPr lang="en-US" sz="2800" dirty="0" smtClean="0">
+                          <a:solidFill>
+                            <a:schemeClr val="bg1"/>
+                          </a:solidFill>
+                          <a:latin typeface="Cambria Math" panose="02040503050406030204" pitchFamily="18" charset="0"/>
+                        </a:rPr>
+                        <m:t>red</m:t>
+                      </m:r>
+                      <m:r>
+                        <m:rPr>
+                          <m:nor/>
+                        </m:rPr>
+                        <a:rPr lang="en-US" sz="2800" dirty="0" smtClean="0">
+                          <a:solidFill>
+                            <a:schemeClr val="bg1"/>
+                          </a:solidFill>
+                          <a:latin typeface="Cambria Math" panose="02040503050406030204" pitchFamily="18" charset="0"/>
+                        </a:rPr>
+                        <m:t>−</m:t>
+                      </m:r>
+                      <m:r>
+                        <m:rPr>
+                          <m:nor/>
+                        </m:rPr>
+                        <a:rPr lang="en-US" sz="2800" dirty="0" smtClean="0">
+                          <a:solidFill>
+                            <a:schemeClr val="bg1"/>
+                          </a:solidFill>
+                          <a:latin typeface="Cambria Math" panose="02040503050406030204" pitchFamily="18" charset="0"/>
+                        </a:rPr>
+                        <m:t>brown</m:t>
+                      </m:r>
+                      <m:r>
+                        <m:rPr>
+                          <m:nor/>
+                        </m:rPr>
+                        <a:rPr lang="en-US" sz="2800" b="0" i="0" dirty="0" smtClean="0">
+                          <a:solidFill>
+                            <a:schemeClr val="bg1"/>
+                          </a:solidFill>
+                          <a:latin typeface="Cambria Math" panose="02040503050406030204" pitchFamily="18" charset="0"/>
+                        </a:rPr>
+                        <m:t>]</m:t>
+                      </m:r>
+                    </m:oMath>
+                  </m:oMathPara>
+                </a14:m>
+                <a:endParaRPr lang="en-US" sz="2800" dirty="0">
+                  <a:solidFill>
+                    <a:schemeClr val="bg1"/>
+                  </a:solidFill>
+                  <a:latin typeface="Cambria Math" panose="02040503050406030204" pitchFamily="18" charset="0"/>
+                </a:endParaRPr>
+              </a:p>
+              <a:p>
+                <a:r>
+                  <a:rPr lang="en-US" sz="2000" dirty="0"/>
+                  <a:t>The forward and reverse directions of the reaction are shown</a:t>
+                </a:r>
+              </a:p>
+              <a:p>
+                <a:pPr marL="0" indent="0" algn="ctr">
+                  <a:buNone/>
+                </a:pPr>
+                <a14:m>
+                  <m:oMathPara xmlns:m="http://schemas.openxmlformats.org/officeDocument/2006/math">
+                    <m:oMathParaPr>
+                      <m:jc m:val="centerGroup"/>
+                    </m:oMathParaPr>
+                    <m:oMath xmlns:m="http://schemas.openxmlformats.org/officeDocument/2006/math">
+                      <m:r>
+                        <m:rPr>
+                          <m:sty m:val="p"/>
+                        </m:rPr>
+                        <a:rPr lang="en-US" sz="2800" smtClean="0">
+                          <a:solidFill>
+                            <a:srgbClr val="FFC000"/>
+                          </a:solidFill>
+                          <a:latin typeface="Cambria Math" panose="02040503050406030204" pitchFamily="18" charset="0"/>
+                        </a:rPr>
+                        <m:t>N</m:t>
+                      </m:r>
+                      <m:r>
+                        <a:rPr lang="en-US" sz="2800" baseline="-25000">
+                          <a:solidFill>
+                            <a:srgbClr val="FFC000"/>
+                          </a:solidFill>
+                          <a:latin typeface="Cambria Math" panose="02040503050406030204" pitchFamily="18" charset="0"/>
+                        </a:rPr>
+                        <m:t>2</m:t>
+                      </m:r>
+                      <m:r>
+                        <m:rPr>
+                          <m:sty m:val="p"/>
+                        </m:rPr>
+                        <a:rPr lang="en-US" sz="2800" b="0" i="0" smtClean="0">
+                          <a:solidFill>
+                            <a:srgbClr val="FFC000"/>
+                          </a:solidFill>
+                          <a:latin typeface="Cambria Math" panose="02040503050406030204" pitchFamily="18" charset="0"/>
+                        </a:rPr>
+                        <m:t>O</m:t>
+                      </m:r>
+                      <m:r>
+                        <a:rPr lang="en-US" sz="2800" b="0" i="0" baseline="-25000" smtClean="0">
+                          <a:solidFill>
+                            <a:srgbClr val="FFC000"/>
+                          </a:solidFill>
+                          <a:latin typeface="Cambria Math" panose="02040503050406030204" pitchFamily="18" charset="0"/>
+                        </a:rPr>
+                        <m:t>4 </m:t>
+                      </m:r>
+                      <m:d>
+                        <m:dPr>
+                          <m:ctrlPr>
+                            <a:rPr lang="en-US" sz="2800" b="0" i="1" smtClean="0">
+                              <a:solidFill>
+                                <a:srgbClr val="FFC000"/>
+                              </a:solidFill>
+                              <a:latin typeface="Cambria Math" panose="02040503050406030204" pitchFamily="18" charset="0"/>
+                            </a:rPr>
+                          </m:ctrlPr>
+                        </m:dPr>
+                        <m:e>
+                          <m:r>
+                            <a:rPr lang="en-US" sz="2800" b="0" i="1" smtClean="0">
+                              <a:solidFill>
+                                <a:srgbClr val="FFC000"/>
+                              </a:solidFill>
+                              <a:latin typeface="Cambria Math" panose="02040503050406030204" pitchFamily="18" charset="0"/>
+                            </a:rPr>
+                            <m:t>𝑔</m:t>
+                          </m:r>
+                        </m:e>
+                      </m:d>
+                      <m:r>
+                        <a:rPr lang="en-US" sz="2800" i="1">
+                          <a:solidFill>
+                            <a:srgbClr val="FFC000"/>
+                          </a:solidFill>
+                          <a:latin typeface="Cambria Math" panose="02040503050406030204" pitchFamily="18" charset="0"/>
+                          <a:ea typeface="Cambria Math" panose="02040503050406030204" pitchFamily="18" charset="0"/>
+                          <a:sym typeface="Wingdings" panose="05000000000000000000" pitchFamily="2" charset="2"/>
+                        </a:rPr>
+                        <m:t>→</m:t>
+                      </m:r>
+                      <m:r>
+                        <a:rPr lang="en-US" sz="2800" b="0" i="0" smtClean="0">
+                          <a:solidFill>
+                            <a:srgbClr val="FFC000"/>
+                          </a:solidFill>
+                          <a:latin typeface="Cambria Math" panose="02040503050406030204" pitchFamily="18" charset="0"/>
+                          <a:ea typeface="Cambria Math" panose="02040503050406030204" pitchFamily="18" charset="0"/>
+                          <a:sym typeface="Wingdings" panose="05000000000000000000" pitchFamily="2" charset="2"/>
+                        </a:rPr>
+                        <m:t>2 </m:t>
+                      </m:r>
+                      <m:r>
+                        <m:rPr>
+                          <m:sty m:val="p"/>
+                        </m:rPr>
+                        <a:rPr lang="en-US" sz="2800">
+                          <a:solidFill>
+                            <a:srgbClr val="FFC000"/>
+                          </a:solidFill>
+                          <a:latin typeface="Cambria Math" panose="02040503050406030204" pitchFamily="18" charset="0"/>
+                        </a:rPr>
+                        <m:t>NO</m:t>
+                      </m:r>
+                      <m:r>
+                        <a:rPr lang="en-US" sz="2800" b="0" i="0" baseline="-25000" smtClean="0">
+                          <a:solidFill>
+                            <a:srgbClr val="FFC000"/>
+                          </a:solidFill>
+                          <a:latin typeface="Cambria Math" panose="02040503050406030204" pitchFamily="18" charset="0"/>
+                        </a:rPr>
+                        <m:t>2</m:t>
+                      </m:r>
+                      <m:r>
+                        <a:rPr lang="en-US" sz="2800" baseline="-25000">
+                          <a:solidFill>
+                            <a:srgbClr val="FFC000"/>
+                          </a:solidFill>
+                          <a:latin typeface="Cambria Math" panose="02040503050406030204" pitchFamily="18" charset="0"/>
+                        </a:rPr>
+                        <m:t> </m:t>
+                      </m:r>
+                      <m:r>
+                        <a:rPr lang="en-US" sz="2800">
+                          <a:solidFill>
+                            <a:srgbClr val="FFC000"/>
+                          </a:solidFill>
+                          <a:latin typeface="Cambria Math" panose="02040503050406030204" pitchFamily="18" charset="0"/>
+                        </a:rPr>
+                        <m:t>(</m:t>
+                      </m:r>
+                      <m:r>
+                        <a:rPr lang="en-US" sz="2800" i="1">
+                          <a:solidFill>
+                            <a:srgbClr val="FFC000"/>
+                          </a:solidFill>
+                          <a:latin typeface="Cambria Math" panose="02040503050406030204" pitchFamily="18" charset="0"/>
+                        </a:rPr>
+                        <m:t>𝑔</m:t>
+                      </m:r>
+                      <m:r>
+                        <a:rPr lang="en-US" sz="2800">
+                          <a:solidFill>
+                            <a:srgbClr val="FFC000"/>
+                          </a:solidFill>
+                          <a:latin typeface="Cambria Math" panose="02040503050406030204" pitchFamily="18" charset="0"/>
+                        </a:rPr>
+                        <m:t>)</m:t>
+                      </m:r>
+                    </m:oMath>
+                  </m:oMathPara>
+                </a14:m>
+                <a:br>
+                  <a:rPr lang="en-US" sz="2800" dirty="0">
+                    <a:latin typeface="Cambria Math" panose="02040503050406030204" pitchFamily="18" charset="0"/>
+                    <a:ea typeface="Cambria Math" panose="02040503050406030204" pitchFamily="18" charset="0"/>
+                    <a:sym typeface="Wingdings" panose="05000000000000000000" pitchFamily="2" charset="2"/>
+                  </a:rPr>
+                </a:br>
+                <a14:m>
+                  <m:oMath xmlns:m="http://schemas.openxmlformats.org/officeDocument/2006/math">
+                    <m:r>
+                      <a:rPr lang="en-US" sz="2800">
+                        <a:solidFill>
+                          <a:srgbClr val="FFC000"/>
+                        </a:solidFill>
+                        <a:latin typeface="Cambria Math" panose="02040503050406030204" pitchFamily="18" charset="0"/>
+                        <a:ea typeface="Cambria Math" panose="02040503050406030204" pitchFamily="18" charset="0"/>
+                        <a:sym typeface="Wingdings" panose="05000000000000000000" pitchFamily="2" charset="2"/>
+                      </a:rPr>
+                      <m:t>2 </m:t>
+                    </m:r>
+                    <m:r>
+                      <m:rPr>
+                        <m:sty m:val="p"/>
+                      </m:rPr>
+                      <a:rPr lang="en-US" sz="2800">
+                        <a:solidFill>
+                          <a:srgbClr val="FFC000"/>
+                        </a:solidFill>
+                        <a:latin typeface="Cambria Math" panose="02040503050406030204" pitchFamily="18" charset="0"/>
+                      </a:rPr>
+                      <m:t>NO</m:t>
+                    </m:r>
+                    <m:r>
+                      <a:rPr lang="en-US" sz="2800" baseline="-25000">
+                        <a:solidFill>
+                          <a:srgbClr val="FFC000"/>
+                        </a:solidFill>
+                        <a:latin typeface="Cambria Math" panose="02040503050406030204" pitchFamily="18" charset="0"/>
+                      </a:rPr>
+                      <m:t>2 </m:t>
+                    </m:r>
+                    <m:r>
+                      <a:rPr lang="en-US" sz="2800">
+                        <a:solidFill>
+                          <a:srgbClr val="FFC000"/>
+                        </a:solidFill>
+                        <a:latin typeface="Cambria Math" panose="02040503050406030204" pitchFamily="18" charset="0"/>
+                      </a:rPr>
+                      <m:t>(</m:t>
+                    </m:r>
+                    <m:r>
+                      <a:rPr lang="en-US" sz="2800" i="1">
+                        <a:solidFill>
+                          <a:srgbClr val="FFC000"/>
+                        </a:solidFill>
+                        <a:latin typeface="Cambria Math" panose="02040503050406030204" pitchFamily="18" charset="0"/>
+                      </a:rPr>
+                      <m:t>𝑔</m:t>
+                    </m:r>
+                    <m:r>
+                      <a:rPr lang="en-US" sz="2800">
+                        <a:solidFill>
+                          <a:srgbClr val="FFC000"/>
+                        </a:solidFill>
+                        <a:latin typeface="Cambria Math" panose="02040503050406030204" pitchFamily="18" charset="0"/>
+                      </a:rPr>
+                      <m:t>)</m:t>
+                    </m:r>
+                  </m:oMath>
+                </a14:m>
+                <a:r>
+                  <a:rPr lang="en-US" sz="2800" dirty="0">
+                    <a:latin typeface="Cambria Math" panose="02040503050406030204" pitchFamily="18" charset="0"/>
+                    <a:ea typeface="Cambria Math" panose="02040503050406030204" pitchFamily="18" charset="0"/>
+                    <a:sym typeface="Wingdings" panose="05000000000000000000" pitchFamily="2" charset="2"/>
+                  </a:rPr>
+                  <a:t> </a:t>
+                </a:r>
+                <a14:m>
+                  <m:oMath xmlns:m="http://schemas.openxmlformats.org/officeDocument/2006/math">
+                    <m:r>
+                      <a:rPr lang="en-US" sz="2800" i="1">
+                        <a:solidFill>
+                          <a:srgbClr val="FFC000"/>
+                        </a:solidFill>
+                        <a:latin typeface="Cambria Math" panose="02040503050406030204" pitchFamily="18" charset="0"/>
+                        <a:ea typeface="Cambria Math" panose="02040503050406030204" pitchFamily="18" charset="0"/>
+                        <a:sym typeface="Wingdings" panose="05000000000000000000" pitchFamily="2" charset="2"/>
+                      </a:rPr>
+                      <m:t>→</m:t>
+                    </m:r>
+                    <m:r>
+                      <m:rPr>
+                        <m:sty m:val="p"/>
+                      </m:rPr>
+                      <a:rPr lang="en-US" sz="2800">
+                        <a:solidFill>
+                          <a:srgbClr val="FFC000"/>
+                        </a:solidFill>
+                        <a:latin typeface="Cambria Math" panose="02040503050406030204" pitchFamily="18" charset="0"/>
+                      </a:rPr>
+                      <m:t>N</m:t>
+                    </m:r>
+                    <m:r>
+                      <a:rPr lang="en-US" sz="2800" baseline="-25000">
+                        <a:solidFill>
+                          <a:srgbClr val="FFC000"/>
+                        </a:solidFill>
+                        <a:latin typeface="Cambria Math" panose="02040503050406030204" pitchFamily="18" charset="0"/>
+                      </a:rPr>
+                      <m:t>2</m:t>
+                    </m:r>
+                    <m:r>
+                      <m:rPr>
+                        <m:sty m:val="p"/>
+                      </m:rPr>
+                      <a:rPr lang="en-US" sz="2800">
+                        <a:solidFill>
+                          <a:srgbClr val="FFC000"/>
+                        </a:solidFill>
+                        <a:latin typeface="Cambria Math" panose="02040503050406030204" pitchFamily="18" charset="0"/>
+                      </a:rPr>
+                      <m:t>O</m:t>
+                    </m:r>
+                    <m:r>
+                      <a:rPr lang="en-US" sz="2800" baseline="-25000">
+                        <a:solidFill>
+                          <a:srgbClr val="FFC000"/>
+                        </a:solidFill>
+                        <a:latin typeface="Cambria Math" panose="02040503050406030204" pitchFamily="18" charset="0"/>
+                      </a:rPr>
+                      <m:t>4 </m:t>
+                    </m:r>
+                    <m:d>
+                      <m:dPr>
+                        <m:ctrlPr>
+                          <a:rPr lang="en-US" sz="2800" i="1">
+                            <a:solidFill>
+                              <a:srgbClr val="FFC000"/>
+                            </a:solidFill>
+                            <a:latin typeface="Cambria Math" panose="02040503050406030204" pitchFamily="18" charset="0"/>
+                          </a:rPr>
+                        </m:ctrlPr>
+                      </m:dPr>
+                      <m:e>
+                        <m:r>
+                          <a:rPr lang="en-US" sz="2800" i="1">
+                            <a:solidFill>
+                              <a:srgbClr val="FFC000"/>
+                            </a:solidFill>
+                            <a:latin typeface="Cambria Math" panose="02040503050406030204" pitchFamily="18" charset="0"/>
+                          </a:rPr>
+                          <m:t>𝑔</m:t>
+                        </m:r>
+                      </m:e>
+                    </m:d>
+                  </m:oMath>
+                </a14:m>
+                <a:endParaRPr lang="en-US" sz="2800" dirty="0"/>
+              </a:p>
+              <a:p>
+                <a:r>
+                  <a:rPr lang="en-US" dirty="0"/>
+                  <a:t>N</a:t>
+                </a:r>
+                <a:r>
+                  <a:rPr lang="en-US" baseline="-25000" dirty="0"/>
+                  <a:t>2</a:t>
+                </a:r>
+                <a:r>
+                  <a:rPr lang="en-US" dirty="0"/>
+                  <a:t>O</a:t>
+                </a:r>
+                <a:r>
+                  <a:rPr lang="en-US" baseline="-25000" dirty="0"/>
+                  <a:t>4</a:t>
+                </a:r>
+                <a:r>
+                  <a:rPr lang="en-US" dirty="0"/>
+                  <a:t> is colorless and NO</a:t>
+                </a:r>
+                <a:r>
+                  <a:rPr lang="en-US" baseline="-25000" dirty="0"/>
+                  <a:t>2</a:t>
+                </a:r>
+                <a:r>
+                  <a:rPr lang="en-US" dirty="0"/>
+                  <a:t> is reddish-brown so a reaction can be monitored visually</a:t>
+                </a:r>
+              </a:p>
+            </p:txBody>
+          </p:sp>
+        </mc:Choice>
+        <mc:Fallback xmlns="">
+          <p:sp>
+            <p:nvSpPr>
+              <p:cNvPr id="5" name="Content Placeholder 4">
+                <a:extLst>
+                  <a:ext uri="{FF2B5EF4-FFF2-40B4-BE49-F238E27FC236}">
+                    <a16:creationId xmlns:a16="http://schemas.microsoft.com/office/drawing/2014/main" id="{BC22BA23-8F23-91EF-B3EA-BC7349CFC017}"/>
+                  </a:ext>
+                </a:extLst>
+              </p:cNvPr>
+              <p:cNvSpPr>
+                <a:spLocks noGrp="1" noRot="1" noChangeAspect="1" noMove="1" noResize="1" noEditPoints="1" noAdjustHandles="1" noChangeArrowheads="1" noChangeShapeType="1" noTextEdit="1"/>
+              </p:cNvSpPr>
+              <p:nvPr>
+                <p:ph idx="1"/>
+              </p:nvPr>
+            </p:nvSpPr>
+            <p:spPr>
+              <a:xfrm>
+                <a:off x="372533" y="1079888"/>
+                <a:ext cx="8387645" cy="5467668"/>
+              </a:xfrm>
+              <a:blipFill>
+                <a:blip r:embed="rId2"/>
+                <a:stretch>
+                  <a:fillRect l="-1090"/>
+                </a:stretch>
+              </a:blipFill>
+            </p:spPr>
+            <p:txBody>
+              <a:bodyPr/>
+              <a:lstStyle/>
+              <a:p>
+                <a:r>
+                  <a:rPr lang="en-US">
+                    <a:noFill/>
+                  </a:rPr>
+                  <a:t> </a:t>
+                </a:r>
+              </a:p>
+            </p:txBody>
+          </p:sp>
+        </mc:Fallback>
+      </mc:AlternateContent>
+      <p:pic>
+        <p:nvPicPr>
+          <p:cNvPr id="3" name="Picture 2">
+            <a:extLst>
+              <a:ext uri="{FF2B5EF4-FFF2-40B4-BE49-F238E27FC236}">
+                <a16:creationId xmlns:a16="http://schemas.microsoft.com/office/drawing/2014/main" id="{B35F956F-11EA-43A8-0293-53D42EEC3FCD}"/>
+              </a:ext>
+            </a:extLst>
+          </p:cNvPr>
+          <p:cNvPicPr>
+            <a:picLocks noChangeAspect="1"/>
+          </p:cNvPicPr>
+          <p:nvPr/>
+        </p:nvPicPr>
+        <p:blipFill>
+          <a:blip r:embed="rId3"/>
+          <a:stretch>
+            <a:fillRect/>
+          </a:stretch>
+        </p:blipFill>
+        <p:spPr>
+          <a:xfrm>
+            <a:off x="3362262" y="3933661"/>
+            <a:ext cx="3077910" cy="2675450"/>
+          </a:xfrm>
+          <a:prstGeom prst="rect">
+            <a:avLst/>
+          </a:prstGeom>
+        </p:spPr>
+      </p:pic>
+      <p:sp>
+        <p:nvSpPr>
+          <p:cNvPr id="2" name="Slide Number Placeholder 1">
+            <a:extLst>
+              <a:ext uri="{FF2B5EF4-FFF2-40B4-BE49-F238E27FC236}">
+                <a16:creationId xmlns:a16="http://schemas.microsoft.com/office/drawing/2014/main" id="{B8566EF7-1B59-12CC-9333-9B322FA8168C}"/>
+              </a:ext>
+            </a:extLst>
+          </p:cNvPr>
+          <p:cNvSpPr>
+            <a:spLocks noGrp="1"/>
+          </p:cNvSpPr>
+          <p:nvPr>
+            <p:ph type="sldNum" sz="quarter" idx="10"/>
+          </p:nvPr>
+        </p:nvSpPr>
+        <p:spPr/>
+        <p:txBody>
+          <a:bodyPr/>
+          <a:lstStyle/>
+          <a:p>
+            <a:fld id="{DE0D52F3-54CA-4E42-BFA9-4F0301781925}" type="slidenum">
+              <a:rPr lang="en-US" smtClean="0"/>
+              <a:pPr/>
+              <a:t>15</a:t>
+            </a:fld>
+            <a:endParaRPr lang="en-US" sz="1400" dirty="0"/>
+          </a:p>
+        </p:txBody>
+      </p:sp>
+    </p:spTree>
+    <p:extLst>
+      <p:ext uri="{BB962C8B-B14F-4D97-AF65-F5344CB8AC3E}">
+        <p14:creationId xmlns:p14="http://schemas.microsoft.com/office/powerpoint/2010/main" val="3682259141"/>
+      </p:ext>
+    </p:extLst>
+  </p:cSld>
+  <p:clrMapOvr>
+    <a:masterClrMapping/>
+  </p:clrMapOvr>
+</p:sld>
+</file>
+
+<file path=ppt/slides/slide16.xml><?xml version="1.0" encoding="utf-8"?>
+<p:sld xmlns:a="http://schemas.openxmlformats.org/drawingml/2006/main" xmlns:r="http://schemas.openxmlformats.org/officeDocument/2006/relationships" xmlns:p="http://schemas.openxmlformats.org/presentationml/2006/main">
+  <p:cSld>
+    <p:spTree>
+      <p:nvGrpSpPr>
+        <p:cNvPr id="1" name="">
+          <a:extLst>
+            <a:ext uri="{FF2B5EF4-FFF2-40B4-BE49-F238E27FC236}">
               <a16:creationId xmlns:a16="http://schemas.microsoft.com/office/drawing/2014/main" id="{24DC9BF6-4876-9D19-E9CB-F858D72504A7}"/>
             </a:ext>
           </a:extLst>
@@ -9966,7 +12677,7 @@
         </p:nvSpPr>
         <p:spPr>
           <a:xfrm>
-            <a:off x="364067" y="306073"/>
+            <a:off x="372533" y="280215"/>
             <a:ext cx="8421512" cy="707886"/>
           </a:xfrm>
         </p:spPr>
@@ -9976,7 +12687,7 @@
           <a:p>
             <a:r>
               <a:rPr lang="en-US" sz="4000" dirty="0"/>
-              <a:t>Dynamic Equilibrium</a:t>
+              <a:t>Example of Dynamic Equilibrium</a:t>
             </a:r>
           </a:p>
         </p:txBody>
@@ -9997,35 +12708,93 @@
             <p:ph idx="1"/>
           </p:nvPr>
         </p:nvSpPr>
-        <p:spPr/>
+        <p:spPr>
+          <a:xfrm>
+            <a:off x="372533" y="1065540"/>
+            <a:ext cx="8387645" cy="5482015"/>
+          </a:xfrm>
+        </p:spPr>
         <p:txBody>
           <a:bodyPr/>
           <a:lstStyle/>
           <a:p>
-            <a:pPr marL="0" indent="0">
-              <a:buNone/>
-            </a:pPr>
-            <a:r>
-              <a:rPr lang="en-US" sz="2800" dirty="0"/>
-              <a:t>Temperature</a:t>
-            </a:r>
-          </a:p>
-          <a:p>
-            <a:pPr marL="0" indent="0">
-              <a:buNone/>
-            </a:pPr>
-            <a:r>
-              <a:rPr lang="en-US" sz="2800" dirty="0"/>
-              <a:t>Concentration</a:t>
-            </a:r>
-          </a:p>
-          <a:p>
-            <a:pPr marL="0" indent="0">
-              <a:buNone/>
-            </a:pPr>
-            <a:r>
-              <a:rPr lang="en-US" sz="2800" dirty="0"/>
-              <a:t>Catalysts</a:t>
+            <a:r>
+              <a:rPr lang="en-US" sz="2200" dirty="0"/>
+              <a:t>Equilibrium is shown as the change in concentration of reactant and/or product over time</a:t>
+            </a:r>
+          </a:p>
+          <a:p>
+            <a:r>
+              <a:rPr lang="en-US" sz="2200" dirty="0"/>
+              <a:t>One can start with no (zero) concentration of product (for forward reaction) or of reactant (for reverse direction this become</a:t>
+            </a:r>
+            <a:br>
+              <a:rPr lang="en-US" sz="2200" dirty="0"/>
+            </a:br>
+            <a:r>
+              <a:rPr lang="en-US" sz="2200" dirty="0"/>
+              <a:t>the product) and follow</a:t>
+            </a:r>
+            <a:br>
+              <a:rPr lang="en-US" sz="2200" dirty="0"/>
+            </a:br>
+            <a:r>
+              <a:rPr lang="en-US" sz="2200" dirty="0"/>
+              <a:t>change in amount or</a:t>
+            </a:r>
+            <a:br>
+              <a:rPr lang="en-US" sz="2200" dirty="0"/>
+            </a:br>
+            <a:r>
+              <a:rPr lang="en-US" sz="2200" dirty="0"/>
+              <a:t>concentration over</a:t>
+            </a:r>
+            <a:br>
+              <a:rPr lang="en-US" sz="2200" dirty="0"/>
+            </a:br>
+            <a:r>
+              <a:rPr lang="en-US" sz="2200" dirty="0"/>
+              <a:t>time</a:t>
+            </a:r>
+          </a:p>
+          <a:p>
+            <a:r>
+              <a:rPr lang="en-US" sz="2200" dirty="0"/>
+              <a:t>Eventually a plateau is</a:t>
+            </a:r>
+            <a:br>
+              <a:rPr lang="en-US" sz="2200" dirty="0"/>
+            </a:br>
+            <a:r>
+              <a:rPr lang="en-US" sz="2200" dirty="0"/>
+              <a:t>reached where</a:t>
+            </a:r>
+            <a:br>
+              <a:rPr lang="en-US" sz="2200" dirty="0"/>
+            </a:br>
+            <a:r>
+              <a:rPr lang="en-US" sz="2200" dirty="0"/>
+              <a:t>concentration of</a:t>
+            </a:r>
+            <a:br>
+              <a:rPr lang="en-US" sz="2200" dirty="0"/>
+            </a:br>
+            <a:r>
+              <a:rPr lang="en-US" sz="2200" dirty="0"/>
+              <a:t>neither reactant or</a:t>
+            </a:r>
+            <a:br>
+              <a:rPr lang="en-US" sz="2200" dirty="0"/>
+            </a:br>
+            <a:r>
+              <a:rPr lang="en-US" sz="2200" dirty="0"/>
+              <a:t>product changes</a:t>
+            </a:r>
+          </a:p>
+          <a:p>
+            <a:r>
+              <a:rPr lang="en-US" sz="2200" dirty="0"/>
+              <a:t>This is equilibrium</a:t>
             </a:r>
           </a:p>
         </p:txBody>
@@ -10052,14 +12821,44 @@
         </p:blipFill>
         <p:spPr>
           <a:xfrm>
-            <a:off x="1261600" y="590154"/>
-            <a:ext cx="6620799" cy="5677692"/>
+            <a:off x="4022289" y="2735512"/>
+            <a:ext cx="4378762" cy="3755024"/>
           </a:xfrm>
           <a:prstGeom prst="rect">
             <a:avLst/>
           </a:prstGeom>
         </p:spPr>
       </p:pic>
+      <p:sp>
+        <p:nvSpPr>
+          <p:cNvPr id="2" name="Slide Number Placeholder 1">
+            <a:extLst>
+              <a:ext uri="{FF2B5EF4-FFF2-40B4-BE49-F238E27FC236}">
+                <a16:creationId xmlns:a16="http://schemas.microsoft.com/office/drawing/2014/main" id="{E1A4D5F3-EAA4-C2E6-D617-F1F29BB8B5AB}"/>
+              </a:ext>
+            </a:extLst>
+          </p:cNvPr>
+          <p:cNvSpPr>
+            <a:spLocks noGrp="1"/>
+          </p:cNvSpPr>
+          <p:nvPr>
+            <p:ph type="sldNum" sz="quarter" idx="10"/>
+          </p:nvPr>
+        </p:nvSpPr>
+        <p:spPr/>
+        <p:txBody>
+          <a:bodyPr/>
+          <a:lstStyle/>
+          <a:p>
+            <a:fld id="{DE0D52F3-54CA-4E42-BFA9-4F0301781925}" type="slidenum">
+              <a:rPr lang="en-US" smtClean="0"/>
+              <a:pPr/>
+              <a:t>16</a:t>
+            </a:fld>
+            <a:endParaRPr lang="en-US" sz="1400" dirty="0"/>
+          </a:p>
+        </p:txBody>
+      </p:sp>
     </p:spTree>
     <p:extLst>
       <p:ext uri="{BB962C8B-B14F-4D97-AF65-F5344CB8AC3E}">
@@ -10073,7 +12872,7 @@
 </p:sld>
 </file>
 
-<file path=ppt/slides/slide11.xml><?xml version="1.0" encoding="utf-8"?>
+<file path=ppt/slides/slide17.xml><?xml version="1.0" encoding="utf-8"?>
 <p:sld xmlns:a="http://schemas.openxmlformats.org/drawingml/2006/main" xmlns:r="http://schemas.openxmlformats.org/officeDocument/2006/relationships" xmlns:p="http://schemas.openxmlformats.org/presentationml/2006/main">
   <p:cSld>
     <p:spTree>
@@ -10114,7 +12913,7 @@
         </p:nvSpPr>
         <p:spPr>
           <a:xfrm>
-            <a:off x="364067" y="306073"/>
+            <a:off x="361244" y="238060"/>
             <a:ext cx="8421512" cy="707886"/>
           </a:xfrm>
         </p:spPr>
@@ -10124,7 +12923,7 @@
           <a:p>
             <a:r>
               <a:rPr lang="en-US" sz="4000" dirty="0"/>
-              <a:t>Dynamic Equilibrium</a:t>
+              <a:t>Change in Rate of Reaction</a:t>
             </a:r>
           </a:p>
         </p:txBody>
@@ -10145,35 +12944,126 @@
             <p:ph idx="1"/>
           </p:nvPr>
         </p:nvSpPr>
-        <p:spPr/>
+        <p:spPr>
+          <a:xfrm>
+            <a:off x="372533" y="1080655"/>
+            <a:ext cx="8387645" cy="5466900"/>
+          </a:xfrm>
+        </p:spPr>
         <p:txBody>
           <a:bodyPr/>
           <a:lstStyle/>
           <a:p>
-            <a:pPr marL="0" indent="0">
-              <a:buNone/>
-            </a:pPr>
-            <a:r>
-              <a:rPr lang="en-US" sz="2800" dirty="0"/>
-              <a:t>Temperature</a:t>
-            </a:r>
-          </a:p>
-          <a:p>
-            <a:pPr marL="0" indent="0">
-              <a:buNone/>
-            </a:pPr>
-            <a:r>
-              <a:rPr lang="en-US" sz="2800" dirty="0"/>
-              <a:t>Concentration</a:t>
-            </a:r>
-          </a:p>
-          <a:p>
-            <a:pPr marL="0" indent="0">
-              <a:buNone/>
-            </a:pPr>
-            <a:r>
-              <a:rPr lang="en-US" sz="2800" dirty="0"/>
-              <a:t>Catalysts</a:t>
+            <a:r>
+              <a:rPr lang="en-US" dirty="0"/>
+              <a:t>In the plot shown, it shows not amount or concentration, but rather the rate of the reaction versus time. A rate of reaction is the function of the concentration (molar, M) per unit time</a:t>
+            </a:r>
+          </a:p>
+          <a:p>
+            <a:r>
+              <a:rPr lang="en-US" sz="2000" dirty="0"/>
+              <a:t>Initially the sample is</a:t>
+            </a:r>
+            <a:br>
+              <a:rPr lang="en-US" sz="2000" dirty="0"/>
+            </a:br>
+            <a:r>
+              <a:rPr lang="en-US" sz="2000" dirty="0"/>
+              <a:t>pure red-brown NO</a:t>
+            </a:r>
+            <a:r>
+              <a:rPr lang="en-US" sz="2000" baseline="-25000" dirty="0"/>
+              <a:t>2</a:t>
+            </a:r>
+            <a:br>
+              <a:rPr lang="en-US" sz="2000" dirty="0"/>
+            </a:br>
+            <a:r>
+              <a:rPr lang="en-US" sz="2000" dirty="0"/>
+              <a:t>and will form colorless</a:t>
+            </a:r>
+            <a:br>
+              <a:rPr lang="en-US" sz="2000" dirty="0"/>
+            </a:br>
+            <a:r>
+              <a:rPr lang="en-US" sz="2000" dirty="0"/>
+              <a:t>N</a:t>
+            </a:r>
+            <a:r>
+              <a:rPr lang="en-US" sz="2000" baseline="-25000" dirty="0"/>
+              <a:t>2</a:t>
+            </a:r>
+            <a:r>
+              <a:rPr lang="en-US" sz="2000" dirty="0"/>
+              <a:t>O</a:t>
+            </a:r>
+            <a:r>
+              <a:rPr lang="en-US" sz="2000" baseline="-25000" dirty="0"/>
+              <a:t>4</a:t>
+            </a:r>
+          </a:p>
+          <a:p>
+            <a:r>
+              <a:rPr lang="en-US" sz="2000" dirty="0"/>
+              <a:t>As N</a:t>
+            </a:r>
+            <a:r>
+              <a:rPr lang="en-US" sz="2000" baseline="-25000" dirty="0"/>
+              <a:t>2</a:t>
+            </a:r>
+            <a:r>
+              <a:rPr lang="en-US" sz="2000" dirty="0"/>
+              <a:t>O</a:t>
+            </a:r>
+            <a:r>
+              <a:rPr lang="en-US" sz="2000" baseline="-25000" dirty="0"/>
+              <a:t>4</a:t>
+            </a:r>
+            <a:r>
+              <a:rPr lang="en-US" sz="2000" dirty="0"/>
+              <a:t> product forms,</a:t>
+            </a:r>
+            <a:br>
+              <a:rPr lang="en-US" sz="2000" dirty="0"/>
+            </a:br>
+            <a:r>
+              <a:rPr lang="en-US" sz="2000" dirty="0"/>
+              <a:t>the rate slows and</a:t>
+            </a:r>
+            <a:br>
+              <a:rPr lang="en-US" sz="2000" dirty="0"/>
+            </a:br>
+            <a:r>
+              <a:rPr lang="en-US" sz="2000" dirty="0"/>
+              <a:t>eventually levels off to</a:t>
+            </a:r>
+            <a:br>
+              <a:rPr lang="en-US" sz="2000" dirty="0"/>
+            </a:br>
+            <a:r>
+              <a:rPr lang="en-US" sz="2000" dirty="0"/>
+              <a:t>a constant rate while</a:t>
+            </a:r>
+            <a:br>
+              <a:rPr lang="en-US" sz="2000" dirty="0"/>
+            </a:br>
+            <a:r>
+              <a:rPr lang="en-US" sz="2000" dirty="0"/>
+              <a:t>the reverse reaction</a:t>
+            </a:r>
+            <a:br>
+              <a:rPr lang="en-US" sz="2000" dirty="0"/>
+            </a:br>
+            <a:r>
+              <a:rPr lang="en-US" sz="2000" dirty="0"/>
+              <a:t>increases to a level rate as</a:t>
+            </a:r>
+            <a:br>
+              <a:rPr lang="en-US" sz="2000" dirty="0"/>
+            </a:br>
+            <a:r>
+              <a:rPr lang="en-US" sz="2000" dirty="0"/>
+              <a:t>well</a:t>
             </a:r>
           </a:p>
         </p:txBody>
@@ -10200,14 +13090,44 @@
         </p:blipFill>
         <p:spPr>
           <a:xfrm>
-            <a:off x="1418785" y="566338"/>
-            <a:ext cx="6306430" cy="5725324"/>
+            <a:off x="4566355" y="2818770"/>
+            <a:ext cx="4107246" cy="3728784"/>
           </a:xfrm>
           <a:prstGeom prst="rect">
             <a:avLst/>
           </a:prstGeom>
         </p:spPr>
       </p:pic>
+      <p:sp>
+        <p:nvSpPr>
+          <p:cNvPr id="2" name="Slide Number Placeholder 1">
+            <a:extLst>
+              <a:ext uri="{FF2B5EF4-FFF2-40B4-BE49-F238E27FC236}">
+                <a16:creationId xmlns:a16="http://schemas.microsoft.com/office/drawing/2014/main" id="{5EF6679A-1290-243A-4193-F9FB6BB1BBC3}"/>
+              </a:ext>
+            </a:extLst>
+          </p:cNvPr>
+          <p:cNvSpPr>
+            <a:spLocks noGrp="1"/>
+          </p:cNvSpPr>
+          <p:nvPr>
+            <p:ph type="sldNum" sz="quarter" idx="10"/>
+          </p:nvPr>
+        </p:nvSpPr>
+        <p:spPr/>
+        <p:txBody>
+          <a:bodyPr/>
+          <a:lstStyle/>
+          <a:p>
+            <a:fld id="{DE0D52F3-54CA-4E42-BFA9-4F0301781925}" type="slidenum">
+              <a:rPr lang="en-US" smtClean="0"/>
+              <a:pPr/>
+              <a:t>17</a:t>
+            </a:fld>
+            <a:endParaRPr lang="en-US" sz="1400" dirty="0"/>
+          </a:p>
+        </p:txBody>
+      </p:sp>
     </p:spTree>
     <p:extLst>
       <p:ext uri="{BB962C8B-B14F-4D97-AF65-F5344CB8AC3E}">
@@ -10221,15 +13141,15 @@
 </p:sld>
 </file>
 
-<file path=ppt/slides/slide12.xml><?xml version="1.0" encoding="utf-8"?>
-<p:sld xmlns:a="http://schemas.openxmlformats.org/drawingml/2006/main" xmlns:r="http://schemas.openxmlformats.org/officeDocument/2006/relationships" xmlns:p="http://schemas.openxmlformats.org/presentationml/2006/main">
+<file path=ppt/slides/slide18.xml><?xml version="1.0" encoding="utf-8"?>
+<p:sld xmlns:a="http://schemas.openxmlformats.org/drawingml/2006/main" xmlns:r="http://schemas.openxmlformats.org/officeDocument/2006/relationships" xmlns:p="http://schemas.openxmlformats.org/presentationml/2006/main" show="0">
   <p:cSld>
     <p:spTree>
       <p:nvGrpSpPr>
         <p:cNvPr id="1" name="">
           <a:extLst>
             <a:ext uri="{FF2B5EF4-FFF2-40B4-BE49-F238E27FC236}">
-              <a16:creationId xmlns:a16="http://schemas.microsoft.com/office/drawing/2014/main" id="{7C9AD619-4AF1-FE65-BE04-5CB3ECF43D73}"/>
+              <a16:creationId xmlns:a16="http://schemas.microsoft.com/office/drawing/2014/main" id="{7C5FF6D8-9DBA-8E0F-5C42-39BCE1E02498}"/>
             </a:ext>
           </a:extLst>
         </p:cNvPr>
@@ -10249,7 +13169,7 @@
           <p:cNvPr id="4" name="Title 3">
             <a:extLst>
               <a:ext uri="{FF2B5EF4-FFF2-40B4-BE49-F238E27FC236}">
-                <a16:creationId xmlns:a16="http://schemas.microsoft.com/office/drawing/2014/main" id="{6D7D4027-0C77-D7AE-F013-52B19697551F}"/>
+                <a16:creationId xmlns:a16="http://schemas.microsoft.com/office/drawing/2014/main" id="{6F94DD40-202D-5766-2F76-FDA46010C292}"/>
               </a:ext>
             </a:extLst>
           </p:cNvPr>
@@ -10262,7 +13182,7 @@
         </p:nvSpPr>
         <p:spPr>
           <a:xfrm>
-            <a:off x="364067" y="306073"/>
+            <a:off x="361244" y="238060"/>
             <a:ext cx="8421512" cy="707886"/>
           </a:xfrm>
         </p:spPr>
@@ -10272,66 +13192,532 @@
           <a:p>
             <a:r>
               <a:rPr lang="en-US" sz="4000" dirty="0"/>
-              <a:t>Equilibrium Constant Expression</a:t>
+              <a:t>Rate of Reaction Equation</a:t>
             </a:r>
           </a:p>
         </p:txBody>
       </p:sp>
-      <p:sp>
-        <p:nvSpPr>
-          <p:cNvPr id="5" name="Content Placeholder 4">
-            <a:extLst>
-              <a:ext uri="{FF2B5EF4-FFF2-40B4-BE49-F238E27FC236}">
-                <a16:creationId xmlns:a16="http://schemas.microsoft.com/office/drawing/2014/main" id="{4F5BFD8A-92E3-A5B7-AE8F-127EA2EDF427}"/>
-              </a:ext>
-            </a:extLst>
-          </p:cNvPr>
-          <p:cNvSpPr>
-            <a:spLocks noGrp="1"/>
-          </p:cNvSpPr>
-          <p:nvPr>
-            <p:ph idx="1"/>
-          </p:nvPr>
-        </p:nvSpPr>
-        <p:spPr/>
-        <p:txBody>
-          <a:bodyPr/>
-          <a:lstStyle/>
-          <a:p>
-            <a:pPr marL="0" indent="0">
-              <a:buNone/>
-            </a:pPr>
-            <a:r>
-              <a:rPr lang="en-US" sz="2800" dirty="0"/>
-              <a:t>Temperature</a:t>
-            </a:r>
-          </a:p>
-          <a:p>
-            <a:pPr marL="0" indent="0">
-              <a:buNone/>
-            </a:pPr>
-            <a:r>
-              <a:rPr lang="en-US" sz="2800" dirty="0"/>
-              <a:t>Concentration</a:t>
-            </a:r>
-          </a:p>
-          <a:p>
-            <a:pPr marL="0" indent="0">
-              <a:buNone/>
-            </a:pPr>
-            <a:r>
-              <a:rPr lang="en-US" sz="2800" dirty="0"/>
-              <a:t>Catalysts</a:t>
-            </a:r>
-          </a:p>
-        </p:txBody>
-      </p:sp>
+      <mc:AlternateContent xmlns:mc="http://schemas.openxmlformats.org/markup-compatibility/2006" xmlns:a14="http://schemas.microsoft.com/office/drawing/2010/main">
+        <mc:Choice Requires="a14">
+          <p:sp>
+            <p:nvSpPr>
+              <p:cNvPr id="5" name="Content Placeholder 4">
+                <a:extLst>
+                  <a:ext uri="{FF2B5EF4-FFF2-40B4-BE49-F238E27FC236}">
+                    <a16:creationId xmlns:a16="http://schemas.microsoft.com/office/drawing/2014/main" id="{F0626594-A603-3455-C84C-69D404907BCC}"/>
+                  </a:ext>
+                </a:extLst>
+              </p:cNvPr>
+              <p:cNvSpPr>
+                <a:spLocks noGrp="1"/>
+              </p:cNvSpPr>
+              <p:nvPr>
+                <p:ph idx="1"/>
+              </p:nvPr>
+            </p:nvSpPr>
+            <p:spPr>
+              <a:xfrm>
+                <a:off x="380090" y="1080655"/>
+                <a:ext cx="8387645" cy="5466900"/>
+              </a:xfrm>
+            </p:spPr>
+            <p:txBody>
+              <a:bodyPr/>
+              <a:lstStyle/>
+              <a:p>
+                <a:r>
+                  <a:rPr lang="en-US" dirty="0"/>
+                  <a:t>The (forward) reaction rate, which is the dimerization of NO</a:t>
+                </a:r>
+                <a:r>
+                  <a:rPr lang="en-US" baseline="-25000" dirty="0"/>
+                  <a:t>2</a:t>
+                </a:r>
+                <a:r>
+                  <a:rPr lang="en-US" dirty="0"/>
+                  <a:t>, has a mathematical expression: </a:t>
+                </a:r>
+                <a:br>
+                  <a:rPr lang="en-US" b="0" i="0" dirty="0">
+                    <a:latin typeface="Cambria Math" panose="02040503050406030204" pitchFamily="18" charset="0"/>
+                  </a:rPr>
+                </a:br>
+                <a14:m>
+                  <m:oMath xmlns:m="http://schemas.openxmlformats.org/officeDocument/2006/math">
+                    <m:r>
+                      <m:rPr>
+                        <m:sty m:val="p"/>
+                      </m:rPr>
+                      <a:rPr lang="en-US" sz="2000" b="0" i="0" smtClean="0">
+                        <a:latin typeface="Cambria Math" panose="02040503050406030204" pitchFamily="18" charset="0"/>
+                      </a:rPr>
+                      <m:t>forward</m:t>
+                    </m:r>
+                    <m:r>
+                      <a:rPr lang="en-US" sz="2000" b="0" i="0" smtClean="0">
+                        <a:latin typeface="Cambria Math" panose="02040503050406030204" pitchFamily="18" charset="0"/>
+                      </a:rPr>
+                      <m:t> </m:t>
+                    </m:r>
+                    <m:r>
+                      <m:rPr>
+                        <m:sty m:val="p"/>
+                      </m:rPr>
+                      <a:rPr lang="en-US" sz="2000" b="0" i="0" smtClean="0">
+                        <a:latin typeface="Cambria Math" panose="02040503050406030204" pitchFamily="18" charset="0"/>
+                      </a:rPr>
+                      <m:t>rate</m:t>
+                    </m:r>
+                    <m:r>
+                      <a:rPr lang="en-US" sz="2000" b="0" i="0" smtClean="0">
+                        <a:latin typeface="Cambria Math" panose="02040503050406030204" pitchFamily="18" charset="0"/>
+                      </a:rPr>
+                      <m:t>=</m:t>
+                    </m:r>
+                    <m:f>
+                      <m:fPr>
+                        <m:ctrlPr>
+                          <a:rPr lang="en-US" sz="2000" b="0" i="1" smtClean="0">
+                            <a:latin typeface="Cambria Math" panose="02040503050406030204" pitchFamily="18" charset="0"/>
+                          </a:rPr>
+                        </m:ctrlPr>
+                      </m:fPr>
+                      <m:num>
+                        <m:r>
+                          <a:rPr lang="en-US" sz="2000" b="0" i="1" smtClean="0">
+                            <a:latin typeface="Cambria Math" panose="02040503050406030204" pitchFamily="18" charset="0"/>
+                          </a:rPr>
+                          <m:t>𝑑</m:t>
+                        </m:r>
+                        <m:r>
+                          <a:rPr lang="en-US" sz="2000" b="0" i="0" smtClean="0">
+                            <a:latin typeface="Cambria Math" panose="02040503050406030204" pitchFamily="18" charset="0"/>
+                          </a:rPr>
+                          <m:t>[</m:t>
+                        </m:r>
+                        <m:r>
+                          <m:rPr>
+                            <m:sty m:val="p"/>
+                          </m:rPr>
+                          <a:rPr lang="en-US" sz="2000" b="0" i="0" smtClean="0">
+                            <a:latin typeface="Cambria Math" panose="02040503050406030204" pitchFamily="18" charset="0"/>
+                          </a:rPr>
+                          <m:t>NO</m:t>
+                        </m:r>
+                        <m:r>
+                          <a:rPr lang="en-US" sz="2000" b="0" i="0" baseline="-25000" smtClean="0">
+                            <a:latin typeface="Cambria Math" panose="02040503050406030204" pitchFamily="18" charset="0"/>
+                          </a:rPr>
+                          <m:t>2</m:t>
+                        </m:r>
+                        <m:r>
+                          <a:rPr lang="en-US" sz="2000" b="0" i="0" smtClean="0">
+                            <a:latin typeface="Cambria Math" panose="02040503050406030204" pitchFamily="18" charset="0"/>
+                          </a:rPr>
+                          <m:t>]</m:t>
+                        </m:r>
+                      </m:num>
+                      <m:den>
+                        <m:r>
+                          <a:rPr lang="en-US" sz="2000" b="0" i="1" smtClean="0">
+                            <a:latin typeface="Cambria Math" panose="02040503050406030204" pitchFamily="18" charset="0"/>
+                          </a:rPr>
+                          <m:t>𝑑𝑡</m:t>
+                        </m:r>
+                      </m:den>
+                    </m:f>
+                    <m:r>
+                      <a:rPr lang="en-US" sz="2000" b="0" i="0" smtClean="0">
+                        <a:latin typeface="Cambria Math" panose="02040503050406030204" pitchFamily="18" charset="0"/>
+                      </a:rPr>
+                      <m:t>=</m:t>
+                    </m:r>
+                    <m:r>
+                      <a:rPr lang="en-US" sz="2000" b="0" i="1" smtClean="0">
+                        <a:latin typeface="Cambria Math" panose="02040503050406030204" pitchFamily="18" charset="0"/>
+                      </a:rPr>
+                      <m:t>𝑘</m:t>
+                    </m:r>
+                    <m:r>
+                      <a:rPr lang="en-US" sz="2000" b="0" i="1" baseline="-25000" smtClean="0">
+                        <a:latin typeface="Cambria Math" panose="02040503050406030204" pitchFamily="18" charset="0"/>
+                      </a:rPr>
+                      <m:t>𝑓</m:t>
+                    </m:r>
+                    <m:d>
+                      <m:dPr>
+                        <m:begChr m:val="["/>
+                        <m:endChr m:val="]"/>
+                        <m:ctrlPr>
+                          <a:rPr lang="en-US" sz="2000" b="0" i="1" smtClean="0">
+                            <a:latin typeface="Cambria Math" panose="02040503050406030204" pitchFamily="18" charset="0"/>
+                          </a:rPr>
+                        </m:ctrlPr>
+                      </m:dPr>
+                      <m:e>
+                        <m:r>
+                          <m:rPr>
+                            <m:sty m:val="p"/>
+                          </m:rPr>
+                          <a:rPr lang="en-US" sz="2000" b="0" i="0" smtClean="0">
+                            <a:latin typeface="Cambria Math" panose="02040503050406030204" pitchFamily="18" charset="0"/>
+                          </a:rPr>
+                          <m:t>NO</m:t>
+                        </m:r>
+                        <m:r>
+                          <a:rPr lang="en-US" sz="2000" b="0" i="0" baseline="-25000" smtClean="0">
+                            <a:latin typeface="Cambria Math" panose="02040503050406030204" pitchFamily="18" charset="0"/>
+                          </a:rPr>
+                          <m:t>2</m:t>
+                        </m:r>
+                      </m:e>
+                    </m:d>
+                    <m:d>
+                      <m:dPr>
+                        <m:begChr m:val="["/>
+                        <m:endChr m:val="]"/>
+                        <m:ctrlPr>
+                          <a:rPr lang="en-US" sz="2000" b="0" i="1" smtClean="0">
+                            <a:latin typeface="Cambria Math" panose="02040503050406030204" pitchFamily="18" charset="0"/>
+                          </a:rPr>
+                        </m:ctrlPr>
+                      </m:dPr>
+                      <m:e>
+                        <m:r>
+                          <m:rPr>
+                            <m:sty m:val="p"/>
+                          </m:rPr>
+                          <a:rPr lang="en-US" sz="2000" b="0" i="0" smtClean="0">
+                            <a:latin typeface="Cambria Math" panose="02040503050406030204" pitchFamily="18" charset="0"/>
+                          </a:rPr>
+                          <m:t>NO</m:t>
+                        </m:r>
+                        <m:r>
+                          <a:rPr lang="en-US" sz="2000" b="0" i="0" baseline="-25000" smtClean="0">
+                            <a:latin typeface="Cambria Math" panose="02040503050406030204" pitchFamily="18" charset="0"/>
+                          </a:rPr>
+                          <m:t>2</m:t>
+                        </m:r>
+                      </m:e>
+                    </m:d>
+                    <m:r>
+                      <a:rPr lang="en-US" sz="2000" b="0" i="0" smtClean="0">
+                        <a:latin typeface="Cambria Math" panose="02040503050406030204" pitchFamily="18" charset="0"/>
+                      </a:rPr>
+                      <m:t>=</m:t>
+                    </m:r>
+                    <m:r>
+                      <a:rPr lang="en-US" sz="2000" b="0" i="1" smtClean="0">
+                        <a:latin typeface="Cambria Math" panose="02040503050406030204" pitchFamily="18" charset="0"/>
+                      </a:rPr>
+                      <m:t>𝑘</m:t>
+                    </m:r>
+                    <m:r>
+                      <a:rPr lang="en-US" sz="2000" b="0" i="1" baseline="-25000" smtClean="0">
+                        <a:latin typeface="Cambria Math" panose="02040503050406030204" pitchFamily="18" charset="0"/>
+                      </a:rPr>
+                      <m:t>𝑓</m:t>
+                    </m:r>
+                    <m:d>
+                      <m:dPr>
+                        <m:begChr m:val="["/>
+                        <m:endChr m:val="]"/>
+                        <m:ctrlPr>
+                          <a:rPr lang="en-US" sz="2000" b="0" i="1" smtClean="0">
+                            <a:latin typeface="Cambria Math" panose="02040503050406030204" pitchFamily="18" charset="0"/>
+                          </a:rPr>
+                        </m:ctrlPr>
+                      </m:dPr>
+                      <m:e>
+                        <m:r>
+                          <m:rPr>
+                            <m:sty m:val="p"/>
+                          </m:rPr>
+                          <a:rPr lang="en-US" sz="2000" b="0" i="0" smtClean="0">
+                            <a:latin typeface="Cambria Math" panose="02040503050406030204" pitchFamily="18" charset="0"/>
+                          </a:rPr>
+                          <m:t>NO</m:t>
+                        </m:r>
+                        <m:r>
+                          <a:rPr lang="en-US" sz="2000" b="0" i="0" baseline="-25000" smtClean="0">
+                            <a:latin typeface="Cambria Math" panose="02040503050406030204" pitchFamily="18" charset="0"/>
+                          </a:rPr>
+                          <m:t>2</m:t>
+                        </m:r>
+                      </m:e>
+                    </m:d>
+                    <m:r>
+                      <a:rPr lang="en-US" sz="2000" b="0" i="0" baseline="30000" smtClean="0">
+                        <a:latin typeface="Cambria Math" panose="02040503050406030204" pitchFamily="18" charset="0"/>
+                      </a:rPr>
+                      <m:t>2</m:t>
+                    </m:r>
+                  </m:oMath>
+                </a14:m>
+                <a:endParaRPr lang="en-US" sz="1800" baseline="30000" dirty="0"/>
+              </a:p>
+              <a:p>
+                <a:endParaRPr lang="en-US" sz="1800" baseline="30000" dirty="0"/>
+              </a:p>
+              <a:p>
+                <a:pPr marL="0" indent="0">
+                  <a:buNone/>
+                </a:pPr>
+                <a14:m>
+                  <m:oMathPara xmlns:m="http://schemas.openxmlformats.org/officeDocument/2006/math">
+                    <m:oMathParaPr>
+                      <m:jc m:val="centerGroup"/>
+                    </m:oMathParaPr>
+                    <m:oMath xmlns:m="http://schemas.openxmlformats.org/officeDocument/2006/math">
+                      <m:r>
+                        <m:rPr>
+                          <m:sty m:val="p"/>
+                        </m:rPr>
+                        <a:rPr lang="en-US" sz="2000" b="0" i="0" smtClean="0">
+                          <a:latin typeface="Cambria Math" panose="02040503050406030204" pitchFamily="18" charset="0"/>
+                        </a:rPr>
+                        <m:t>reverse</m:t>
+                      </m:r>
+                      <m:r>
+                        <a:rPr lang="en-US" sz="2000">
+                          <a:latin typeface="Cambria Math" panose="02040503050406030204" pitchFamily="18" charset="0"/>
+                        </a:rPr>
+                        <m:t> </m:t>
+                      </m:r>
+                      <m:r>
+                        <m:rPr>
+                          <m:sty m:val="p"/>
+                        </m:rPr>
+                        <a:rPr lang="en-US" sz="2000">
+                          <a:latin typeface="Cambria Math" panose="02040503050406030204" pitchFamily="18" charset="0"/>
+                        </a:rPr>
+                        <m:t>rate</m:t>
+                      </m:r>
+                      <m:r>
+                        <a:rPr lang="en-US" sz="2000">
+                          <a:latin typeface="Cambria Math" panose="02040503050406030204" pitchFamily="18" charset="0"/>
+                        </a:rPr>
+                        <m:t>=</m:t>
+                      </m:r>
+                      <m:f>
+                        <m:fPr>
+                          <m:ctrlPr>
+                            <a:rPr lang="en-US" sz="2000" i="1">
+                              <a:latin typeface="Cambria Math" panose="02040503050406030204" pitchFamily="18" charset="0"/>
+                            </a:rPr>
+                          </m:ctrlPr>
+                        </m:fPr>
+                        <m:num>
+                          <m:r>
+                            <a:rPr lang="en-US" sz="2000" i="1">
+                              <a:latin typeface="Cambria Math" panose="02040503050406030204" pitchFamily="18" charset="0"/>
+                            </a:rPr>
+                            <m:t>𝑑</m:t>
+                          </m:r>
+                          <m:r>
+                            <a:rPr lang="en-US" sz="2000">
+                              <a:latin typeface="Cambria Math" panose="02040503050406030204" pitchFamily="18" charset="0"/>
+                            </a:rPr>
+                            <m:t>[</m:t>
+                          </m:r>
+                          <m:r>
+                            <m:rPr>
+                              <m:sty m:val="p"/>
+                            </m:rPr>
+                            <a:rPr lang="en-US" sz="2000">
+                              <a:latin typeface="Cambria Math" panose="02040503050406030204" pitchFamily="18" charset="0"/>
+                            </a:rPr>
+                            <m:t>N</m:t>
+                          </m:r>
+                          <m:r>
+                            <a:rPr lang="en-US" sz="2000" b="0" i="0" baseline="-25000" smtClean="0">
+                              <a:latin typeface="Cambria Math" panose="02040503050406030204" pitchFamily="18" charset="0"/>
+                            </a:rPr>
+                            <m:t>2</m:t>
+                          </m:r>
+                          <m:r>
+                            <m:rPr>
+                              <m:sty m:val="p"/>
+                            </m:rPr>
+                            <a:rPr lang="en-US" sz="2000">
+                              <a:latin typeface="Cambria Math" panose="02040503050406030204" pitchFamily="18" charset="0"/>
+                            </a:rPr>
+                            <m:t>O</m:t>
+                          </m:r>
+                          <m:r>
+                            <a:rPr lang="en-US" sz="2000" b="0" i="0" baseline="-25000" smtClean="0">
+                              <a:latin typeface="Cambria Math" panose="02040503050406030204" pitchFamily="18" charset="0"/>
+                            </a:rPr>
+                            <m:t>4</m:t>
+                          </m:r>
+                          <m:r>
+                            <a:rPr lang="en-US" sz="2000">
+                              <a:latin typeface="Cambria Math" panose="02040503050406030204" pitchFamily="18" charset="0"/>
+                            </a:rPr>
+                            <m:t>]</m:t>
+                          </m:r>
+                        </m:num>
+                        <m:den>
+                          <m:r>
+                            <a:rPr lang="en-US" sz="2000" i="1">
+                              <a:latin typeface="Cambria Math" panose="02040503050406030204" pitchFamily="18" charset="0"/>
+                            </a:rPr>
+                            <m:t>𝑑𝑡</m:t>
+                          </m:r>
+                        </m:den>
+                      </m:f>
+                      <m:r>
+                        <a:rPr lang="en-US" sz="2000">
+                          <a:latin typeface="Cambria Math" panose="02040503050406030204" pitchFamily="18" charset="0"/>
+                        </a:rPr>
+                        <m:t>=</m:t>
+                      </m:r>
+                      <m:r>
+                        <a:rPr lang="en-US" sz="2000" i="1">
+                          <a:latin typeface="Cambria Math" panose="02040503050406030204" pitchFamily="18" charset="0"/>
+                        </a:rPr>
+                        <m:t>𝑘</m:t>
+                      </m:r>
+                      <m:r>
+                        <a:rPr lang="en-US" sz="2000" b="0" i="1" baseline="-25000" smtClean="0">
+                          <a:latin typeface="Cambria Math" panose="02040503050406030204" pitchFamily="18" charset="0"/>
+                        </a:rPr>
+                        <m:t>𝑟</m:t>
+                      </m:r>
+                      <m:d>
+                        <m:dPr>
+                          <m:begChr m:val="["/>
+                          <m:endChr m:val="]"/>
+                          <m:ctrlPr>
+                            <a:rPr lang="en-US" sz="2000" i="1">
+                              <a:latin typeface="Cambria Math" panose="02040503050406030204" pitchFamily="18" charset="0"/>
+                            </a:rPr>
+                          </m:ctrlPr>
+                        </m:dPr>
+                        <m:e>
+                          <m:r>
+                            <m:rPr>
+                              <m:sty m:val="p"/>
+                            </m:rPr>
+                            <a:rPr lang="en-US" sz="2000">
+                              <a:latin typeface="Cambria Math" panose="02040503050406030204" pitchFamily="18" charset="0"/>
+                            </a:rPr>
+                            <m:t>N</m:t>
+                          </m:r>
+                          <m:r>
+                            <a:rPr lang="en-US" sz="2000" b="0" i="0" baseline="-25000" smtClean="0">
+                              <a:latin typeface="Cambria Math" panose="02040503050406030204" pitchFamily="18" charset="0"/>
+                            </a:rPr>
+                            <m:t>2</m:t>
+                          </m:r>
+                          <m:r>
+                            <m:rPr>
+                              <m:sty m:val="p"/>
+                            </m:rPr>
+                            <a:rPr lang="en-US" sz="2000">
+                              <a:latin typeface="Cambria Math" panose="02040503050406030204" pitchFamily="18" charset="0"/>
+                            </a:rPr>
+                            <m:t>O</m:t>
+                          </m:r>
+                          <m:r>
+                            <a:rPr lang="en-US" sz="2000" b="0" i="0" baseline="-25000" smtClean="0">
+                              <a:latin typeface="Cambria Math" panose="02040503050406030204" pitchFamily="18" charset="0"/>
+                            </a:rPr>
+                            <m:t>4</m:t>
+                          </m:r>
+                        </m:e>
+                      </m:d>
+                    </m:oMath>
+                  </m:oMathPara>
+                </a14:m>
+                <a:endParaRPr lang="en-US" sz="2000" baseline="30000" dirty="0"/>
+              </a:p>
+              <a:p>
+                <a:pPr marL="0" indent="0">
+                  <a:buNone/>
+                </a:pPr>
+                <a:endParaRPr lang="en-US" sz="2000" baseline="30000" dirty="0"/>
+              </a:p>
+              <a:p>
+                <a:r>
+                  <a:rPr lang="en-US" sz="1800" dirty="0"/>
+                  <a:t>The details of rate equations are beyond</a:t>
+                </a:r>
+                <a:br>
+                  <a:rPr lang="en-US" sz="1800" dirty="0"/>
+                </a:br>
+                <a:r>
+                  <a:rPr lang="en-US" sz="1800" dirty="0"/>
+                  <a:t>the scope of this course but are</a:t>
+                </a:r>
+                <a:br>
+                  <a:rPr lang="en-US" sz="1800" dirty="0"/>
+                </a:br>
+                <a:r>
+                  <a:rPr lang="en-US" sz="1800" dirty="0"/>
+                  <a:t>mentioned here only because</a:t>
+                </a:r>
+                <a:br>
+                  <a:rPr lang="en-US" sz="1800" dirty="0"/>
+                </a:br>
+                <a:r>
+                  <a:rPr lang="en-US" sz="1800" dirty="0"/>
+                  <a:t>the textbook references these equations</a:t>
+                </a:r>
+              </a:p>
+            </p:txBody>
+          </p:sp>
+        </mc:Choice>
+        <mc:Fallback xmlns="">
+          <p:sp>
+            <p:nvSpPr>
+              <p:cNvPr id="5" name="Content Placeholder 4">
+                <a:extLst>
+                  <a:ext uri="{FF2B5EF4-FFF2-40B4-BE49-F238E27FC236}">
+                    <a16:creationId xmlns:a16="http://schemas.microsoft.com/office/drawing/2014/main" id="{F0626594-A603-3455-C84C-69D404907BCC}"/>
+                  </a:ext>
+                </a:extLst>
+              </p:cNvPr>
+              <p:cNvSpPr>
+                <a:spLocks noGrp="1" noRot="1" noChangeAspect="1" noMove="1" noResize="1" noEditPoints="1" noAdjustHandles="1" noChangeArrowheads="1" noChangeShapeType="1" noTextEdit="1"/>
+              </p:cNvSpPr>
+              <p:nvPr>
+                <p:ph idx="1"/>
+              </p:nvPr>
+            </p:nvSpPr>
+            <p:spPr>
+              <a:xfrm>
+                <a:off x="380090" y="1080655"/>
+                <a:ext cx="8387645" cy="5466900"/>
+              </a:xfrm>
+              <a:blipFill>
+                <a:blip r:embed="rId2"/>
+                <a:stretch>
+                  <a:fillRect l="-1090" t="-892"/>
+                </a:stretch>
+              </a:blipFill>
+            </p:spPr>
+            <p:txBody>
+              <a:bodyPr/>
+              <a:lstStyle/>
+              <a:p>
+                <a:r>
+                  <a:rPr lang="en-US">
+                    <a:noFill/>
+                  </a:rPr>
+                  <a:t> </a:t>
+                </a:r>
+              </a:p>
+            </p:txBody>
+          </p:sp>
+        </mc:Fallback>
+      </mc:AlternateContent>
       <p:pic>
         <p:nvPicPr>
           <p:cNvPr id="3" name="Picture 2">
             <a:extLst>
               <a:ext uri="{FF2B5EF4-FFF2-40B4-BE49-F238E27FC236}">
-                <a16:creationId xmlns:a16="http://schemas.microsoft.com/office/drawing/2014/main" id="{9ABC7AD2-9EA0-7892-3E17-12A0C17D7EDA}"/>
+                <a16:creationId xmlns:a16="http://schemas.microsoft.com/office/drawing/2014/main" id="{09DECACA-3300-1B47-C93C-082C10F24CFC}"/>
               </a:ext>
             </a:extLst>
           </p:cNvPr>
@@ -10341,25 +13727,55 @@
           <p:nvPr/>
         </p:nvPicPr>
         <p:blipFill>
-          <a:blip r:embed="rId2"/>
+          <a:blip r:embed="rId3"/>
           <a:stretch>
             <a:fillRect/>
           </a:stretch>
         </p:blipFill>
         <p:spPr>
           <a:xfrm>
-            <a:off x="932942" y="652075"/>
-            <a:ext cx="7278116" cy="5553850"/>
+            <a:off x="5560038" y="3755840"/>
+            <a:ext cx="3154798" cy="2864099"/>
           </a:xfrm>
           <a:prstGeom prst="rect">
             <a:avLst/>
           </a:prstGeom>
         </p:spPr>
       </p:pic>
+      <p:sp>
+        <p:nvSpPr>
+          <p:cNvPr id="2" name="Slide Number Placeholder 1">
+            <a:extLst>
+              <a:ext uri="{FF2B5EF4-FFF2-40B4-BE49-F238E27FC236}">
+                <a16:creationId xmlns:a16="http://schemas.microsoft.com/office/drawing/2014/main" id="{08075480-2D83-61C6-ED15-BD68483247D0}"/>
+              </a:ext>
+            </a:extLst>
+          </p:cNvPr>
+          <p:cNvSpPr>
+            <a:spLocks noGrp="1"/>
+          </p:cNvSpPr>
+          <p:nvPr>
+            <p:ph type="sldNum" sz="quarter" idx="10"/>
+          </p:nvPr>
+        </p:nvSpPr>
+        <p:spPr/>
+        <p:txBody>
+          <a:bodyPr/>
+          <a:lstStyle/>
+          <a:p>
+            <a:fld id="{DE0D52F3-54CA-4E42-BFA9-4F0301781925}" type="slidenum">
+              <a:rPr lang="en-US" smtClean="0"/>
+              <a:pPr/>
+              <a:t>18</a:t>
+            </a:fld>
+            <a:endParaRPr lang="en-US" sz="1400" dirty="0"/>
+          </a:p>
+        </p:txBody>
+      </p:sp>
     </p:spTree>
     <p:extLst>
       <p:ext uri="{BB962C8B-B14F-4D97-AF65-F5344CB8AC3E}">
-        <p14:creationId xmlns:p14="http://schemas.microsoft.com/office/powerpoint/2010/main" val="2261181748"/>
+        <p14:creationId xmlns:p14="http://schemas.microsoft.com/office/powerpoint/2010/main" val="4267867438"/>
       </p:ext>
     </p:extLst>
   </p:cSld>
@@ -10369,7 +13785,7 @@
 </p:sld>
 </file>
 
-<file path=ppt/slides/slide13.xml><?xml version="1.0" encoding="utf-8"?>
+<file path=ppt/slides/slide19.xml><?xml version="1.0" encoding="utf-8"?>
 <p:sld xmlns:a="http://schemas.openxmlformats.org/drawingml/2006/main" xmlns:r="http://schemas.openxmlformats.org/officeDocument/2006/relationships" xmlns:p="http://schemas.openxmlformats.org/presentationml/2006/main">
   <p:cSld>
     <p:spTree>
@@ -10377,7 +13793,7 @@
         <p:cNvPr id="1" name="">
           <a:extLst>
             <a:ext uri="{FF2B5EF4-FFF2-40B4-BE49-F238E27FC236}">
-              <a16:creationId xmlns:a16="http://schemas.microsoft.com/office/drawing/2014/main" id="{D35D8FAA-339F-07AD-34A9-BFFB63081571}"/>
+              <a16:creationId xmlns:a16="http://schemas.microsoft.com/office/drawing/2014/main" id="{A2BF0042-7B0C-A390-9FD0-56DEDA8D6BE2}"/>
             </a:ext>
           </a:extLst>
         </p:cNvPr>
@@ -10397,7 +13813,7 @@
           <p:cNvPr id="4" name="Title 3">
             <a:extLst>
               <a:ext uri="{FF2B5EF4-FFF2-40B4-BE49-F238E27FC236}">
-                <a16:creationId xmlns:a16="http://schemas.microsoft.com/office/drawing/2014/main" id="{A1391733-499B-0443-5833-2D3B7CDC9201}"/>
+                <a16:creationId xmlns:a16="http://schemas.microsoft.com/office/drawing/2014/main" id="{5DCDF2F3-AC15-DF48-30AC-D4130B50E4F9}"/>
               </a:ext>
             </a:extLst>
           </p:cNvPr>
@@ -10410,7 +13826,7 @@
         </p:nvSpPr>
         <p:spPr>
           <a:xfrm>
-            <a:off x="364067" y="306073"/>
+            <a:off x="361244" y="238060"/>
             <a:ext cx="8421512" cy="707886"/>
           </a:xfrm>
         </p:spPr>
@@ -10420,17 +13836,305 @@
           <a:p>
             <a:r>
               <a:rPr lang="en-US" sz="4000" dirty="0"/>
-              <a:t>Equilibrium Constant Expression</a:t>
+              <a:t>Practice: Equilibrium</a:t>
             </a:r>
           </a:p>
         </p:txBody>
       </p:sp>
+      <mc:AlternateContent xmlns:mc="http://schemas.openxmlformats.org/markup-compatibility/2006">
+        <mc:Choice xmlns:a14="http://schemas.microsoft.com/office/drawing/2010/main" Requires="a14">
+          <p:sp>
+            <p:nvSpPr>
+              <p:cNvPr id="5" name="Content Placeholder 4">
+                <a:extLst>
+                  <a:ext uri="{FF2B5EF4-FFF2-40B4-BE49-F238E27FC236}">
+                    <a16:creationId xmlns:a16="http://schemas.microsoft.com/office/drawing/2014/main" id="{4337FD1C-CF8F-FD4B-3EA1-E599473C75F5}"/>
+                  </a:ext>
+                </a:extLst>
+              </p:cNvPr>
+              <p:cNvSpPr>
+                <a:spLocks noGrp="1"/>
+              </p:cNvSpPr>
+              <p:nvPr>
+                <p:ph idx="1"/>
+              </p:nvPr>
+            </p:nvSpPr>
+            <p:spPr>
+              <a:xfrm>
+                <a:off x="372533" y="1080655"/>
+                <a:ext cx="8387645" cy="5466900"/>
+              </a:xfrm>
+            </p:spPr>
+            <p:txBody>
+              <a:bodyPr/>
+              <a:lstStyle/>
+              <a:p>
+                <a:pPr marL="0" indent="0">
+                  <a:buNone/>
+                </a:pPr>
+                <a:r>
+                  <a:rPr lang="en-US" dirty="0"/>
+                  <a:t>In the illustrated three reaction systems, what is the relative time to reach chemical equilibrium where </a:t>
+                </a:r>
+                <a14:m>
+                  <m:oMath xmlns:m="http://schemas.openxmlformats.org/officeDocument/2006/math">
+                    <m:r>
+                      <a:rPr lang="en-US" b="0" i="0" smtClean="0">
+                        <a:solidFill>
+                          <a:srgbClr val="FFC000"/>
+                        </a:solidFill>
+                        <a:latin typeface="Cambria Math" panose="02040503050406030204" pitchFamily="18" charset="0"/>
+                      </a:rPr>
+                      <m:t>2 </m:t>
+                    </m:r>
+                    <m:r>
+                      <m:rPr>
+                        <m:sty m:val="p"/>
+                      </m:rPr>
+                      <a:rPr lang="en-US" b="0" i="0" smtClean="0">
+                        <a:solidFill>
+                          <a:srgbClr val="FFC000"/>
+                        </a:solidFill>
+                        <a:latin typeface="Cambria Math" panose="02040503050406030204" pitchFamily="18" charset="0"/>
+                      </a:rPr>
+                      <m:t>A</m:t>
+                    </m:r>
+                    <m:r>
+                      <a:rPr lang="en-US">
+                        <a:solidFill>
+                          <a:srgbClr val="FFC000"/>
+                        </a:solidFill>
+                        <a:latin typeface="Cambria Math" panose="02040503050406030204" pitchFamily="18" charset="0"/>
+                        <a:ea typeface="Cambria Math" panose="02040503050406030204" pitchFamily="18" charset="0"/>
+                        <a:sym typeface="Wingdings" panose="05000000000000000000" pitchFamily="2" charset="2"/>
+                      </a:rPr>
+                      <m:t>⇌</m:t>
+                    </m:r>
+                    <m:r>
+                      <a:rPr lang="en-US" b="0" i="1" smtClean="0">
+                        <a:solidFill>
+                          <a:srgbClr val="FFC000"/>
+                        </a:solidFill>
+                        <a:latin typeface="Cambria Math" panose="02040503050406030204" pitchFamily="18" charset="0"/>
+                        <a:ea typeface="Cambria Math" panose="02040503050406030204" pitchFamily="18" charset="0"/>
+                        <a:sym typeface="Wingdings" panose="05000000000000000000" pitchFamily="2" charset="2"/>
+                      </a:rPr>
+                      <m:t>𝐵</m:t>
+                    </m:r>
+                    <m:r>
+                      <m:rPr>
+                        <m:nor/>
+                      </m:rPr>
+                      <a:rPr lang="en-US">
+                        <a:solidFill>
+                          <a:srgbClr val="FFC000"/>
+                        </a:solidFill>
+                        <a:latin typeface="Cambria Math" panose="02040503050406030204" pitchFamily="18" charset="0"/>
+                        <a:ea typeface="Cambria Math" panose="02040503050406030204" pitchFamily="18" charset="0"/>
+                        <a:sym typeface="Wingdings" panose="05000000000000000000" pitchFamily="2" charset="2"/>
+                      </a:rPr>
+                      <m:t> </m:t>
+                    </m:r>
+                  </m:oMath>
+                </a14:m>
+                <a:r>
+                  <a:rPr lang="en-US" dirty="0"/>
+                  <a:t>?  A=small blue dot, B = large purple dot</a:t>
+                </a:r>
+              </a:p>
+              <a:p>
+                <a:pPr marL="0" indent="0">
+                  <a:buNone/>
+                </a:pPr>
+                <a:endParaRPr lang="en-US" dirty="0"/>
+              </a:p>
+              <a:p>
+                <a:pPr marL="0" indent="0">
+                  <a:buNone/>
+                </a:pPr>
+                <a:endParaRPr lang="en-US" dirty="0"/>
+              </a:p>
+              <a:p>
+                <a:pPr marL="0" indent="0">
+                  <a:buNone/>
+                </a:pPr>
+                <a:endParaRPr lang="en-US" dirty="0"/>
+              </a:p>
+              <a:p>
+                <a:pPr marL="0" indent="0">
+                  <a:buNone/>
+                </a:pPr>
+                <a:endParaRPr lang="en-US" dirty="0"/>
+              </a:p>
+              <a:p>
+                <a:r>
+                  <a:rPr lang="en-US" dirty="0"/>
+                  <a:t>Systems 1 and 3 show </a:t>
+                </a:r>
+                <a:r>
+                  <a:rPr lang="en-US" b="1" i="1" dirty="0"/>
+                  <a:t>A</a:t>
+                </a:r>
+                <a:r>
+                  <a:rPr lang="en-US" dirty="0"/>
+                  <a:t> decrease from </a:t>
+                </a:r>
+                <a:r>
+                  <a:rPr lang="en-US" i="1" dirty="0"/>
+                  <a:t>t</a:t>
+                </a:r>
+                <a:r>
+                  <a:rPr lang="en-US" baseline="-25000" dirty="0"/>
+                  <a:t>0</a:t>
+                </a:r>
+                <a:r>
+                  <a:rPr lang="en-US" dirty="0"/>
+                  <a:t> to </a:t>
+                </a:r>
+                <a:r>
+                  <a:rPr lang="en-US" i="1" dirty="0"/>
+                  <a:t>t</a:t>
+                </a:r>
+                <a:r>
+                  <a:rPr lang="en-US" baseline="-25000" dirty="0"/>
+                  <a:t>2</a:t>
+                </a:r>
+                <a:r>
+                  <a:rPr lang="en-US" dirty="0"/>
+                  <a:t>, with </a:t>
+                </a:r>
+                <a:r>
+                  <a:rPr lang="en-US" i="1" dirty="0"/>
+                  <a:t>t</a:t>
+                </a:r>
+                <a:r>
+                  <a:rPr lang="en-US" baseline="-25000" dirty="0"/>
+                  <a:t>2</a:t>
+                </a:r>
+                <a:r>
+                  <a:rPr lang="en-US" dirty="0"/>
+                  <a:t> and </a:t>
+                </a:r>
+                <a:r>
+                  <a:rPr lang="en-US" i="1" dirty="0"/>
+                  <a:t>t</a:t>
+                </a:r>
+                <a:r>
+                  <a:rPr lang="en-US" baseline="-25000" dirty="0"/>
+                  <a:t>3</a:t>
+                </a:r>
+                <a:r>
+                  <a:rPr lang="en-US" dirty="0"/>
+                  <a:t> having no change; thus at equilibrium by </a:t>
+                </a:r>
+                <a:r>
+                  <a:rPr lang="en-US" i="1" dirty="0"/>
+                  <a:t>t</a:t>
+                </a:r>
+                <a:r>
+                  <a:rPr lang="en-US" baseline="-25000" dirty="0"/>
+                  <a:t>3</a:t>
+                </a:r>
+              </a:p>
+              <a:p>
+                <a:r>
+                  <a:rPr lang="en-US" dirty="0"/>
+                  <a:t>System 2: </a:t>
+                </a:r>
+                <a:r>
+                  <a:rPr lang="en-US" b="1" i="1" dirty="0"/>
+                  <a:t>A</a:t>
+                </a:r>
+                <a:r>
+                  <a:rPr lang="en-US" dirty="0"/>
+                  <a:t> and </a:t>
+                </a:r>
+                <a:r>
+                  <a:rPr lang="en-US" b="1" i="1" dirty="0"/>
+                  <a:t>B</a:t>
+                </a:r>
+                <a:r>
+                  <a:rPr lang="en-US" dirty="0"/>
+                  <a:t> still changing between </a:t>
+                </a:r>
+                <a:r>
+                  <a:rPr lang="en-US" i="1" dirty="0"/>
+                  <a:t>t</a:t>
+                </a:r>
+                <a:r>
+                  <a:rPr lang="en-US" baseline="-25000" dirty="0"/>
+                  <a:t>2</a:t>
+                </a:r>
+                <a:r>
+                  <a:rPr lang="en-US" dirty="0"/>
+                  <a:t> and </a:t>
+                </a:r>
+                <a:r>
+                  <a:rPr lang="en-US" i="1" dirty="0"/>
+                  <a:t>t</a:t>
+                </a:r>
+                <a:r>
+                  <a:rPr lang="en-US" baseline="-25000" dirty="0"/>
+                  <a:t>3</a:t>
+                </a:r>
+                <a:r>
+                  <a:rPr lang="en-US" dirty="0"/>
+                  <a:t>, and this system may not have reached equilibrium</a:t>
+                </a:r>
+              </a:p>
+            </p:txBody>
+          </p:sp>
+        </mc:Choice>
+        <mc:Fallback>
+          <p:sp>
+            <p:nvSpPr>
+              <p:cNvPr id="5" name="Content Placeholder 4">
+                <a:extLst>
+                  <a:ext uri="{FF2B5EF4-FFF2-40B4-BE49-F238E27FC236}">
+                    <a16:creationId xmlns:a16="http://schemas.microsoft.com/office/drawing/2014/main" id="{4337FD1C-CF8F-FD4B-3EA1-E599473C75F5}"/>
+                  </a:ext>
+                </a:extLst>
+              </p:cNvPr>
+              <p:cNvSpPr>
+                <a:spLocks noGrp="1" noRot="1" noChangeAspect="1" noMove="1" noResize="1" noEditPoints="1" noAdjustHandles="1" noChangeArrowheads="1" noChangeShapeType="1" noTextEdit="1"/>
+              </p:cNvSpPr>
+              <p:nvPr>
+                <p:ph idx="1"/>
+              </p:nvPr>
+            </p:nvSpPr>
+            <p:spPr>
+              <a:xfrm>
+                <a:off x="372533" y="1080655"/>
+                <a:ext cx="8387645" cy="5466900"/>
+              </a:xfrm>
+              <a:blipFill>
+                <a:blip r:embed="rId2"/>
+                <a:stretch>
+                  <a:fillRect l="-1090" t="-892" r="-1235"/>
+                </a:stretch>
+              </a:blipFill>
+            </p:spPr>
+            <p:txBody>
+              <a:bodyPr/>
+              <a:lstStyle/>
+              <a:p>
+                <a:r>
+                  <a:rPr lang="en-US">
+                    <a:noFill/>
+                  </a:rPr>
+                  <a:t> </a:t>
+                </a:r>
+              </a:p>
+            </p:txBody>
+          </p:sp>
+        </mc:Fallback>
+      </mc:AlternateContent>
       <p:sp>
         <p:nvSpPr>
-          <p:cNvPr id="5" name="Content Placeholder 4">
+          <p:cNvPr id="2" name="Slide Number Placeholder 1">
             <a:extLst>
               <a:ext uri="{FF2B5EF4-FFF2-40B4-BE49-F238E27FC236}">
-                <a16:creationId xmlns:a16="http://schemas.microsoft.com/office/drawing/2014/main" id="{DC93FDB1-FA69-E37F-DE13-8F9CBE8E95F8}"/>
+                <a16:creationId xmlns:a16="http://schemas.microsoft.com/office/drawing/2014/main" id="{DE75B440-CBD3-E64C-3FBF-DF79B91A344B}"/>
               </a:ext>
             </a:extLst>
           </p:cNvPr>
@@ -10438,7 +14142,7 @@
             <a:spLocks noGrp="1"/>
           </p:cNvSpPr>
           <p:nvPr>
-            <p:ph idx="1"/>
+            <p:ph type="sldNum" sz="quarter" idx="10"/>
           </p:nvPr>
         </p:nvSpPr>
         <p:spPr/>
@@ -10446,40 +14150,21 @@
           <a:bodyPr/>
           <a:lstStyle/>
           <a:p>
-            <a:pPr marL="0" indent="0">
-              <a:buNone/>
-            </a:pPr>
-            <a:r>
-              <a:rPr lang="en-US" sz="2800" dirty="0"/>
-              <a:t>Temperature</a:t>
-            </a:r>
-          </a:p>
-          <a:p>
-            <a:pPr marL="0" indent="0">
-              <a:buNone/>
-            </a:pPr>
-            <a:r>
-              <a:rPr lang="en-US" sz="2800" dirty="0"/>
-              <a:t>Concentration</a:t>
-            </a:r>
-          </a:p>
-          <a:p>
-            <a:pPr marL="0" indent="0">
-              <a:buNone/>
-            </a:pPr>
-            <a:r>
-              <a:rPr lang="en-US" sz="2800" dirty="0"/>
-              <a:t>Catalysts</a:t>
-            </a:r>
+            <a:fld id="{DE0D52F3-54CA-4E42-BFA9-4F0301781925}" type="slidenum">
+              <a:rPr lang="en-US" smtClean="0"/>
+              <a:pPr/>
+              <a:t>19</a:t>
+            </a:fld>
+            <a:endParaRPr lang="en-US" sz="1400" dirty="0"/>
           </a:p>
         </p:txBody>
       </p:sp>
       <p:pic>
         <p:nvPicPr>
-          <p:cNvPr id="6" name="Picture 5">
+          <p:cNvPr id="7" name="Picture 6">
             <a:extLst>
               <a:ext uri="{FF2B5EF4-FFF2-40B4-BE49-F238E27FC236}">
-                <a16:creationId xmlns:a16="http://schemas.microsoft.com/office/drawing/2014/main" id="{5E9A8C93-1E04-65F4-EAFF-320AF81C1F48}"/>
+                <a16:creationId xmlns:a16="http://schemas.microsoft.com/office/drawing/2014/main" id="{4CD06E2A-CF2B-AE9E-C233-DDEFB4470970}"/>
               </a:ext>
             </a:extLst>
           </p:cNvPr>
@@ -10489,15 +14174,15 @@
           <p:nvPr/>
         </p:nvPicPr>
         <p:blipFill>
-          <a:blip r:embed="rId2"/>
+          <a:blip r:embed="rId3"/>
           <a:stretch>
             <a:fillRect/>
           </a:stretch>
         </p:blipFill>
         <p:spPr>
           <a:xfrm>
-            <a:off x="1194916" y="1428471"/>
-            <a:ext cx="6754168" cy="4001058"/>
+            <a:off x="26922" y="2303400"/>
+            <a:ext cx="9030960" cy="1419423"/>
           </a:xfrm>
           <a:prstGeom prst="rect">
             <a:avLst/>
@@ -10507,906 +14192,178 @@
     </p:spTree>
     <p:extLst>
       <p:ext uri="{BB962C8B-B14F-4D97-AF65-F5344CB8AC3E}">
-        <p14:creationId xmlns:p14="http://schemas.microsoft.com/office/powerpoint/2010/main" val="2995347531"/>
+        <p14:creationId xmlns:p14="http://schemas.microsoft.com/office/powerpoint/2010/main" val="2054723419"/>
       </p:ext>
     </p:extLst>
   </p:cSld>
   <p:clrMapOvr>
     <a:masterClrMapping/>
   </p:clrMapOvr>
-</p:sld>
-</file>
-
-<file path=ppt/slides/slide14.xml><?xml version="1.0" encoding="utf-8"?>
-<p:sld xmlns:a="http://schemas.openxmlformats.org/drawingml/2006/main" xmlns:r="http://schemas.openxmlformats.org/officeDocument/2006/relationships" xmlns:p="http://schemas.openxmlformats.org/presentationml/2006/main">
-  <p:cSld>
-    <p:spTree>
-      <p:nvGrpSpPr>
-        <p:cNvPr id="1" name="">
-          <a:extLst>
-            <a:ext uri="{FF2B5EF4-FFF2-40B4-BE49-F238E27FC236}">
-              <a16:creationId xmlns:a16="http://schemas.microsoft.com/office/drawing/2014/main" id="{E03317A3-1F61-86C0-FB05-72F95F12F9F8}"/>
-            </a:ext>
-          </a:extLst>
-        </p:cNvPr>
-        <p:cNvGrpSpPr/>
-        <p:nvPr/>
-      </p:nvGrpSpPr>
-      <p:grpSpPr>
-        <a:xfrm>
-          <a:off x="0" y="0"/>
-          <a:ext cx="0" cy="0"/>
-          <a:chOff x="0" y="0"/>
-          <a:chExt cx="0" cy="0"/>
-        </a:xfrm>
-      </p:grpSpPr>
-      <p:sp>
-        <p:nvSpPr>
-          <p:cNvPr id="4" name="Title 3">
-            <a:extLst>
-              <a:ext uri="{FF2B5EF4-FFF2-40B4-BE49-F238E27FC236}">
-                <a16:creationId xmlns:a16="http://schemas.microsoft.com/office/drawing/2014/main" id="{F86BC485-D5BA-4879-6B9C-B1E30B4B04D1}"/>
-              </a:ext>
-            </a:extLst>
-          </p:cNvPr>
-          <p:cNvSpPr>
-            <a:spLocks noGrp="1"/>
-          </p:cNvSpPr>
-          <p:nvPr>
-            <p:ph type="title"/>
-          </p:nvPr>
-        </p:nvSpPr>
-        <p:spPr>
-          <a:xfrm>
-            <a:off x="364067" y="306073"/>
-            <a:ext cx="8421512" cy="707886"/>
-          </a:xfrm>
-        </p:spPr>
-        <p:txBody>
-          <a:bodyPr/>
-          <a:lstStyle/>
-          <a:p>
-            <a:r>
-              <a:rPr lang="en-US" sz="4000" dirty="0"/>
-              <a:t>Le Chatelier’s Principle</a:t>
-            </a:r>
-          </a:p>
-        </p:txBody>
-      </p:sp>
-      <p:sp>
-        <p:nvSpPr>
-          <p:cNvPr id="5" name="Content Placeholder 4">
-            <a:extLst>
-              <a:ext uri="{FF2B5EF4-FFF2-40B4-BE49-F238E27FC236}">
-                <a16:creationId xmlns:a16="http://schemas.microsoft.com/office/drawing/2014/main" id="{1336AF9B-6EBF-EACE-C6B3-6563D68160CF}"/>
-              </a:ext>
-            </a:extLst>
-          </p:cNvPr>
-          <p:cNvSpPr>
-            <a:spLocks noGrp="1"/>
-          </p:cNvSpPr>
-          <p:nvPr>
-            <p:ph idx="1"/>
-          </p:nvPr>
-        </p:nvSpPr>
-        <p:spPr/>
-        <p:txBody>
-          <a:bodyPr/>
-          <a:lstStyle/>
-          <a:p>
-            <a:pPr marL="0" indent="0">
-              <a:buNone/>
-            </a:pPr>
-            <a:r>
-              <a:rPr lang="en-US" sz="2800" dirty="0"/>
-              <a:t>Temperature</a:t>
-            </a:r>
-          </a:p>
-          <a:p>
-            <a:pPr marL="0" indent="0">
-              <a:buNone/>
-            </a:pPr>
-            <a:r>
-              <a:rPr lang="en-US" sz="2800" dirty="0"/>
-              <a:t>Concentration</a:t>
-            </a:r>
-          </a:p>
-          <a:p>
-            <a:pPr marL="0" indent="0">
-              <a:buNone/>
-            </a:pPr>
-            <a:r>
-              <a:rPr lang="en-US" sz="2800" dirty="0"/>
-              <a:t>Catalysts</a:t>
-            </a:r>
-          </a:p>
-        </p:txBody>
-      </p:sp>
-      <p:pic>
-        <p:nvPicPr>
-          <p:cNvPr id="3" name="Picture 2">
-            <a:extLst>
-              <a:ext uri="{FF2B5EF4-FFF2-40B4-BE49-F238E27FC236}">
-                <a16:creationId xmlns:a16="http://schemas.microsoft.com/office/drawing/2014/main" id="{83A5406D-8CDF-A01F-60B9-EC06B49ACFA1}"/>
-              </a:ext>
-            </a:extLst>
-          </p:cNvPr>
-          <p:cNvPicPr>
-            <a:picLocks noChangeAspect="1"/>
-          </p:cNvPicPr>
-          <p:nvPr/>
-        </p:nvPicPr>
-        <p:blipFill>
-          <a:blip r:embed="rId2"/>
-          <a:stretch>
-            <a:fillRect/>
-          </a:stretch>
-        </p:blipFill>
-        <p:spPr>
-          <a:xfrm>
-            <a:off x="2304733" y="1075996"/>
-            <a:ext cx="4534533" cy="4706007"/>
-          </a:xfrm>
-          <a:prstGeom prst="rect">
-            <a:avLst/>
-          </a:prstGeom>
-        </p:spPr>
-      </p:pic>
-    </p:spTree>
-    <p:extLst>
-      <p:ext uri="{BB962C8B-B14F-4D97-AF65-F5344CB8AC3E}">
-        <p14:creationId xmlns:p14="http://schemas.microsoft.com/office/powerpoint/2010/main" val="1853418567"/>
-      </p:ext>
-    </p:extLst>
-  </p:cSld>
-  <p:clrMapOvr>
-    <a:masterClrMapping/>
-  </p:clrMapOvr>
-</p:sld>
-</file>
-
-<file path=ppt/slides/slide15.xml><?xml version="1.0" encoding="utf-8"?>
-<p:sld xmlns:a="http://schemas.openxmlformats.org/drawingml/2006/main" xmlns:r="http://schemas.openxmlformats.org/officeDocument/2006/relationships" xmlns:p="http://schemas.openxmlformats.org/presentationml/2006/main">
-  <p:cSld>
-    <p:spTree>
-      <p:nvGrpSpPr>
-        <p:cNvPr id="1" name="">
-          <a:extLst>
-            <a:ext uri="{FF2B5EF4-FFF2-40B4-BE49-F238E27FC236}">
-              <a16:creationId xmlns:a16="http://schemas.microsoft.com/office/drawing/2014/main" id="{DC049750-E71A-8C4B-721C-114E20C52860}"/>
-            </a:ext>
-          </a:extLst>
-        </p:cNvPr>
-        <p:cNvGrpSpPr/>
-        <p:nvPr/>
-      </p:nvGrpSpPr>
-      <p:grpSpPr>
-        <a:xfrm>
-          <a:off x="0" y="0"/>
-          <a:ext cx="0" cy="0"/>
-          <a:chOff x="0" y="0"/>
-          <a:chExt cx="0" cy="0"/>
-        </a:xfrm>
-      </p:grpSpPr>
-      <p:sp>
-        <p:nvSpPr>
-          <p:cNvPr id="4" name="Title 3">
-            <a:extLst>
-              <a:ext uri="{FF2B5EF4-FFF2-40B4-BE49-F238E27FC236}">
-                <a16:creationId xmlns:a16="http://schemas.microsoft.com/office/drawing/2014/main" id="{CD2B1180-841C-F8B8-A154-A21684158CD0}"/>
-              </a:ext>
-            </a:extLst>
-          </p:cNvPr>
-          <p:cNvSpPr>
-            <a:spLocks noGrp="1"/>
-          </p:cNvSpPr>
-          <p:nvPr>
-            <p:ph type="title"/>
-          </p:nvPr>
-        </p:nvSpPr>
-        <p:spPr>
-          <a:xfrm>
-            <a:off x="364067" y="306073"/>
-            <a:ext cx="8421512" cy="707886"/>
-          </a:xfrm>
-        </p:spPr>
-        <p:txBody>
-          <a:bodyPr/>
-          <a:lstStyle/>
-          <a:p>
-            <a:r>
-              <a:rPr lang="en-US" sz="4000" dirty="0"/>
-              <a:t>Le Chatelier’s Principle</a:t>
-            </a:r>
-          </a:p>
-        </p:txBody>
-      </p:sp>
-      <p:sp>
-        <p:nvSpPr>
-          <p:cNvPr id="5" name="Content Placeholder 4">
-            <a:extLst>
-              <a:ext uri="{FF2B5EF4-FFF2-40B4-BE49-F238E27FC236}">
-                <a16:creationId xmlns:a16="http://schemas.microsoft.com/office/drawing/2014/main" id="{03026967-6BFF-F672-8F04-3DB1FD510630}"/>
-              </a:ext>
-            </a:extLst>
-          </p:cNvPr>
-          <p:cNvSpPr>
-            <a:spLocks noGrp="1"/>
-          </p:cNvSpPr>
-          <p:nvPr>
-            <p:ph idx="1"/>
-          </p:nvPr>
-        </p:nvSpPr>
-        <p:spPr/>
-        <p:txBody>
-          <a:bodyPr/>
-          <a:lstStyle/>
-          <a:p>
-            <a:pPr marL="0" indent="0">
-              <a:buNone/>
-            </a:pPr>
-            <a:r>
-              <a:rPr lang="en-US" sz="2800" dirty="0"/>
-              <a:t>Temperature</a:t>
-            </a:r>
-          </a:p>
-          <a:p>
-            <a:pPr marL="0" indent="0">
-              <a:buNone/>
-            </a:pPr>
-            <a:r>
-              <a:rPr lang="en-US" sz="2800" dirty="0"/>
-              <a:t>Concentration</a:t>
-            </a:r>
-          </a:p>
-          <a:p>
-            <a:pPr marL="0" indent="0">
-              <a:buNone/>
-            </a:pPr>
-            <a:r>
-              <a:rPr lang="en-US" sz="2800" dirty="0"/>
-              <a:t>Catalysts</a:t>
-            </a:r>
-          </a:p>
-        </p:txBody>
-      </p:sp>
-      <p:pic>
-        <p:nvPicPr>
-          <p:cNvPr id="6" name="Picture 5">
-            <a:extLst>
-              <a:ext uri="{FF2B5EF4-FFF2-40B4-BE49-F238E27FC236}">
-                <a16:creationId xmlns:a16="http://schemas.microsoft.com/office/drawing/2014/main" id="{575ADAE2-A36F-C97F-7A79-0623C345A491}"/>
-              </a:ext>
-            </a:extLst>
-          </p:cNvPr>
-          <p:cNvPicPr>
-            <a:picLocks noChangeAspect="1"/>
-          </p:cNvPicPr>
-          <p:nvPr/>
-        </p:nvPicPr>
-        <p:blipFill>
-          <a:blip r:embed="rId2"/>
-          <a:stretch>
-            <a:fillRect/>
-          </a:stretch>
-        </p:blipFill>
-        <p:spPr>
-          <a:xfrm>
-            <a:off x="1509285" y="1276049"/>
-            <a:ext cx="6125430" cy="4305901"/>
-          </a:xfrm>
-          <a:prstGeom prst="rect">
-            <a:avLst/>
-          </a:prstGeom>
-        </p:spPr>
-      </p:pic>
-    </p:spTree>
-    <p:extLst>
-      <p:ext uri="{BB962C8B-B14F-4D97-AF65-F5344CB8AC3E}">
-        <p14:creationId xmlns:p14="http://schemas.microsoft.com/office/powerpoint/2010/main" val="2686334856"/>
-      </p:ext>
-    </p:extLst>
-  </p:cSld>
-  <p:clrMapOvr>
-    <a:masterClrMapping/>
-  </p:clrMapOvr>
-</p:sld>
-</file>
-
-<file path=ppt/slides/slide16.xml><?xml version="1.0" encoding="utf-8"?>
-<p:sld xmlns:a="http://schemas.openxmlformats.org/drawingml/2006/main" xmlns:r="http://schemas.openxmlformats.org/officeDocument/2006/relationships" xmlns:p="http://schemas.openxmlformats.org/presentationml/2006/main">
-  <p:cSld>
-    <p:spTree>
-      <p:nvGrpSpPr>
-        <p:cNvPr id="1" name="">
-          <a:extLst>
-            <a:ext uri="{FF2B5EF4-FFF2-40B4-BE49-F238E27FC236}">
-              <a16:creationId xmlns:a16="http://schemas.microsoft.com/office/drawing/2014/main" id="{EC1FDDFD-14A7-EEF6-BCA2-A5EDF08790C7}"/>
-            </a:ext>
-          </a:extLst>
-        </p:cNvPr>
-        <p:cNvGrpSpPr/>
-        <p:nvPr/>
-      </p:nvGrpSpPr>
-      <p:grpSpPr>
-        <a:xfrm>
-          <a:off x="0" y="0"/>
-          <a:ext cx="0" cy="0"/>
-          <a:chOff x="0" y="0"/>
-          <a:chExt cx="0" cy="0"/>
-        </a:xfrm>
-      </p:grpSpPr>
-      <p:sp>
-        <p:nvSpPr>
-          <p:cNvPr id="4" name="Title 3">
-            <a:extLst>
-              <a:ext uri="{FF2B5EF4-FFF2-40B4-BE49-F238E27FC236}">
-                <a16:creationId xmlns:a16="http://schemas.microsoft.com/office/drawing/2014/main" id="{CF3B325A-5B33-1BCF-1392-ED8C2F4E3B96}"/>
-              </a:ext>
-            </a:extLst>
-          </p:cNvPr>
-          <p:cNvSpPr>
-            <a:spLocks noGrp="1"/>
-          </p:cNvSpPr>
-          <p:nvPr>
-            <p:ph type="title"/>
-          </p:nvPr>
-        </p:nvSpPr>
-        <p:spPr>
-          <a:xfrm>
-            <a:off x="364067" y="306073"/>
-            <a:ext cx="8421512" cy="707886"/>
-          </a:xfrm>
-        </p:spPr>
-        <p:txBody>
-          <a:bodyPr/>
-          <a:lstStyle/>
-          <a:p>
-            <a:r>
-              <a:rPr lang="en-US" sz="4000" dirty="0"/>
-              <a:t>Le Chatelier’s Principle</a:t>
-            </a:r>
-          </a:p>
-        </p:txBody>
-      </p:sp>
-      <p:sp>
-        <p:nvSpPr>
-          <p:cNvPr id="5" name="Content Placeholder 4">
-            <a:extLst>
-              <a:ext uri="{FF2B5EF4-FFF2-40B4-BE49-F238E27FC236}">
-                <a16:creationId xmlns:a16="http://schemas.microsoft.com/office/drawing/2014/main" id="{396E2A67-748B-FC2D-11E2-6A7529F5EB80}"/>
-              </a:ext>
-            </a:extLst>
-          </p:cNvPr>
-          <p:cNvSpPr>
-            <a:spLocks noGrp="1"/>
-          </p:cNvSpPr>
-          <p:nvPr>
-            <p:ph idx="1"/>
-          </p:nvPr>
-        </p:nvSpPr>
-        <p:spPr/>
-        <p:txBody>
-          <a:bodyPr/>
-          <a:lstStyle/>
-          <a:p>
-            <a:pPr marL="0" indent="0">
-              <a:buNone/>
-            </a:pPr>
-            <a:r>
-              <a:rPr lang="en-US" sz="2800" dirty="0"/>
-              <a:t>Temperature</a:t>
-            </a:r>
-          </a:p>
-          <a:p>
-            <a:pPr marL="0" indent="0">
-              <a:buNone/>
-            </a:pPr>
-            <a:r>
-              <a:rPr lang="en-US" sz="2800" dirty="0"/>
-              <a:t>Concentration</a:t>
-            </a:r>
-          </a:p>
-          <a:p>
-            <a:pPr marL="0" indent="0">
-              <a:buNone/>
-            </a:pPr>
-            <a:r>
-              <a:rPr lang="en-US" sz="2800" dirty="0"/>
-              <a:t>Catalysts</a:t>
-            </a:r>
-          </a:p>
-        </p:txBody>
-      </p:sp>
-      <p:pic>
-        <p:nvPicPr>
-          <p:cNvPr id="3" name="Picture 2">
-            <a:extLst>
-              <a:ext uri="{FF2B5EF4-FFF2-40B4-BE49-F238E27FC236}">
-                <a16:creationId xmlns:a16="http://schemas.microsoft.com/office/drawing/2014/main" id="{393A3E75-F508-1E54-15DC-69D001E63B4C}"/>
-              </a:ext>
-            </a:extLst>
-          </p:cNvPr>
-          <p:cNvPicPr>
-            <a:picLocks noChangeAspect="1"/>
-          </p:cNvPicPr>
-          <p:nvPr/>
-        </p:nvPicPr>
-        <p:blipFill>
-          <a:blip r:embed="rId2"/>
-          <a:stretch>
-            <a:fillRect/>
-          </a:stretch>
-        </p:blipFill>
-        <p:spPr>
-          <a:xfrm>
-            <a:off x="1075837" y="2323946"/>
-            <a:ext cx="6992326" cy="2210108"/>
-          </a:xfrm>
-          <a:prstGeom prst="rect">
-            <a:avLst/>
-          </a:prstGeom>
-        </p:spPr>
-      </p:pic>
-    </p:spTree>
-    <p:extLst>
-      <p:ext uri="{BB962C8B-B14F-4D97-AF65-F5344CB8AC3E}">
-        <p14:creationId xmlns:p14="http://schemas.microsoft.com/office/powerpoint/2010/main" val="729206709"/>
-      </p:ext>
-    </p:extLst>
-  </p:cSld>
-  <p:clrMapOvr>
-    <a:masterClrMapping/>
-  </p:clrMapOvr>
-</p:sld>
-</file>
-
-<file path=ppt/slides/slide17.xml><?xml version="1.0" encoding="utf-8"?>
-<p:sld xmlns:a="http://schemas.openxmlformats.org/drawingml/2006/main" xmlns:r="http://schemas.openxmlformats.org/officeDocument/2006/relationships" xmlns:p="http://schemas.openxmlformats.org/presentationml/2006/main">
-  <p:cSld>
-    <p:spTree>
-      <p:nvGrpSpPr>
-        <p:cNvPr id="1" name="">
-          <a:extLst>
-            <a:ext uri="{FF2B5EF4-FFF2-40B4-BE49-F238E27FC236}">
-              <a16:creationId xmlns:a16="http://schemas.microsoft.com/office/drawing/2014/main" id="{C73D2DA4-6CCE-E15E-8158-BEAE2BBE6A9E}"/>
-            </a:ext>
-          </a:extLst>
-        </p:cNvPr>
-        <p:cNvGrpSpPr/>
-        <p:nvPr/>
-      </p:nvGrpSpPr>
-      <p:grpSpPr>
-        <a:xfrm>
-          <a:off x="0" y="0"/>
-          <a:ext cx="0" cy="0"/>
-          <a:chOff x="0" y="0"/>
-          <a:chExt cx="0" cy="0"/>
-        </a:xfrm>
-      </p:grpSpPr>
-      <p:sp>
-        <p:nvSpPr>
-          <p:cNvPr id="4" name="Title 3">
-            <a:extLst>
-              <a:ext uri="{FF2B5EF4-FFF2-40B4-BE49-F238E27FC236}">
-                <a16:creationId xmlns:a16="http://schemas.microsoft.com/office/drawing/2014/main" id="{55F9A8F0-CC2F-65DF-B03F-E7B0CFA1EEF3}"/>
-              </a:ext>
-            </a:extLst>
-          </p:cNvPr>
-          <p:cNvSpPr>
-            <a:spLocks noGrp="1"/>
-          </p:cNvSpPr>
-          <p:nvPr>
-            <p:ph type="title"/>
-          </p:nvPr>
-        </p:nvSpPr>
-        <p:spPr>
-          <a:xfrm>
-            <a:off x="364067" y="306073"/>
-            <a:ext cx="8421512" cy="707886"/>
-          </a:xfrm>
-        </p:spPr>
-        <p:txBody>
-          <a:bodyPr/>
-          <a:lstStyle/>
-          <a:p>
-            <a:r>
-              <a:rPr lang="en-US" sz="4000" dirty="0"/>
-              <a:t>Le Chatelier’s Principle</a:t>
-            </a:r>
-          </a:p>
-        </p:txBody>
-      </p:sp>
-      <p:sp>
-        <p:nvSpPr>
-          <p:cNvPr id="5" name="Content Placeholder 4">
-            <a:extLst>
-              <a:ext uri="{FF2B5EF4-FFF2-40B4-BE49-F238E27FC236}">
-                <a16:creationId xmlns:a16="http://schemas.microsoft.com/office/drawing/2014/main" id="{DCC37F21-C4FF-2116-B244-2F97B63A82D2}"/>
-              </a:ext>
-            </a:extLst>
-          </p:cNvPr>
-          <p:cNvSpPr>
-            <a:spLocks noGrp="1"/>
-          </p:cNvSpPr>
-          <p:nvPr>
-            <p:ph idx="1"/>
-          </p:nvPr>
-        </p:nvSpPr>
-        <p:spPr/>
-        <p:txBody>
-          <a:bodyPr/>
-          <a:lstStyle/>
-          <a:p>
-            <a:pPr marL="0" indent="0">
-              <a:buNone/>
-            </a:pPr>
-            <a:r>
-              <a:rPr lang="en-US" sz="2800" dirty="0"/>
-              <a:t>Temperature</a:t>
-            </a:r>
-          </a:p>
-          <a:p>
-            <a:pPr marL="0" indent="0">
-              <a:buNone/>
-            </a:pPr>
-            <a:r>
-              <a:rPr lang="en-US" sz="2800" dirty="0"/>
-              <a:t>Concentration</a:t>
-            </a:r>
-          </a:p>
-          <a:p>
-            <a:pPr marL="0" indent="0">
-              <a:buNone/>
-            </a:pPr>
-            <a:r>
-              <a:rPr lang="en-US" sz="2800" dirty="0"/>
-              <a:t>Catalysts</a:t>
-            </a:r>
-          </a:p>
-        </p:txBody>
-      </p:sp>
-      <p:pic>
-        <p:nvPicPr>
-          <p:cNvPr id="6" name="Picture 5">
-            <a:extLst>
-              <a:ext uri="{FF2B5EF4-FFF2-40B4-BE49-F238E27FC236}">
-                <a16:creationId xmlns:a16="http://schemas.microsoft.com/office/drawing/2014/main" id="{469B3689-88B7-5F05-3558-9726822FC5C8}"/>
-              </a:ext>
-            </a:extLst>
-          </p:cNvPr>
-          <p:cNvPicPr>
-            <a:picLocks noChangeAspect="1"/>
-          </p:cNvPicPr>
-          <p:nvPr/>
-        </p:nvPicPr>
-        <p:blipFill>
-          <a:blip r:embed="rId2"/>
-          <a:stretch>
-            <a:fillRect/>
-          </a:stretch>
-        </p:blipFill>
-        <p:spPr>
-          <a:xfrm>
-            <a:off x="1290179" y="1090286"/>
-            <a:ext cx="6563641" cy="4677428"/>
-          </a:xfrm>
-          <a:prstGeom prst="rect">
-            <a:avLst/>
-          </a:prstGeom>
-        </p:spPr>
-      </p:pic>
-    </p:spTree>
-    <p:extLst>
-      <p:ext uri="{BB962C8B-B14F-4D97-AF65-F5344CB8AC3E}">
-        <p14:creationId xmlns:p14="http://schemas.microsoft.com/office/powerpoint/2010/main" val="2393318476"/>
-      </p:ext>
-    </p:extLst>
-  </p:cSld>
-  <p:clrMapOvr>
-    <a:masterClrMapping/>
-  </p:clrMapOvr>
-</p:sld>
-</file>
-
-<file path=ppt/slides/slide18.xml><?xml version="1.0" encoding="utf-8"?>
-<p:sld xmlns:a="http://schemas.openxmlformats.org/drawingml/2006/main" xmlns:r="http://schemas.openxmlformats.org/officeDocument/2006/relationships" xmlns:p="http://schemas.openxmlformats.org/presentationml/2006/main">
-  <p:cSld>
-    <p:spTree>
-      <p:nvGrpSpPr>
-        <p:cNvPr id="1" name="">
-          <a:extLst>
-            <a:ext uri="{FF2B5EF4-FFF2-40B4-BE49-F238E27FC236}">
-              <a16:creationId xmlns:a16="http://schemas.microsoft.com/office/drawing/2014/main" id="{2B9F129E-FC1F-5AC5-7712-B78A51D5EE54}"/>
-            </a:ext>
-          </a:extLst>
-        </p:cNvPr>
-        <p:cNvGrpSpPr/>
-        <p:nvPr/>
-      </p:nvGrpSpPr>
-      <p:grpSpPr>
-        <a:xfrm>
-          <a:off x="0" y="0"/>
-          <a:ext cx="0" cy="0"/>
-          <a:chOff x="0" y="0"/>
-          <a:chExt cx="0" cy="0"/>
-        </a:xfrm>
-      </p:grpSpPr>
-      <p:sp>
-        <p:nvSpPr>
-          <p:cNvPr id="4" name="Title 3">
-            <a:extLst>
-              <a:ext uri="{FF2B5EF4-FFF2-40B4-BE49-F238E27FC236}">
-                <a16:creationId xmlns:a16="http://schemas.microsoft.com/office/drawing/2014/main" id="{B4282A62-6F7B-FAE2-BC6B-F5E1676112B8}"/>
-              </a:ext>
-            </a:extLst>
-          </p:cNvPr>
-          <p:cNvSpPr>
-            <a:spLocks noGrp="1"/>
-          </p:cNvSpPr>
-          <p:nvPr>
-            <p:ph type="title"/>
-          </p:nvPr>
-        </p:nvSpPr>
-        <p:spPr>
-          <a:xfrm>
-            <a:off x="364067" y="306073"/>
-            <a:ext cx="8421512" cy="707886"/>
-          </a:xfrm>
-        </p:spPr>
-        <p:txBody>
-          <a:bodyPr/>
-          <a:lstStyle/>
-          <a:p>
-            <a:r>
-              <a:rPr lang="en-US" sz="4000" dirty="0"/>
-              <a:t>Le Chatelier’s Principle</a:t>
-            </a:r>
-          </a:p>
-        </p:txBody>
-      </p:sp>
-      <p:sp>
-        <p:nvSpPr>
-          <p:cNvPr id="5" name="Content Placeholder 4">
-            <a:extLst>
-              <a:ext uri="{FF2B5EF4-FFF2-40B4-BE49-F238E27FC236}">
-                <a16:creationId xmlns:a16="http://schemas.microsoft.com/office/drawing/2014/main" id="{E6A44E0B-22C7-2648-13A8-782457C89915}"/>
-              </a:ext>
-            </a:extLst>
-          </p:cNvPr>
-          <p:cNvSpPr>
-            <a:spLocks noGrp="1"/>
-          </p:cNvSpPr>
-          <p:nvPr>
-            <p:ph idx="1"/>
-          </p:nvPr>
-        </p:nvSpPr>
-        <p:spPr/>
-        <p:txBody>
-          <a:bodyPr/>
-          <a:lstStyle/>
-          <a:p>
-            <a:pPr marL="0" indent="0">
-              <a:buNone/>
-            </a:pPr>
-            <a:r>
-              <a:rPr lang="en-US" sz="2800" dirty="0"/>
-              <a:t>Temperature</a:t>
-            </a:r>
-          </a:p>
-          <a:p>
-            <a:pPr marL="0" indent="0">
-              <a:buNone/>
-            </a:pPr>
-            <a:r>
-              <a:rPr lang="en-US" sz="2800" dirty="0"/>
-              <a:t>Concentration</a:t>
-            </a:r>
-          </a:p>
-          <a:p>
-            <a:pPr marL="0" indent="0">
-              <a:buNone/>
-            </a:pPr>
-            <a:r>
-              <a:rPr lang="en-US" sz="2800" dirty="0"/>
-              <a:t>Catalysts</a:t>
-            </a:r>
-          </a:p>
-        </p:txBody>
-      </p:sp>
-      <p:pic>
-        <p:nvPicPr>
-          <p:cNvPr id="3" name="Picture 2">
-            <a:extLst>
-              <a:ext uri="{FF2B5EF4-FFF2-40B4-BE49-F238E27FC236}">
-                <a16:creationId xmlns:a16="http://schemas.microsoft.com/office/drawing/2014/main" id="{5B043277-CD4B-D317-80C2-F31D21773A90}"/>
-              </a:ext>
-            </a:extLst>
-          </p:cNvPr>
-          <p:cNvPicPr>
-            <a:picLocks noChangeAspect="1"/>
-          </p:cNvPicPr>
-          <p:nvPr/>
-        </p:nvPicPr>
-        <p:blipFill>
-          <a:blip r:embed="rId2"/>
-          <a:stretch>
-            <a:fillRect/>
-          </a:stretch>
-        </p:blipFill>
-        <p:spPr>
-          <a:xfrm>
-            <a:off x="1123468" y="2676420"/>
-            <a:ext cx="6897063" cy="1505160"/>
-          </a:xfrm>
-          <a:prstGeom prst="rect">
-            <a:avLst/>
-          </a:prstGeom>
-        </p:spPr>
-      </p:pic>
-    </p:spTree>
-    <p:extLst>
-      <p:ext uri="{BB962C8B-B14F-4D97-AF65-F5344CB8AC3E}">
-        <p14:creationId xmlns:p14="http://schemas.microsoft.com/office/powerpoint/2010/main" val="3433016588"/>
-      </p:ext>
-    </p:extLst>
-  </p:cSld>
-  <p:clrMapOvr>
-    <a:masterClrMapping/>
-  </p:clrMapOvr>
-</p:sld>
-</file>
-
-<file path=ppt/slides/slide19.xml><?xml version="1.0" encoding="utf-8"?>
-<p:sld xmlns:a="http://schemas.openxmlformats.org/drawingml/2006/main" xmlns:r="http://schemas.openxmlformats.org/officeDocument/2006/relationships" xmlns:p="http://schemas.openxmlformats.org/presentationml/2006/main">
-  <p:cSld>
-    <p:spTree>
-      <p:nvGrpSpPr>
-        <p:cNvPr id="1" name="">
-          <a:extLst>
-            <a:ext uri="{FF2B5EF4-FFF2-40B4-BE49-F238E27FC236}">
-              <a16:creationId xmlns:a16="http://schemas.microsoft.com/office/drawing/2014/main" id="{BB68ED0D-ACB9-EF1D-41DB-C84446AFA340}"/>
-            </a:ext>
-          </a:extLst>
-        </p:cNvPr>
-        <p:cNvGrpSpPr/>
-        <p:nvPr/>
-      </p:nvGrpSpPr>
-      <p:grpSpPr>
-        <a:xfrm>
-          <a:off x="0" y="0"/>
-          <a:ext cx="0" cy="0"/>
-          <a:chOff x="0" y="0"/>
-          <a:chExt cx="0" cy="0"/>
-        </a:xfrm>
-      </p:grpSpPr>
-      <p:sp>
-        <p:nvSpPr>
-          <p:cNvPr id="4" name="Title 3">
-            <a:extLst>
-              <a:ext uri="{FF2B5EF4-FFF2-40B4-BE49-F238E27FC236}">
-                <a16:creationId xmlns:a16="http://schemas.microsoft.com/office/drawing/2014/main" id="{EBFE1A26-6448-D71C-52C0-1FAE5818B8F9}"/>
-              </a:ext>
-            </a:extLst>
-          </p:cNvPr>
-          <p:cNvSpPr>
-            <a:spLocks noGrp="1"/>
-          </p:cNvSpPr>
-          <p:nvPr>
-            <p:ph type="title"/>
-          </p:nvPr>
-        </p:nvSpPr>
-        <p:spPr>
-          <a:xfrm>
-            <a:off x="364067" y="306073"/>
-            <a:ext cx="8421512" cy="707886"/>
-          </a:xfrm>
-        </p:spPr>
-        <p:txBody>
-          <a:bodyPr/>
-          <a:lstStyle/>
-          <a:p>
-            <a:r>
-              <a:rPr lang="en-US" sz="4000" dirty="0"/>
-              <a:t>Special Types </a:t>
-            </a:r>
-            <a:r>
-              <a:rPr lang="en-US" sz="4000"/>
-              <a:t>of Equilibria</a:t>
-            </a:r>
-            <a:endParaRPr lang="en-US" sz="4000" dirty="0"/>
-          </a:p>
-        </p:txBody>
-      </p:sp>
-      <p:sp>
-        <p:nvSpPr>
-          <p:cNvPr id="5" name="Content Placeholder 4">
-            <a:extLst>
-              <a:ext uri="{FF2B5EF4-FFF2-40B4-BE49-F238E27FC236}">
-                <a16:creationId xmlns:a16="http://schemas.microsoft.com/office/drawing/2014/main" id="{F155C940-02C5-9C65-9D7A-23E2762DF80C}"/>
-              </a:ext>
-            </a:extLst>
-          </p:cNvPr>
-          <p:cNvSpPr>
-            <a:spLocks noGrp="1"/>
-          </p:cNvSpPr>
-          <p:nvPr>
-            <p:ph idx="1"/>
-          </p:nvPr>
-        </p:nvSpPr>
-        <p:spPr/>
-        <p:txBody>
-          <a:bodyPr/>
-          <a:lstStyle/>
-          <a:p>
-            <a:pPr marL="0" indent="0">
-              <a:buNone/>
-            </a:pPr>
-            <a:r>
-              <a:rPr lang="en-US" sz="2800" dirty="0"/>
-              <a:t>Temperature</a:t>
-            </a:r>
-          </a:p>
-          <a:p>
-            <a:pPr marL="0" indent="0">
-              <a:buNone/>
-            </a:pPr>
-            <a:r>
-              <a:rPr lang="en-US" sz="2800" dirty="0"/>
-              <a:t>Concentration</a:t>
-            </a:r>
-          </a:p>
-          <a:p>
-            <a:pPr marL="0" indent="0">
-              <a:buNone/>
-            </a:pPr>
-            <a:r>
-              <a:rPr lang="en-US" sz="2800" dirty="0"/>
-              <a:t>Catalysts</a:t>
-            </a:r>
-          </a:p>
-        </p:txBody>
-      </p:sp>
-      <p:pic>
-        <p:nvPicPr>
-          <p:cNvPr id="3" name="Picture 2">
-            <a:extLst>
-              <a:ext uri="{FF2B5EF4-FFF2-40B4-BE49-F238E27FC236}">
-                <a16:creationId xmlns:a16="http://schemas.microsoft.com/office/drawing/2014/main" id="{299C131F-A334-DEEB-0611-B64CC8FD402A}"/>
-              </a:ext>
-            </a:extLst>
-          </p:cNvPr>
-          <p:cNvPicPr>
-            <a:picLocks noChangeAspect="1"/>
-          </p:cNvPicPr>
-          <p:nvPr/>
-        </p:nvPicPr>
-        <p:blipFill>
-          <a:blip r:embed="rId2"/>
-          <a:stretch>
-            <a:fillRect/>
-          </a:stretch>
-        </p:blipFill>
-        <p:spPr>
-          <a:xfrm>
-            <a:off x="1118705" y="1928603"/>
-            <a:ext cx="6906589" cy="3000794"/>
-          </a:xfrm>
-          <a:prstGeom prst="rect">
-            <a:avLst/>
-          </a:prstGeom>
-        </p:spPr>
-      </p:pic>
-    </p:spTree>
-    <p:extLst>
-      <p:ext uri="{BB962C8B-B14F-4D97-AF65-F5344CB8AC3E}">
-        <p14:creationId xmlns:p14="http://schemas.microsoft.com/office/powerpoint/2010/main" val="1644431252"/>
-      </p:ext>
-    </p:extLst>
-  </p:cSld>
-  <p:clrMapOvr>
-    <a:masterClrMapping/>
-  </p:clrMapOvr>
+  <p:timing>
+    <p:tnLst>
+      <p:par>
+        <p:cTn id="1" dur="indefinite" restart="never" nodeType="tmRoot">
+          <p:childTnLst>
+            <p:seq concurrent="1" nextAc="seek">
+              <p:cTn id="2" dur="indefinite" nodeType="mainSeq">
+                <p:childTnLst>
+                  <p:par>
+                    <p:cTn id="3" fill="hold">
+                      <p:stCondLst>
+                        <p:cond delay="indefinite"/>
+                        <p:cond evt="onBegin" delay="0">
+                          <p:tn val="2"/>
+                        </p:cond>
+                      </p:stCondLst>
+                      <p:childTnLst>
+                        <p:par>
+                          <p:cTn id="4" fill="hold">
+                            <p:stCondLst>
+                              <p:cond delay="0"/>
+                            </p:stCondLst>
+                            <p:childTnLst>
+                              <p:par>
+                                <p:cTn id="5" presetID="1" presetClass="entr" presetSubtype="0" fill="hold" grpId="0" nodeType="withEffect">
+                                  <p:stCondLst>
+                                    <p:cond delay="0"/>
+                                  </p:stCondLst>
+                                  <p:childTnLst>
+                                    <p:set>
+                                      <p:cBhvr>
+                                        <p:cTn id="6" dur="1" fill="hold">
+                                          <p:stCondLst>
+                                            <p:cond delay="0"/>
+                                          </p:stCondLst>
+                                        </p:cTn>
+                                        <p:tgtEl>
+                                          <p:spTgt spid="5">
+                                            <p:txEl>
+                                              <p:pRg st="0" end="0"/>
+                                            </p:txEl>
+                                          </p:spTgt>
+                                        </p:tgtEl>
+                                        <p:attrNameLst>
+                                          <p:attrName>style.visibility</p:attrName>
+                                        </p:attrNameLst>
+                                      </p:cBhvr>
+                                      <p:to>
+                                        <p:strVal val="visible"/>
+                                      </p:to>
+                                    </p:set>
+                                  </p:childTnLst>
+                                </p:cTn>
+                              </p:par>
+                            </p:childTnLst>
+                          </p:cTn>
+                        </p:par>
+                      </p:childTnLst>
+                    </p:cTn>
+                  </p:par>
+                  <p:par>
+                    <p:cTn id="7" fill="hold">
+                      <p:stCondLst>
+                        <p:cond delay="indefinite"/>
+                      </p:stCondLst>
+                      <p:childTnLst>
+                        <p:par>
+                          <p:cTn id="8" fill="hold">
+                            <p:stCondLst>
+                              <p:cond delay="0"/>
+                            </p:stCondLst>
+                            <p:childTnLst>
+                              <p:par>
+                                <p:cTn id="9" presetID="1" presetClass="entr" presetSubtype="0" fill="hold" grpId="0" nodeType="clickEffect">
+                                  <p:stCondLst>
+                                    <p:cond delay="0"/>
+                                  </p:stCondLst>
+                                  <p:childTnLst>
+                                    <p:set>
+                                      <p:cBhvr>
+                                        <p:cTn id="10" dur="1" fill="hold">
+                                          <p:stCondLst>
+                                            <p:cond delay="0"/>
+                                          </p:stCondLst>
+                                        </p:cTn>
+                                        <p:tgtEl>
+                                          <p:spTgt spid="5">
+                                            <p:txEl>
+                                              <p:pRg st="5" end="5"/>
+                                            </p:txEl>
+                                          </p:spTgt>
+                                        </p:tgtEl>
+                                        <p:attrNameLst>
+                                          <p:attrName>style.visibility</p:attrName>
+                                        </p:attrNameLst>
+                                      </p:cBhvr>
+                                      <p:to>
+                                        <p:strVal val="visible"/>
+                                      </p:to>
+                                    </p:set>
+                                  </p:childTnLst>
+                                </p:cTn>
+                              </p:par>
+                              <p:par>
+                                <p:cTn id="11" presetID="1" presetClass="entr" presetSubtype="0" fill="hold" grpId="0" nodeType="withEffect">
+                                  <p:stCondLst>
+                                    <p:cond delay="0"/>
+                                  </p:stCondLst>
+                                  <p:childTnLst>
+                                    <p:set>
+                                      <p:cBhvr>
+                                        <p:cTn id="12" dur="1" fill="hold">
+                                          <p:stCondLst>
+                                            <p:cond delay="0"/>
+                                          </p:stCondLst>
+                                        </p:cTn>
+                                        <p:tgtEl>
+                                          <p:spTgt spid="5">
+                                            <p:txEl>
+                                              <p:pRg st="6" end="6"/>
+                                            </p:txEl>
+                                          </p:spTgt>
+                                        </p:tgtEl>
+                                        <p:attrNameLst>
+                                          <p:attrName>style.visibility</p:attrName>
+                                        </p:attrNameLst>
+                                      </p:cBhvr>
+                                      <p:to>
+                                        <p:strVal val="visible"/>
+                                      </p:to>
+                                    </p:set>
+                                  </p:childTnLst>
+                                </p:cTn>
+                              </p:par>
+                            </p:childTnLst>
+                          </p:cTn>
+                        </p:par>
+                      </p:childTnLst>
+                    </p:cTn>
+                  </p:par>
+                </p:childTnLst>
+              </p:cTn>
+              <p:prevCondLst>
+                <p:cond evt="onPrev" delay="0">
+                  <p:tgtEl>
+                    <p:sldTgt/>
+                  </p:tgtEl>
+                </p:cond>
+              </p:prevCondLst>
+              <p:nextCondLst>
+                <p:cond evt="onNext" delay="0">
+                  <p:tgtEl>
+                    <p:sldTgt/>
+                  </p:tgtEl>
+                </p:cond>
+              </p:nextCondLst>
+            </p:seq>
+          </p:childTnLst>
+        </p:cTn>
+      </p:par>
+    </p:tnLst>
+    <p:bldLst>
+      <p:bldP spid="5" grpId="0" uiExpand="1" build="p"/>
+    </p:bldLst>
+  </p:timing>
 </p:sld>
 </file>
 
@@ -11553,6 +14510,36 @@
           </a:p>
         </p:txBody>
       </p:sp>
+      <p:sp>
+        <p:nvSpPr>
+          <p:cNvPr id="2" name="Slide Number Placeholder 1">
+            <a:extLst>
+              <a:ext uri="{FF2B5EF4-FFF2-40B4-BE49-F238E27FC236}">
+                <a16:creationId xmlns:a16="http://schemas.microsoft.com/office/drawing/2014/main" id="{83978444-5E0F-8849-2BC2-7C3F86144D6D}"/>
+              </a:ext>
+            </a:extLst>
+          </p:cNvPr>
+          <p:cNvSpPr>
+            <a:spLocks noGrp="1"/>
+          </p:cNvSpPr>
+          <p:nvPr>
+            <p:ph type="sldNum" sz="quarter" idx="10"/>
+          </p:nvPr>
+        </p:nvSpPr>
+        <p:spPr/>
+        <p:txBody>
+          <a:bodyPr/>
+          <a:lstStyle/>
+          <a:p>
+            <a:fld id="{DE0D52F3-54CA-4E42-BFA9-4F0301781925}" type="slidenum">
+              <a:rPr lang="en-US" smtClean="0"/>
+              <a:pPr/>
+              <a:t>2</a:t>
+            </a:fld>
+            <a:endParaRPr lang="en-US" sz="1400" dirty="0"/>
+          </a:p>
+        </p:txBody>
+      </p:sp>
     </p:spTree>
     <p:extLst>
       <p:ext uri="{BB962C8B-B14F-4D97-AF65-F5344CB8AC3E}">
@@ -11574,7 +14561,7 @@
         <p:cNvPr id="1" name="">
           <a:extLst>
             <a:ext uri="{FF2B5EF4-FFF2-40B4-BE49-F238E27FC236}">
-              <a16:creationId xmlns:a16="http://schemas.microsoft.com/office/drawing/2014/main" id="{AB37E6CF-D1B1-A345-B433-425AD845F635}"/>
+              <a16:creationId xmlns:a16="http://schemas.microsoft.com/office/drawing/2014/main" id="{BACA4429-4CFB-0E58-B597-E3C6DC70A8F1}"/>
             </a:ext>
           </a:extLst>
         </p:cNvPr>
@@ -11594,7 +14581,1115 @@
           <p:cNvPr id="4" name="Title 3">
             <a:extLst>
               <a:ext uri="{FF2B5EF4-FFF2-40B4-BE49-F238E27FC236}">
-                <a16:creationId xmlns:a16="http://schemas.microsoft.com/office/drawing/2014/main" id="{955B9866-6D23-BBFA-3CF6-D3089DBA3A52}"/>
+                <a16:creationId xmlns:a16="http://schemas.microsoft.com/office/drawing/2014/main" id="{538F0E9F-26FE-C3C5-019A-DF194E1CBF09}"/>
+              </a:ext>
+            </a:extLst>
+          </p:cNvPr>
+          <p:cNvSpPr>
+            <a:spLocks noGrp="1"/>
+          </p:cNvSpPr>
+          <p:nvPr>
+            <p:ph type="title"/>
+          </p:nvPr>
+        </p:nvSpPr>
+        <p:spPr>
+          <a:xfrm>
+            <a:off x="361244" y="238060"/>
+            <a:ext cx="8421512" cy="707886"/>
+          </a:xfrm>
+        </p:spPr>
+        <p:txBody>
+          <a:bodyPr/>
+          <a:lstStyle/>
+          <a:p>
+            <a:r>
+              <a:rPr lang="en-US" sz="4000" dirty="0"/>
+              <a:t>Practice: Equilibrium</a:t>
+            </a:r>
+          </a:p>
+        </p:txBody>
+      </p:sp>
+      <mc:AlternateContent xmlns:mc="http://schemas.openxmlformats.org/markup-compatibility/2006">
+        <mc:Choice xmlns:a14="http://schemas.microsoft.com/office/drawing/2010/main" Requires="a14">
+          <p:sp>
+            <p:nvSpPr>
+              <p:cNvPr id="5" name="Content Placeholder 4">
+                <a:extLst>
+                  <a:ext uri="{FF2B5EF4-FFF2-40B4-BE49-F238E27FC236}">
+                    <a16:creationId xmlns:a16="http://schemas.microsoft.com/office/drawing/2014/main" id="{95FD7A83-56D1-3F7A-FE9E-CF8DDB601849}"/>
+                  </a:ext>
+                </a:extLst>
+              </p:cNvPr>
+              <p:cNvSpPr>
+                <a:spLocks noGrp="1"/>
+              </p:cNvSpPr>
+              <p:nvPr>
+                <p:ph idx="1"/>
+              </p:nvPr>
+            </p:nvSpPr>
+            <p:spPr>
+              <a:xfrm>
+                <a:off x="372533" y="1080655"/>
+                <a:ext cx="8387645" cy="5466900"/>
+              </a:xfrm>
+            </p:spPr>
+            <p:txBody>
+              <a:bodyPr/>
+              <a:lstStyle/>
+              <a:p>
+                <a:pPr marL="0" indent="0">
+                  <a:buNone/>
+                </a:pPr>
+                <a:r>
+                  <a:rPr lang="en-US" dirty="0"/>
+                  <a:t>Another three reaction systems shown, where</a:t>
+                </a:r>
+                <a:br>
+                  <a:rPr lang="en-US" dirty="0"/>
+                </a:br>
+                <a14:m>
+                  <m:oMath xmlns:m="http://schemas.openxmlformats.org/officeDocument/2006/math">
+                    <m:r>
+                      <a:rPr lang="en-US" b="1" i="1" smtClean="0">
+                        <a:solidFill>
+                          <a:srgbClr val="FFC000"/>
+                        </a:solidFill>
+                        <a:latin typeface="Cambria Math" panose="02040503050406030204" pitchFamily="18" charset="0"/>
+                      </a:rPr>
+                      <m:t>𝑨</m:t>
+                    </m:r>
+                    <m:r>
+                      <a:rPr lang="en-US" b="1" i="1" smtClean="0">
+                        <a:solidFill>
+                          <a:srgbClr val="FFC000"/>
+                        </a:solidFill>
+                        <a:latin typeface="Cambria Math" panose="02040503050406030204" pitchFamily="18" charset="0"/>
+                      </a:rPr>
+                      <m:t>+</m:t>
+                    </m:r>
+                    <m:r>
+                      <a:rPr lang="en-US" b="1" i="1" smtClean="0">
+                        <a:solidFill>
+                          <a:srgbClr val="FFC000"/>
+                        </a:solidFill>
+                        <a:latin typeface="Cambria Math" panose="02040503050406030204" pitchFamily="18" charset="0"/>
+                      </a:rPr>
+                      <m:t>𝑩</m:t>
+                    </m:r>
+                    <m:r>
+                      <a:rPr lang="en-US" b="1" i="1">
+                        <a:solidFill>
+                          <a:srgbClr val="FFC000"/>
+                        </a:solidFill>
+                        <a:latin typeface="Cambria Math" panose="02040503050406030204" pitchFamily="18" charset="0"/>
+                        <a:ea typeface="Cambria Math" panose="02040503050406030204" pitchFamily="18" charset="0"/>
+                        <a:sym typeface="Wingdings" panose="05000000000000000000" pitchFamily="2" charset="2"/>
+                      </a:rPr>
+                      <m:t>⇌</m:t>
+                    </m:r>
+                    <m:r>
+                      <a:rPr lang="en-US" b="1" i="1" smtClean="0">
+                        <a:solidFill>
+                          <a:srgbClr val="FFC000"/>
+                        </a:solidFill>
+                        <a:latin typeface="Cambria Math" panose="02040503050406030204" pitchFamily="18" charset="0"/>
+                        <a:ea typeface="Cambria Math" panose="02040503050406030204" pitchFamily="18" charset="0"/>
+                        <a:sym typeface="Wingdings" panose="05000000000000000000" pitchFamily="2" charset="2"/>
+                      </a:rPr>
+                      <m:t>𝑪</m:t>
+                    </m:r>
+                    <m:r>
+                      <m:rPr>
+                        <m:nor/>
+                      </m:rPr>
+                      <a:rPr lang="en-US">
+                        <a:solidFill>
+                          <a:srgbClr val="FFC000"/>
+                        </a:solidFill>
+                        <a:latin typeface="Cambria Math" panose="02040503050406030204" pitchFamily="18" charset="0"/>
+                        <a:ea typeface="Cambria Math" panose="02040503050406030204" pitchFamily="18" charset="0"/>
+                        <a:sym typeface="Wingdings" panose="05000000000000000000" pitchFamily="2" charset="2"/>
+                      </a:rPr>
+                      <m:t> </m:t>
+                    </m:r>
+                  </m:oMath>
+                </a14:m>
+                <a:r>
+                  <a:rPr lang="en-US" dirty="0"/>
+                  <a:t> which system(s) has reached equilibrium?</a:t>
+                </a:r>
+                <a:br>
+                  <a:rPr lang="en-US" dirty="0"/>
+                </a:br>
+                <a:r>
+                  <a:rPr lang="en-US" sz="1800" dirty="0"/>
+                  <a:t>A=blue circles, B = purple squares, C=orange ovals</a:t>
+                </a:r>
+              </a:p>
+              <a:p>
+                <a:pPr marL="0" indent="0">
+                  <a:buNone/>
+                </a:pPr>
+                <a:endParaRPr lang="en-US" sz="1800" dirty="0"/>
+              </a:p>
+              <a:p>
+                <a:pPr marL="0" indent="0">
+                  <a:buNone/>
+                </a:pPr>
+                <a:endParaRPr lang="en-US" sz="1800" dirty="0"/>
+              </a:p>
+              <a:p>
+                <a:pPr marL="0" indent="0">
+                  <a:buNone/>
+                </a:pPr>
+                <a:endParaRPr lang="en-US" sz="1800" dirty="0"/>
+              </a:p>
+              <a:p>
+                <a:pPr marL="0" indent="0">
+                  <a:buNone/>
+                </a:pPr>
+                <a:endParaRPr lang="en-US" sz="1800" dirty="0"/>
+              </a:p>
+              <a:p>
+                <a:pPr marL="0" indent="0">
+                  <a:buNone/>
+                </a:pPr>
+                <a:endParaRPr lang="en-US" sz="1800" dirty="0"/>
+              </a:p>
+              <a:p>
+                <a:pPr marL="0" indent="0">
+                  <a:buNone/>
+                </a:pPr>
+                <a:endParaRPr lang="en-US" sz="1800" dirty="0"/>
+              </a:p>
+              <a:p>
+                <a:pPr marL="0" indent="0">
+                  <a:buNone/>
+                </a:pPr>
+                <a:r>
+                  <a:rPr lang="en-US" sz="1800" dirty="0"/>
+                  <a:t>System 2: the </a:t>
+                </a:r>
+                <a:r>
+                  <a:rPr lang="en-US" sz="1800" i="1" dirty="0"/>
+                  <a:t>t</a:t>
+                </a:r>
+                <a:r>
+                  <a:rPr lang="en-US" sz="1800" baseline="-25000" dirty="0"/>
+                  <a:t>2</a:t>
+                </a:r>
+                <a:r>
+                  <a:rPr lang="en-US" sz="1800" dirty="0"/>
+                  <a:t> and </a:t>
+                </a:r>
+                <a:r>
+                  <a:rPr lang="en-US" sz="1800" i="1" dirty="0"/>
+                  <a:t>t</a:t>
+                </a:r>
+                <a:r>
+                  <a:rPr lang="en-US" sz="1800" baseline="-25000" dirty="0"/>
+                  <a:t>3</a:t>
+                </a:r>
+                <a:r>
+                  <a:rPr lang="en-US" sz="1800" dirty="0"/>
+                  <a:t> time frames have 4 orange ovals and the count of the reactants should be same</a:t>
+                </a:r>
+              </a:p>
+              <a:p>
+                <a:pPr marL="0" indent="0">
+                  <a:buNone/>
+                </a:pPr>
+                <a:endParaRPr lang="en-US" sz="1800" dirty="0"/>
+              </a:p>
+              <a:p>
+                <a:pPr marL="0" indent="0">
+                  <a:buNone/>
+                </a:pPr>
+                <a:r>
+                  <a:rPr lang="en-US" sz="1800" dirty="0"/>
+                  <a:t>The other systems would need to reflect no changes between the last two time frames to demonstrate equilibrium, and they do not.</a:t>
+                </a:r>
+              </a:p>
+              <a:p>
+                <a:pPr marL="0" indent="0">
+                  <a:buNone/>
+                </a:pPr>
+                <a:endParaRPr lang="en-US" dirty="0"/>
+              </a:p>
+              <a:p>
+                <a:pPr marL="0" indent="0">
+                  <a:buNone/>
+                </a:pPr>
+                <a:endParaRPr lang="en-US" dirty="0"/>
+              </a:p>
+              <a:p>
+                <a:pPr marL="0" indent="0">
+                  <a:buNone/>
+                </a:pPr>
+                <a:endParaRPr lang="en-US" dirty="0"/>
+              </a:p>
+            </p:txBody>
+          </p:sp>
+        </mc:Choice>
+        <mc:Fallback>
+          <p:sp>
+            <p:nvSpPr>
+              <p:cNvPr id="5" name="Content Placeholder 4">
+                <a:extLst>
+                  <a:ext uri="{FF2B5EF4-FFF2-40B4-BE49-F238E27FC236}">
+                    <a16:creationId xmlns:a16="http://schemas.microsoft.com/office/drawing/2014/main" id="{95FD7A83-56D1-3F7A-FE9E-CF8DDB601849}"/>
+                  </a:ext>
+                </a:extLst>
+              </p:cNvPr>
+              <p:cNvSpPr>
+                <a:spLocks noGrp="1" noRot="1" noChangeAspect="1" noMove="1" noResize="1" noEditPoints="1" noAdjustHandles="1" noChangeArrowheads="1" noChangeShapeType="1" noTextEdit="1"/>
+              </p:cNvSpPr>
+              <p:nvPr>
+                <p:ph idx="1"/>
+              </p:nvPr>
+            </p:nvSpPr>
+            <p:spPr>
+              <a:xfrm>
+                <a:off x="372533" y="1080655"/>
+                <a:ext cx="8387645" cy="5466900"/>
+              </a:xfrm>
+              <a:blipFill>
+                <a:blip r:embed="rId2"/>
+                <a:stretch>
+                  <a:fillRect l="-1090" t="-892"/>
+                </a:stretch>
+              </a:blipFill>
+            </p:spPr>
+            <p:txBody>
+              <a:bodyPr/>
+              <a:lstStyle/>
+              <a:p>
+                <a:r>
+                  <a:rPr lang="en-US">
+                    <a:noFill/>
+                  </a:rPr>
+                  <a:t> </a:t>
+                </a:r>
+              </a:p>
+            </p:txBody>
+          </p:sp>
+        </mc:Fallback>
+      </mc:AlternateContent>
+      <p:sp>
+        <p:nvSpPr>
+          <p:cNvPr id="2" name="Slide Number Placeholder 1">
+            <a:extLst>
+              <a:ext uri="{FF2B5EF4-FFF2-40B4-BE49-F238E27FC236}">
+                <a16:creationId xmlns:a16="http://schemas.microsoft.com/office/drawing/2014/main" id="{729CC72C-BBF8-11B3-8537-5345CBB9BB11}"/>
+              </a:ext>
+            </a:extLst>
+          </p:cNvPr>
+          <p:cNvSpPr>
+            <a:spLocks noGrp="1"/>
+          </p:cNvSpPr>
+          <p:nvPr>
+            <p:ph type="sldNum" sz="quarter" idx="10"/>
+          </p:nvPr>
+        </p:nvSpPr>
+        <p:spPr/>
+        <p:txBody>
+          <a:bodyPr/>
+          <a:lstStyle/>
+          <a:p>
+            <a:fld id="{DE0D52F3-54CA-4E42-BFA9-4F0301781925}" type="slidenum">
+              <a:rPr lang="en-US" smtClean="0"/>
+              <a:pPr/>
+              <a:t>20</a:t>
+            </a:fld>
+            <a:endParaRPr lang="en-US" sz="1400" dirty="0"/>
+          </a:p>
+        </p:txBody>
+      </p:sp>
+      <p:pic>
+        <p:nvPicPr>
+          <p:cNvPr id="6" name="Picture 5">
+            <a:extLst>
+              <a:ext uri="{FF2B5EF4-FFF2-40B4-BE49-F238E27FC236}">
+                <a16:creationId xmlns:a16="http://schemas.microsoft.com/office/drawing/2014/main" id="{4B062AE8-0B14-5B43-300B-0EEAB6CED3CE}"/>
+              </a:ext>
+            </a:extLst>
+          </p:cNvPr>
+          <p:cNvPicPr>
+            <a:picLocks noChangeAspect="1"/>
+          </p:cNvPicPr>
+          <p:nvPr/>
+        </p:nvPicPr>
+        <p:blipFill>
+          <a:blip r:embed="rId3"/>
+          <a:stretch>
+            <a:fillRect/>
+          </a:stretch>
+        </p:blipFill>
+        <p:spPr>
+          <a:xfrm>
+            <a:off x="46111" y="2417045"/>
+            <a:ext cx="9040487" cy="1238423"/>
+          </a:xfrm>
+          <a:prstGeom prst="rect">
+            <a:avLst/>
+          </a:prstGeom>
+        </p:spPr>
+      </p:pic>
+    </p:spTree>
+    <p:extLst>
+      <p:ext uri="{BB962C8B-B14F-4D97-AF65-F5344CB8AC3E}">
+        <p14:creationId xmlns:p14="http://schemas.microsoft.com/office/powerpoint/2010/main" val="2052729997"/>
+      </p:ext>
+    </p:extLst>
+  </p:cSld>
+  <p:clrMapOvr>
+    <a:masterClrMapping/>
+  </p:clrMapOvr>
+  <p:timing>
+    <p:tnLst>
+      <p:par>
+        <p:cTn id="1" dur="indefinite" restart="never" nodeType="tmRoot">
+          <p:childTnLst>
+            <p:seq concurrent="1" nextAc="seek">
+              <p:cTn id="2" dur="indefinite" nodeType="mainSeq">
+                <p:childTnLst>
+                  <p:par>
+                    <p:cTn id="3" fill="hold">
+                      <p:stCondLst>
+                        <p:cond delay="indefinite"/>
+                        <p:cond evt="onBegin" delay="0">
+                          <p:tn val="2"/>
+                        </p:cond>
+                      </p:stCondLst>
+                      <p:childTnLst>
+                        <p:par>
+                          <p:cTn id="4" fill="hold">
+                            <p:stCondLst>
+                              <p:cond delay="0"/>
+                            </p:stCondLst>
+                            <p:childTnLst>
+                              <p:par>
+                                <p:cTn id="5" presetID="1" presetClass="entr" presetSubtype="0" fill="hold" nodeType="withEffect">
+                                  <p:stCondLst>
+                                    <p:cond delay="0"/>
+                                  </p:stCondLst>
+                                  <p:childTnLst>
+                                    <p:set>
+                                      <p:cBhvr>
+                                        <p:cTn id="6" dur="1" fill="hold">
+                                          <p:stCondLst>
+                                            <p:cond delay="0"/>
+                                          </p:stCondLst>
+                                        </p:cTn>
+                                        <p:tgtEl>
+                                          <p:spTgt spid="5">
+                                            <p:txEl>
+                                              <p:pRg st="0" end="0"/>
+                                            </p:txEl>
+                                          </p:spTgt>
+                                        </p:tgtEl>
+                                        <p:attrNameLst>
+                                          <p:attrName>style.visibility</p:attrName>
+                                        </p:attrNameLst>
+                                      </p:cBhvr>
+                                      <p:to>
+                                        <p:strVal val="visible"/>
+                                      </p:to>
+                                    </p:set>
+                                  </p:childTnLst>
+                                </p:cTn>
+                              </p:par>
+                            </p:childTnLst>
+                          </p:cTn>
+                        </p:par>
+                      </p:childTnLst>
+                    </p:cTn>
+                  </p:par>
+                  <p:par>
+                    <p:cTn id="7" fill="hold">
+                      <p:stCondLst>
+                        <p:cond delay="indefinite"/>
+                      </p:stCondLst>
+                      <p:childTnLst>
+                        <p:par>
+                          <p:cTn id="8" fill="hold">
+                            <p:stCondLst>
+                              <p:cond delay="0"/>
+                            </p:stCondLst>
+                            <p:childTnLst>
+                              <p:par>
+                                <p:cTn id="9" presetID="1" presetClass="entr" presetSubtype="0" fill="hold" nodeType="clickEffect">
+                                  <p:stCondLst>
+                                    <p:cond delay="0"/>
+                                  </p:stCondLst>
+                                  <p:childTnLst>
+                                    <p:set>
+                                      <p:cBhvr>
+                                        <p:cTn id="10" dur="1" fill="hold">
+                                          <p:stCondLst>
+                                            <p:cond delay="0"/>
+                                          </p:stCondLst>
+                                        </p:cTn>
+                                        <p:tgtEl>
+                                          <p:spTgt spid="5">
+                                            <p:txEl>
+                                              <p:pRg st="7" end="7"/>
+                                            </p:txEl>
+                                          </p:spTgt>
+                                        </p:tgtEl>
+                                        <p:attrNameLst>
+                                          <p:attrName>style.visibility</p:attrName>
+                                        </p:attrNameLst>
+                                      </p:cBhvr>
+                                      <p:to>
+                                        <p:strVal val="visible"/>
+                                      </p:to>
+                                    </p:set>
+                                  </p:childTnLst>
+                                </p:cTn>
+                              </p:par>
+                              <p:par>
+                                <p:cTn id="11" presetID="1" presetClass="entr" presetSubtype="0" fill="hold" nodeType="withEffect">
+                                  <p:stCondLst>
+                                    <p:cond delay="0"/>
+                                  </p:stCondLst>
+                                  <p:childTnLst>
+                                    <p:set>
+                                      <p:cBhvr>
+                                        <p:cTn id="12" dur="1" fill="hold">
+                                          <p:stCondLst>
+                                            <p:cond delay="0"/>
+                                          </p:stCondLst>
+                                        </p:cTn>
+                                        <p:tgtEl>
+                                          <p:spTgt spid="5">
+                                            <p:txEl>
+                                              <p:pRg st="9" end="9"/>
+                                            </p:txEl>
+                                          </p:spTgt>
+                                        </p:tgtEl>
+                                        <p:attrNameLst>
+                                          <p:attrName>style.visibility</p:attrName>
+                                        </p:attrNameLst>
+                                      </p:cBhvr>
+                                      <p:to>
+                                        <p:strVal val="visible"/>
+                                      </p:to>
+                                    </p:set>
+                                  </p:childTnLst>
+                                </p:cTn>
+                              </p:par>
+                            </p:childTnLst>
+                          </p:cTn>
+                        </p:par>
+                      </p:childTnLst>
+                    </p:cTn>
+                  </p:par>
+                </p:childTnLst>
+              </p:cTn>
+              <p:prevCondLst>
+                <p:cond evt="onPrev" delay="0">
+                  <p:tgtEl>
+                    <p:sldTgt/>
+                  </p:tgtEl>
+                </p:cond>
+              </p:prevCondLst>
+              <p:nextCondLst>
+                <p:cond evt="onNext" delay="0">
+                  <p:tgtEl>
+                    <p:sldTgt/>
+                  </p:tgtEl>
+                </p:cond>
+              </p:nextCondLst>
+            </p:seq>
+          </p:childTnLst>
+        </p:cTn>
+      </p:par>
+    </p:tnLst>
+  </p:timing>
+</p:sld>
+</file>
+
+<file path=ppt/slides/slide21.xml><?xml version="1.0" encoding="utf-8"?>
+<p:sld xmlns:a="http://schemas.openxmlformats.org/drawingml/2006/main" xmlns:r="http://schemas.openxmlformats.org/officeDocument/2006/relationships" xmlns:p="http://schemas.openxmlformats.org/presentationml/2006/main">
+  <p:cSld>
+    <p:spTree>
+      <p:nvGrpSpPr>
+        <p:cNvPr id="1" name="">
+          <a:extLst>
+            <a:ext uri="{FF2B5EF4-FFF2-40B4-BE49-F238E27FC236}">
+              <a16:creationId xmlns:a16="http://schemas.microsoft.com/office/drawing/2014/main" id="{7C9AD619-4AF1-FE65-BE04-5CB3ECF43D73}"/>
+            </a:ext>
+          </a:extLst>
+        </p:cNvPr>
+        <p:cNvGrpSpPr/>
+        <p:nvPr/>
+      </p:nvGrpSpPr>
+      <p:grpSpPr>
+        <a:xfrm>
+          <a:off x="0" y="0"/>
+          <a:ext cx="0" cy="0"/>
+          <a:chOff x="0" y="0"/>
+          <a:chExt cx="0" cy="0"/>
+        </a:xfrm>
+      </p:grpSpPr>
+      <p:sp>
+        <p:nvSpPr>
+          <p:cNvPr id="4" name="Title 3">
+            <a:extLst>
+              <a:ext uri="{FF2B5EF4-FFF2-40B4-BE49-F238E27FC236}">
+                <a16:creationId xmlns:a16="http://schemas.microsoft.com/office/drawing/2014/main" id="{6D7D4027-0C77-D7AE-F013-52B19697551F}"/>
+              </a:ext>
+            </a:extLst>
+          </p:cNvPr>
+          <p:cNvSpPr>
+            <a:spLocks noGrp="1"/>
+          </p:cNvSpPr>
+          <p:nvPr>
+            <p:ph type="title"/>
+          </p:nvPr>
+        </p:nvSpPr>
+        <p:spPr>
+          <a:xfrm>
+            <a:off x="364067" y="275296"/>
+            <a:ext cx="8421512" cy="769441"/>
+          </a:xfrm>
+        </p:spPr>
+        <p:txBody>
+          <a:bodyPr/>
+          <a:lstStyle/>
+          <a:p>
+            <a:r>
+              <a:rPr lang="en-US" sz="4400" dirty="0"/>
+              <a:t>Equilibrium Constant Equation</a:t>
+            </a:r>
+          </a:p>
+        </p:txBody>
+      </p:sp>
+      <mc:AlternateContent xmlns:mc="http://schemas.openxmlformats.org/markup-compatibility/2006">
+        <mc:Choice xmlns:a14="http://schemas.microsoft.com/office/drawing/2010/main" Requires="a14">
+          <p:sp>
+            <p:nvSpPr>
+              <p:cNvPr id="5" name="Content Placeholder 4">
+                <a:extLst>
+                  <a:ext uri="{FF2B5EF4-FFF2-40B4-BE49-F238E27FC236}">
+                    <a16:creationId xmlns:a16="http://schemas.microsoft.com/office/drawing/2014/main" id="{4F5BFD8A-92E3-A5B7-AE8F-127EA2EDF427}"/>
+                  </a:ext>
+                </a:extLst>
+              </p:cNvPr>
+              <p:cNvSpPr>
+                <a:spLocks noGrp="1"/>
+              </p:cNvSpPr>
+              <p:nvPr>
+                <p:ph idx="1"/>
+              </p:nvPr>
+            </p:nvSpPr>
+            <p:spPr>
+              <a:xfrm>
+                <a:off x="372533" y="1044737"/>
+                <a:ext cx="8387645" cy="5502819"/>
+              </a:xfrm>
+            </p:spPr>
+            <p:txBody>
+              <a:bodyPr/>
+              <a:lstStyle/>
+              <a:p>
+                <a:pPr marL="0" indent="0">
+                  <a:buNone/>
+                </a:pPr>
+                <a:r>
+                  <a:rPr lang="en-US" sz="2000" dirty="0"/>
+                  <a:t>Studies of chemical reactions with forward and reverse directions showed this pattern</a:t>
+                </a:r>
+              </a:p>
+              <a:p>
+                <a:pPr marL="0" indent="0">
+                  <a:buNone/>
+                </a:pPr>
+                <a14:m>
+                  <m:oMathPara xmlns:m="http://schemas.openxmlformats.org/officeDocument/2006/math">
+                    <m:oMathParaPr>
+                      <m:jc m:val="centerGroup"/>
+                    </m:oMathParaPr>
+                    <m:oMath xmlns:m="http://schemas.openxmlformats.org/officeDocument/2006/math">
+                      <m:r>
+                        <a:rPr lang="en-US" sz="2800" b="1" i="1" smtClean="0">
+                          <a:solidFill>
+                            <a:srgbClr val="FFC000"/>
+                          </a:solidFill>
+                          <a:latin typeface="Cambria Math" panose="02040503050406030204" pitchFamily="18" charset="0"/>
+                        </a:rPr>
+                        <m:t>𝒂</m:t>
+                      </m:r>
+                      <m:r>
+                        <a:rPr lang="en-US" sz="2800" b="1" i="1">
+                          <a:solidFill>
+                            <a:srgbClr val="FFC000"/>
+                          </a:solidFill>
+                          <a:latin typeface="Cambria Math" panose="02040503050406030204" pitchFamily="18" charset="0"/>
+                        </a:rPr>
+                        <m:t>𝑨</m:t>
+                      </m:r>
+                      <m:r>
+                        <a:rPr lang="en-US" sz="2800" b="1" i="1">
+                          <a:solidFill>
+                            <a:srgbClr val="FFC000"/>
+                          </a:solidFill>
+                          <a:latin typeface="Cambria Math" panose="02040503050406030204" pitchFamily="18" charset="0"/>
+                        </a:rPr>
+                        <m:t>+</m:t>
+                      </m:r>
+                      <m:r>
+                        <a:rPr lang="en-US" sz="2800" b="1" i="1" smtClean="0">
+                          <a:solidFill>
+                            <a:srgbClr val="FFC000"/>
+                          </a:solidFill>
+                          <a:latin typeface="Cambria Math" panose="02040503050406030204" pitchFamily="18" charset="0"/>
+                        </a:rPr>
+                        <m:t>𝒃</m:t>
+                      </m:r>
+                      <m:r>
+                        <a:rPr lang="en-US" sz="2800" b="1" i="1">
+                          <a:solidFill>
+                            <a:srgbClr val="FFC000"/>
+                          </a:solidFill>
+                          <a:latin typeface="Cambria Math" panose="02040503050406030204" pitchFamily="18" charset="0"/>
+                        </a:rPr>
+                        <m:t>𝑩</m:t>
+                      </m:r>
+                      <m:r>
+                        <a:rPr lang="en-US" sz="2800" b="1" i="1">
+                          <a:solidFill>
+                            <a:srgbClr val="FFC000"/>
+                          </a:solidFill>
+                          <a:latin typeface="Cambria Math" panose="02040503050406030204" pitchFamily="18" charset="0"/>
+                          <a:ea typeface="Cambria Math" panose="02040503050406030204" pitchFamily="18" charset="0"/>
+                          <a:sym typeface="Wingdings" panose="05000000000000000000" pitchFamily="2" charset="2"/>
+                        </a:rPr>
+                        <m:t>⇌</m:t>
+                      </m:r>
+                      <m:r>
+                        <a:rPr lang="en-US" sz="2800" b="1" i="1" smtClean="0">
+                          <a:solidFill>
+                            <a:srgbClr val="FFC000"/>
+                          </a:solidFill>
+                          <a:latin typeface="Cambria Math" panose="02040503050406030204" pitchFamily="18" charset="0"/>
+                          <a:ea typeface="Cambria Math" panose="02040503050406030204" pitchFamily="18" charset="0"/>
+                          <a:sym typeface="Wingdings" panose="05000000000000000000" pitchFamily="2" charset="2"/>
+                        </a:rPr>
+                        <m:t>𝒄</m:t>
+                      </m:r>
+                      <m:r>
+                        <a:rPr lang="en-US" sz="2800" b="1" i="1">
+                          <a:solidFill>
+                            <a:srgbClr val="FFC000"/>
+                          </a:solidFill>
+                          <a:latin typeface="Cambria Math" panose="02040503050406030204" pitchFamily="18" charset="0"/>
+                          <a:ea typeface="Cambria Math" panose="02040503050406030204" pitchFamily="18" charset="0"/>
+                          <a:sym typeface="Wingdings" panose="05000000000000000000" pitchFamily="2" charset="2"/>
+                        </a:rPr>
+                        <m:t>𝑪</m:t>
+                      </m:r>
+                      <m:r>
+                        <a:rPr lang="en-US" sz="2800" b="1" i="1" smtClean="0">
+                          <a:solidFill>
+                            <a:srgbClr val="FFC000"/>
+                          </a:solidFill>
+                          <a:latin typeface="Cambria Math" panose="02040503050406030204" pitchFamily="18" charset="0"/>
+                          <a:ea typeface="Cambria Math" panose="02040503050406030204" pitchFamily="18" charset="0"/>
+                          <a:sym typeface="Wingdings" panose="05000000000000000000" pitchFamily="2" charset="2"/>
+                        </a:rPr>
+                        <m:t>+</m:t>
+                      </m:r>
+                      <m:r>
+                        <a:rPr lang="en-US" sz="2800" b="1" i="1" smtClean="0">
+                          <a:solidFill>
+                            <a:srgbClr val="FFC000"/>
+                          </a:solidFill>
+                          <a:latin typeface="Cambria Math" panose="02040503050406030204" pitchFamily="18" charset="0"/>
+                          <a:ea typeface="Cambria Math" panose="02040503050406030204" pitchFamily="18" charset="0"/>
+                          <a:sym typeface="Wingdings" panose="05000000000000000000" pitchFamily="2" charset="2"/>
+                        </a:rPr>
+                        <m:t>𝒅𝑫</m:t>
+                      </m:r>
+                    </m:oMath>
+                  </m:oMathPara>
+                </a14:m>
+                <a:endParaRPr lang="en-US" sz="2800" dirty="0"/>
+              </a:p>
+              <a:p>
+                <a:pPr marL="0" indent="0">
+                  <a:buNone/>
+                </a:pPr>
+                <a:r>
+                  <a:rPr lang="en-US" sz="2200" dirty="0"/>
+                  <a:t>The equilibrium can be expressed as a constant in this equation, known as the </a:t>
+                </a:r>
+                <a:r>
+                  <a:rPr lang="en-US" sz="2200" b="1" dirty="0">
+                    <a:solidFill>
+                      <a:srgbClr val="00FF00"/>
+                    </a:solidFill>
+                  </a:rPr>
+                  <a:t>law of mass action</a:t>
+                </a:r>
+                <a:r>
+                  <a:rPr lang="en-US" sz="2200" dirty="0"/>
+                  <a:t> </a:t>
+                </a:r>
+              </a:p>
+              <a:p>
+                <a:pPr marL="0" indent="0">
+                  <a:buNone/>
+                </a:pPr>
+                <a14:m>
+                  <m:oMathPara xmlns:m="http://schemas.openxmlformats.org/officeDocument/2006/math">
+                    <m:oMathParaPr>
+                      <m:jc m:val="centerGroup"/>
+                    </m:oMathParaPr>
+                    <m:oMath xmlns:m="http://schemas.openxmlformats.org/officeDocument/2006/math">
+                      <m:r>
+                        <a:rPr lang="en-US" sz="2800" b="1" i="1" smtClean="0">
+                          <a:solidFill>
+                            <a:srgbClr val="FFC000"/>
+                          </a:solidFill>
+                          <a:latin typeface="Cambria Math" panose="02040503050406030204" pitchFamily="18" charset="0"/>
+                        </a:rPr>
+                        <m:t>𝑲</m:t>
+                      </m:r>
+                      <m:r>
+                        <a:rPr lang="en-US" sz="2800" b="1" i="1" smtClean="0">
+                          <a:solidFill>
+                            <a:srgbClr val="FFC000"/>
+                          </a:solidFill>
+                          <a:latin typeface="Cambria Math" panose="02040503050406030204" pitchFamily="18" charset="0"/>
+                        </a:rPr>
+                        <m:t>=</m:t>
+                      </m:r>
+                      <m:f>
+                        <m:fPr>
+                          <m:ctrlPr>
+                            <a:rPr lang="en-US" sz="2800" b="1" i="1" smtClean="0">
+                              <a:solidFill>
+                                <a:srgbClr val="FFC000"/>
+                              </a:solidFill>
+                              <a:latin typeface="Cambria Math" panose="02040503050406030204" pitchFamily="18" charset="0"/>
+                            </a:rPr>
+                          </m:ctrlPr>
+                        </m:fPr>
+                        <m:num>
+                          <m:d>
+                            <m:dPr>
+                              <m:begChr m:val="["/>
+                              <m:endChr m:val="]"/>
+                              <m:ctrlPr>
+                                <a:rPr lang="en-US" sz="2800" b="1" i="1" smtClean="0">
+                                  <a:solidFill>
+                                    <a:srgbClr val="FFC000"/>
+                                  </a:solidFill>
+                                  <a:latin typeface="Cambria Math" panose="02040503050406030204" pitchFamily="18" charset="0"/>
+                                </a:rPr>
+                              </m:ctrlPr>
+                            </m:dPr>
+                            <m:e>
+                              <m:r>
+                                <a:rPr lang="en-US" sz="2800" b="1" i="1" smtClean="0">
+                                  <a:solidFill>
+                                    <a:srgbClr val="FFC000"/>
+                                  </a:solidFill>
+                                  <a:latin typeface="Cambria Math" panose="02040503050406030204" pitchFamily="18" charset="0"/>
+                                </a:rPr>
+                                <m:t>𝑪</m:t>
+                              </m:r>
+                            </m:e>
+                          </m:d>
+                          <m:r>
+                            <a:rPr lang="en-US" sz="2800" b="1" i="1" baseline="30000" smtClean="0">
+                              <a:solidFill>
+                                <a:srgbClr val="FFC000"/>
+                              </a:solidFill>
+                              <a:latin typeface="Cambria Math" panose="02040503050406030204" pitchFamily="18" charset="0"/>
+                            </a:rPr>
+                            <m:t>𝒄</m:t>
+                          </m:r>
+                          <m:d>
+                            <m:dPr>
+                              <m:begChr m:val="["/>
+                              <m:endChr m:val="]"/>
+                              <m:ctrlPr>
+                                <a:rPr lang="en-US" sz="2800" b="1" i="1">
+                                  <a:solidFill>
+                                    <a:srgbClr val="FFC000"/>
+                                  </a:solidFill>
+                                  <a:latin typeface="Cambria Math" panose="02040503050406030204" pitchFamily="18" charset="0"/>
+                                </a:rPr>
+                              </m:ctrlPr>
+                            </m:dPr>
+                            <m:e>
+                              <m:r>
+                                <a:rPr lang="en-US" sz="2800" b="1" i="1" smtClean="0">
+                                  <a:solidFill>
+                                    <a:srgbClr val="FFC000"/>
+                                  </a:solidFill>
+                                  <a:latin typeface="Cambria Math" panose="02040503050406030204" pitchFamily="18" charset="0"/>
+                                </a:rPr>
+                                <m:t>𝑫</m:t>
+                              </m:r>
+                            </m:e>
+                          </m:d>
+                          <m:r>
+                            <a:rPr lang="en-US" sz="2800" b="1" i="1" baseline="30000" smtClean="0">
+                              <a:solidFill>
+                                <a:srgbClr val="FFC000"/>
+                              </a:solidFill>
+                              <a:latin typeface="Cambria Math" panose="02040503050406030204" pitchFamily="18" charset="0"/>
+                            </a:rPr>
+                            <m:t>𝒅</m:t>
+                          </m:r>
+                        </m:num>
+                        <m:den>
+                          <m:d>
+                            <m:dPr>
+                              <m:begChr m:val="["/>
+                              <m:endChr m:val="]"/>
+                              <m:ctrlPr>
+                                <a:rPr lang="en-US" sz="2800" b="1" i="1">
+                                  <a:solidFill>
+                                    <a:srgbClr val="FFC000"/>
+                                  </a:solidFill>
+                                  <a:latin typeface="Cambria Math" panose="02040503050406030204" pitchFamily="18" charset="0"/>
+                                </a:rPr>
+                              </m:ctrlPr>
+                            </m:dPr>
+                            <m:e>
+                              <m:r>
+                                <a:rPr lang="en-US" sz="2800" b="1" i="1" smtClean="0">
+                                  <a:solidFill>
+                                    <a:srgbClr val="FFC000"/>
+                                  </a:solidFill>
+                                  <a:latin typeface="Cambria Math" panose="02040503050406030204" pitchFamily="18" charset="0"/>
+                                </a:rPr>
+                                <m:t>𝑨</m:t>
+                              </m:r>
+                            </m:e>
+                          </m:d>
+                          <m:r>
+                            <a:rPr lang="en-US" sz="2800" b="1" i="1" baseline="30000" smtClean="0">
+                              <a:solidFill>
+                                <a:srgbClr val="FFC000"/>
+                              </a:solidFill>
+                              <a:latin typeface="Cambria Math" panose="02040503050406030204" pitchFamily="18" charset="0"/>
+                            </a:rPr>
+                            <m:t>𝒂</m:t>
+                          </m:r>
+                          <m:d>
+                            <m:dPr>
+                              <m:begChr m:val="["/>
+                              <m:endChr m:val="]"/>
+                              <m:ctrlPr>
+                                <a:rPr lang="en-US" sz="2800" b="1" i="1">
+                                  <a:solidFill>
+                                    <a:srgbClr val="FFC000"/>
+                                  </a:solidFill>
+                                  <a:latin typeface="Cambria Math" panose="02040503050406030204" pitchFamily="18" charset="0"/>
+                                </a:rPr>
+                              </m:ctrlPr>
+                            </m:dPr>
+                            <m:e>
+                              <m:r>
+                                <a:rPr lang="en-US" sz="2800" b="1" i="1" smtClean="0">
+                                  <a:solidFill>
+                                    <a:srgbClr val="FFC000"/>
+                                  </a:solidFill>
+                                  <a:latin typeface="Cambria Math" panose="02040503050406030204" pitchFamily="18" charset="0"/>
+                                </a:rPr>
+                                <m:t>𝑩</m:t>
+                              </m:r>
+                            </m:e>
+                          </m:d>
+                          <m:r>
+                            <a:rPr lang="en-US" sz="2800" b="1" i="1" baseline="30000" smtClean="0">
+                              <a:solidFill>
+                                <a:srgbClr val="FFC000"/>
+                              </a:solidFill>
+                              <a:latin typeface="Cambria Math" panose="02040503050406030204" pitchFamily="18" charset="0"/>
+                            </a:rPr>
+                            <m:t>𝒃</m:t>
+                          </m:r>
+                        </m:den>
+                      </m:f>
+                    </m:oMath>
+                  </m:oMathPara>
+                </a14:m>
+                <a:endParaRPr lang="en-US" sz="2800" b="1" dirty="0">
+                  <a:solidFill>
+                    <a:srgbClr val="FFC000"/>
+                  </a:solidFill>
+                </a:endParaRPr>
+              </a:p>
+              <a:p>
+                <a:pPr marL="0" indent="0">
+                  <a:buNone/>
+                </a:pPr>
+                <a:r>
+                  <a:rPr lang="en-US" sz="2000" dirty="0"/>
+                  <a:t>Features of equation</a:t>
+                </a:r>
+              </a:p>
+              <a:p>
+                <a:r>
+                  <a:rPr lang="en-US" sz="2000" dirty="0"/>
+                  <a:t>Products are in numerator, reactants are in denominator</a:t>
+                </a:r>
+              </a:p>
+              <a:p>
+                <a:r>
+                  <a:rPr lang="en-US" sz="2000" dirty="0"/>
+                  <a:t>Brackets express concentration in molarity (units = molar)</a:t>
+                </a:r>
+              </a:p>
+              <a:p>
+                <a:r>
+                  <a:rPr lang="en-US" sz="2000" dirty="0"/>
+                  <a:t>Expression is a quotient of products (multiplication)</a:t>
+                </a:r>
+              </a:p>
+              <a:p>
+                <a:r>
+                  <a:rPr lang="en-US" sz="2000" dirty="0"/>
+                  <a:t>Coefficients of reaction are exponents in the expression (if coefficient = 1, no exponent needed)</a:t>
+                </a:r>
+              </a:p>
+              <a:p>
+                <a:r>
+                  <a:rPr lang="en-US" sz="2000" dirty="0"/>
+                  <a:t>Solids, liquids, solvents have value = 1, so they have no effect </a:t>
+                </a:r>
+                <a:r>
+                  <a:rPr lang="en-US" sz="2000"/>
+                  <a:t>on equation</a:t>
+                </a:r>
+                <a:endParaRPr lang="en-US" sz="2000" dirty="0"/>
+              </a:p>
+            </p:txBody>
+          </p:sp>
+        </mc:Choice>
+        <mc:Fallback>
+          <p:sp>
+            <p:nvSpPr>
+              <p:cNvPr id="5" name="Content Placeholder 4">
+                <a:extLst>
+                  <a:ext uri="{FF2B5EF4-FFF2-40B4-BE49-F238E27FC236}">
+                    <a16:creationId xmlns:a16="http://schemas.microsoft.com/office/drawing/2014/main" id="{4F5BFD8A-92E3-A5B7-AE8F-127EA2EDF427}"/>
+                  </a:ext>
+                </a:extLst>
+              </p:cNvPr>
+              <p:cNvSpPr>
+                <a:spLocks noGrp="1" noRot="1" noChangeAspect="1" noMove="1" noResize="1" noEditPoints="1" noAdjustHandles="1" noChangeArrowheads="1" noChangeShapeType="1" noTextEdit="1"/>
+              </p:cNvSpPr>
+              <p:nvPr>
+                <p:ph idx="1"/>
+              </p:nvPr>
+            </p:nvSpPr>
+            <p:spPr>
+              <a:xfrm>
+                <a:off x="372533" y="1044737"/>
+                <a:ext cx="8387645" cy="5502819"/>
+              </a:xfrm>
+              <a:blipFill>
+                <a:blip r:embed="rId2"/>
+                <a:stretch>
+                  <a:fillRect l="-945" t="-554" b="-2990"/>
+                </a:stretch>
+              </a:blipFill>
+            </p:spPr>
+            <p:txBody>
+              <a:bodyPr/>
+              <a:lstStyle/>
+              <a:p>
+                <a:r>
+                  <a:rPr lang="en-US">
+                    <a:noFill/>
+                  </a:rPr>
+                  <a:t> </a:t>
+                </a:r>
+              </a:p>
+            </p:txBody>
+          </p:sp>
+        </mc:Fallback>
+      </mc:AlternateContent>
+      <p:sp>
+        <p:nvSpPr>
+          <p:cNvPr id="2" name="Slide Number Placeholder 1">
+            <a:extLst>
+              <a:ext uri="{FF2B5EF4-FFF2-40B4-BE49-F238E27FC236}">
+                <a16:creationId xmlns:a16="http://schemas.microsoft.com/office/drawing/2014/main" id="{6E76E9B1-8DA4-7180-E945-F28A6B60AD81}"/>
+              </a:ext>
+            </a:extLst>
+          </p:cNvPr>
+          <p:cNvSpPr>
+            <a:spLocks noGrp="1"/>
+          </p:cNvSpPr>
+          <p:nvPr>
+            <p:ph type="sldNum" sz="quarter" idx="10"/>
+          </p:nvPr>
+        </p:nvSpPr>
+        <p:spPr/>
+        <p:txBody>
+          <a:bodyPr/>
+          <a:lstStyle/>
+          <a:p>
+            <a:fld id="{DE0D52F3-54CA-4E42-BFA9-4F0301781925}" type="slidenum">
+              <a:rPr lang="en-US" smtClean="0"/>
+              <a:pPr/>
+              <a:t>21</a:t>
+            </a:fld>
+            <a:endParaRPr lang="en-US" sz="1400" dirty="0"/>
+          </a:p>
+        </p:txBody>
+      </p:sp>
+    </p:spTree>
+    <p:extLst>
+      <p:ext uri="{BB962C8B-B14F-4D97-AF65-F5344CB8AC3E}">
+        <p14:creationId xmlns:p14="http://schemas.microsoft.com/office/powerpoint/2010/main" val="2261181748"/>
+      </p:ext>
+    </p:extLst>
+  </p:cSld>
+  <p:clrMapOvr>
+    <a:masterClrMapping/>
+  </p:clrMapOvr>
+</p:sld>
+</file>
+
+<file path=ppt/slides/slide22.xml><?xml version="1.0" encoding="utf-8"?>
+<p:sld xmlns:a="http://schemas.openxmlformats.org/drawingml/2006/main" xmlns:r="http://schemas.openxmlformats.org/officeDocument/2006/relationships" xmlns:p="http://schemas.openxmlformats.org/presentationml/2006/main">
+  <p:cSld>
+    <p:spTree>
+      <p:nvGrpSpPr>
+        <p:cNvPr id="1" name="">
+          <a:extLst>
+            <a:ext uri="{FF2B5EF4-FFF2-40B4-BE49-F238E27FC236}">
+              <a16:creationId xmlns:a16="http://schemas.microsoft.com/office/drawing/2014/main" id="{A53E1A7B-40F9-DDC6-3F89-F8EF49EDC960}"/>
+            </a:ext>
+          </a:extLst>
+        </p:cNvPr>
+        <p:cNvGrpSpPr/>
+        <p:nvPr/>
+      </p:nvGrpSpPr>
+      <p:grpSpPr>
+        <a:xfrm>
+          <a:off x="0" y="0"/>
+          <a:ext cx="0" cy="0"/>
+          <a:chOff x="0" y="0"/>
+          <a:chExt cx="0" cy="0"/>
+        </a:xfrm>
+      </p:grpSpPr>
+      <p:sp>
+        <p:nvSpPr>
+          <p:cNvPr id="4" name="Title 3">
+            <a:extLst>
+              <a:ext uri="{FF2B5EF4-FFF2-40B4-BE49-F238E27FC236}">
+                <a16:creationId xmlns:a16="http://schemas.microsoft.com/office/drawing/2014/main" id="{66D77716-9CA6-6C99-91E9-DF3BC38F7E62}"/>
               </a:ext>
             </a:extLst>
           </p:cNvPr>
@@ -11617,13 +15712,8 @@
           <a:p>
             <a:r>
               <a:rPr lang="en-US" sz="4000" dirty="0"/>
-              <a:t>Special Types </a:t>
-            </a:r>
-            <a:r>
-              <a:rPr lang="en-US" sz="4000"/>
-              <a:t>of Equilibria</a:t>
-            </a:r>
-            <a:endParaRPr lang="en-US" sz="4000" dirty="0"/>
+              <a:t>Equilibrium Constant Expression</a:t>
+            </a:r>
           </a:p>
         </p:txBody>
       </p:sp>
@@ -11632,7 +15722,7 @@
           <p:cNvPr id="5" name="Content Placeholder 4">
             <a:extLst>
               <a:ext uri="{FF2B5EF4-FFF2-40B4-BE49-F238E27FC236}">
-                <a16:creationId xmlns:a16="http://schemas.microsoft.com/office/drawing/2014/main" id="{48403710-F56E-99E7-9067-E4543A116870}"/>
+                <a16:creationId xmlns:a16="http://schemas.microsoft.com/office/drawing/2014/main" id="{57954D30-383C-673D-CC7E-F44ABB99DA65}"/>
               </a:ext>
             </a:extLst>
           </p:cNvPr>
@@ -11678,10 +15768,10 @@
       </p:sp>
       <p:pic>
         <p:nvPicPr>
-          <p:cNvPr id="6" name="Picture 5">
+          <p:cNvPr id="3" name="Picture 2">
             <a:extLst>
               <a:ext uri="{FF2B5EF4-FFF2-40B4-BE49-F238E27FC236}">
-                <a16:creationId xmlns:a16="http://schemas.microsoft.com/office/drawing/2014/main" id="{D2D7F758-70B2-B4BD-C9A5-4701E906F826}"/>
+                <a16:creationId xmlns:a16="http://schemas.microsoft.com/office/drawing/2014/main" id="{8A47EE72-1374-C0D6-6453-C9CC65DD2BB4}"/>
               </a:ext>
             </a:extLst>
           </p:cNvPr>
@@ -11698,18 +15788,1299 @@
         </p:blipFill>
         <p:spPr>
           <a:xfrm>
-            <a:off x="1104416" y="1714260"/>
-            <a:ext cx="6935168" cy="3429479"/>
+            <a:off x="935765" y="1162897"/>
+            <a:ext cx="7278116" cy="5553850"/>
           </a:xfrm>
           <a:prstGeom prst="rect">
             <a:avLst/>
           </a:prstGeom>
         </p:spPr>
       </p:pic>
+      <p:sp>
+        <p:nvSpPr>
+          <p:cNvPr id="2" name="Slide Number Placeholder 1">
+            <a:extLst>
+              <a:ext uri="{FF2B5EF4-FFF2-40B4-BE49-F238E27FC236}">
+                <a16:creationId xmlns:a16="http://schemas.microsoft.com/office/drawing/2014/main" id="{6FB9ABDB-3F96-4377-04F2-A9A78B6EE271}"/>
+              </a:ext>
+            </a:extLst>
+          </p:cNvPr>
+          <p:cNvSpPr>
+            <a:spLocks noGrp="1"/>
+          </p:cNvSpPr>
+          <p:nvPr>
+            <p:ph type="sldNum" sz="quarter" idx="10"/>
+          </p:nvPr>
+        </p:nvSpPr>
+        <p:spPr/>
+        <p:txBody>
+          <a:bodyPr/>
+          <a:lstStyle/>
+          <a:p>
+            <a:fld id="{DE0D52F3-54CA-4E42-BFA9-4F0301781925}" type="slidenum">
+              <a:rPr lang="en-US" smtClean="0"/>
+              <a:pPr/>
+              <a:t>22</a:t>
+            </a:fld>
+            <a:endParaRPr lang="en-US" sz="1400" dirty="0"/>
+          </a:p>
+        </p:txBody>
+      </p:sp>
     </p:spTree>
     <p:extLst>
       <p:ext uri="{BB962C8B-B14F-4D97-AF65-F5344CB8AC3E}">
-        <p14:creationId xmlns:p14="http://schemas.microsoft.com/office/powerpoint/2010/main" val="2387547999"/>
+        <p14:creationId xmlns:p14="http://schemas.microsoft.com/office/powerpoint/2010/main" val="1431065154"/>
+      </p:ext>
+    </p:extLst>
+  </p:cSld>
+  <p:clrMapOvr>
+    <a:masterClrMapping/>
+  </p:clrMapOvr>
+</p:sld>
+</file>
+
+<file path=ppt/slides/slide23.xml><?xml version="1.0" encoding="utf-8"?>
+<p:sld xmlns:a="http://schemas.openxmlformats.org/drawingml/2006/main" xmlns:r="http://schemas.openxmlformats.org/officeDocument/2006/relationships" xmlns:p="http://schemas.openxmlformats.org/presentationml/2006/main">
+  <p:cSld>
+    <p:spTree>
+      <p:nvGrpSpPr>
+        <p:cNvPr id="1" name="">
+          <a:extLst>
+            <a:ext uri="{FF2B5EF4-FFF2-40B4-BE49-F238E27FC236}">
+              <a16:creationId xmlns:a16="http://schemas.microsoft.com/office/drawing/2014/main" id="{D35D8FAA-339F-07AD-34A9-BFFB63081571}"/>
+            </a:ext>
+          </a:extLst>
+        </p:cNvPr>
+        <p:cNvGrpSpPr/>
+        <p:nvPr/>
+      </p:nvGrpSpPr>
+      <p:grpSpPr>
+        <a:xfrm>
+          <a:off x="0" y="0"/>
+          <a:ext cx="0" cy="0"/>
+          <a:chOff x="0" y="0"/>
+          <a:chExt cx="0" cy="0"/>
+        </a:xfrm>
+      </p:grpSpPr>
+      <p:sp>
+        <p:nvSpPr>
+          <p:cNvPr id="4" name="Title 3">
+            <a:extLst>
+              <a:ext uri="{FF2B5EF4-FFF2-40B4-BE49-F238E27FC236}">
+                <a16:creationId xmlns:a16="http://schemas.microsoft.com/office/drawing/2014/main" id="{A1391733-499B-0443-5833-2D3B7CDC9201}"/>
+              </a:ext>
+            </a:extLst>
+          </p:cNvPr>
+          <p:cNvSpPr>
+            <a:spLocks noGrp="1"/>
+          </p:cNvSpPr>
+          <p:nvPr>
+            <p:ph type="title"/>
+          </p:nvPr>
+        </p:nvSpPr>
+        <p:spPr>
+          <a:xfrm>
+            <a:off x="364067" y="306073"/>
+            <a:ext cx="8421512" cy="707886"/>
+          </a:xfrm>
+        </p:spPr>
+        <p:txBody>
+          <a:bodyPr/>
+          <a:lstStyle/>
+          <a:p>
+            <a:r>
+              <a:rPr lang="en-US" sz="4000" dirty="0"/>
+              <a:t>Equilibrium Constant Expression</a:t>
+            </a:r>
+          </a:p>
+        </p:txBody>
+      </p:sp>
+      <p:sp>
+        <p:nvSpPr>
+          <p:cNvPr id="5" name="Content Placeholder 4">
+            <a:extLst>
+              <a:ext uri="{FF2B5EF4-FFF2-40B4-BE49-F238E27FC236}">
+                <a16:creationId xmlns:a16="http://schemas.microsoft.com/office/drawing/2014/main" id="{DC93FDB1-FA69-E37F-DE13-8F9CBE8E95F8}"/>
+              </a:ext>
+            </a:extLst>
+          </p:cNvPr>
+          <p:cNvSpPr>
+            <a:spLocks noGrp="1"/>
+          </p:cNvSpPr>
+          <p:nvPr>
+            <p:ph idx="1"/>
+          </p:nvPr>
+        </p:nvSpPr>
+        <p:spPr/>
+        <p:txBody>
+          <a:bodyPr/>
+          <a:lstStyle/>
+          <a:p>
+            <a:pPr marL="0" indent="0">
+              <a:buNone/>
+            </a:pPr>
+            <a:r>
+              <a:rPr lang="en-US" sz="2800" dirty="0"/>
+              <a:t>Temperature</a:t>
+            </a:r>
+          </a:p>
+          <a:p>
+            <a:pPr marL="0" indent="0">
+              <a:buNone/>
+            </a:pPr>
+            <a:r>
+              <a:rPr lang="en-US" sz="2800" dirty="0"/>
+              <a:t>Concentration</a:t>
+            </a:r>
+          </a:p>
+          <a:p>
+            <a:pPr marL="0" indent="0">
+              <a:buNone/>
+            </a:pPr>
+            <a:r>
+              <a:rPr lang="en-US" sz="2800" dirty="0"/>
+              <a:t>Catalysts</a:t>
+            </a:r>
+          </a:p>
+        </p:txBody>
+      </p:sp>
+      <p:pic>
+        <p:nvPicPr>
+          <p:cNvPr id="6" name="Picture 5">
+            <a:extLst>
+              <a:ext uri="{FF2B5EF4-FFF2-40B4-BE49-F238E27FC236}">
+                <a16:creationId xmlns:a16="http://schemas.microsoft.com/office/drawing/2014/main" id="{5E9A8C93-1E04-65F4-EAFF-320AF81C1F48}"/>
+              </a:ext>
+            </a:extLst>
+          </p:cNvPr>
+          <p:cNvPicPr>
+            <a:picLocks noChangeAspect="1"/>
+          </p:cNvPicPr>
+          <p:nvPr/>
+        </p:nvPicPr>
+        <p:blipFill>
+          <a:blip r:embed="rId2"/>
+          <a:stretch>
+            <a:fillRect/>
+          </a:stretch>
+        </p:blipFill>
+        <p:spPr>
+          <a:xfrm>
+            <a:off x="1194916" y="1428471"/>
+            <a:ext cx="6754168" cy="4001058"/>
+          </a:xfrm>
+          <a:prstGeom prst="rect">
+            <a:avLst/>
+          </a:prstGeom>
+        </p:spPr>
+      </p:pic>
+      <p:sp>
+        <p:nvSpPr>
+          <p:cNvPr id="2" name="Slide Number Placeholder 1">
+            <a:extLst>
+              <a:ext uri="{FF2B5EF4-FFF2-40B4-BE49-F238E27FC236}">
+                <a16:creationId xmlns:a16="http://schemas.microsoft.com/office/drawing/2014/main" id="{DEC4C138-6593-C3E9-DDE3-8A769D287615}"/>
+              </a:ext>
+            </a:extLst>
+          </p:cNvPr>
+          <p:cNvSpPr>
+            <a:spLocks noGrp="1"/>
+          </p:cNvSpPr>
+          <p:nvPr>
+            <p:ph type="sldNum" sz="quarter" idx="10"/>
+          </p:nvPr>
+        </p:nvSpPr>
+        <p:spPr/>
+        <p:txBody>
+          <a:bodyPr/>
+          <a:lstStyle/>
+          <a:p>
+            <a:fld id="{DE0D52F3-54CA-4E42-BFA9-4F0301781925}" type="slidenum">
+              <a:rPr lang="en-US" smtClean="0"/>
+              <a:pPr/>
+              <a:t>23</a:t>
+            </a:fld>
+            <a:endParaRPr lang="en-US" sz="1400" dirty="0"/>
+          </a:p>
+        </p:txBody>
+      </p:sp>
+    </p:spTree>
+    <p:extLst>
+      <p:ext uri="{BB962C8B-B14F-4D97-AF65-F5344CB8AC3E}">
+        <p14:creationId xmlns:p14="http://schemas.microsoft.com/office/powerpoint/2010/main" val="2995347531"/>
+      </p:ext>
+    </p:extLst>
+  </p:cSld>
+  <p:clrMapOvr>
+    <a:masterClrMapping/>
+  </p:clrMapOvr>
+</p:sld>
+</file>
+
+<file path=ppt/slides/slide24.xml><?xml version="1.0" encoding="utf-8"?>
+<p:sld xmlns:a="http://schemas.openxmlformats.org/drawingml/2006/main" xmlns:r="http://schemas.openxmlformats.org/officeDocument/2006/relationships" xmlns:p="http://schemas.openxmlformats.org/presentationml/2006/main">
+  <p:cSld>
+    <p:spTree>
+      <p:nvGrpSpPr>
+        <p:cNvPr id="1" name="">
+          <a:extLst>
+            <a:ext uri="{FF2B5EF4-FFF2-40B4-BE49-F238E27FC236}">
+              <a16:creationId xmlns:a16="http://schemas.microsoft.com/office/drawing/2014/main" id="{E03317A3-1F61-86C0-FB05-72F95F12F9F8}"/>
+            </a:ext>
+          </a:extLst>
+        </p:cNvPr>
+        <p:cNvGrpSpPr/>
+        <p:nvPr/>
+      </p:nvGrpSpPr>
+      <p:grpSpPr>
+        <a:xfrm>
+          <a:off x="0" y="0"/>
+          <a:ext cx="0" cy="0"/>
+          <a:chOff x="0" y="0"/>
+          <a:chExt cx="0" cy="0"/>
+        </a:xfrm>
+      </p:grpSpPr>
+      <p:sp>
+        <p:nvSpPr>
+          <p:cNvPr id="4" name="Title 3">
+            <a:extLst>
+              <a:ext uri="{FF2B5EF4-FFF2-40B4-BE49-F238E27FC236}">
+                <a16:creationId xmlns:a16="http://schemas.microsoft.com/office/drawing/2014/main" id="{F86BC485-D5BA-4879-6B9C-B1E30B4B04D1}"/>
+              </a:ext>
+            </a:extLst>
+          </p:cNvPr>
+          <p:cNvSpPr>
+            <a:spLocks noGrp="1"/>
+          </p:cNvSpPr>
+          <p:nvPr>
+            <p:ph type="title"/>
+          </p:nvPr>
+        </p:nvSpPr>
+        <p:spPr>
+          <a:xfrm>
+            <a:off x="364067" y="306073"/>
+            <a:ext cx="8421512" cy="707886"/>
+          </a:xfrm>
+        </p:spPr>
+        <p:txBody>
+          <a:bodyPr/>
+          <a:lstStyle/>
+          <a:p>
+            <a:r>
+              <a:rPr lang="en-US" sz="4000" dirty="0"/>
+              <a:t>Le Chatelier’s Principle</a:t>
+            </a:r>
+          </a:p>
+        </p:txBody>
+      </p:sp>
+      <p:sp>
+        <p:nvSpPr>
+          <p:cNvPr id="5" name="Content Placeholder 4">
+            <a:extLst>
+              <a:ext uri="{FF2B5EF4-FFF2-40B4-BE49-F238E27FC236}">
+                <a16:creationId xmlns:a16="http://schemas.microsoft.com/office/drawing/2014/main" id="{1336AF9B-6EBF-EACE-C6B3-6563D68160CF}"/>
+              </a:ext>
+            </a:extLst>
+          </p:cNvPr>
+          <p:cNvSpPr>
+            <a:spLocks noGrp="1"/>
+          </p:cNvSpPr>
+          <p:nvPr>
+            <p:ph idx="1"/>
+          </p:nvPr>
+        </p:nvSpPr>
+        <p:spPr/>
+        <p:txBody>
+          <a:bodyPr/>
+          <a:lstStyle/>
+          <a:p>
+            <a:pPr marL="0" indent="0">
+              <a:buNone/>
+            </a:pPr>
+            <a:r>
+              <a:rPr lang="en-US" sz="2800" dirty="0"/>
+              <a:t>Temperature</a:t>
+            </a:r>
+          </a:p>
+          <a:p>
+            <a:pPr marL="0" indent="0">
+              <a:buNone/>
+            </a:pPr>
+            <a:r>
+              <a:rPr lang="en-US" sz="2800" dirty="0"/>
+              <a:t>Concentration</a:t>
+            </a:r>
+          </a:p>
+          <a:p>
+            <a:pPr marL="0" indent="0">
+              <a:buNone/>
+            </a:pPr>
+            <a:r>
+              <a:rPr lang="en-US" sz="2800" dirty="0"/>
+              <a:t>Catalysts</a:t>
+            </a:r>
+          </a:p>
+        </p:txBody>
+      </p:sp>
+      <p:pic>
+        <p:nvPicPr>
+          <p:cNvPr id="3" name="Picture 2">
+            <a:extLst>
+              <a:ext uri="{FF2B5EF4-FFF2-40B4-BE49-F238E27FC236}">
+                <a16:creationId xmlns:a16="http://schemas.microsoft.com/office/drawing/2014/main" id="{83A5406D-8CDF-A01F-60B9-EC06B49ACFA1}"/>
+              </a:ext>
+            </a:extLst>
+          </p:cNvPr>
+          <p:cNvPicPr>
+            <a:picLocks noChangeAspect="1"/>
+          </p:cNvPicPr>
+          <p:nvPr/>
+        </p:nvPicPr>
+        <p:blipFill>
+          <a:blip r:embed="rId2"/>
+          <a:stretch>
+            <a:fillRect/>
+          </a:stretch>
+        </p:blipFill>
+        <p:spPr>
+          <a:xfrm>
+            <a:off x="2304733" y="1075996"/>
+            <a:ext cx="4534533" cy="4706007"/>
+          </a:xfrm>
+          <a:prstGeom prst="rect">
+            <a:avLst/>
+          </a:prstGeom>
+        </p:spPr>
+      </p:pic>
+      <p:sp>
+        <p:nvSpPr>
+          <p:cNvPr id="2" name="Slide Number Placeholder 1">
+            <a:extLst>
+              <a:ext uri="{FF2B5EF4-FFF2-40B4-BE49-F238E27FC236}">
+                <a16:creationId xmlns:a16="http://schemas.microsoft.com/office/drawing/2014/main" id="{14B2FBDC-15E4-2BE2-474A-51DD9941BE84}"/>
+              </a:ext>
+            </a:extLst>
+          </p:cNvPr>
+          <p:cNvSpPr>
+            <a:spLocks noGrp="1"/>
+          </p:cNvSpPr>
+          <p:nvPr>
+            <p:ph type="sldNum" sz="quarter" idx="10"/>
+          </p:nvPr>
+        </p:nvSpPr>
+        <p:spPr/>
+        <p:txBody>
+          <a:bodyPr/>
+          <a:lstStyle/>
+          <a:p>
+            <a:fld id="{DE0D52F3-54CA-4E42-BFA9-4F0301781925}" type="slidenum">
+              <a:rPr lang="en-US" smtClean="0"/>
+              <a:pPr/>
+              <a:t>24</a:t>
+            </a:fld>
+            <a:endParaRPr lang="en-US" sz="1400" dirty="0"/>
+          </a:p>
+        </p:txBody>
+      </p:sp>
+    </p:spTree>
+    <p:extLst>
+      <p:ext uri="{BB962C8B-B14F-4D97-AF65-F5344CB8AC3E}">
+        <p14:creationId xmlns:p14="http://schemas.microsoft.com/office/powerpoint/2010/main" val="1853418567"/>
+      </p:ext>
+    </p:extLst>
+  </p:cSld>
+  <p:clrMapOvr>
+    <a:masterClrMapping/>
+  </p:clrMapOvr>
+</p:sld>
+</file>
+
+<file path=ppt/slides/slide25.xml><?xml version="1.0" encoding="utf-8"?>
+<p:sld xmlns:a="http://schemas.openxmlformats.org/drawingml/2006/main" xmlns:r="http://schemas.openxmlformats.org/officeDocument/2006/relationships" xmlns:p="http://schemas.openxmlformats.org/presentationml/2006/main">
+  <p:cSld>
+    <p:spTree>
+      <p:nvGrpSpPr>
+        <p:cNvPr id="1" name="">
+          <a:extLst>
+            <a:ext uri="{FF2B5EF4-FFF2-40B4-BE49-F238E27FC236}">
+              <a16:creationId xmlns:a16="http://schemas.microsoft.com/office/drawing/2014/main" id="{DC049750-E71A-8C4B-721C-114E20C52860}"/>
+            </a:ext>
+          </a:extLst>
+        </p:cNvPr>
+        <p:cNvGrpSpPr/>
+        <p:nvPr/>
+      </p:nvGrpSpPr>
+      <p:grpSpPr>
+        <a:xfrm>
+          <a:off x="0" y="0"/>
+          <a:ext cx="0" cy="0"/>
+          <a:chOff x="0" y="0"/>
+          <a:chExt cx="0" cy="0"/>
+        </a:xfrm>
+      </p:grpSpPr>
+      <p:sp>
+        <p:nvSpPr>
+          <p:cNvPr id="4" name="Title 3">
+            <a:extLst>
+              <a:ext uri="{FF2B5EF4-FFF2-40B4-BE49-F238E27FC236}">
+                <a16:creationId xmlns:a16="http://schemas.microsoft.com/office/drawing/2014/main" id="{CD2B1180-841C-F8B8-A154-A21684158CD0}"/>
+              </a:ext>
+            </a:extLst>
+          </p:cNvPr>
+          <p:cNvSpPr>
+            <a:spLocks noGrp="1"/>
+          </p:cNvSpPr>
+          <p:nvPr>
+            <p:ph type="title"/>
+          </p:nvPr>
+        </p:nvSpPr>
+        <p:spPr>
+          <a:xfrm>
+            <a:off x="364067" y="306073"/>
+            <a:ext cx="8421512" cy="707886"/>
+          </a:xfrm>
+        </p:spPr>
+        <p:txBody>
+          <a:bodyPr/>
+          <a:lstStyle/>
+          <a:p>
+            <a:r>
+              <a:rPr lang="en-US" sz="4000" dirty="0"/>
+              <a:t>Le Chatelier’s Principle</a:t>
+            </a:r>
+          </a:p>
+        </p:txBody>
+      </p:sp>
+      <p:sp>
+        <p:nvSpPr>
+          <p:cNvPr id="5" name="Content Placeholder 4">
+            <a:extLst>
+              <a:ext uri="{FF2B5EF4-FFF2-40B4-BE49-F238E27FC236}">
+                <a16:creationId xmlns:a16="http://schemas.microsoft.com/office/drawing/2014/main" id="{03026967-6BFF-F672-8F04-3DB1FD510630}"/>
+              </a:ext>
+            </a:extLst>
+          </p:cNvPr>
+          <p:cNvSpPr>
+            <a:spLocks noGrp="1"/>
+          </p:cNvSpPr>
+          <p:nvPr>
+            <p:ph idx="1"/>
+          </p:nvPr>
+        </p:nvSpPr>
+        <p:spPr/>
+        <p:txBody>
+          <a:bodyPr/>
+          <a:lstStyle/>
+          <a:p>
+            <a:pPr marL="0" indent="0">
+              <a:buNone/>
+            </a:pPr>
+            <a:r>
+              <a:rPr lang="en-US" sz="2800" dirty="0"/>
+              <a:t>Temperature</a:t>
+            </a:r>
+          </a:p>
+          <a:p>
+            <a:pPr marL="0" indent="0">
+              <a:buNone/>
+            </a:pPr>
+            <a:r>
+              <a:rPr lang="en-US" sz="2800" dirty="0"/>
+              <a:t>Concentration</a:t>
+            </a:r>
+          </a:p>
+          <a:p>
+            <a:pPr marL="0" indent="0">
+              <a:buNone/>
+            </a:pPr>
+            <a:r>
+              <a:rPr lang="en-US" sz="2800" dirty="0"/>
+              <a:t>Catalysts</a:t>
+            </a:r>
+          </a:p>
+        </p:txBody>
+      </p:sp>
+      <p:pic>
+        <p:nvPicPr>
+          <p:cNvPr id="6" name="Picture 5">
+            <a:extLst>
+              <a:ext uri="{FF2B5EF4-FFF2-40B4-BE49-F238E27FC236}">
+                <a16:creationId xmlns:a16="http://schemas.microsoft.com/office/drawing/2014/main" id="{575ADAE2-A36F-C97F-7A79-0623C345A491}"/>
+              </a:ext>
+            </a:extLst>
+          </p:cNvPr>
+          <p:cNvPicPr>
+            <a:picLocks noChangeAspect="1"/>
+          </p:cNvPicPr>
+          <p:nvPr/>
+        </p:nvPicPr>
+        <p:blipFill>
+          <a:blip r:embed="rId2"/>
+          <a:stretch>
+            <a:fillRect/>
+          </a:stretch>
+        </p:blipFill>
+        <p:spPr>
+          <a:xfrm>
+            <a:off x="1509285" y="1276049"/>
+            <a:ext cx="6125430" cy="4305901"/>
+          </a:xfrm>
+          <a:prstGeom prst="rect">
+            <a:avLst/>
+          </a:prstGeom>
+        </p:spPr>
+      </p:pic>
+      <p:sp>
+        <p:nvSpPr>
+          <p:cNvPr id="2" name="Slide Number Placeholder 1">
+            <a:extLst>
+              <a:ext uri="{FF2B5EF4-FFF2-40B4-BE49-F238E27FC236}">
+                <a16:creationId xmlns:a16="http://schemas.microsoft.com/office/drawing/2014/main" id="{8B7AEAF9-1A52-2623-550C-3E45E0D1196D}"/>
+              </a:ext>
+            </a:extLst>
+          </p:cNvPr>
+          <p:cNvSpPr>
+            <a:spLocks noGrp="1"/>
+          </p:cNvSpPr>
+          <p:nvPr>
+            <p:ph type="sldNum" sz="quarter" idx="10"/>
+          </p:nvPr>
+        </p:nvSpPr>
+        <p:spPr/>
+        <p:txBody>
+          <a:bodyPr/>
+          <a:lstStyle/>
+          <a:p>
+            <a:fld id="{DE0D52F3-54CA-4E42-BFA9-4F0301781925}" type="slidenum">
+              <a:rPr lang="en-US" smtClean="0"/>
+              <a:pPr/>
+              <a:t>25</a:t>
+            </a:fld>
+            <a:endParaRPr lang="en-US" sz="1400" dirty="0"/>
+          </a:p>
+        </p:txBody>
+      </p:sp>
+    </p:spTree>
+    <p:extLst>
+      <p:ext uri="{BB962C8B-B14F-4D97-AF65-F5344CB8AC3E}">
+        <p14:creationId xmlns:p14="http://schemas.microsoft.com/office/powerpoint/2010/main" val="2686334856"/>
+      </p:ext>
+    </p:extLst>
+  </p:cSld>
+  <p:clrMapOvr>
+    <a:masterClrMapping/>
+  </p:clrMapOvr>
+</p:sld>
+</file>
+
+<file path=ppt/slides/slide26.xml><?xml version="1.0" encoding="utf-8"?>
+<p:sld xmlns:a="http://schemas.openxmlformats.org/drawingml/2006/main" xmlns:r="http://schemas.openxmlformats.org/officeDocument/2006/relationships" xmlns:p="http://schemas.openxmlformats.org/presentationml/2006/main">
+  <p:cSld>
+    <p:spTree>
+      <p:nvGrpSpPr>
+        <p:cNvPr id="1" name="">
+          <a:extLst>
+            <a:ext uri="{FF2B5EF4-FFF2-40B4-BE49-F238E27FC236}">
+              <a16:creationId xmlns:a16="http://schemas.microsoft.com/office/drawing/2014/main" id="{EC1FDDFD-14A7-EEF6-BCA2-A5EDF08790C7}"/>
+            </a:ext>
+          </a:extLst>
+        </p:cNvPr>
+        <p:cNvGrpSpPr/>
+        <p:nvPr/>
+      </p:nvGrpSpPr>
+      <p:grpSpPr>
+        <a:xfrm>
+          <a:off x="0" y="0"/>
+          <a:ext cx="0" cy="0"/>
+          <a:chOff x="0" y="0"/>
+          <a:chExt cx="0" cy="0"/>
+        </a:xfrm>
+      </p:grpSpPr>
+      <p:sp>
+        <p:nvSpPr>
+          <p:cNvPr id="4" name="Title 3">
+            <a:extLst>
+              <a:ext uri="{FF2B5EF4-FFF2-40B4-BE49-F238E27FC236}">
+                <a16:creationId xmlns:a16="http://schemas.microsoft.com/office/drawing/2014/main" id="{CF3B325A-5B33-1BCF-1392-ED8C2F4E3B96}"/>
+              </a:ext>
+            </a:extLst>
+          </p:cNvPr>
+          <p:cNvSpPr>
+            <a:spLocks noGrp="1"/>
+          </p:cNvSpPr>
+          <p:nvPr>
+            <p:ph type="title"/>
+          </p:nvPr>
+        </p:nvSpPr>
+        <p:spPr>
+          <a:xfrm>
+            <a:off x="364067" y="306073"/>
+            <a:ext cx="8421512" cy="707886"/>
+          </a:xfrm>
+        </p:spPr>
+        <p:txBody>
+          <a:bodyPr/>
+          <a:lstStyle/>
+          <a:p>
+            <a:r>
+              <a:rPr lang="en-US" sz="4000" dirty="0"/>
+              <a:t>Le Chatelier’s Principle</a:t>
+            </a:r>
+          </a:p>
+        </p:txBody>
+      </p:sp>
+      <p:sp>
+        <p:nvSpPr>
+          <p:cNvPr id="5" name="Content Placeholder 4">
+            <a:extLst>
+              <a:ext uri="{FF2B5EF4-FFF2-40B4-BE49-F238E27FC236}">
+                <a16:creationId xmlns:a16="http://schemas.microsoft.com/office/drawing/2014/main" id="{396E2A67-748B-FC2D-11E2-6A7529F5EB80}"/>
+              </a:ext>
+            </a:extLst>
+          </p:cNvPr>
+          <p:cNvSpPr>
+            <a:spLocks noGrp="1"/>
+          </p:cNvSpPr>
+          <p:nvPr>
+            <p:ph idx="1"/>
+          </p:nvPr>
+        </p:nvSpPr>
+        <p:spPr/>
+        <p:txBody>
+          <a:bodyPr/>
+          <a:lstStyle/>
+          <a:p>
+            <a:pPr marL="0" indent="0">
+              <a:buNone/>
+            </a:pPr>
+            <a:r>
+              <a:rPr lang="en-US" sz="2800" dirty="0"/>
+              <a:t>Temperature</a:t>
+            </a:r>
+          </a:p>
+          <a:p>
+            <a:pPr marL="0" indent="0">
+              <a:buNone/>
+            </a:pPr>
+            <a:r>
+              <a:rPr lang="en-US" sz="2800" dirty="0"/>
+              <a:t>Concentration</a:t>
+            </a:r>
+          </a:p>
+          <a:p>
+            <a:pPr marL="0" indent="0">
+              <a:buNone/>
+            </a:pPr>
+            <a:r>
+              <a:rPr lang="en-US" sz="2800" dirty="0"/>
+              <a:t>Catalysts</a:t>
+            </a:r>
+          </a:p>
+        </p:txBody>
+      </p:sp>
+      <p:pic>
+        <p:nvPicPr>
+          <p:cNvPr id="3" name="Picture 2">
+            <a:extLst>
+              <a:ext uri="{FF2B5EF4-FFF2-40B4-BE49-F238E27FC236}">
+                <a16:creationId xmlns:a16="http://schemas.microsoft.com/office/drawing/2014/main" id="{393A3E75-F508-1E54-15DC-69D001E63B4C}"/>
+              </a:ext>
+            </a:extLst>
+          </p:cNvPr>
+          <p:cNvPicPr>
+            <a:picLocks noChangeAspect="1"/>
+          </p:cNvPicPr>
+          <p:nvPr/>
+        </p:nvPicPr>
+        <p:blipFill>
+          <a:blip r:embed="rId2"/>
+          <a:stretch>
+            <a:fillRect/>
+          </a:stretch>
+        </p:blipFill>
+        <p:spPr>
+          <a:xfrm>
+            <a:off x="1075837" y="2323946"/>
+            <a:ext cx="6992326" cy="2210108"/>
+          </a:xfrm>
+          <a:prstGeom prst="rect">
+            <a:avLst/>
+          </a:prstGeom>
+        </p:spPr>
+      </p:pic>
+      <p:sp>
+        <p:nvSpPr>
+          <p:cNvPr id="2" name="Slide Number Placeholder 1">
+            <a:extLst>
+              <a:ext uri="{FF2B5EF4-FFF2-40B4-BE49-F238E27FC236}">
+                <a16:creationId xmlns:a16="http://schemas.microsoft.com/office/drawing/2014/main" id="{D9E11D5C-49B3-982A-54ED-E59858CF90F8}"/>
+              </a:ext>
+            </a:extLst>
+          </p:cNvPr>
+          <p:cNvSpPr>
+            <a:spLocks noGrp="1"/>
+          </p:cNvSpPr>
+          <p:nvPr>
+            <p:ph type="sldNum" sz="quarter" idx="10"/>
+          </p:nvPr>
+        </p:nvSpPr>
+        <p:spPr/>
+        <p:txBody>
+          <a:bodyPr/>
+          <a:lstStyle/>
+          <a:p>
+            <a:fld id="{DE0D52F3-54CA-4E42-BFA9-4F0301781925}" type="slidenum">
+              <a:rPr lang="en-US" smtClean="0"/>
+              <a:pPr/>
+              <a:t>26</a:t>
+            </a:fld>
+            <a:endParaRPr lang="en-US" sz="1400" dirty="0"/>
+          </a:p>
+        </p:txBody>
+      </p:sp>
+    </p:spTree>
+    <p:extLst>
+      <p:ext uri="{BB962C8B-B14F-4D97-AF65-F5344CB8AC3E}">
+        <p14:creationId xmlns:p14="http://schemas.microsoft.com/office/powerpoint/2010/main" val="729206709"/>
+      </p:ext>
+    </p:extLst>
+  </p:cSld>
+  <p:clrMapOvr>
+    <a:masterClrMapping/>
+  </p:clrMapOvr>
+</p:sld>
+</file>
+
+<file path=ppt/slides/slide27.xml><?xml version="1.0" encoding="utf-8"?>
+<p:sld xmlns:a="http://schemas.openxmlformats.org/drawingml/2006/main" xmlns:r="http://schemas.openxmlformats.org/officeDocument/2006/relationships" xmlns:p="http://schemas.openxmlformats.org/presentationml/2006/main">
+  <p:cSld>
+    <p:spTree>
+      <p:nvGrpSpPr>
+        <p:cNvPr id="1" name="">
+          <a:extLst>
+            <a:ext uri="{FF2B5EF4-FFF2-40B4-BE49-F238E27FC236}">
+              <a16:creationId xmlns:a16="http://schemas.microsoft.com/office/drawing/2014/main" id="{C73D2DA4-6CCE-E15E-8158-BEAE2BBE6A9E}"/>
+            </a:ext>
+          </a:extLst>
+        </p:cNvPr>
+        <p:cNvGrpSpPr/>
+        <p:nvPr/>
+      </p:nvGrpSpPr>
+      <p:grpSpPr>
+        <a:xfrm>
+          <a:off x="0" y="0"/>
+          <a:ext cx="0" cy="0"/>
+          <a:chOff x="0" y="0"/>
+          <a:chExt cx="0" cy="0"/>
+        </a:xfrm>
+      </p:grpSpPr>
+      <p:sp>
+        <p:nvSpPr>
+          <p:cNvPr id="4" name="Title 3">
+            <a:extLst>
+              <a:ext uri="{FF2B5EF4-FFF2-40B4-BE49-F238E27FC236}">
+                <a16:creationId xmlns:a16="http://schemas.microsoft.com/office/drawing/2014/main" id="{55F9A8F0-CC2F-65DF-B03F-E7B0CFA1EEF3}"/>
+              </a:ext>
+            </a:extLst>
+          </p:cNvPr>
+          <p:cNvSpPr>
+            <a:spLocks noGrp="1"/>
+          </p:cNvSpPr>
+          <p:nvPr>
+            <p:ph type="title"/>
+          </p:nvPr>
+        </p:nvSpPr>
+        <p:spPr>
+          <a:xfrm>
+            <a:off x="364067" y="306073"/>
+            <a:ext cx="8421512" cy="707886"/>
+          </a:xfrm>
+        </p:spPr>
+        <p:txBody>
+          <a:bodyPr/>
+          <a:lstStyle/>
+          <a:p>
+            <a:r>
+              <a:rPr lang="en-US" sz="4000" dirty="0"/>
+              <a:t>Le Chatelier’s Principle</a:t>
+            </a:r>
+          </a:p>
+        </p:txBody>
+      </p:sp>
+      <p:sp>
+        <p:nvSpPr>
+          <p:cNvPr id="5" name="Content Placeholder 4">
+            <a:extLst>
+              <a:ext uri="{FF2B5EF4-FFF2-40B4-BE49-F238E27FC236}">
+                <a16:creationId xmlns:a16="http://schemas.microsoft.com/office/drawing/2014/main" id="{DCC37F21-C4FF-2116-B244-2F97B63A82D2}"/>
+              </a:ext>
+            </a:extLst>
+          </p:cNvPr>
+          <p:cNvSpPr>
+            <a:spLocks noGrp="1"/>
+          </p:cNvSpPr>
+          <p:nvPr>
+            <p:ph idx="1"/>
+          </p:nvPr>
+        </p:nvSpPr>
+        <p:spPr/>
+        <p:txBody>
+          <a:bodyPr/>
+          <a:lstStyle/>
+          <a:p>
+            <a:pPr marL="0" indent="0">
+              <a:buNone/>
+            </a:pPr>
+            <a:r>
+              <a:rPr lang="en-US" sz="2800" dirty="0"/>
+              <a:t>Temperature</a:t>
+            </a:r>
+          </a:p>
+          <a:p>
+            <a:pPr marL="0" indent="0">
+              <a:buNone/>
+            </a:pPr>
+            <a:r>
+              <a:rPr lang="en-US" sz="2800" dirty="0"/>
+              <a:t>Concentration</a:t>
+            </a:r>
+          </a:p>
+          <a:p>
+            <a:pPr marL="0" indent="0">
+              <a:buNone/>
+            </a:pPr>
+            <a:r>
+              <a:rPr lang="en-US" sz="2800" dirty="0"/>
+              <a:t>Catalysts</a:t>
+            </a:r>
+          </a:p>
+        </p:txBody>
+      </p:sp>
+      <p:pic>
+        <p:nvPicPr>
+          <p:cNvPr id="6" name="Picture 5">
+            <a:extLst>
+              <a:ext uri="{FF2B5EF4-FFF2-40B4-BE49-F238E27FC236}">
+                <a16:creationId xmlns:a16="http://schemas.microsoft.com/office/drawing/2014/main" id="{469B3689-88B7-5F05-3558-9726822FC5C8}"/>
+              </a:ext>
+            </a:extLst>
+          </p:cNvPr>
+          <p:cNvPicPr>
+            <a:picLocks noChangeAspect="1"/>
+          </p:cNvPicPr>
+          <p:nvPr/>
+        </p:nvPicPr>
+        <p:blipFill>
+          <a:blip r:embed="rId2"/>
+          <a:stretch>
+            <a:fillRect/>
+          </a:stretch>
+        </p:blipFill>
+        <p:spPr>
+          <a:xfrm>
+            <a:off x="1290179" y="1090286"/>
+            <a:ext cx="6563641" cy="4677428"/>
+          </a:xfrm>
+          <a:prstGeom prst="rect">
+            <a:avLst/>
+          </a:prstGeom>
+        </p:spPr>
+      </p:pic>
+      <p:sp>
+        <p:nvSpPr>
+          <p:cNvPr id="2" name="Slide Number Placeholder 1">
+            <a:extLst>
+              <a:ext uri="{FF2B5EF4-FFF2-40B4-BE49-F238E27FC236}">
+                <a16:creationId xmlns:a16="http://schemas.microsoft.com/office/drawing/2014/main" id="{9C212A16-2B94-A375-82A6-D850AF9BA0A6}"/>
+              </a:ext>
+            </a:extLst>
+          </p:cNvPr>
+          <p:cNvSpPr>
+            <a:spLocks noGrp="1"/>
+          </p:cNvSpPr>
+          <p:nvPr>
+            <p:ph type="sldNum" sz="quarter" idx="10"/>
+          </p:nvPr>
+        </p:nvSpPr>
+        <p:spPr/>
+        <p:txBody>
+          <a:bodyPr/>
+          <a:lstStyle/>
+          <a:p>
+            <a:fld id="{DE0D52F3-54CA-4E42-BFA9-4F0301781925}" type="slidenum">
+              <a:rPr lang="en-US" smtClean="0"/>
+              <a:pPr/>
+              <a:t>27</a:t>
+            </a:fld>
+            <a:endParaRPr lang="en-US" sz="1400" dirty="0"/>
+          </a:p>
+        </p:txBody>
+      </p:sp>
+    </p:spTree>
+    <p:extLst>
+      <p:ext uri="{BB962C8B-B14F-4D97-AF65-F5344CB8AC3E}">
+        <p14:creationId xmlns:p14="http://schemas.microsoft.com/office/powerpoint/2010/main" val="2393318476"/>
+      </p:ext>
+    </p:extLst>
+  </p:cSld>
+  <p:clrMapOvr>
+    <a:masterClrMapping/>
+  </p:clrMapOvr>
+</p:sld>
+</file>
+
+<file path=ppt/slides/slide28.xml><?xml version="1.0" encoding="utf-8"?>
+<p:sld xmlns:a="http://schemas.openxmlformats.org/drawingml/2006/main" xmlns:r="http://schemas.openxmlformats.org/officeDocument/2006/relationships" xmlns:p="http://schemas.openxmlformats.org/presentationml/2006/main">
+  <p:cSld>
+    <p:spTree>
+      <p:nvGrpSpPr>
+        <p:cNvPr id="1" name="">
+          <a:extLst>
+            <a:ext uri="{FF2B5EF4-FFF2-40B4-BE49-F238E27FC236}">
+              <a16:creationId xmlns:a16="http://schemas.microsoft.com/office/drawing/2014/main" id="{2B9F129E-FC1F-5AC5-7712-B78A51D5EE54}"/>
+            </a:ext>
+          </a:extLst>
+        </p:cNvPr>
+        <p:cNvGrpSpPr/>
+        <p:nvPr/>
+      </p:nvGrpSpPr>
+      <p:grpSpPr>
+        <a:xfrm>
+          <a:off x="0" y="0"/>
+          <a:ext cx="0" cy="0"/>
+          <a:chOff x="0" y="0"/>
+          <a:chExt cx="0" cy="0"/>
+        </a:xfrm>
+      </p:grpSpPr>
+      <p:sp>
+        <p:nvSpPr>
+          <p:cNvPr id="4" name="Title 3">
+            <a:extLst>
+              <a:ext uri="{FF2B5EF4-FFF2-40B4-BE49-F238E27FC236}">
+                <a16:creationId xmlns:a16="http://schemas.microsoft.com/office/drawing/2014/main" id="{B4282A62-6F7B-FAE2-BC6B-F5E1676112B8}"/>
+              </a:ext>
+            </a:extLst>
+          </p:cNvPr>
+          <p:cNvSpPr>
+            <a:spLocks noGrp="1"/>
+          </p:cNvSpPr>
+          <p:nvPr>
+            <p:ph type="title"/>
+          </p:nvPr>
+        </p:nvSpPr>
+        <p:spPr>
+          <a:xfrm>
+            <a:off x="364067" y="306073"/>
+            <a:ext cx="8421512" cy="707886"/>
+          </a:xfrm>
+        </p:spPr>
+        <p:txBody>
+          <a:bodyPr/>
+          <a:lstStyle/>
+          <a:p>
+            <a:r>
+              <a:rPr lang="en-US" sz="4000" dirty="0"/>
+              <a:t>Le Chatelier’s Principle</a:t>
+            </a:r>
+          </a:p>
+        </p:txBody>
+      </p:sp>
+      <p:sp>
+        <p:nvSpPr>
+          <p:cNvPr id="5" name="Content Placeholder 4">
+            <a:extLst>
+              <a:ext uri="{FF2B5EF4-FFF2-40B4-BE49-F238E27FC236}">
+                <a16:creationId xmlns:a16="http://schemas.microsoft.com/office/drawing/2014/main" id="{E6A44E0B-22C7-2648-13A8-782457C89915}"/>
+              </a:ext>
+            </a:extLst>
+          </p:cNvPr>
+          <p:cNvSpPr>
+            <a:spLocks noGrp="1"/>
+          </p:cNvSpPr>
+          <p:nvPr>
+            <p:ph idx="1"/>
+          </p:nvPr>
+        </p:nvSpPr>
+        <p:spPr/>
+        <p:txBody>
+          <a:bodyPr/>
+          <a:lstStyle/>
+          <a:p>
+            <a:pPr marL="0" indent="0">
+              <a:buNone/>
+            </a:pPr>
+            <a:r>
+              <a:rPr lang="en-US" sz="2800" dirty="0"/>
+              <a:t>Temperature</a:t>
+            </a:r>
+          </a:p>
+          <a:p>
+            <a:pPr marL="0" indent="0">
+              <a:buNone/>
+            </a:pPr>
+            <a:r>
+              <a:rPr lang="en-US" sz="2800" dirty="0"/>
+              <a:t>Concentration</a:t>
+            </a:r>
+          </a:p>
+          <a:p>
+            <a:pPr marL="0" indent="0">
+              <a:buNone/>
+            </a:pPr>
+            <a:r>
+              <a:rPr lang="en-US" sz="2800" dirty="0"/>
+              <a:t>Catalysts</a:t>
+            </a:r>
+          </a:p>
+        </p:txBody>
+      </p:sp>
+      <p:pic>
+        <p:nvPicPr>
+          <p:cNvPr id="3" name="Picture 2">
+            <a:extLst>
+              <a:ext uri="{FF2B5EF4-FFF2-40B4-BE49-F238E27FC236}">
+                <a16:creationId xmlns:a16="http://schemas.microsoft.com/office/drawing/2014/main" id="{5B043277-CD4B-D317-80C2-F31D21773A90}"/>
+              </a:ext>
+            </a:extLst>
+          </p:cNvPr>
+          <p:cNvPicPr>
+            <a:picLocks noChangeAspect="1"/>
+          </p:cNvPicPr>
+          <p:nvPr/>
+        </p:nvPicPr>
+        <p:blipFill>
+          <a:blip r:embed="rId2"/>
+          <a:stretch>
+            <a:fillRect/>
+          </a:stretch>
+        </p:blipFill>
+        <p:spPr>
+          <a:xfrm>
+            <a:off x="1123468" y="2676420"/>
+            <a:ext cx="6897063" cy="1505160"/>
+          </a:xfrm>
+          <a:prstGeom prst="rect">
+            <a:avLst/>
+          </a:prstGeom>
+        </p:spPr>
+      </p:pic>
+      <p:sp>
+        <p:nvSpPr>
+          <p:cNvPr id="2" name="Slide Number Placeholder 1">
+            <a:extLst>
+              <a:ext uri="{FF2B5EF4-FFF2-40B4-BE49-F238E27FC236}">
+                <a16:creationId xmlns:a16="http://schemas.microsoft.com/office/drawing/2014/main" id="{CEBD4C62-78A0-4340-A94A-A71D1131B8F3}"/>
+              </a:ext>
+            </a:extLst>
+          </p:cNvPr>
+          <p:cNvSpPr>
+            <a:spLocks noGrp="1"/>
+          </p:cNvSpPr>
+          <p:nvPr>
+            <p:ph type="sldNum" sz="quarter" idx="10"/>
+          </p:nvPr>
+        </p:nvSpPr>
+        <p:spPr/>
+        <p:txBody>
+          <a:bodyPr/>
+          <a:lstStyle/>
+          <a:p>
+            <a:fld id="{DE0D52F3-54CA-4E42-BFA9-4F0301781925}" type="slidenum">
+              <a:rPr lang="en-US" smtClean="0"/>
+              <a:pPr/>
+              <a:t>28</a:t>
+            </a:fld>
+            <a:endParaRPr lang="en-US" sz="1400" dirty="0"/>
+          </a:p>
+        </p:txBody>
+      </p:sp>
+    </p:spTree>
+    <p:extLst>
+      <p:ext uri="{BB962C8B-B14F-4D97-AF65-F5344CB8AC3E}">
+        <p14:creationId xmlns:p14="http://schemas.microsoft.com/office/powerpoint/2010/main" val="3433016588"/>
+      </p:ext>
+    </p:extLst>
+  </p:cSld>
+  <p:clrMapOvr>
+    <a:masterClrMapping/>
+  </p:clrMapOvr>
+</p:sld>
+</file>
+
+<file path=ppt/slides/slide29.xml><?xml version="1.0" encoding="utf-8"?>
+<p:sld xmlns:a="http://schemas.openxmlformats.org/drawingml/2006/main" xmlns:r="http://schemas.openxmlformats.org/officeDocument/2006/relationships" xmlns:p="http://schemas.openxmlformats.org/presentationml/2006/main">
+  <p:cSld>
+    <p:spTree>
+      <p:nvGrpSpPr>
+        <p:cNvPr id="1" name="">
+          <a:extLst>
+            <a:ext uri="{FF2B5EF4-FFF2-40B4-BE49-F238E27FC236}">
+              <a16:creationId xmlns:a16="http://schemas.microsoft.com/office/drawing/2014/main" id="{BB68ED0D-ACB9-EF1D-41DB-C84446AFA340}"/>
+            </a:ext>
+          </a:extLst>
+        </p:cNvPr>
+        <p:cNvGrpSpPr/>
+        <p:nvPr/>
+      </p:nvGrpSpPr>
+      <p:grpSpPr>
+        <a:xfrm>
+          <a:off x="0" y="0"/>
+          <a:ext cx="0" cy="0"/>
+          <a:chOff x="0" y="0"/>
+          <a:chExt cx="0" cy="0"/>
+        </a:xfrm>
+      </p:grpSpPr>
+      <p:sp>
+        <p:nvSpPr>
+          <p:cNvPr id="4" name="Title 3">
+            <a:extLst>
+              <a:ext uri="{FF2B5EF4-FFF2-40B4-BE49-F238E27FC236}">
+                <a16:creationId xmlns:a16="http://schemas.microsoft.com/office/drawing/2014/main" id="{EBFE1A26-6448-D71C-52C0-1FAE5818B8F9}"/>
+              </a:ext>
+            </a:extLst>
+          </p:cNvPr>
+          <p:cNvSpPr>
+            <a:spLocks noGrp="1"/>
+          </p:cNvSpPr>
+          <p:nvPr>
+            <p:ph type="title"/>
+          </p:nvPr>
+        </p:nvSpPr>
+        <p:spPr>
+          <a:xfrm>
+            <a:off x="364067" y="306073"/>
+            <a:ext cx="8421512" cy="707886"/>
+          </a:xfrm>
+        </p:spPr>
+        <p:txBody>
+          <a:bodyPr/>
+          <a:lstStyle/>
+          <a:p>
+            <a:r>
+              <a:rPr lang="en-US" sz="4000" dirty="0"/>
+              <a:t>Special Types </a:t>
+            </a:r>
+            <a:r>
+              <a:rPr lang="en-US" sz="4000"/>
+              <a:t>of Equilibria</a:t>
+            </a:r>
+            <a:endParaRPr lang="en-US" sz="4000" dirty="0"/>
+          </a:p>
+        </p:txBody>
+      </p:sp>
+      <p:sp>
+        <p:nvSpPr>
+          <p:cNvPr id="5" name="Content Placeholder 4">
+            <a:extLst>
+              <a:ext uri="{FF2B5EF4-FFF2-40B4-BE49-F238E27FC236}">
+                <a16:creationId xmlns:a16="http://schemas.microsoft.com/office/drawing/2014/main" id="{F155C940-02C5-9C65-9D7A-23E2762DF80C}"/>
+              </a:ext>
+            </a:extLst>
+          </p:cNvPr>
+          <p:cNvSpPr>
+            <a:spLocks noGrp="1"/>
+          </p:cNvSpPr>
+          <p:nvPr>
+            <p:ph idx="1"/>
+          </p:nvPr>
+        </p:nvSpPr>
+        <p:spPr/>
+        <p:txBody>
+          <a:bodyPr/>
+          <a:lstStyle/>
+          <a:p>
+            <a:pPr marL="0" indent="0">
+              <a:buNone/>
+            </a:pPr>
+            <a:r>
+              <a:rPr lang="en-US" sz="2800" dirty="0"/>
+              <a:t>Temperature</a:t>
+            </a:r>
+          </a:p>
+          <a:p>
+            <a:pPr marL="0" indent="0">
+              <a:buNone/>
+            </a:pPr>
+            <a:r>
+              <a:rPr lang="en-US" sz="2800" dirty="0"/>
+              <a:t>Concentration</a:t>
+            </a:r>
+          </a:p>
+          <a:p>
+            <a:pPr marL="0" indent="0">
+              <a:buNone/>
+            </a:pPr>
+            <a:r>
+              <a:rPr lang="en-US" sz="2800" dirty="0"/>
+              <a:t>Catalysts</a:t>
+            </a:r>
+          </a:p>
+        </p:txBody>
+      </p:sp>
+      <p:pic>
+        <p:nvPicPr>
+          <p:cNvPr id="3" name="Picture 2">
+            <a:extLst>
+              <a:ext uri="{FF2B5EF4-FFF2-40B4-BE49-F238E27FC236}">
+                <a16:creationId xmlns:a16="http://schemas.microsoft.com/office/drawing/2014/main" id="{299C131F-A334-DEEB-0611-B64CC8FD402A}"/>
+              </a:ext>
+            </a:extLst>
+          </p:cNvPr>
+          <p:cNvPicPr>
+            <a:picLocks noChangeAspect="1"/>
+          </p:cNvPicPr>
+          <p:nvPr/>
+        </p:nvPicPr>
+        <p:blipFill>
+          <a:blip r:embed="rId2"/>
+          <a:stretch>
+            <a:fillRect/>
+          </a:stretch>
+        </p:blipFill>
+        <p:spPr>
+          <a:xfrm>
+            <a:off x="1118705" y="1928603"/>
+            <a:ext cx="6906589" cy="3000794"/>
+          </a:xfrm>
+          <a:prstGeom prst="rect">
+            <a:avLst/>
+          </a:prstGeom>
+        </p:spPr>
+      </p:pic>
+      <p:sp>
+        <p:nvSpPr>
+          <p:cNvPr id="2" name="Slide Number Placeholder 1">
+            <a:extLst>
+              <a:ext uri="{FF2B5EF4-FFF2-40B4-BE49-F238E27FC236}">
+                <a16:creationId xmlns:a16="http://schemas.microsoft.com/office/drawing/2014/main" id="{DB88B615-9F39-923D-12F9-B09C5DD209F2}"/>
+              </a:ext>
+            </a:extLst>
+          </p:cNvPr>
+          <p:cNvSpPr>
+            <a:spLocks noGrp="1"/>
+          </p:cNvSpPr>
+          <p:nvPr>
+            <p:ph type="sldNum" sz="quarter" idx="10"/>
+          </p:nvPr>
+        </p:nvSpPr>
+        <p:spPr/>
+        <p:txBody>
+          <a:bodyPr/>
+          <a:lstStyle/>
+          <a:p>
+            <a:fld id="{DE0D52F3-54CA-4E42-BFA9-4F0301781925}" type="slidenum">
+              <a:rPr lang="en-US" smtClean="0"/>
+              <a:pPr/>
+              <a:t>29</a:t>
+            </a:fld>
+            <a:endParaRPr lang="en-US" sz="1400" dirty="0"/>
+          </a:p>
+        </p:txBody>
+      </p:sp>
+    </p:spTree>
+    <p:extLst>
+      <p:ext uri="{BB962C8B-B14F-4D97-AF65-F5344CB8AC3E}">
+        <p14:creationId xmlns:p14="http://schemas.microsoft.com/office/powerpoint/2010/main" val="1644431252"/>
       </p:ext>
     </p:extLst>
   </p:cSld>
@@ -11805,8 +17176,16 @@
               <a:buNone/>
             </a:pPr>
             <a:r>
+              <a:rPr lang="en-US" b="1" dirty="0">
+                <a:solidFill>
+                  <a:srgbClr val="00FF00"/>
+                </a:solidFill>
+              </a:rPr>
+              <a:t>Collision Theory</a:t>
+            </a:r>
+            <a:r>
               <a:rPr lang="en-US" dirty="0"/>
-              <a:t>Collision Theory: proposes that reactant particles colliding with each other form products but under two condition</a:t>
+              <a:t>: proposes that reactant particles colliding with each other form products but under two condition</a:t>
             </a:r>
           </a:p>
           <a:p>
@@ -11816,7 +17195,22 @@
             </a:pPr>
             <a:r>
               <a:rPr lang="en-US" dirty="0"/>
-              <a:t>That there is enough kinetic energy to cause a reaction</a:t>
+              <a:t>That there is enough </a:t>
+            </a:r>
+            <a:r>
+              <a:rPr lang="en-US" dirty="0">
+                <a:solidFill>
+                  <a:schemeClr val="accent1">
+                    <a:lumMod val="60000"/>
+                    <a:lumOff val="40000"/>
+                  </a:schemeClr>
+                </a:solidFill>
+              </a:rPr>
+              <a:t>kinetic energ</a:t>
+            </a:r>
+            <a:r>
+              <a:rPr lang="en-US" dirty="0"/>
+              <a:t>y to cause a reaction</a:t>
             </a:r>
           </a:p>
           <a:p>
@@ -11861,10 +17255,223 @@
           </a:prstGeom>
         </p:spPr>
       </p:pic>
+      <p:sp>
+        <p:nvSpPr>
+          <p:cNvPr id="2" name="Slide Number Placeholder 1">
+            <a:extLst>
+              <a:ext uri="{FF2B5EF4-FFF2-40B4-BE49-F238E27FC236}">
+                <a16:creationId xmlns:a16="http://schemas.microsoft.com/office/drawing/2014/main" id="{2B01E5B5-9789-6F40-A32E-E95BAE0D3D1D}"/>
+              </a:ext>
+            </a:extLst>
+          </p:cNvPr>
+          <p:cNvSpPr>
+            <a:spLocks noGrp="1"/>
+          </p:cNvSpPr>
+          <p:nvPr>
+            <p:ph type="sldNum" sz="quarter" idx="10"/>
+          </p:nvPr>
+        </p:nvSpPr>
+        <p:spPr/>
+        <p:txBody>
+          <a:bodyPr/>
+          <a:lstStyle/>
+          <a:p>
+            <a:fld id="{DE0D52F3-54CA-4E42-BFA9-4F0301781925}" type="slidenum">
+              <a:rPr lang="en-US" smtClean="0"/>
+              <a:pPr/>
+              <a:t>3</a:t>
+            </a:fld>
+            <a:endParaRPr lang="en-US" sz="1400" dirty="0"/>
+          </a:p>
+        </p:txBody>
+      </p:sp>
     </p:spTree>
     <p:extLst>
       <p:ext uri="{BB962C8B-B14F-4D97-AF65-F5344CB8AC3E}">
         <p14:creationId xmlns:p14="http://schemas.microsoft.com/office/powerpoint/2010/main" val="2181787359"/>
+      </p:ext>
+    </p:extLst>
+  </p:cSld>
+  <p:clrMapOvr>
+    <a:masterClrMapping/>
+  </p:clrMapOvr>
+</p:sld>
+</file>
+
+<file path=ppt/slides/slide30.xml><?xml version="1.0" encoding="utf-8"?>
+<p:sld xmlns:a="http://schemas.openxmlformats.org/drawingml/2006/main" xmlns:r="http://schemas.openxmlformats.org/officeDocument/2006/relationships" xmlns:p="http://schemas.openxmlformats.org/presentationml/2006/main">
+  <p:cSld>
+    <p:spTree>
+      <p:nvGrpSpPr>
+        <p:cNvPr id="1" name="">
+          <a:extLst>
+            <a:ext uri="{FF2B5EF4-FFF2-40B4-BE49-F238E27FC236}">
+              <a16:creationId xmlns:a16="http://schemas.microsoft.com/office/drawing/2014/main" id="{AB37E6CF-D1B1-A345-B433-425AD845F635}"/>
+            </a:ext>
+          </a:extLst>
+        </p:cNvPr>
+        <p:cNvGrpSpPr/>
+        <p:nvPr/>
+      </p:nvGrpSpPr>
+      <p:grpSpPr>
+        <a:xfrm>
+          <a:off x="0" y="0"/>
+          <a:ext cx="0" cy="0"/>
+          <a:chOff x="0" y="0"/>
+          <a:chExt cx="0" cy="0"/>
+        </a:xfrm>
+      </p:grpSpPr>
+      <p:sp>
+        <p:nvSpPr>
+          <p:cNvPr id="4" name="Title 3">
+            <a:extLst>
+              <a:ext uri="{FF2B5EF4-FFF2-40B4-BE49-F238E27FC236}">
+                <a16:creationId xmlns:a16="http://schemas.microsoft.com/office/drawing/2014/main" id="{955B9866-6D23-BBFA-3CF6-D3089DBA3A52}"/>
+              </a:ext>
+            </a:extLst>
+          </p:cNvPr>
+          <p:cNvSpPr>
+            <a:spLocks noGrp="1"/>
+          </p:cNvSpPr>
+          <p:nvPr>
+            <p:ph type="title"/>
+          </p:nvPr>
+        </p:nvSpPr>
+        <p:spPr>
+          <a:xfrm>
+            <a:off x="364067" y="306073"/>
+            <a:ext cx="8421512" cy="707886"/>
+          </a:xfrm>
+        </p:spPr>
+        <p:txBody>
+          <a:bodyPr/>
+          <a:lstStyle/>
+          <a:p>
+            <a:r>
+              <a:rPr lang="en-US" sz="4000" dirty="0"/>
+              <a:t>Special Types </a:t>
+            </a:r>
+            <a:r>
+              <a:rPr lang="en-US" sz="4000"/>
+              <a:t>of Equilibria</a:t>
+            </a:r>
+            <a:endParaRPr lang="en-US" sz="4000" dirty="0"/>
+          </a:p>
+        </p:txBody>
+      </p:sp>
+      <p:sp>
+        <p:nvSpPr>
+          <p:cNvPr id="5" name="Content Placeholder 4">
+            <a:extLst>
+              <a:ext uri="{FF2B5EF4-FFF2-40B4-BE49-F238E27FC236}">
+                <a16:creationId xmlns:a16="http://schemas.microsoft.com/office/drawing/2014/main" id="{48403710-F56E-99E7-9067-E4543A116870}"/>
+              </a:ext>
+            </a:extLst>
+          </p:cNvPr>
+          <p:cNvSpPr>
+            <a:spLocks noGrp="1"/>
+          </p:cNvSpPr>
+          <p:nvPr>
+            <p:ph idx="1"/>
+          </p:nvPr>
+        </p:nvSpPr>
+        <p:spPr/>
+        <p:txBody>
+          <a:bodyPr/>
+          <a:lstStyle/>
+          <a:p>
+            <a:pPr marL="0" indent="0">
+              <a:buNone/>
+            </a:pPr>
+            <a:r>
+              <a:rPr lang="en-US" sz="2800" dirty="0"/>
+              <a:t>Temperature</a:t>
+            </a:r>
+          </a:p>
+          <a:p>
+            <a:pPr marL="0" indent="0">
+              <a:buNone/>
+            </a:pPr>
+            <a:r>
+              <a:rPr lang="en-US" sz="2800" dirty="0"/>
+              <a:t>Concentration</a:t>
+            </a:r>
+          </a:p>
+          <a:p>
+            <a:pPr marL="0" indent="0">
+              <a:buNone/>
+            </a:pPr>
+            <a:r>
+              <a:rPr lang="en-US" sz="2800" dirty="0"/>
+              <a:t>Catalysts</a:t>
+            </a:r>
+          </a:p>
+        </p:txBody>
+      </p:sp>
+      <p:pic>
+        <p:nvPicPr>
+          <p:cNvPr id="6" name="Picture 5">
+            <a:extLst>
+              <a:ext uri="{FF2B5EF4-FFF2-40B4-BE49-F238E27FC236}">
+                <a16:creationId xmlns:a16="http://schemas.microsoft.com/office/drawing/2014/main" id="{D2D7F758-70B2-B4BD-C9A5-4701E906F826}"/>
+              </a:ext>
+            </a:extLst>
+          </p:cNvPr>
+          <p:cNvPicPr>
+            <a:picLocks noChangeAspect="1"/>
+          </p:cNvPicPr>
+          <p:nvPr/>
+        </p:nvPicPr>
+        <p:blipFill>
+          <a:blip r:embed="rId2"/>
+          <a:stretch>
+            <a:fillRect/>
+          </a:stretch>
+        </p:blipFill>
+        <p:spPr>
+          <a:xfrm>
+            <a:off x="1104416" y="1714260"/>
+            <a:ext cx="6935168" cy="3429479"/>
+          </a:xfrm>
+          <a:prstGeom prst="rect">
+            <a:avLst/>
+          </a:prstGeom>
+        </p:spPr>
+      </p:pic>
+      <p:sp>
+        <p:nvSpPr>
+          <p:cNvPr id="2" name="Slide Number Placeholder 1">
+            <a:extLst>
+              <a:ext uri="{FF2B5EF4-FFF2-40B4-BE49-F238E27FC236}">
+                <a16:creationId xmlns:a16="http://schemas.microsoft.com/office/drawing/2014/main" id="{EAAB7612-182B-48F1-9334-1320A17CE9D7}"/>
+              </a:ext>
+            </a:extLst>
+          </p:cNvPr>
+          <p:cNvSpPr>
+            <a:spLocks noGrp="1"/>
+          </p:cNvSpPr>
+          <p:nvPr>
+            <p:ph type="sldNum" sz="quarter" idx="10"/>
+          </p:nvPr>
+        </p:nvSpPr>
+        <p:spPr/>
+        <p:txBody>
+          <a:bodyPr/>
+          <a:lstStyle/>
+          <a:p>
+            <a:fld id="{DE0D52F3-54CA-4E42-BFA9-4F0301781925}" type="slidenum">
+              <a:rPr lang="en-US" smtClean="0"/>
+              <a:pPr/>
+              <a:t>30</a:t>
+            </a:fld>
+            <a:endParaRPr lang="en-US" sz="1400" dirty="0"/>
+          </a:p>
+        </p:txBody>
+      </p:sp>
+    </p:spTree>
+    <p:extLst>
+      <p:ext uri="{BB962C8B-B14F-4D97-AF65-F5344CB8AC3E}">
+        <p14:creationId xmlns:p14="http://schemas.microsoft.com/office/powerpoint/2010/main" val="2387547999"/>
       </p:ext>
     </p:extLst>
   </p:cSld>
@@ -11958,25 +17565,184 @@
           <a:p>
             <a:r>
               <a:rPr lang="en-US" sz="2000" dirty="0"/>
-              <a:t>Also called reaction progress curve</a:t>
-            </a:r>
-          </a:p>
-          <a:p>
+              <a:t>Also called </a:t>
+            </a:r>
+            <a:r>
+              <a:rPr lang="en-US" sz="2000" b="1" dirty="0">
+                <a:solidFill>
+                  <a:srgbClr val="00FF00"/>
+                </a:solidFill>
+              </a:rPr>
+              <a:t>reaction progress curve</a:t>
+            </a:r>
+          </a:p>
+          <a:p>
+            <a:r>
+              <a:rPr lang="en-US" sz="2000" dirty="0">
+                <a:solidFill>
+                  <a:schemeClr val="accent1">
+                    <a:lumMod val="60000"/>
+                    <a:lumOff val="40000"/>
+                  </a:schemeClr>
+                </a:solidFill>
+              </a:rPr>
+              <a:t>Potential energy diagrams</a:t>
+            </a:r>
             <a:r>
               <a:rPr lang="en-US" sz="2000" dirty="0"/>
-              <a:t>Potential energy diagrams show change in potential energy of a system as the reactants become products</a:t>
-            </a:r>
-          </a:p>
-          <a:p>
+              <a:t> show change in potential energy of a system as the </a:t>
+            </a:r>
+            <a:r>
+              <a:rPr lang="en-US" sz="2000" dirty="0">
+                <a:solidFill>
+                  <a:srgbClr val="FFFF00"/>
+                </a:solidFill>
+              </a:rPr>
+              <a:t>reactants</a:t>
+            </a:r>
             <a:r>
               <a:rPr lang="en-US" sz="2000" dirty="0"/>
-              <a:t>The energy change is shown by change in enthalpy DH</a:t>
+              <a:t> become </a:t>
+            </a:r>
+            <a:r>
+              <a:rPr lang="en-US" sz="2000" dirty="0">
+                <a:solidFill>
+                  <a:srgbClr val="FFFF00"/>
+                </a:solidFill>
+              </a:rPr>
+              <a:t>products</a:t>
             </a:r>
           </a:p>
           <a:p>
             <a:r>
               <a:rPr lang="en-US" sz="2000" dirty="0"/>
-              <a:t>If DH &gt; 0 (products higher than reactants), the reaction is endothermic. If DH &lt; 0, the reaction is exothermic</a:t>
+              <a:t>The energy change is shown by change in </a:t>
+            </a:r>
+            <a:r>
+              <a:rPr lang="en-US" sz="2000" dirty="0">
+                <a:solidFill>
+                  <a:schemeClr val="accent1">
+                    <a:lumMod val="60000"/>
+                    <a:lumOff val="40000"/>
+                  </a:schemeClr>
+                </a:solidFill>
+              </a:rPr>
+              <a:t>enthalpy </a:t>
+            </a:r>
+            <a:r>
+              <a:rPr lang="en-US" sz="2000" dirty="0">
+                <a:solidFill>
+                  <a:schemeClr val="accent1">
+                    <a:lumMod val="60000"/>
+                    <a:lumOff val="40000"/>
+                  </a:schemeClr>
+                </a:solidFill>
+                <a:latin typeface="Symbol" panose="05050102010706020507" pitchFamily="18" charset="2"/>
+              </a:rPr>
+              <a:t>D</a:t>
+            </a:r>
+            <a:r>
+              <a:rPr lang="en-US" sz="2000" i="1" dirty="0">
+                <a:solidFill>
+                  <a:schemeClr val="accent1">
+                    <a:lumMod val="60000"/>
+                    <a:lumOff val="40000"/>
+                  </a:schemeClr>
+                </a:solidFill>
+              </a:rPr>
+              <a:t>H</a:t>
+            </a:r>
+            <a:endParaRPr lang="en-US" sz="2000" dirty="0">
+              <a:solidFill>
+                <a:schemeClr val="accent1">
+                  <a:lumMod val="60000"/>
+                  <a:lumOff val="40000"/>
+                </a:schemeClr>
+              </a:solidFill>
+            </a:endParaRPr>
+          </a:p>
+          <a:p>
+            <a:r>
+              <a:rPr lang="en-US" sz="2000" dirty="0"/>
+              <a:t>If </a:t>
+            </a:r>
+            <a:r>
+              <a:rPr lang="en-US" sz="2000" dirty="0">
+                <a:latin typeface="Symbol" panose="05050102010706020507" pitchFamily="18" charset="2"/>
+              </a:rPr>
+              <a:t>D</a:t>
+            </a:r>
+            <a:r>
+              <a:rPr lang="en-US" sz="2000" i="1" dirty="0"/>
+              <a:t>H</a:t>
+            </a:r>
+            <a:r>
+              <a:rPr lang="en-US" sz="2000" dirty="0"/>
+              <a:t> &gt; 0 (</a:t>
+            </a:r>
+            <a:r>
+              <a:rPr lang="en-US" sz="2000" dirty="0">
+                <a:solidFill>
+                  <a:srgbClr val="FFFF00"/>
+                </a:solidFill>
+              </a:rPr>
+              <a:t>products</a:t>
+            </a:r>
+            <a:r>
+              <a:rPr lang="en-US" sz="2000" dirty="0"/>
+              <a:t> higher than </a:t>
+            </a:r>
+            <a:r>
+              <a:rPr lang="en-US" sz="2000" dirty="0">
+                <a:solidFill>
+                  <a:srgbClr val="FFFF00"/>
+                </a:solidFill>
+              </a:rPr>
+              <a:t>reactants</a:t>
+            </a:r>
+            <a:r>
+              <a:rPr lang="en-US" sz="2000" dirty="0"/>
+              <a:t>), the reaction is </a:t>
+            </a:r>
+            <a:r>
+              <a:rPr lang="en-US" sz="2000" dirty="0">
+                <a:solidFill>
+                  <a:schemeClr val="accent1">
+                    <a:lumMod val="60000"/>
+                    <a:lumOff val="40000"/>
+                  </a:schemeClr>
+                </a:solidFill>
+              </a:rPr>
+              <a:t>endothermic</a:t>
+            </a:r>
+            <a:r>
+              <a:rPr lang="en-US" sz="2000" dirty="0"/>
+              <a:t>. If </a:t>
+            </a:r>
+            <a:r>
+              <a:rPr lang="en-US" sz="2000" dirty="0">
+                <a:latin typeface="Symbol" panose="05050102010706020507" pitchFamily="18" charset="2"/>
+              </a:rPr>
+              <a:t>D</a:t>
+            </a:r>
+            <a:r>
+              <a:rPr lang="en-US" sz="2000" i="1" dirty="0"/>
+              <a:t>H</a:t>
+            </a:r>
+            <a:r>
+              <a:rPr lang="en-US" sz="2000" dirty="0"/>
+              <a:t> &lt; 0, the reaction is </a:t>
+            </a:r>
+            <a:r>
+              <a:rPr lang="en-US" sz="2000" dirty="0">
+                <a:solidFill>
+                  <a:schemeClr val="accent1">
+                    <a:lumMod val="60000"/>
+                    <a:lumOff val="40000"/>
+                  </a:schemeClr>
+                </a:solidFill>
+              </a:rPr>
+              <a:t>exothermic</a:t>
             </a:r>
           </a:p>
         </p:txBody>
@@ -12011,6 +17777,36 @@
           </a:prstGeom>
         </p:spPr>
       </p:pic>
+      <p:sp>
+        <p:nvSpPr>
+          <p:cNvPr id="2" name="Slide Number Placeholder 1">
+            <a:extLst>
+              <a:ext uri="{FF2B5EF4-FFF2-40B4-BE49-F238E27FC236}">
+                <a16:creationId xmlns:a16="http://schemas.microsoft.com/office/drawing/2014/main" id="{8AFA039E-0B35-D11D-9F67-1564F0AAAC81}"/>
+              </a:ext>
+            </a:extLst>
+          </p:cNvPr>
+          <p:cNvSpPr>
+            <a:spLocks noGrp="1"/>
+          </p:cNvSpPr>
+          <p:nvPr>
+            <p:ph type="sldNum" sz="quarter" idx="10"/>
+          </p:nvPr>
+        </p:nvSpPr>
+        <p:spPr/>
+        <p:txBody>
+          <a:bodyPr/>
+          <a:lstStyle/>
+          <a:p>
+            <a:fld id="{DE0D52F3-54CA-4E42-BFA9-4F0301781925}" type="slidenum">
+              <a:rPr lang="en-US" smtClean="0"/>
+              <a:pPr/>
+              <a:t>4</a:t>
+            </a:fld>
+            <a:endParaRPr lang="en-US" sz="1400" dirty="0"/>
+          </a:p>
+        </p:txBody>
+      </p:sp>
     </p:spTree>
     <p:extLst>
       <p:ext uri="{BB962C8B-B14F-4D97-AF65-F5344CB8AC3E}">
@@ -12065,7 +17861,7 @@
         </p:nvSpPr>
         <p:spPr>
           <a:xfrm>
-            <a:off x="364067" y="244518"/>
+            <a:off x="372533" y="189178"/>
             <a:ext cx="8421512" cy="830997"/>
           </a:xfrm>
         </p:spPr>
@@ -12075,7 +17871,7 @@
           <a:p>
             <a:r>
               <a:rPr lang="en-US" dirty="0"/>
-              <a:t>Activation Complex</a:t>
+              <a:t>Activation Energy</a:t>
             </a:r>
           </a:p>
         </p:txBody>
@@ -12108,25 +17904,25 @@
           <a:p>
             <a:r>
               <a:rPr lang="en-US" sz="2000" dirty="0"/>
-              <a:t>Also called reaction progress curve</a:t>
+              <a:t>Reactant particles will collide, but not all collisions result in the chemical reaction</a:t>
             </a:r>
           </a:p>
           <a:p>
             <a:r>
               <a:rPr lang="en-US" sz="2000" dirty="0"/>
-              <a:t>Potential energy diagrams show change in potential energy of a system as the reactants become products</a:t>
-            </a:r>
-          </a:p>
-          <a:p>
+              <a:t>But when collisions happen that have enough energy—</a:t>
+            </a:r>
+            <a:r>
+              <a:rPr lang="en-US" sz="2000" b="1" dirty="0">
+                <a:solidFill>
+                  <a:srgbClr val="00FF00"/>
+                </a:solidFill>
+              </a:rPr>
+              <a:t>activation energy</a:t>
+            </a:r>
             <a:r>
               <a:rPr lang="en-US" sz="2000" dirty="0"/>
-              <a:t>The energy change is shown by change in enthalpy DH</a:t>
-            </a:r>
-          </a:p>
-          <a:p>
-            <a:r>
-              <a:rPr lang="en-US" sz="2000" dirty="0"/>
-              <a:t>If DH &gt; 0 (products higher than reactants), the reaction is endothermic. If DH &lt; 0, the reaction is exothermic</a:t>
+              <a:t>—to occur, reactants will become products by forming an activated complex</a:t>
             </a:r>
           </a:p>
         </p:txBody>
@@ -12153,14 +17949,44 @@
         </p:blipFill>
         <p:spPr>
           <a:xfrm>
-            <a:off x="1005840" y="2600960"/>
-            <a:ext cx="6682395" cy="4067862"/>
+            <a:off x="1657755" y="3143722"/>
+            <a:ext cx="5418361" cy="3298389"/>
           </a:xfrm>
           <a:prstGeom prst="rect">
             <a:avLst/>
           </a:prstGeom>
         </p:spPr>
       </p:pic>
+      <p:sp>
+        <p:nvSpPr>
+          <p:cNvPr id="2" name="Slide Number Placeholder 1">
+            <a:extLst>
+              <a:ext uri="{FF2B5EF4-FFF2-40B4-BE49-F238E27FC236}">
+                <a16:creationId xmlns:a16="http://schemas.microsoft.com/office/drawing/2014/main" id="{D374D8C0-6DEC-BB1B-336C-6F65A7B99674}"/>
+              </a:ext>
+            </a:extLst>
+          </p:cNvPr>
+          <p:cNvSpPr>
+            <a:spLocks noGrp="1"/>
+          </p:cNvSpPr>
+          <p:nvPr>
+            <p:ph type="sldNum" sz="quarter" idx="10"/>
+          </p:nvPr>
+        </p:nvSpPr>
+        <p:spPr/>
+        <p:txBody>
+          <a:bodyPr/>
+          <a:lstStyle/>
+          <a:p>
+            <a:fld id="{DE0D52F3-54CA-4E42-BFA9-4F0301781925}" type="slidenum">
+              <a:rPr lang="en-US" smtClean="0"/>
+              <a:pPr/>
+              <a:t>5</a:t>
+            </a:fld>
+            <a:endParaRPr lang="en-US" sz="1400" dirty="0"/>
+          </a:p>
+        </p:txBody>
+      </p:sp>
     </p:spTree>
     <p:extLst>
       <p:ext uri="{BB962C8B-B14F-4D97-AF65-F5344CB8AC3E}">
@@ -12175,6 +18001,450 @@
 </file>
 
 <file path=ppt/slides/slide6.xml><?xml version="1.0" encoding="utf-8"?>
+<p:sld xmlns:a="http://schemas.openxmlformats.org/drawingml/2006/main" xmlns:r="http://schemas.openxmlformats.org/officeDocument/2006/relationships" xmlns:p="http://schemas.openxmlformats.org/presentationml/2006/main">
+  <p:cSld>
+    <p:spTree>
+      <p:nvGrpSpPr>
+        <p:cNvPr id="1" name="">
+          <a:extLst>
+            <a:ext uri="{FF2B5EF4-FFF2-40B4-BE49-F238E27FC236}">
+              <a16:creationId xmlns:a16="http://schemas.microsoft.com/office/drawing/2014/main" id="{2E7365E7-A2D0-6979-202A-5F05389B3DD4}"/>
+            </a:ext>
+          </a:extLst>
+        </p:cNvPr>
+        <p:cNvGrpSpPr/>
+        <p:nvPr/>
+      </p:nvGrpSpPr>
+      <p:grpSpPr>
+        <a:xfrm>
+          <a:off x="0" y="0"/>
+          <a:ext cx="0" cy="0"/>
+          <a:chOff x="0" y="0"/>
+          <a:chExt cx="0" cy="0"/>
+        </a:xfrm>
+      </p:grpSpPr>
+      <p:sp>
+        <p:nvSpPr>
+          <p:cNvPr id="4" name="Title 3">
+            <a:extLst>
+              <a:ext uri="{FF2B5EF4-FFF2-40B4-BE49-F238E27FC236}">
+                <a16:creationId xmlns:a16="http://schemas.microsoft.com/office/drawing/2014/main" id="{6DE1275A-34D1-A242-E91B-8F87CB24D263}"/>
+              </a:ext>
+            </a:extLst>
+          </p:cNvPr>
+          <p:cNvSpPr>
+            <a:spLocks noGrp="1"/>
+          </p:cNvSpPr>
+          <p:nvPr>
+            <p:ph type="title"/>
+          </p:nvPr>
+        </p:nvSpPr>
+        <p:spPr>
+          <a:xfrm>
+            <a:off x="372533" y="189178"/>
+            <a:ext cx="8421512" cy="830997"/>
+          </a:xfrm>
+        </p:spPr>
+        <p:txBody>
+          <a:bodyPr/>
+          <a:lstStyle/>
+          <a:p>
+            <a:r>
+              <a:rPr lang="en-US" i="1" dirty="0" err="1"/>
+              <a:t>E</a:t>
+            </a:r>
+            <a:r>
+              <a:rPr lang="en-US" baseline="-25000" dirty="0" err="1"/>
+              <a:t>a</a:t>
+            </a:r>
+            <a:r>
+              <a:rPr lang="en-US" dirty="0"/>
+              <a:t> for Fast or Slow Reactions</a:t>
+            </a:r>
+          </a:p>
+        </p:txBody>
+      </p:sp>
+      <p:sp>
+        <p:nvSpPr>
+          <p:cNvPr id="5" name="Content Placeholder 4">
+            <a:extLst>
+              <a:ext uri="{FF2B5EF4-FFF2-40B4-BE49-F238E27FC236}">
+                <a16:creationId xmlns:a16="http://schemas.microsoft.com/office/drawing/2014/main" id="{DF65D435-87F0-D4A3-187B-0FF90DBF61B7}"/>
+              </a:ext>
+            </a:extLst>
+          </p:cNvPr>
+          <p:cNvSpPr>
+            <a:spLocks noGrp="1"/>
+          </p:cNvSpPr>
+          <p:nvPr>
+            <p:ph idx="1"/>
+          </p:nvPr>
+        </p:nvSpPr>
+        <p:spPr>
+          <a:xfrm>
+            <a:off x="372533" y="1075516"/>
+            <a:ext cx="8387645" cy="5472040"/>
+          </a:xfrm>
+        </p:spPr>
+        <p:txBody>
+          <a:bodyPr/>
+          <a:lstStyle/>
+          <a:p>
+            <a:r>
+              <a:rPr lang="en-US" sz="2000" dirty="0"/>
+              <a:t>The </a:t>
+            </a:r>
+            <a:r>
+              <a:rPr lang="en-US" sz="2000" dirty="0">
+                <a:solidFill>
+                  <a:schemeClr val="accent1">
+                    <a:lumMod val="60000"/>
+                    <a:lumOff val="40000"/>
+                  </a:schemeClr>
+                </a:solidFill>
+              </a:rPr>
+              <a:t>activation energy</a:t>
+            </a:r>
+            <a:r>
+              <a:rPr lang="en-US" sz="2000" dirty="0"/>
+              <a:t> is symbolized as </a:t>
+            </a:r>
+            <a:r>
+              <a:rPr lang="en-US" sz="2000" b="1" i="1" dirty="0" err="1">
+                <a:solidFill>
+                  <a:srgbClr val="00FF00"/>
+                </a:solidFill>
+              </a:rPr>
+              <a:t>E</a:t>
+            </a:r>
+            <a:r>
+              <a:rPr lang="en-US" sz="2000" b="1" baseline="-25000" dirty="0" err="1">
+                <a:solidFill>
+                  <a:srgbClr val="00FF00"/>
+                </a:solidFill>
+              </a:rPr>
+              <a:t>a</a:t>
+            </a:r>
+            <a:endParaRPr lang="en-US" sz="2000" dirty="0"/>
+          </a:p>
+          <a:p>
+            <a:r>
+              <a:rPr lang="en-US" sz="2000" dirty="0"/>
+              <a:t>On the </a:t>
+            </a:r>
+            <a:r>
+              <a:rPr lang="en-US" sz="2000" dirty="0">
+                <a:solidFill>
+                  <a:srgbClr val="FFFF00"/>
+                </a:solidFill>
+              </a:rPr>
+              <a:t>reaction progress curve</a:t>
+            </a:r>
+            <a:r>
+              <a:rPr lang="en-US" sz="2000" dirty="0"/>
+              <a:t>, it is a “hump” in the curve representing the increase in energy above the PE of the reactants, whether the reaction is endo- or exothermic</a:t>
+            </a:r>
+          </a:p>
+          <a:p>
+            <a:r>
+              <a:rPr lang="en-US" sz="2000" dirty="0"/>
+              <a:t>If the hump is small, the reaction is likely to be fast. If hump is large, the reaction is likely to be slow</a:t>
+            </a:r>
+          </a:p>
+        </p:txBody>
+      </p:sp>
+      <p:pic>
+        <p:nvPicPr>
+          <p:cNvPr id="3" name="Picture 2">
+            <a:extLst>
+              <a:ext uri="{FF2B5EF4-FFF2-40B4-BE49-F238E27FC236}">
+                <a16:creationId xmlns:a16="http://schemas.microsoft.com/office/drawing/2014/main" id="{251426D6-29DE-3721-22B7-00ED14F76D7E}"/>
+              </a:ext>
+            </a:extLst>
+          </p:cNvPr>
+          <p:cNvPicPr>
+            <a:picLocks noChangeAspect="1"/>
+          </p:cNvPicPr>
+          <p:nvPr/>
+        </p:nvPicPr>
+        <p:blipFill>
+          <a:blip r:embed="rId2"/>
+          <a:stretch>
+            <a:fillRect/>
+          </a:stretch>
+        </p:blipFill>
+        <p:spPr>
+          <a:xfrm>
+            <a:off x="1518962" y="3304716"/>
+            <a:ext cx="5185341" cy="3156540"/>
+          </a:xfrm>
+          <a:prstGeom prst="rect">
+            <a:avLst/>
+          </a:prstGeom>
+        </p:spPr>
+      </p:pic>
+      <p:sp>
+        <p:nvSpPr>
+          <p:cNvPr id="2" name="Slide Number Placeholder 1">
+            <a:extLst>
+              <a:ext uri="{FF2B5EF4-FFF2-40B4-BE49-F238E27FC236}">
+                <a16:creationId xmlns:a16="http://schemas.microsoft.com/office/drawing/2014/main" id="{A46230E3-C440-E7DB-4845-B6CC5583AF24}"/>
+              </a:ext>
+            </a:extLst>
+          </p:cNvPr>
+          <p:cNvSpPr>
+            <a:spLocks noGrp="1"/>
+          </p:cNvSpPr>
+          <p:nvPr>
+            <p:ph type="sldNum" sz="quarter" idx="10"/>
+          </p:nvPr>
+        </p:nvSpPr>
+        <p:spPr/>
+        <p:txBody>
+          <a:bodyPr/>
+          <a:lstStyle/>
+          <a:p>
+            <a:fld id="{DE0D52F3-54CA-4E42-BFA9-4F0301781925}" type="slidenum">
+              <a:rPr lang="en-US" smtClean="0"/>
+              <a:pPr/>
+              <a:t>6</a:t>
+            </a:fld>
+            <a:endParaRPr lang="en-US" sz="1400" dirty="0"/>
+          </a:p>
+        </p:txBody>
+      </p:sp>
+    </p:spTree>
+    <p:extLst>
+      <p:ext uri="{BB962C8B-B14F-4D97-AF65-F5344CB8AC3E}">
+        <p14:creationId xmlns:p14="http://schemas.microsoft.com/office/powerpoint/2010/main" val="3684763816"/>
+      </p:ext>
+    </p:extLst>
+  </p:cSld>
+  <p:clrMapOvr>
+    <a:masterClrMapping/>
+  </p:clrMapOvr>
+</p:sld>
+</file>
+
+<file path=ppt/slides/slide7.xml><?xml version="1.0" encoding="utf-8"?>
+<p:sld xmlns:a="http://schemas.openxmlformats.org/drawingml/2006/main" xmlns:r="http://schemas.openxmlformats.org/officeDocument/2006/relationships" xmlns:p="http://schemas.openxmlformats.org/presentationml/2006/main">
+  <p:cSld>
+    <p:spTree>
+      <p:nvGrpSpPr>
+        <p:cNvPr id="1" name="">
+          <a:extLst>
+            <a:ext uri="{FF2B5EF4-FFF2-40B4-BE49-F238E27FC236}">
+              <a16:creationId xmlns:a16="http://schemas.microsoft.com/office/drawing/2014/main" id="{88ABB594-DC69-D2AA-A118-495A7AC963F2}"/>
+            </a:ext>
+          </a:extLst>
+        </p:cNvPr>
+        <p:cNvGrpSpPr/>
+        <p:nvPr/>
+      </p:nvGrpSpPr>
+      <p:grpSpPr>
+        <a:xfrm>
+          <a:off x="0" y="0"/>
+          <a:ext cx="0" cy="0"/>
+          <a:chOff x="0" y="0"/>
+          <a:chExt cx="0" cy="0"/>
+        </a:xfrm>
+      </p:grpSpPr>
+      <p:sp>
+        <p:nvSpPr>
+          <p:cNvPr id="4" name="Title 3">
+            <a:extLst>
+              <a:ext uri="{FF2B5EF4-FFF2-40B4-BE49-F238E27FC236}">
+                <a16:creationId xmlns:a16="http://schemas.microsoft.com/office/drawing/2014/main" id="{A90543E9-4456-3DD7-6B06-B62AC95566DE}"/>
+              </a:ext>
+            </a:extLst>
+          </p:cNvPr>
+          <p:cNvSpPr>
+            <a:spLocks noGrp="1"/>
+          </p:cNvSpPr>
+          <p:nvPr>
+            <p:ph type="title"/>
+          </p:nvPr>
+        </p:nvSpPr>
+        <p:spPr>
+          <a:xfrm>
+            <a:off x="372533" y="189178"/>
+            <a:ext cx="8421512" cy="830997"/>
+          </a:xfrm>
+        </p:spPr>
+        <p:txBody>
+          <a:bodyPr/>
+          <a:lstStyle/>
+          <a:p>
+            <a:r>
+              <a:rPr lang="en-US" dirty="0"/>
+              <a:t>The Activated Complex</a:t>
+            </a:r>
+          </a:p>
+        </p:txBody>
+      </p:sp>
+      <p:sp>
+        <p:nvSpPr>
+          <p:cNvPr id="5" name="Content Placeholder 4">
+            <a:extLst>
+              <a:ext uri="{FF2B5EF4-FFF2-40B4-BE49-F238E27FC236}">
+                <a16:creationId xmlns:a16="http://schemas.microsoft.com/office/drawing/2014/main" id="{A7E94DDC-36EC-69D8-2AE2-1BF19E4301C6}"/>
+              </a:ext>
+            </a:extLst>
+          </p:cNvPr>
+          <p:cNvSpPr>
+            <a:spLocks noGrp="1"/>
+          </p:cNvSpPr>
+          <p:nvPr>
+            <p:ph idx="1"/>
+          </p:nvPr>
+        </p:nvSpPr>
+        <p:spPr>
+          <a:xfrm>
+            <a:off x="372533" y="1075516"/>
+            <a:ext cx="8387645" cy="5472040"/>
+          </a:xfrm>
+        </p:spPr>
+        <p:txBody>
+          <a:bodyPr/>
+          <a:lstStyle/>
+          <a:p>
+            <a:r>
+              <a:rPr lang="en-US" sz="2000" dirty="0"/>
+              <a:t>When collisions lead to reactions, an </a:t>
+            </a:r>
+            <a:r>
+              <a:rPr lang="en-US" sz="2000" b="1" dirty="0">
+                <a:solidFill>
+                  <a:srgbClr val="00FF00"/>
+                </a:solidFill>
+              </a:rPr>
+              <a:t>activated complex </a:t>
+            </a:r>
+            <a:r>
+              <a:rPr lang="en-US" sz="2000" dirty="0"/>
+              <a:t>forms as unstable arrangement of atoms that exists momentarily at the peak of the activation energy barrier</a:t>
+            </a:r>
+          </a:p>
+          <a:p>
+            <a:r>
+              <a:rPr lang="en-US" sz="2000" dirty="0"/>
+              <a:t>The momentary part cannot be imagined how fast it is:</a:t>
+            </a:r>
+            <a:br>
+              <a:rPr lang="en-US" sz="2000" dirty="0"/>
+            </a:br>
+            <a:r>
+              <a:rPr lang="en-US" sz="2000" b="1" dirty="0">
+                <a:solidFill>
+                  <a:srgbClr val="FFC000"/>
+                </a:solidFill>
+              </a:rPr>
+              <a:t>10</a:t>
+            </a:r>
+            <a:r>
+              <a:rPr lang="en-US" sz="2000" b="1" baseline="30000" dirty="0">
+                <a:solidFill>
+                  <a:srgbClr val="FFC000"/>
+                </a:solidFill>
+              </a:rPr>
+              <a:t>–13 </a:t>
+            </a:r>
+            <a:r>
+              <a:rPr lang="en-US" sz="2000" b="1" dirty="0">
+                <a:solidFill>
+                  <a:srgbClr val="FFC000"/>
+                </a:solidFill>
+              </a:rPr>
+              <a:t>s</a:t>
+            </a:r>
+            <a:r>
+              <a:rPr lang="en-US" sz="2000" dirty="0"/>
+              <a:t> (one-tenth of a picosecond). An eye blink is one tenth of a second, so the reaction in one trillion times faster</a:t>
+            </a:r>
+            <a:br>
+              <a:rPr lang="en-US" sz="2000" dirty="0"/>
+            </a:br>
+            <a:r>
+              <a:rPr lang="en-US" sz="1600" dirty="0"/>
+              <a:t>(lasers can be used to determine time)</a:t>
+            </a:r>
+          </a:p>
+        </p:txBody>
+      </p:sp>
+      <p:pic>
+        <p:nvPicPr>
+          <p:cNvPr id="3" name="Picture 2">
+            <a:extLst>
+              <a:ext uri="{FF2B5EF4-FFF2-40B4-BE49-F238E27FC236}">
+                <a16:creationId xmlns:a16="http://schemas.microsoft.com/office/drawing/2014/main" id="{0124F11A-2F29-2C40-8237-A14E76D0B687}"/>
+              </a:ext>
+            </a:extLst>
+          </p:cNvPr>
+          <p:cNvPicPr>
+            <a:picLocks noChangeAspect="1"/>
+          </p:cNvPicPr>
+          <p:nvPr/>
+        </p:nvPicPr>
+        <p:blipFill>
+          <a:blip r:embed="rId2"/>
+          <a:stretch>
+            <a:fillRect/>
+          </a:stretch>
+        </p:blipFill>
+        <p:spPr>
+          <a:xfrm>
+            <a:off x="2042231" y="3428999"/>
+            <a:ext cx="5018417" cy="3054927"/>
+          </a:xfrm>
+          <a:prstGeom prst="rect">
+            <a:avLst/>
+          </a:prstGeom>
+        </p:spPr>
+      </p:pic>
+      <p:sp>
+        <p:nvSpPr>
+          <p:cNvPr id="2" name="Slide Number Placeholder 1">
+            <a:extLst>
+              <a:ext uri="{FF2B5EF4-FFF2-40B4-BE49-F238E27FC236}">
+                <a16:creationId xmlns:a16="http://schemas.microsoft.com/office/drawing/2014/main" id="{934F84D8-FAE2-9C01-FA5B-28B89C89F232}"/>
+              </a:ext>
+            </a:extLst>
+          </p:cNvPr>
+          <p:cNvSpPr>
+            <a:spLocks noGrp="1"/>
+          </p:cNvSpPr>
+          <p:nvPr>
+            <p:ph type="sldNum" sz="quarter" idx="10"/>
+          </p:nvPr>
+        </p:nvSpPr>
+        <p:spPr/>
+        <p:txBody>
+          <a:bodyPr/>
+          <a:lstStyle/>
+          <a:p>
+            <a:fld id="{DE0D52F3-54CA-4E42-BFA9-4F0301781925}" type="slidenum">
+              <a:rPr lang="en-US" smtClean="0"/>
+              <a:pPr/>
+              <a:t>7</a:t>
+            </a:fld>
+            <a:endParaRPr lang="en-US" sz="1400" dirty="0"/>
+          </a:p>
+        </p:txBody>
+      </p:sp>
+    </p:spTree>
+    <p:extLst>
+      <p:ext uri="{BB962C8B-B14F-4D97-AF65-F5344CB8AC3E}">
+        <p14:creationId xmlns:p14="http://schemas.microsoft.com/office/powerpoint/2010/main" val="1912294966"/>
+      </p:ext>
+    </p:extLst>
+  </p:cSld>
+  <p:clrMapOvr>
+    <a:masterClrMapping/>
+  </p:clrMapOvr>
+</p:sld>
+</file>
+
+<file path=ppt/slides/slide8.xml><?xml version="1.0" encoding="utf-8"?>
 <p:sld xmlns:a="http://schemas.openxmlformats.org/drawingml/2006/main" xmlns:r="http://schemas.openxmlformats.org/officeDocument/2006/relationships" xmlns:p="http://schemas.openxmlformats.org/presentationml/2006/main">
   <p:cSld>
     <p:spTree>
@@ -12256,28 +18526,57 @@
           <a:bodyPr/>
           <a:lstStyle/>
           <a:p>
+            <a:pPr marL="0" indent="0">
+              <a:buNone/>
+            </a:pPr>
             <a:r>
               <a:rPr lang="en-US" sz="2000" dirty="0"/>
-              <a:t>Also called reaction progress curve</a:t>
-            </a:r>
-          </a:p>
-          <a:p>
+              <a:t>A note about the provided text: </a:t>
+            </a:r>
+          </a:p>
+          <a:p>
+            <a:pPr marL="0" indent="0">
+              <a:buNone/>
+            </a:pPr>
             <a:r>
               <a:rPr lang="en-US" sz="2000" dirty="0"/>
-              <a:t>Potential energy diagrams show change in potential energy of a system as the reactants become products</a:t>
-            </a:r>
-          </a:p>
-          <a:p>
+              <a:t>Book shows this visual of a reaction of 2 H</a:t>
+            </a:r>
+            <a:r>
+              <a:rPr lang="en-US" sz="2000" baseline="-25000" dirty="0"/>
+              <a:t>2</a:t>
+            </a:r>
             <a:r>
               <a:rPr lang="en-US" sz="2000" dirty="0"/>
-              <a:t>The energy change is shown by change in enthalpy DH</a:t>
-            </a:r>
-          </a:p>
-          <a:p>
+              <a:t> + O</a:t>
+            </a:r>
+            <a:r>
+              <a:rPr lang="en-US" sz="2000" baseline="-25000" dirty="0"/>
+              <a:t>2</a:t>
+            </a:r>
             <a:r>
               <a:rPr lang="en-US" sz="2000" dirty="0"/>
-              <a:t>If DH &gt; 0 (products higher than reactants), the reaction is endothermic. If DH &lt; 0, the reaction is exothermic</a:t>
-            </a:r>
+              <a:t> </a:t>
+            </a:r>
+            <a:r>
+              <a:rPr lang="en-US" sz="2000" dirty="0">
+                <a:sym typeface="Wingdings" panose="05000000000000000000" pitchFamily="2" charset="2"/>
+              </a:rPr>
+              <a:t> 2 H</a:t>
+            </a:r>
+            <a:r>
+              <a:rPr lang="en-US" sz="2000" baseline="-25000" dirty="0">
+                <a:sym typeface="Wingdings" panose="05000000000000000000" pitchFamily="2" charset="2"/>
+              </a:rPr>
+              <a:t>2</a:t>
+            </a:r>
+            <a:r>
+              <a:rPr lang="en-US" sz="2000" dirty="0">
+                <a:sym typeface="Wingdings" panose="05000000000000000000" pitchFamily="2" charset="2"/>
+              </a:rPr>
+              <a:t>O but that is absolutely not considered to be the mechanism of how this happens. The reaction is in fact a multi-step mechanism. The details are beyond scope of Chem 3A.</a:t>
+            </a:r>
+            <a:endParaRPr lang="en-US" sz="2000" dirty="0"/>
           </a:p>
         </p:txBody>
       </p:sp>
@@ -12303,7 +18602,7 @@
         </p:blipFill>
         <p:spPr>
           <a:xfrm>
-            <a:off x="231875" y="2843921"/>
+            <a:off x="231875" y="2957277"/>
             <a:ext cx="8668960" cy="3486637"/>
           </a:xfrm>
           <a:prstGeom prst="rect">
@@ -12311,6 +18610,36 @@
           </a:prstGeom>
         </p:spPr>
       </p:pic>
+      <p:sp>
+        <p:nvSpPr>
+          <p:cNvPr id="2" name="Slide Number Placeholder 1">
+            <a:extLst>
+              <a:ext uri="{FF2B5EF4-FFF2-40B4-BE49-F238E27FC236}">
+                <a16:creationId xmlns:a16="http://schemas.microsoft.com/office/drawing/2014/main" id="{274D6FDD-D404-41C3-27BB-02967050121C}"/>
+              </a:ext>
+            </a:extLst>
+          </p:cNvPr>
+          <p:cNvSpPr>
+            <a:spLocks noGrp="1"/>
+          </p:cNvSpPr>
+          <p:nvPr>
+            <p:ph type="sldNum" sz="quarter" idx="10"/>
+          </p:nvPr>
+        </p:nvSpPr>
+        <p:spPr/>
+        <p:txBody>
+          <a:bodyPr/>
+          <a:lstStyle/>
+          <a:p>
+            <a:fld id="{DE0D52F3-54CA-4E42-BFA9-4F0301781925}" type="slidenum">
+              <a:rPr lang="en-US" smtClean="0"/>
+              <a:pPr/>
+              <a:t>8</a:t>
+            </a:fld>
+            <a:endParaRPr lang="en-US" sz="1400" dirty="0"/>
+          </a:p>
+        </p:txBody>
+      </p:sp>
     </p:spTree>
     <p:extLst>
       <p:ext uri="{BB962C8B-B14F-4D97-AF65-F5344CB8AC3E}">
@@ -12324,7 +18653,7 @@
 </p:sld>
 </file>
 
-<file path=ppt/slides/slide7.xml><?xml version="1.0" encoding="utf-8"?>
+<file path=ppt/slides/slide9.xml><?xml version="1.0" encoding="utf-8"?>
 <p:sld xmlns:a="http://schemas.openxmlformats.org/drawingml/2006/main" xmlns:r="http://schemas.openxmlformats.org/officeDocument/2006/relationships" xmlns:p="http://schemas.openxmlformats.org/presentationml/2006/main">
   <p:cSld>
     <p:spTree>
@@ -12332,7 +18661,7 @@
         <p:cNvPr id="1" name="">
           <a:extLst>
             <a:ext uri="{FF2B5EF4-FFF2-40B4-BE49-F238E27FC236}">
-              <a16:creationId xmlns:a16="http://schemas.microsoft.com/office/drawing/2014/main" id="{53CB9842-CA4C-72DF-2790-831AEFB20D74}"/>
+              <a16:creationId xmlns:a16="http://schemas.microsoft.com/office/drawing/2014/main" id="{0F82867B-0F21-9C7A-9550-D849596B3E3A}"/>
             </a:ext>
           </a:extLst>
         </p:cNvPr>
@@ -12352,7 +18681,7 @@
           <p:cNvPr id="4" name="Title 3">
             <a:extLst>
               <a:ext uri="{FF2B5EF4-FFF2-40B4-BE49-F238E27FC236}">
-                <a16:creationId xmlns:a16="http://schemas.microsoft.com/office/drawing/2014/main" id="{8E087907-0FC7-F78B-2D15-4512DC866728}"/>
+                <a16:creationId xmlns:a16="http://schemas.microsoft.com/office/drawing/2014/main" id="{3C7D1D01-50C5-2CC2-B66D-9B9C096B891F}"/>
               </a:ext>
             </a:extLst>
           </p:cNvPr>
@@ -12365,8 +18694,8 @@
         </p:nvSpPr>
         <p:spPr>
           <a:xfrm>
-            <a:off x="364067" y="306073"/>
-            <a:ext cx="8421512" cy="707886"/>
+            <a:off x="361244" y="253724"/>
+            <a:ext cx="8421512" cy="646331"/>
           </a:xfrm>
         </p:spPr>
         <p:txBody>
@@ -12374,8 +18703,8 @@
           <a:lstStyle/>
           <a:p>
             <a:r>
-              <a:rPr lang="en-US" sz="4000" dirty="0"/>
-              <a:t>Reaction Rates Factors</a:t>
+              <a:rPr lang="en-US" sz="3600" dirty="0"/>
+              <a:t>Reaction Rates Factors: Temperature</a:t>
             </a:r>
           </a:p>
         </p:txBody>
@@ -12385,7 +18714,7 @@
           <p:cNvPr id="5" name="Content Placeholder 4">
             <a:extLst>
               <a:ext uri="{FF2B5EF4-FFF2-40B4-BE49-F238E27FC236}">
-                <a16:creationId xmlns:a16="http://schemas.microsoft.com/office/drawing/2014/main" id="{BB52F8CB-77FD-C4CF-A21A-E0580622DE5A}"/>
+                <a16:creationId xmlns:a16="http://schemas.microsoft.com/office/drawing/2014/main" id="{0D387530-928C-9D76-0D81-27DA087909F9}"/>
               </a:ext>
             </a:extLst>
           </p:cNvPr>
@@ -12396,7 +18725,12 @@
             <p:ph idx="1"/>
           </p:nvPr>
         </p:nvSpPr>
-        <p:spPr/>
+        <p:spPr>
+          <a:xfrm>
+            <a:off x="372533" y="1013960"/>
+            <a:ext cx="8387645" cy="5533596"/>
+          </a:xfrm>
+        </p:spPr>
         <p:txBody>
           <a:bodyPr/>
           <a:lstStyle/>
@@ -12405,102 +18739,156 @@
               <a:buNone/>
             </a:pPr>
             <a:r>
-              <a:rPr lang="en-US" sz="2800" dirty="0"/>
+              <a:rPr lang="en-US" dirty="0"/>
+              <a:t>(</a:t>
+            </a:r>
+            <a:r>
+              <a:rPr lang="en-US" dirty="0" err="1"/>
+              <a:t>i</a:t>
+            </a:r>
+            <a:r>
+              <a:rPr lang="en-US" dirty="0"/>
+              <a:t>) </a:t>
+            </a:r>
+            <a:r>
+              <a:rPr lang="en-US" dirty="0">
+                <a:solidFill>
+                  <a:srgbClr val="00FF00"/>
+                </a:solidFill>
+              </a:rPr>
+              <a:t>Collision frequency</a:t>
+            </a:r>
+            <a:r>
+              <a:rPr lang="en-US" dirty="0"/>
+              <a:t>, (ii) </a:t>
+            </a:r>
+            <a:r>
+              <a:rPr lang="en-US" dirty="0">
+                <a:solidFill>
+                  <a:srgbClr val="00FF00"/>
+                </a:solidFill>
+              </a:rPr>
+              <a:t>collision energy</a:t>
+            </a:r>
+            <a:r>
+              <a:rPr lang="en-US" dirty="0"/>
+              <a:t>, and (iii) </a:t>
+            </a:r>
+            <a:r>
+              <a:rPr lang="en-US" dirty="0">
+                <a:solidFill>
+                  <a:srgbClr val="00FF00"/>
+                </a:solidFill>
+              </a:rPr>
+              <a:t>geometric orientation</a:t>
+            </a:r>
+            <a:r>
+              <a:rPr lang="en-US" dirty="0"/>
+              <a:t> are factors in a successful reaction</a:t>
+            </a:r>
+          </a:p>
+          <a:p>
+            <a:r>
+              <a:rPr lang="en-US" dirty="0">
+                <a:solidFill>
+                  <a:srgbClr val="00FF00"/>
+                </a:solidFill>
+              </a:rPr>
               <a:t>Temperature</a:t>
             </a:r>
-          </a:p>
-          <a:p>
-            <a:pPr marL="0" indent="0">
-              <a:buNone/>
-            </a:pPr>
-            <a:r>
-              <a:rPr lang="en-US" sz="2800" dirty="0"/>
-              <a:t>Concentration</a:t>
-            </a:r>
-          </a:p>
-          <a:p>
-            <a:pPr marL="0" indent="0">
-              <a:buNone/>
-            </a:pPr>
-            <a:r>
-              <a:rPr lang="en-US" sz="2800" dirty="0"/>
-              <a:t>Catalysts</a:t>
+            <a:r>
+              <a:rPr lang="en-US" dirty="0"/>
+              <a:t> affects </a:t>
+            </a:r>
+            <a:r>
+              <a:rPr lang="en-US" dirty="0">
+                <a:solidFill>
+                  <a:srgbClr val="FFFF00"/>
+                </a:solidFill>
+              </a:rPr>
+              <a:t>collision frequency</a:t>
+            </a:r>
+          </a:p>
+          <a:p>
+            <a:r>
+              <a:rPr lang="en-US" dirty="0"/>
+              <a:t>Temperature affects </a:t>
+            </a:r>
+            <a:r>
+              <a:rPr lang="en-US" dirty="0">
+                <a:solidFill>
+                  <a:schemeClr val="accent1">
+                    <a:lumMod val="60000"/>
+                    <a:lumOff val="40000"/>
+                  </a:schemeClr>
+                </a:solidFill>
+              </a:rPr>
+              <a:t>average velocity</a:t>
+            </a:r>
+            <a:r>
+              <a:rPr lang="en-US" dirty="0"/>
+              <a:t>, and velocity is a factor in </a:t>
+            </a:r>
+            <a:r>
+              <a:rPr lang="en-US" dirty="0">
+                <a:solidFill>
+                  <a:schemeClr val="accent1">
+                    <a:lumMod val="60000"/>
+                    <a:lumOff val="40000"/>
+                  </a:schemeClr>
+                </a:solidFill>
+              </a:rPr>
+              <a:t>kinetic energy</a:t>
+            </a:r>
+            <a:r>
+              <a:rPr lang="en-US" dirty="0"/>
+              <a:t>. Particles collide more frequently</a:t>
+            </a:r>
+          </a:p>
+          <a:p>
+            <a:r>
+              <a:rPr lang="en-US" dirty="0"/>
+              <a:t>But </a:t>
+            </a:r>
+            <a:r>
+              <a:rPr lang="en-US" dirty="0">
+                <a:solidFill>
+                  <a:schemeClr val="accent1">
+                    <a:lumMod val="60000"/>
+                    <a:lumOff val="40000"/>
+                  </a:schemeClr>
+                </a:solidFill>
+              </a:rPr>
+              <a:t>temperature</a:t>
+            </a:r>
+            <a:r>
+              <a:rPr lang="en-US" dirty="0"/>
+              <a:t> directly affects activation energy </a:t>
+            </a:r>
+            <a:r>
+              <a:rPr lang="en-US" i="1" dirty="0" err="1"/>
+              <a:t>E</a:t>
+            </a:r>
+            <a:r>
+              <a:rPr lang="en-US" baseline="-25000" dirty="0" err="1"/>
+              <a:t>a</a:t>
+            </a:r>
+            <a:endParaRPr lang="en-US" baseline="-25000" dirty="0"/>
+          </a:p>
+          <a:p>
+            <a:r>
+              <a:rPr lang="en-US" dirty="0"/>
+              <a:t>Keeping environments cold versus warm versus hot is understood to control chemical reactions that, for example, might lead to preservation or spoilage of food</a:t>
             </a:r>
           </a:p>
         </p:txBody>
       </p:sp>
-      <p:pic>
-        <p:nvPicPr>
-          <p:cNvPr id="3" name="Picture 2">
+      <p:sp>
+        <p:nvSpPr>
+          <p:cNvPr id="2" name="Slide Number Placeholder 1">
             <a:extLst>
               <a:ext uri="{FF2B5EF4-FFF2-40B4-BE49-F238E27FC236}">
-                <a16:creationId xmlns:a16="http://schemas.microsoft.com/office/drawing/2014/main" id="{52000097-0E3F-4AB3-5541-0C2B80C5F840}"/>
-              </a:ext>
-            </a:extLst>
-          </p:cNvPr>
-          <p:cNvPicPr>
-            <a:picLocks noChangeAspect="1"/>
-          </p:cNvPicPr>
-          <p:nvPr/>
-        </p:nvPicPr>
-        <p:blipFill>
-          <a:blip r:embed="rId2"/>
-          <a:stretch>
-            <a:fillRect/>
-          </a:stretch>
-        </p:blipFill>
-        <p:spPr>
-          <a:xfrm>
-            <a:off x="1677875" y="2216187"/>
-            <a:ext cx="6154009" cy="4010585"/>
-          </a:xfrm>
-          <a:prstGeom prst="rect">
-            <a:avLst/>
-          </a:prstGeom>
-        </p:spPr>
-      </p:pic>
-    </p:spTree>
-    <p:extLst>
-      <p:ext uri="{BB962C8B-B14F-4D97-AF65-F5344CB8AC3E}">
-        <p14:creationId xmlns:p14="http://schemas.microsoft.com/office/powerpoint/2010/main" val="4089306857"/>
-      </p:ext>
-    </p:extLst>
-  </p:cSld>
-  <p:clrMapOvr>
-    <a:masterClrMapping/>
-  </p:clrMapOvr>
-</p:sld>
-</file>
-
-<file path=ppt/slides/slide8.xml><?xml version="1.0" encoding="utf-8"?>
-<p:sld xmlns:a="http://schemas.openxmlformats.org/drawingml/2006/main" xmlns:r="http://schemas.openxmlformats.org/officeDocument/2006/relationships" xmlns:p="http://schemas.openxmlformats.org/presentationml/2006/main">
-  <p:cSld>
-    <p:spTree>
-      <p:nvGrpSpPr>
-        <p:cNvPr id="1" name="">
-          <a:extLst>
-            <a:ext uri="{FF2B5EF4-FFF2-40B4-BE49-F238E27FC236}">
-              <a16:creationId xmlns:a16="http://schemas.microsoft.com/office/drawing/2014/main" id="{20F894AA-624B-EBF9-3221-B4D6E4477B0A}"/>
-            </a:ext>
-          </a:extLst>
-        </p:cNvPr>
-        <p:cNvGrpSpPr/>
-        <p:nvPr/>
-      </p:nvGrpSpPr>
-      <p:grpSpPr>
-        <a:xfrm>
-          <a:off x="0" y="0"/>
-          <a:ext cx="0" cy="0"/>
-          <a:chOff x="0" y="0"/>
-          <a:chExt cx="0" cy="0"/>
-        </a:xfrm>
-      </p:grpSpPr>
-      <p:sp>
-        <p:nvSpPr>
-          <p:cNvPr id="4" name="Title 3">
-            <a:extLst>
-              <a:ext uri="{FF2B5EF4-FFF2-40B4-BE49-F238E27FC236}">
-                <a16:creationId xmlns:a16="http://schemas.microsoft.com/office/drawing/2014/main" id="{B71F2F67-83D9-D2F3-57FF-D09023E4BE49}"/>
+                <a16:creationId xmlns:a16="http://schemas.microsoft.com/office/drawing/2014/main" id="{A48A2FD9-6E6D-A19A-7759-F4C4781065C6}"/>
               </a:ext>
             </a:extLst>
           </p:cNvPr>
@@ -12508,40 +18896,7 @@
             <a:spLocks noGrp="1"/>
           </p:cNvSpPr>
           <p:nvPr>
-            <p:ph type="title"/>
-          </p:nvPr>
-        </p:nvSpPr>
-        <p:spPr>
-          <a:xfrm>
-            <a:off x="364067" y="306073"/>
-            <a:ext cx="8421512" cy="707886"/>
-          </a:xfrm>
-        </p:spPr>
-        <p:txBody>
-          <a:bodyPr/>
-          <a:lstStyle/>
-          <a:p>
-            <a:r>
-              <a:rPr lang="en-US" sz="4000" dirty="0"/>
-              <a:t>Reaction Rates Factors</a:t>
-            </a:r>
-          </a:p>
-        </p:txBody>
-      </p:sp>
-      <p:sp>
-        <p:nvSpPr>
-          <p:cNvPr id="5" name="Content Placeholder 4">
-            <a:extLst>
-              <a:ext uri="{FF2B5EF4-FFF2-40B4-BE49-F238E27FC236}">
-                <a16:creationId xmlns:a16="http://schemas.microsoft.com/office/drawing/2014/main" id="{6FBC38B7-E72E-EE0A-D1FF-846602722E31}"/>
-              </a:ext>
-            </a:extLst>
-          </p:cNvPr>
-          <p:cNvSpPr>
-            <a:spLocks noGrp="1"/>
-          </p:cNvSpPr>
-          <p:nvPr>
-            <p:ph idx="1"/>
+            <p:ph type="sldNum" sz="quarter" idx="10"/>
           </p:nvPr>
         </p:nvSpPr>
         <p:spPr/>
@@ -12549,216 +18904,19 @@
           <a:bodyPr/>
           <a:lstStyle/>
           <a:p>
-            <a:pPr marL="0" indent="0">
-              <a:buNone/>
-            </a:pPr>
-            <a:r>
-              <a:rPr lang="en-US" sz="2800" dirty="0"/>
-              <a:t>Temperature</a:t>
-            </a:r>
-          </a:p>
-          <a:p>
-            <a:pPr marL="0" indent="0">
-              <a:buNone/>
-            </a:pPr>
-            <a:r>
-              <a:rPr lang="en-US" sz="2800" dirty="0"/>
-              <a:t>Concentration</a:t>
-            </a:r>
-          </a:p>
-          <a:p>
-            <a:pPr marL="0" indent="0">
-              <a:buNone/>
-            </a:pPr>
-            <a:r>
-              <a:rPr lang="en-US" sz="2800" dirty="0"/>
-              <a:t>Catalysts</a:t>
-            </a:r>
+            <a:fld id="{DE0D52F3-54CA-4E42-BFA9-4F0301781925}" type="slidenum">
+              <a:rPr lang="en-US" smtClean="0"/>
+              <a:pPr/>
+              <a:t>9</a:t>
+            </a:fld>
+            <a:endParaRPr lang="en-US" sz="1400" dirty="0"/>
           </a:p>
         </p:txBody>
       </p:sp>
-      <p:pic>
-        <p:nvPicPr>
-          <p:cNvPr id="6" name="Picture 5">
-            <a:extLst>
-              <a:ext uri="{FF2B5EF4-FFF2-40B4-BE49-F238E27FC236}">
-                <a16:creationId xmlns:a16="http://schemas.microsoft.com/office/drawing/2014/main" id="{B7DECAC9-A88F-C686-8079-E8A71947D345}"/>
-              </a:ext>
-            </a:extLst>
-          </p:cNvPr>
-          <p:cNvPicPr>
-            <a:picLocks noChangeAspect="1"/>
-          </p:cNvPicPr>
-          <p:nvPr/>
-        </p:nvPicPr>
-        <p:blipFill>
-          <a:blip r:embed="rId2"/>
-          <a:stretch>
-            <a:fillRect/>
-          </a:stretch>
-        </p:blipFill>
-        <p:spPr>
-          <a:xfrm>
-            <a:off x="1202502" y="2790550"/>
-            <a:ext cx="6744641" cy="3943900"/>
-          </a:xfrm>
-          <a:prstGeom prst="rect">
-            <a:avLst/>
-          </a:prstGeom>
-        </p:spPr>
-      </p:pic>
     </p:spTree>
     <p:extLst>
       <p:ext uri="{BB962C8B-B14F-4D97-AF65-F5344CB8AC3E}">
-        <p14:creationId xmlns:p14="http://schemas.microsoft.com/office/powerpoint/2010/main" val="4237323244"/>
-      </p:ext>
-    </p:extLst>
-  </p:cSld>
-  <p:clrMapOvr>
-    <a:masterClrMapping/>
-  </p:clrMapOvr>
-</p:sld>
-</file>
-
-<file path=ppt/slides/slide9.xml><?xml version="1.0" encoding="utf-8"?>
-<p:sld xmlns:a="http://schemas.openxmlformats.org/drawingml/2006/main" xmlns:r="http://schemas.openxmlformats.org/officeDocument/2006/relationships" xmlns:p="http://schemas.openxmlformats.org/presentationml/2006/main">
-  <p:cSld>
-    <p:spTree>
-      <p:nvGrpSpPr>
-        <p:cNvPr id="1" name="">
-          <a:extLst>
-            <a:ext uri="{FF2B5EF4-FFF2-40B4-BE49-F238E27FC236}">
-              <a16:creationId xmlns:a16="http://schemas.microsoft.com/office/drawing/2014/main" id="{B37C87DC-DD36-4B88-0717-3070AAA22002}"/>
-            </a:ext>
-          </a:extLst>
-        </p:cNvPr>
-        <p:cNvGrpSpPr/>
-        <p:nvPr/>
-      </p:nvGrpSpPr>
-      <p:grpSpPr>
-        <a:xfrm>
-          <a:off x="0" y="0"/>
-          <a:ext cx="0" cy="0"/>
-          <a:chOff x="0" y="0"/>
-          <a:chExt cx="0" cy="0"/>
-        </a:xfrm>
-      </p:grpSpPr>
-      <p:sp>
-        <p:nvSpPr>
-          <p:cNvPr id="4" name="Title 3">
-            <a:extLst>
-              <a:ext uri="{FF2B5EF4-FFF2-40B4-BE49-F238E27FC236}">
-                <a16:creationId xmlns:a16="http://schemas.microsoft.com/office/drawing/2014/main" id="{A82DBCFC-D394-3715-1F88-5C2A42FB59C8}"/>
-              </a:ext>
-            </a:extLst>
-          </p:cNvPr>
-          <p:cNvSpPr>
-            <a:spLocks noGrp="1"/>
-          </p:cNvSpPr>
-          <p:nvPr>
-            <p:ph type="title"/>
-          </p:nvPr>
-        </p:nvSpPr>
-        <p:spPr>
-          <a:xfrm>
-            <a:off x="364067" y="306073"/>
-            <a:ext cx="8421512" cy="707886"/>
-          </a:xfrm>
-        </p:spPr>
-        <p:txBody>
-          <a:bodyPr/>
-          <a:lstStyle/>
-          <a:p>
-            <a:r>
-              <a:rPr lang="en-US" sz="4000" dirty="0"/>
-              <a:t>Dynamic Equilibrium</a:t>
-            </a:r>
-          </a:p>
-        </p:txBody>
-      </p:sp>
-      <p:sp>
-        <p:nvSpPr>
-          <p:cNvPr id="5" name="Content Placeholder 4">
-            <a:extLst>
-              <a:ext uri="{FF2B5EF4-FFF2-40B4-BE49-F238E27FC236}">
-                <a16:creationId xmlns:a16="http://schemas.microsoft.com/office/drawing/2014/main" id="{36F1D10E-5D25-EF1E-2F04-1F273824D8EE}"/>
-              </a:ext>
-            </a:extLst>
-          </p:cNvPr>
-          <p:cNvSpPr>
-            <a:spLocks noGrp="1"/>
-          </p:cNvSpPr>
-          <p:nvPr>
-            <p:ph idx="1"/>
-          </p:nvPr>
-        </p:nvSpPr>
-        <p:spPr/>
-        <p:txBody>
-          <a:bodyPr/>
-          <a:lstStyle/>
-          <a:p>
-            <a:pPr marL="0" indent="0">
-              <a:buNone/>
-            </a:pPr>
-            <a:r>
-              <a:rPr lang="en-US" sz="2800" dirty="0"/>
-              <a:t>Temperature</a:t>
-            </a:r>
-          </a:p>
-          <a:p>
-            <a:pPr marL="0" indent="0">
-              <a:buNone/>
-            </a:pPr>
-            <a:r>
-              <a:rPr lang="en-US" sz="2800" dirty="0"/>
-              <a:t>Concentration</a:t>
-            </a:r>
-          </a:p>
-          <a:p>
-            <a:pPr marL="0" indent="0">
-              <a:buNone/>
-            </a:pPr>
-            <a:r>
-              <a:rPr lang="en-US" sz="2800" dirty="0"/>
-              <a:t>Catalysts</a:t>
-            </a:r>
-          </a:p>
-        </p:txBody>
-      </p:sp>
-      <p:pic>
-        <p:nvPicPr>
-          <p:cNvPr id="3" name="Picture 2">
-            <a:extLst>
-              <a:ext uri="{FF2B5EF4-FFF2-40B4-BE49-F238E27FC236}">
-                <a16:creationId xmlns:a16="http://schemas.microsoft.com/office/drawing/2014/main" id="{52A1C985-9058-0EE8-D2D2-8B1261C51D5A}"/>
-              </a:ext>
-            </a:extLst>
-          </p:cNvPr>
-          <p:cNvPicPr>
-            <a:picLocks noChangeAspect="1"/>
-          </p:cNvPicPr>
-          <p:nvPr/>
-        </p:nvPicPr>
-        <p:blipFill>
-          <a:blip r:embed="rId2"/>
-          <a:stretch>
-            <a:fillRect/>
-          </a:stretch>
-        </p:blipFill>
-        <p:spPr>
-          <a:xfrm>
-            <a:off x="1442590" y="1013959"/>
-            <a:ext cx="6411220" cy="5572903"/>
-          </a:xfrm>
-          <a:prstGeom prst="rect">
-            <a:avLst/>
-          </a:prstGeom>
-        </p:spPr>
-      </p:pic>
-    </p:spTree>
-    <p:extLst>
-      <p:ext uri="{BB962C8B-B14F-4D97-AF65-F5344CB8AC3E}">
-        <p14:creationId xmlns:p14="http://schemas.microsoft.com/office/powerpoint/2010/main" val="3195226364"/>
+        <p14:creationId xmlns:p14="http://schemas.microsoft.com/office/powerpoint/2010/main" val="2137954216"/>
       </p:ext>
     </p:extLst>
   </p:cSld>
